--- a/updated_example.pptx
+++ b/updated_example.pptx
@@ -13448,13 +13448,48 @@
               <a:tabLst/>
             </a:pPr>
             <a:r>
-              <a:rPr sz="1200" b="1">
+              <a:rPr lang="en-US" altLang="ru-RU" sz="1200" b="1" dirty="0">
                 <a:solidFill>
                   <a:srgbClr val="FFFFFF"/>
                 </a:solidFill>
-                <a:latin typeface="Montserrat SemiBolt"/>
+                <a:latin typeface="Montserrat SemiBold" pitchFamily="2" charset="0"/>
               </a:rPr>
-              <a:t>08.06</a:t>
+              <a:t>2</a:t>
+            </a:r>
+            <a:r>
+              <a:rPr lang="ru-RU" altLang="ru-RU" sz="1200" b="1" dirty="0">
+                <a:solidFill>
+                  <a:srgbClr val="FFFFFF"/>
+                </a:solidFill>
+                <a:latin typeface="Montserrat SemiBold" pitchFamily="2" charset="0"/>
+              </a:rPr>
+              <a:t>7</a:t>
+            </a:r>
+            <a:r>
+              <a:rPr kumimoji="0" lang="ru-RU" altLang="ru-RU" sz="1200" b="1" u="none" strike="noStrike" cap="none" normalizeH="0" baseline="0" dirty="0">
+                <a:ln>
+                  <a:noFill/>
+                </a:ln>
+                <a:solidFill>
+                  <a:srgbClr val="FFFFFF"/>
+                </a:solidFill>
+                <a:effectLst/>
+                <a:latin typeface="Montserrat SemiBold" pitchFamily="2" charset="0"/>
+              </a:rPr>
+              <a:t>.</a:t>
+            </a:r>
+            <a:r>
+              <a:rPr kumimoji="0" lang="en-US" altLang="ru-RU" sz="1200" b="1" u="none" strike="noStrike" cap="none" normalizeH="0" baseline="0" dirty="0">
+                <a:ln>
+                  <a:noFill/>
+                </a:ln>
+                <a:solidFill>
+                  <a:srgbClr val="FFFFFF"/>
+                </a:solidFill>
+                <a:effectLst/>
+                <a:latin typeface="Montserrat SemiBold" pitchFamily="2" charset="0"/>
+              </a:rPr>
+              <a:t>06</a:t>
             </a:r>
             <a:endParaRPr kumimoji="0" lang="ru-RU" altLang="ru-RU" sz="1800" b="1" u="none" strike="noStrike" cap="none" normalizeH="0" baseline="0" dirty="0">
               <a:ln>
@@ -13668,13 +13703,30 @@
               <a:tabLst/>
             </a:pPr>
             <a:r>
-              <a:rPr sz="800">
+              <a:rPr kumimoji="0" lang="ru-RU" altLang="ru-RU" sz="800" b="0" i="0" u="none" strike="noStrike" cap="none" normalizeH="0" baseline="0" dirty="0">
+                <a:ln>
+                  <a:noFill/>
+                </a:ln>
                 <a:solidFill>
                   <a:srgbClr val="FFFFFF"/>
                 </a:solidFill>
-                <a:latin typeface="Montserrat"/>
+                <a:effectLst/>
+                <a:latin typeface="Montserrat" pitchFamily="2" charset="0"/>
               </a:rPr>
-              <a:t>2023</a:t>
+              <a:t>202</a:t>
+            </a:r>
+            <a:r>
+              <a:rPr kumimoji="0" lang="en-US" altLang="ru-RU" sz="800" b="0" i="0" u="none" strike="noStrike" cap="none" normalizeH="0" baseline="0" dirty="0">
+                <a:ln>
+                  <a:noFill/>
+                </a:ln>
+                <a:solidFill>
+                  <a:srgbClr val="FFFFFF"/>
+                </a:solidFill>
+                <a:effectLst/>
+                <a:latin typeface="Montserrat" pitchFamily="2" charset="0"/>
+              </a:rPr>
+              <a:t>3</a:t>
             </a:r>
             <a:endParaRPr kumimoji="0" lang="ru-RU" altLang="ru-RU" sz="1800" b="0" i="0" u="none" strike="noStrike" cap="none" normalizeH="0" baseline="0" dirty="0">
               <a:ln>
@@ -14508,25 +14560,59 @@
                     <a:p>
                       <a:pPr algn="ctr"/>
                       <a:r>
-                        <a:rPr sz="1100" b="1">
+                        <a:rPr lang="ru-RU" sz="1100" b="1" dirty="0">
                           <a:solidFill>
                             <a:srgbClr val="4D4D4D"/>
                           </a:solidFill>
-                          <a:latin typeface="Montserrat"/>
-                        </a:rPr>
-                        <a:t>520</a:t>
-                      </a:r>
+                          <a:latin typeface="Montserrat" pitchFamily="2" charset="0"/>
+                          <a:ea typeface="Roboto" panose="02000000000000000000" pitchFamily="2" charset="0"/>
+                          <a:cs typeface="Roboto" panose="02000000000000000000" pitchFamily="2" charset="0"/>
+                        </a:rPr>
+                        <a:t>51</a:t>
+                      </a:r>
+                      <a:r>
+                        <a:rPr lang="en-US" sz="1100" b="1" dirty="0">
+                          <a:solidFill>
+                            <a:srgbClr val="4D4D4D"/>
+                          </a:solidFill>
+                          <a:latin typeface="Montserrat" pitchFamily="2" charset="0"/>
+                          <a:ea typeface="Roboto" panose="02000000000000000000" pitchFamily="2" charset="0"/>
+                          <a:cs typeface="Roboto" panose="02000000000000000000" pitchFamily="2" charset="0"/>
+                        </a:rPr>
+                        <a:t>8</a:t>
+                      </a:r>
+                      <a:endParaRPr lang="ru-RU" sz="1100" b="1" dirty="0">
+                        <a:solidFill>
+                          <a:srgbClr val="4D4D4D"/>
+                        </a:solidFill>
+                        <a:latin typeface="Montserrat" pitchFamily="2" charset="0"/>
+                        <a:ea typeface="Roboto" panose="02000000000000000000" pitchFamily="2" charset="0"/>
+                        <a:cs typeface="Roboto" panose="02000000000000000000" pitchFamily="2" charset="0"/>
+                      </a:endParaRPr>
                     </a:p>
                     <a:p>
                       <a:pPr algn="ctr"/>
                       <a:r>
-                        <a:rPr sz="900">
+                        <a:rPr lang="en-US" sz="900" dirty="0">
                           <a:solidFill>
                             <a:srgbClr val="999999"/>
                           </a:solidFill>
-                          <a:latin typeface="Montserrat"/>
-                        </a:rPr>
-                        <a:t>USD/т</a:t>
+                          <a:latin typeface="Montserrat" pitchFamily="2" charset="0"/>
+                          <a:ea typeface="Roboto" panose="02000000000000000000" pitchFamily="2" charset="0"/>
+                          <a:cs typeface="Roboto" panose="02000000000000000000" pitchFamily="2" charset="0"/>
+                        </a:rPr>
+                        <a:t>USD/</a:t>
+                      </a:r>
+                      <a:r>
+                        <a:rPr lang="ru-RU" sz="900" dirty="0">
+                          <a:solidFill>
+                            <a:srgbClr val="999999"/>
+                          </a:solidFill>
+                          <a:latin typeface="Montserrat" pitchFamily="2" charset="0"/>
+                          <a:ea typeface="Roboto" panose="02000000000000000000" pitchFamily="2" charset="0"/>
+                          <a:cs typeface="Roboto" panose="02000000000000000000" pitchFamily="2" charset="0"/>
+                        </a:rPr>
+                        <a:t>т</a:t>
                       </a:r>
                     </a:p>
                   </a:txBody>
@@ -14572,10 +14658,37 @@
                     <a:bodyPr/>
                     <a:lstStyle/>
                     <a:p>
-                      <a:pPr algn="ctr"/>
-                      <a:r>
-                        <a:rPr sz="1100" b="1">
-                          <a:latin typeface="Montserrat SemiBold"/>
+                      <a:pPr marL="0" marR="0" lvl="0" indent="0" algn="ctr" defTabSz="476220" rtl="0" eaLnBrk="1" fontAlgn="auto" latinLnBrk="0" hangingPunct="1">
+                        <a:lnSpc>
+                          <a:spcPct val="100000"/>
+                        </a:lnSpc>
+                        <a:spcBef>
+                          <a:spcPts val="0"/>
+                        </a:spcBef>
+                        <a:spcAft>
+                          <a:spcPts val="0"/>
+                        </a:spcAft>
+                        <a:buClrTx/>
+                        <a:buSzTx/>
+                        <a:buFontTx/>
+                        <a:buNone/>
+                        <a:tabLst/>
+                        <a:defRPr/>
+                      </a:pPr>
+                      <a:r>
+                        <a:rPr kumimoji="0" lang="ru-RU" sz="1100" b="1" i="0" u="none" strike="noStrike" kern="1200" cap="none" spc="0" normalizeH="0" baseline="0" noProof="0" dirty="0">
+                          <a:ln>
+                            <a:noFill/>
+                          </a:ln>
+                          <a:solidFill>
+                            <a:srgbClr val="4D4D4D"/>
+                          </a:solidFill>
+                          <a:effectLst/>
+                          <a:uLnTx/>
+                          <a:uFillTx/>
+                          <a:latin typeface="Montserrat SemiBold" pitchFamily="2" charset="0"/>
+                          <a:ea typeface="Roboto" panose="02000000000000000000" pitchFamily="2" charset="0"/>
+                          <a:cs typeface="Roboto" panose="02000000000000000000" pitchFamily="2" charset="0"/>
                         </a:rPr>
                         <a:t>-</a:t>
                       </a:r>
@@ -14616,8 +14729,202 @@
                       <a:headEnd type="none" w="med" len="med"/>
                       <a:tailEnd type="none" w="med" len="med"/>
                     </a:lnB>
+                    <a:noFill/>
+                  </a:tcPr>
+                </a:tc>
+                <a:tc>
+                  <a:txBody>
+                    <a:bodyPr/>
+                    <a:lstStyle/>
+                    <a:p>
+                      <a:pPr marL="0" marR="0" lvl="0" indent="0" algn="ctr" defTabSz="476220" rtl="0" eaLnBrk="1" fontAlgn="auto" latinLnBrk="0" hangingPunct="1">
+                        <a:lnSpc>
+                          <a:spcPts val="1400"/>
+                        </a:lnSpc>
+                        <a:spcBef>
+                          <a:spcPts val="0"/>
+                        </a:spcBef>
+                        <a:spcAft>
+                          <a:spcPts val="0"/>
+                        </a:spcAft>
+                        <a:buClrTx/>
+                        <a:buSzTx/>
+                        <a:buFontTx/>
+                        <a:buNone/>
+                        <a:tabLst/>
+                        <a:defRPr/>
+                      </a:pPr>
+                      <a:r>
+                        <a:rPr kumimoji="0" lang="en-US" sz="1100" b="1" i="0" u="none" strike="noStrike" kern="1200" cap="none" spc="0" normalizeH="0" baseline="0" noProof="0" dirty="0">
+                          <a:ln>
+                            <a:noFill/>
+                          </a:ln>
+                          <a:solidFill>
+                            <a:prstClr val="black"/>
+                          </a:solidFill>
+                          <a:effectLst/>
+                          <a:uLnTx/>
+                          <a:uFillTx/>
+                          <a:latin typeface="Montserrat SemiBold" pitchFamily="2" charset="0"/>
+                          <a:ea typeface="Roboto" panose="02000000000000000000" pitchFamily="2" charset="0"/>
+                          <a:cs typeface="Roboto" panose="02000000000000000000" pitchFamily="2" charset="0"/>
+                        </a:rPr>
+                        <a:t>+ 3</a:t>
+                      </a:r>
+                      <a:br>
+                        <a:rPr kumimoji="0" lang="en-US" sz="1100" b="1" i="0" u="none" strike="noStrike" kern="1200" cap="none" spc="0" normalizeH="0" baseline="0" noProof="0" dirty="0">
+                          <a:ln>
+                            <a:noFill/>
+                          </a:ln>
+                          <a:solidFill>
+                            <a:prstClr val="black"/>
+                          </a:solidFill>
+                          <a:effectLst/>
+                          <a:uLnTx/>
+                          <a:uFillTx/>
+                          <a:latin typeface="Montserrat SemiBold" pitchFamily="2" charset="0"/>
+                          <a:ea typeface="Roboto" panose="02000000000000000000" pitchFamily="2" charset="0"/>
+                          <a:cs typeface="Roboto" panose="02000000000000000000" pitchFamily="2" charset="0"/>
+                        </a:rPr>
+                      </a:br>
+                      <a:r>
+                        <a:rPr kumimoji="0" lang="ru-RU" sz="900" b="0" i="0" u="none" strike="noStrike" kern="1200" cap="none" spc="0" normalizeH="0" baseline="0" noProof="0" dirty="0">
+                          <a:ln>
+                            <a:noFill/>
+                          </a:ln>
+                          <a:solidFill>
+                            <a:prstClr val="black"/>
+                          </a:solidFill>
+                          <a:effectLst/>
+                          <a:uLnTx/>
+                          <a:uFillTx/>
+                          <a:latin typeface="Montserrat Light" pitchFamily="2" charset="0"/>
+                          <a:ea typeface="Roboto" panose="02000000000000000000" pitchFamily="2" charset="0"/>
+                          <a:cs typeface="Roboto" panose="02000000000000000000" pitchFamily="2" charset="0"/>
+                        </a:rPr>
+                        <a:t>(</a:t>
+                      </a:r>
+                      <a:r>
+                        <a:rPr kumimoji="0" lang="en-US" sz="900" b="0" i="0" u="none" strike="noStrike" kern="1200" cap="none" spc="0" normalizeH="0" baseline="0" noProof="0" dirty="0">
+                          <a:ln>
+                            <a:noFill/>
+                          </a:ln>
+                          <a:solidFill>
+                            <a:prstClr val="black"/>
+                          </a:solidFill>
+                          <a:effectLst/>
+                          <a:uLnTx/>
+                          <a:uFillTx/>
+                          <a:latin typeface="Montserrat Light" pitchFamily="2" charset="0"/>
+                          <a:ea typeface="Roboto" panose="02000000000000000000" pitchFamily="2" charset="0"/>
+                          <a:cs typeface="Roboto" panose="02000000000000000000" pitchFamily="2" charset="0"/>
+                        </a:rPr>
+                        <a:t>0</a:t>
+                      </a:r>
+                      <a:r>
+                        <a:rPr kumimoji="0" lang="ru-RU" sz="900" b="0" i="0" u="none" strike="noStrike" kern="1200" cap="none" spc="0" normalizeH="0" baseline="0" noProof="0" dirty="0">
+                          <a:ln>
+                            <a:noFill/>
+                          </a:ln>
+                          <a:solidFill>
+                            <a:prstClr val="black"/>
+                          </a:solidFill>
+                          <a:effectLst/>
+                          <a:uLnTx/>
+                          <a:uFillTx/>
+                          <a:latin typeface="Montserrat Light" pitchFamily="2" charset="0"/>
+                          <a:ea typeface="Roboto" panose="02000000000000000000" pitchFamily="2" charset="0"/>
+                          <a:cs typeface="Roboto" panose="02000000000000000000" pitchFamily="2" charset="0"/>
+                        </a:rPr>
+                        <a:t>,</a:t>
+                      </a:r>
+                      <a:r>
+                        <a:rPr kumimoji="0" lang="en-US" sz="900" b="0" i="0" u="none" strike="noStrike" kern="1200" cap="none" spc="0" normalizeH="0" baseline="0" noProof="0" dirty="0">
+                          <a:ln>
+                            <a:noFill/>
+                          </a:ln>
+                          <a:solidFill>
+                            <a:prstClr val="black"/>
+                          </a:solidFill>
+                          <a:effectLst/>
+                          <a:uLnTx/>
+                          <a:uFillTx/>
+                          <a:latin typeface="Montserrat Light" pitchFamily="2" charset="0"/>
+                          <a:ea typeface="Roboto" panose="02000000000000000000" pitchFamily="2" charset="0"/>
+                          <a:cs typeface="Roboto" panose="02000000000000000000" pitchFamily="2" charset="0"/>
+                        </a:rPr>
+                        <a:t>6</a:t>
+                      </a:r>
+                      <a:r>
+                        <a:rPr kumimoji="0" lang="ru-RU" sz="900" b="0" i="0" u="none" strike="noStrike" kern="1200" cap="none" spc="0" normalizeH="0" baseline="0" noProof="0" dirty="0">
+                          <a:ln>
+                            <a:noFill/>
+                          </a:ln>
+                          <a:solidFill>
+                            <a:prstClr val="black"/>
+                          </a:solidFill>
+                          <a:effectLst/>
+                          <a:uLnTx/>
+                          <a:uFillTx/>
+                          <a:latin typeface="Montserrat Light" pitchFamily="2" charset="0"/>
+                          <a:ea typeface="Roboto" panose="02000000000000000000" pitchFamily="2" charset="0"/>
+                          <a:cs typeface="Roboto" panose="02000000000000000000" pitchFamily="2" charset="0"/>
+                        </a:rPr>
+                        <a:t>%) </a:t>
+                      </a:r>
+                      <a:endParaRPr kumimoji="0" lang="ru-RU" sz="1100" b="0" i="0" u="none" strike="noStrike" kern="1200" cap="none" spc="0" normalizeH="0" baseline="0" noProof="0" dirty="0">
+                        <a:ln>
+                          <a:noFill/>
+                        </a:ln>
+                        <a:solidFill>
+                          <a:prstClr val="black"/>
+                        </a:solidFill>
+                        <a:effectLst/>
+                        <a:uLnTx/>
+                        <a:uFillTx/>
+                        <a:latin typeface="Montserrat Light" pitchFamily="2" charset="0"/>
+                        <a:ea typeface="Roboto" panose="02000000000000000000" pitchFamily="2" charset="0"/>
+                        <a:cs typeface="Roboto" panose="02000000000000000000" pitchFamily="2" charset="0"/>
+                      </a:endParaRPr>
+                    </a:p>
+                  </a:txBody>
+                  <a:tcPr marL="0" marR="0" marT="54000" anchor="ctr">
+                    <a:lnL w="12700" cap="flat" cmpd="sng" algn="ctr">
+                      <a:solidFill>
+                        <a:srgbClr val="E6E6E6"/>
+                      </a:solidFill>
+                      <a:prstDash val="solid"/>
+                      <a:round/>
+                      <a:headEnd type="none" w="med" len="med"/>
+                      <a:tailEnd type="none" w="med" len="med"/>
+                    </a:lnL>
+                    <a:lnR w="12700" cap="flat" cmpd="sng" algn="ctr">
+                      <a:solidFill>
+                        <a:srgbClr val="E6E6E6"/>
+                      </a:solidFill>
+                      <a:prstDash val="solid"/>
+                      <a:round/>
+                      <a:headEnd type="none" w="med" len="med"/>
+                      <a:tailEnd type="none" w="med" len="med"/>
+                    </a:lnR>
+                    <a:lnT w="12700" cap="flat" cmpd="sng" algn="ctr">
+                      <a:noFill/>
+                      <a:prstDash val="solid"/>
+                      <a:round/>
+                      <a:headEnd type="none" w="med" len="med"/>
+                      <a:tailEnd type="none" w="med" len="med"/>
+                    </a:lnT>
+                    <a:lnB w="12700" cap="flat" cmpd="sng" algn="ctr">
+                      <a:solidFill>
+                        <a:srgbClr val="E6E6E6"/>
+                      </a:solidFill>
+                      <a:prstDash val="solid"/>
+                      <a:round/>
+                      <a:headEnd type="none" w="med" len="med"/>
+                      <a:tailEnd type="none" w="med" len="med"/>
+                    </a:lnB>
                     <a:solidFill>
-                      <a:srgbClr val="FFFFFF"/>
+                      <a:schemeClr val="accent4"/>
                     </a:solidFill>
                   </a:tcPr>
                 </a:tc>
@@ -14626,22 +14933,155 @@
                     <a:bodyPr/>
                     <a:lstStyle/>
                     <a:p>
-                      <a:pPr algn="ctr"/>
-                      <a:r>
-                        <a:rPr sz="1100" b="1">
-                          <a:latin typeface="Montserrat SemiBold"/>
-                        </a:rPr>
-                        <a:t>-5</a:t>
-                      </a:r>
-                    </a:p>
-                    <a:p>
-                      <a:pPr algn="ctr"/>
-                      <a:r>
-                        <a:rPr sz="900">
-                          <a:latin typeface="Montserrat Light"/>
-                        </a:rPr>
-                        <a:t>(0.95%)</a:t>
-                      </a:r>
+                      <a:pPr marL="0" marR="0" lvl="0" indent="0" algn="ctr" defTabSz="476220" rtl="0" eaLnBrk="1" fontAlgn="auto" latinLnBrk="0" hangingPunct="1">
+                        <a:lnSpc>
+                          <a:spcPts val="1400"/>
+                        </a:lnSpc>
+                        <a:spcBef>
+                          <a:spcPts val="0"/>
+                        </a:spcBef>
+                        <a:spcAft>
+                          <a:spcPts val="0"/>
+                        </a:spcAft>
+                        <a:buClrTx/>
+                        <a:buSzTx/>
+                        <a:buFontTx/>
+                        <a:buNone/>
+                        <a:tabLst/>
+                        <a:defRPr/>
+                      </a:pPr>
+                      <a:r>
+                        <a:rPr kumimoji="0" lang="en-US" sz="1100" b="1" i="0" u="none" strike="noStrike" kern="1200" cap="none" spc="0" normalizeH="0" baseline="0" noProof="0" dirty="0">
+                          <a:ln>
+                            <a:noFill/>
+                          </a:ln>
+                          <a:solidFill>
+                            <a:prstClr val="black"/>
+                          </a:solidFill>
+                          <a:effectLst/>
+                          <a:uLnTx/>
+                          <a:uFillTx/>
+                          <a:latin typeface="Montserrat SemiBold" pitchFamily="2" charset="0"/>
+                          <a:ea typeface="Roboto" panose="02000000000000000000" pitchFamily="2" charset="0"/>
+                          <a:cs typeface="Roboto" panose="02000000000000000000" pitchFamily="2" charset="0"/>
+                        </a:rPr>
+                        <a:t>- 7</a:t>
+                      </a:r>
+                      <a:br>
+                        <a:rPr kumimoji="0" lang="en-US" sz="1100" b="1" i="0" u="none" strike="noStrike" kern="1200" cap="none" spc="0" normalizeH="0" baseline="0" noProof="0" dirty="0">
+                          <a:ln>
+                            <a:noFill/>
+                          </a:ln>
+                          <a:solidFill>
+                            <a:prstClr val="black"/>
+                          </a:solidFill>
+                          <a:effectLst/>
+                          <a:uLnTx/>
+                          <a:uFillTx/>
+                          <a:latin typeface="Montserrat SemiBold" pitchFamily="2" charset="0"/>
+                          <a:ea typeface="Roboto" panose="02000000000000000000" pitchFamily="2" charset="0"/>
+                          <a:cs typeface="Roboto" panose="02000000000000000000" pitchFamily="2" charset="0"/>
+                        </a:rPr>
+                      </a:br>
+                      <a:r>
+                        <a:rPr kumimoji="0" lang="ru-RU" sz="900" b="0" i="0" u="none" strike="noStrike" kern="1200" cap="none" spc="0" normalizeH="0" baseline="0" noProof="0" dirty="0">
+                          <a:ln>
+                            <a:noFill/>
+                          </a:ln>
+                          <a:solidFill>
+                            <a:prstClr val="black"/>
+                          </a:solidFill>
+                          <a:effectLst/>
+                          <a:uLnTx/>
+                          <a:uFillTx/>
+                          <a:latin typeface="Montserrat Light" pitchFamily="2" charset="0"/>
+                          <a:ea typeface="Roboto" panose="02000000000000000000" pitchFamily="2" charset="0"/>
+                          <a:cs typeface="Roboto" panose="02000000000000000000" pitchFamily="2" charset="0"/>
+                        </a:rPr>
+                        <a:t>(</a:t>
+                      </a:r>
+                      <a:r>
+                        <a:rPr kumimoji="0" lang="en-US" sz="900" b="0" i="0" u="none" strike="noStrike" kern="1200" cap="none" spc="0" normalizeH="0" baseline="0" noProof="0" dirty="0">
+                          <a:ln>
+                            <a:noFill/>
+                          </a:ln>
+                          <a:solidFill>
+                            <a:prstClr val="black"/>
+                          </a:solidFill>
+                          <a:effectLst/>
+                          <a:uLnTx/>
+                          <a:uFillTx/>
+                          <a:latin typeface="Montserrat Light" pitchFamily="2" charset="0"/>
+                          <a:ea typeface="Roboto" panose="02000000000000000000" pitchFamily="2" charset="0"/>
+                          <a:cs typeface="Roboto" panose="02000000000000000000" pitchFamily="2" charset="0"/>
+                        </a:rPr>
+                        <a:t>1</a:t>
+                      </a:r>
+                      <a:r>
+                        <a:rPr kumimoji="0" lang="ru-RU" sz="900" b="0" i="0" u="none" strike="noStrike" kern="1200" cap="none" spc="0" normalizeH="0" baseline="0" noProof="0" dirty="0">
+                          <a:ln>
+                            <a:noFill/>
+                          </a:ln>
+                          <a:solidFill>
+                            <a:prstClr val="black"/>
+                          </a:solidFill>
+                          <a:effectLst/>
+                          <a:uLnTx/>
+                          <a:uFillTx/>
+                          <a:latin typeface="Montserrat Light" pitchFamily="2" charset="0"/>
+                          <a:ea typeface="Roboto" panose="02000000000000000000" pitchFamily="2" charset="0"/>
+                          <a:cs typeface="Roboto" panose="02000000000000000000" pitchFamily="2" charset="0"/>
+                        </a:rPr>
+                        <a:t>,</a:t>
+                      </a:r>
+                      <a:r>
+                        <a:rPr kumimoji="0" lang="en-US" sz="900" b="0" i="0" u="none" strike="noStrike" kern="1200" cap="none" spc="0" normalizeH="0" baseline="0" noProof="0" dirty="0">
+                          <a:ln>
+                            <a:noFill/>
+                          </a:ln>
+                          <a:solidFill>
+                            <a:prstClr val="black"/>
+                          </a:solidFill>
+                          <a:effectLst/>
+                          <a:uLnTx/>
+                          <a:uFillTx/>
+                          <a:latin typeface="Montserrat Light" pitchFamily="2" charset="0"/>
+                          <a:ea typeface="Roboto" panose="02000000000000000000" pitchFamily="2" charset="0"/>
+                          <a:cs typeface="Roboto" panose="02000000000000000000" pitchFamily="2" charset="0"/>
+                        </a:rPr>
+                        <a:t>3</a:t>
+                      </a:r>
+                      <a:r>
+                        <a:rPr kumimoji="0" lang="ru-RU" sz="900" b="0" i="0" u="none" strike="noStrike" kern="1200" cap="none" spc="0" normalizeH="0" baseline="0" noProof="0" dirty="0">
+                          <a:ln>
+                            <a:noFill/>
+                          </a:ln>
+                          <a:solidFill>
+                            <a:prstClr val="black"/>
+                          </a:solidFill>
+                          <a:effectLst/>
+                          <a:uLnTx/>
+                          <a:uFillTx/>
+                          <a:latin typeface="Montserrat Light" pitchFamily="2" charset="0"/>
+                          <a:ea typeface="Roboto" panose="02000000000000000000" pitchFamily="2" charset="0"/>
+                          <a:cs typeface="Roboto" panose="02000000000000000000" pitchFamily="2" charset="0"/>
+                        </a:rPr>
+                        <a:t>%) </a:t>
+                      </a:r>
+                      <a:endParaRPr kumimoji="0" lang="ru-RU" sz="1100" b="0" i="0" u="none" strike="noStrike" kern="1200" cap="none" spc="0" normalizeH="0" baseline="0" noProof="0" dirty="0">
+                        <a:ln>
+                          <a:noFill/>
+                        </a:ln>
+                        <a:solidFill>
+                          <a:prstClr val="black"/>
+                        </a:solidFill>
+                        <a:effectLst/>
+                        <a:uLnTx/>
+                        <a:uFillTx/>
+                        <a:latin typeface="Montserrat Light" pitchFamily="2" charset="0"/>
+                        <a:ea typeface="Roboto" panose="02000000000000000000" pitchFamily="2" charset="0"/>
+                        <a:cs typeface="Roboto" panose="02000000000000000000" pitchFamily="2" charset="0"/>
+                      </a:endParaRPr>
                     </a:p>
                   </a:txBody>
                   <a:tcPr marL="0" marR="0" marT="54000" anchor="ctr">
@@ -14680,70 +15120,7 @@
                       <a:tailEnd type="none" w="med" len="med"/>
                     </a:lnB>
                     <a:solidFill>
-                      <a:srgbClr val="FFE6E7"/>
-                    </a:solidFill>
-                  </a:tcPr>
-                </a:tc>
-                <a:tc>
-                  <a:txBody>
-                    <a:bodyPr/>
-                    <a:lstStyle/>
-                    <a:p>
-                      <a:pPr algn="ctr"/>
-                      <a:r>
-                        <a:rPr sz="1100" b="1">
-                          <a:latin typeface="Montserrat SemiBold"/>
-                        </a:rPr>
-                        <a:t>-25</a:t>
-                      </a:r>
-                    </a:p>
-                    <a:p>
-                      <a:pPr algn="ctr"/>
-                      <a:r>
-                        <a:rPr sz="900">
-                          <a:latin typeface="Montserrat Light"/>
-                        </a:rPr>
-                        <a:t>(4.59%)</a:t>
-                      </a:r>
-                    </a:p>
-                  </a:txBody>
-                  <a:tcPr marL="0" marR="0" marT="54000" anchor="ctr">
-                    <a:lnL w="12700" cap="flat" cmpd="sng" algn="ctr">
-                      <a:solidFill>
-                        <a:srgbClr val="E6E6E6"/>
-                      </a:solidFill>
-                      <a:prstDash val="solid"/>
-                      <a:round/>
-                      <a:headEnd type="none" w="med" len="med"/>
-                      <a:tailEnd type="none" w="med" len="med"/>
-                    </a:lnL>
-                    <a:lnR w="12700" cap="flat" cmpd="sng" algn="ctr">
-                      <a:solidFill>
-                        <a:srgbClr val="E6E6E6"/>
-                      </a:solidFill>
-                      <a:prstDash val="solid"/>
-                      <a:round/>
-                      <a:headEnd type="none" w="med" len="med"/>
-                      <a:tailEnd type="none" w="med" len="med"/>
-                    </a:lnR>
-                    <a:lnT w="12700" cap="flat" cmpd="sng" algn="ctr">
-                      <a:noFill/>
-                      <a:prstDash val="solid"/>
-                      <a:round/>
-                      <a:headEnd type="none" w="med" len="med"/>
-                      <a:tailEnd type="none" w="med" len="med"/>
-                    </a:lnT>
-                    <a:lnB w="12700" cap="flat" cmpd="sng" algn="ctr">
-                      <a:solidFill>
-                        <a:srgbClr val="E6E6E6"/>
-                      </a:solidFill>
-                      <a:prstDash val="solid"/>
-                      <a:round/>
-                      <a:headEnd type="none" w="med" len="med"/>
-                      <a:tailEnd type="none" w="med" len="med"/>
-                    </a:lnB>
-                    <a:solidFill>
-                      <a:srgbClr val="FFE6E7"/>
+                      <a:schemeClr val="accent5"/>
                     </a:solidFill>
                   </a:tcPr>
                 </a:tc>
@@ -14844,11 +15221,13 @@
                     <a:p>
                       <a:pPr algn="ctr"/>
                       <a:r>
-                        <a:rPr sz="1100" b="1">
+                        <a:rPr lang="ru-RU" sz="1100" b="1" dirty="0">
                           <a:solidFill>
                             <a:srgbClr val="4D4D4D"/>
                           </a:solidFill>
-                          <a:latin typeface="Montserrat"/>
+                          <a:latin typeface="Montserrat" pitchFamily="2" charset="0"/>
+                          <a:ea typeface="Roboto" panose="02000000000000000000" pitchFamily="2" charset="0"/>
+                          <a:cs typeface="Roboto" panose="02000000000000000000" pitchFamily="2" charset="0"/>
                         </a:rPr>
                         <a:t>505</a:t>
                       </a:r>
@@ -14856,13 +15235,26 @@
                     <a:p>
                       <a:pPr algn="ctr"/>
                       <a:r>
-                        <a:rPr sz="900">
+                        <a:rPr lang="en-US" sz="900" dirty="0">
                           <a:solidFill>
                             <a:srgbClr val="999999"/>
                           </a:solidFill>
-                          <a:latin typeface="Montserrat"/>
-                        </a:rPr>
-                        <a:t>USD/т</a:t>
+                          <a:latin typeface="Montserrat" pitchFamily="2" charset="0"/>
+                          <a:ea typeface="Roboto" panose="02000000000000000000" pitchFamily="2" charset="0"/>
+                          <a:cs typeface="Roboto" panose="02000000000000000000" pitchFamily="2" charset="0"/>
+                        </a:rPr>
+                        <a:t>USD/</a:t>
+                      </a:r>
+                      <a:r>
+                        <a:rPr lang="ru-RU" sz="900" dirty="0">
+                          <a:solidFill>
+                            <a:srgbClr val="999999"/>
+                          </a:solidFill>
+                          <a:latin typeface="Montserrat" pitchFamily="2" charset="0"/>
+                          <a:ea typeface="Roboto" panose="02000000000000000000" pitchFamily="2" charset="0"/>
+                          <a:cs typeface="Roboto" panose="02000000000000000000" pitchFamily="2" charset="0"/>
+                        </a:rPr>
+                        <a:t>т</a:t>
                       </a:r>
                     </a:p>
                   </a:txBody>
@@ -14910,10 +15302,37 @@
                     <a:bodyPr/>
                     <a:lstStyle/>
                     <a:p>
-                      <a:pPr algn="ctr"/>
-                      <a:r>
-                        <a:rPr sz="1100" b="1">
-                          <a:latin typeface="Montserrat SemiBold"/>
+                      <a:pPr marL="0" marR="0" lvl="0" indent="0" algn="ctr" defTabSz="476220" rtl="0" eaLnBrk="1" fontAlgn="auto" latinLnBrk="0" hangingPunct="1">
+                        <a:lnSpc>
+                          <a:spcPct val="100000"/>
+                        </a:lnSpc>
+                        <a:spcBef>
+                          <a:spcPts val="0"/>
+                        </a:spcBef>
+                        <a:spcAft>
+                          <a:spcPts val="0"/>
+                        </a:spcAft>
+                        <a:buClrTx/>
+                        <a:buSzTx/>
+                        <a:buFontTx/>
+                        <a:buNone/>
+                        <a:tabLst/>
+                        <a:defRPr/>
+                      </a:pPr>
+                      <a:r>
+                        <a:rPr kumimoji="0" lang="ru-RU" sz="1100" b="1" i="0" u="none" strike="noStrike" kern="1200" cap="none" spc="0" normalizeH="0" baseline="0" noProof="0" dirty="0">
+                          <a:ln>
+                            <a:noFill/>
+                          </a:ln>
+                          <a:solidFill>
+                            <a:srgbClr val="4D4D4D"/>
+                          </a:solidFill>
+                          <a:effectLst/>
+                          <a:uLnTx/>
+                          <a:uFillTx/>
+                          <a:latin typeface="Montserrat SemiBold" pitchFamily="2" charset="0"/>
+                          <a:ea typeface="Roboto" panose="02000000000000000000" pitchFamily="2" charset="0"/>
+                          <a:cs typeface="Roboto" panose="02000000000000000000" pitchFamily="2" charset="0"/>
                         </a:rPr>
                         <a:t>-</a:t>
                       </a:r>
@@ -14956,9 +15375,7 @@
                       <a:headEnd type="none" w="med" len="med"/>
                       <a:tailEnd type="none" w="med" len="med"/>
                     </a:lnB>
-                    <a:solidFill>
-                      <a:srgbClr val="FFFFFF"/>
-                    </a:solidFill>
+                    <a:noFill/>
                   </a:tcPr>
                 </a:tc>
                 <a:tc>
@@ -14966,10 +15383,37 @@
                     <a:bodyPr/>
                     <a:lstStyle/>
                     <a:p>
-                      <a:pPr algn="ctr"/>
-                      <a:r>
-                        <a:rPr sz="1100" b="1">
-                          <a:latin typeface="Montserrat SemiBold"/>
+                      <a:pPr marL="0" marR="0" lvl="0" indent="0" algn="ctr" defTabSz="476220" rtl="0" eaLnBrk="1" fontAlgn="auto" latinLnBrk="0" hangingPunct="1">
+                        <a:lnSpc>
+                          <a:spcPct val="100000"/>
+                        </a:lnSpc>
+                        <a:spcBef>
+                          <a:spcPts val="0"/>
+                        </a:spcBef>
+                        <a:spcAft>
+                          <a:spcPts val="0"/>
+                        </a:spcAft>
+                        <a:buClrTx/>
+                        <a:buSzTx/>
+                        <a:buFontTx/>
+                        <a:buNone/>
+                        <a:tabLst/>
+                        <a:defRPr/>
+                      </a:pPr>
+                      <a:r>
+                        <a:rPr kumimoji="0" lang="ru-RU" sz="1100" b="1" i="0" u="none" strike="noStrike" kern="1200" cap="none" spc="0" normalizeH="0" baseline="0" noProof="0" dirty="0">
+                          <a:ln>
+                            <a:noFill/>
+                          </a:ln>
+                          <a:solidFill>
+                            <a:srgbClr val="4D4D4D"/>
+                          </a:solidFill>
+                          <a:effectLst/>
+                          <a:uLnTx/>
+                          <a:uFillTx/>
+                          <a:latin typeface="Montserrat SemiBold" pitchFamily="2" charset="0"/>
+                          <a:ea typeface="Roboto" panose="02000000000000000000" pitchFamily="2" charset="0"/>
+                          <a:cs typeface="Roboto" panose="02000000000000000000" pitchFamily="2" charset="0"/>
                         </a:rPr>
                         <a:t>-</a:t>
                       </a:r>
@@ -15012,9 +15456,7 @@
                       <a:headEnd type="none" w="med" len="med"/>
                       <a:tailEnd type="none" w="med" len="med"/>
                     </a:lnB>
-                    <a:solidFill>
-                      <a:srgbClr val="FFFFFF"/>
-                    </a:solidFill>
+                    <a:noFill/>
                   </a:tcPr>
                 </a:tc>
                 <a:tc>
@@ -15022,22 +15464,87 @@
                     <a:bodyPr/>
                     <a:lstStyle/>
                     <a:p>
-                      <a:pPr algn="ctr"/>
-                      <a:r>
-                        <a:rPr sz="1100" b="1">
-                          <a:latin typeface="Montserrat SemiBold"/>
-                        </a:rPr>
-                        <a:t>-55</a:t>
-                      </a:r>
-                    </a:p>
-                    <a:p>
-                      <a:pPr algn="ctr"/>
-                      <a:r>
-                        <a:rPr sz="900">
-                          <a:latin typeface="Montserrat Light"/>
-                        </a:rPr>
-                        <a:t>(9.82%)</a:t>
-                      </a:r>
+                      <a:pPr marL="0" marR="0" lvl="0" indent="0" algn="ctr" defTabSz="476220" rtl="0" eaLnBrk="1" fontAlgn="auto" latinLnBrk="0" hangingPunct="1">
+                        <a:lnSpc>
+                          <a:spcPts val="1400"/>
+                        </a:lnSpc>
+                        <a:spcBef>
+                          <a:spcPts val="0"/>
+                        </a:spcBef>
+                        <a:spcAft>
+                          <a:spcPts val="0"/>
+                        </a:spcAft>
+                        <a:buClrTx/>
+                        <a:buSzTx/>
+                        <a:buFontTx/>
+                        <a:buNone/>
+                        <a:tabLst/>
+                        <a:defRPr/>
+                      </a:pPr>
+                      <a:r>
+                        <a:rPr kumimoji="0" lang="ru-RU" sz="1100" b="1" i="0" u="none" strike="noStrike" kern="1200" cap="none" spc="0" normalizeH="0" baseline="0" noProof="0" dirty="0">
+                          <a:ln>
+                            <a:noFill/>
+                          </a:ln>
+                          <a:solidFill>
+                            <a:prstClr val="black"/>
+                          </a:solidFill>
+                          <a:effectLst/>
+                          <a:uLnTx/>
+                          <a:uFillTx/>
+                          <a:latin typeface="Montserrat SemiBold" pitchFamily="2" charset="0"/>
+                          <a:ea typeface="Roboto" panose="02000000000000000000" pitchFamily="2" charset="0"/>
+                          <a:cs typeface="Roboto" panose="02000000000000000000" pitchFamily="2" charset="0"/>
+                        </a:rPr>
+                        <a:t>- 30</a:t>
+                      </a:r>
+                      <a:br>
+                        <a:rPr kumimoji="0" lang="en-US" sz="1100" b="1" i="0" u="none" strike="noStrike" kern="1200" cap="none" spc="0" normalizeH="0" baseline="0" noProof="0" dirty="0">
+                          <a:ln>
+                            <a:noFill/>
+                          </a:ln>
+                          <a:solidFill>
+                            <a:prstClr val="black"/>
+                          </a:solidFill>
+                          <a:effectLst/>
+                          <a:uLnTx/>
+                          <a:uFillTx/>
+                          <a:latin typeface="Montserrat SemiBold" pitchFamily="2" charset="0"/>
+                          <a:ea typeface="Roboto" panose="02000000000000000000" pitchFamily="2" charset="0"/>
+                          <a:cs typeface="Roboto" panose="02000000000000000000" pitchFamily="2" charset="0"/>
+                        </a:rPr>
+                      </a:br>
+                      <a:r>
+                        <a:rPr kumimoji="0" lang="ru-RU" sz="900" b="0" i="0" u="none" strike="noStrike" kern="1200" cap="none" spc="0" normalizeH="0" baseline="0" noProof="0" dirty="0">
+                          <a:ln>
+                            <a:noFill/>
+                          </a:ln>
+                          <a:solidFill>
+                            <a:prstClr val="black"/>
+                          </a:solidFill>
+                          <a:effectLst/>
+                          <a:uLnTx/>
+                          <a:uFillTx/>
+                          <a:latin typeface="Montserrat Light" pitchFamily="2" charset="0"/>
+                          <a:ea typeface="Roboto" panose="02000000000000000000" pitchFamily="2" charset="0"/>
+                          <a:cs typeface="Roboto" panose="02000000000000000000" pitchFamily="2" charset="0"/>
+                        </a:rPr>
+                        <a:t>(5,6%) </a:t>
+                      </a:r>
+                      <a:endParaRPr kumimoji="0" lang="ru-RU" sz="1100" b="0" i="0" u="none" strike="noStrike" kern="1200" cap="none" spc="0" normalizeH="0" baseline="0" noProof="0" dirty="0">
+                        <a:ln>
+                          <a:noFill/>
+                        </a:ln>
+                        <a:solidFill>
+                          <a:prstClr val="black"/>
+                        </a:solidFill>
+                        <a:effectLst/>
+                        <a:uLnTx/>
+                        <a:uFillTx/>
+                        <a:latin typeface="Montserrat Light" pitchFamily="2" charset="0"/>
+                        <a:ea typeface="Roboto" panose="02000000000000000000" pitchFamily="2" charset="0"/>
+                        <a:cs typeface="Roboto" panose="02000000000000000000" pitchFamily="2" charset="0"/>
+                      </a:endParaRPr>
                     </a:p>
                   </a:txBody>
                   <a:tcPr marL="0" marR="0" marT="54000" anchor="ctr">
@@ -15078,7 +15585,7 @@
                       <a:tailEnd type="none" w="med" len="med"/>
                     </a:lnB>
                     <a:solidFill>
-                      <a:srgbClr val="FFE6E7"/>
+                      <a:schemeClr val="accent5"/>
                     </a:solidFill>
                   </a:tcPr>
                 </a:tc>
@@ -15447,25 +15954,59 @@
                     <a:p>
                       <a:pPr algn="ctr"/>
                       <a:r>
-                        <a:rPr sz="1100" b="1">
+                        <a:rPr lang="ru-RU" sz="1100" b="1" dirty="0">
                           <a:solidFill>
                             <a:srgbClr val="4D4D4D"/>
                           </a:solidFill>
-                          <a:latin typeface="Montserrat"/>
-                        </a:rPr>
-                        <a:t>580</a:t>
-                      </a:r>
+                          <a:latin typeface="Montserrat" pitchFamily="2" charset="0"/>
+                          <a:ea typeface="Roboto" panose="02000000000000000000" pitchFamily="2" charset="0"/>
+                          <a:cs typeface="Roboto" panose="02000000000000000000" pitchFamily="2" charset="0"/>
+                        </a:rPr>
+                        <a:t>5</a:t>
+                      </a:r>
+                      <a:r>
+                        <a:rPr lang="en-US" sz="1100" b="1" dirty="0">
+                          <a:solidFill>
+                            <a:srgbClr val="4D4D4D"/>
+                          </a:solidFill>
+                          <a:latin typeface="Montserrat" pitchFamily="2" charset="0"/>
+                          <a:ea typeface="Roboto" panose="02000000000000000000" pitchFamily="2" charset="0"/>
+                          <a:cs typeface="Roboto" panose="02000000000000000000" pitchFamily="2" charset="0"/>
+                        </a:rPr>
+                        <a:t>80</a:t>
+                      </a:r>
+                      <a:endParaRPr lang="ru-RU" sz="1100" b="1" dirty="0">
+                        <a:solidFill>
+                          <a:srgbClr val="4D4D4D"/>
+                        </a:solidFill>
+                        <a:latin typeface="Montserrat" pitchFamily="2" charset="0"/>
+                        <a:ea typeface="Roboto" panose="02000000000000000000" pitchFamily="2" charset="0"/>
+                        <a:cs typeface="Roboto" panose="02000000000000000000" pitchFamily="2" charset="0"/>
+                      </a:endParaRPr>
                     </a:p>
                     <a:p>
                       <a:pPr algn="ctr"/>
                       <a:r>
-                        <a:rPr sz="900">
+                        <a:rPr lang="en-US" sz="900" dirty="0">
                           <a:solidFill>
                             <a:srgbClr val="999999"/>
                           </a:solidFill>
-                          <a:latin typeface="Montserrat"/>
-                        </a:rPr>
-                        <a:t>USD/т</a:t>
+                          <a:latin typeface="Montserrat" pitchFamily="2" charset="0"/>
+                          <a:ea typeface="Roboto" panose="02000000000000000000" pitchFamily="2" charset="0"/>
+                          <a:cs typeface="Roboto" panose="02000000000000000000" pitchFamily="2" charset="0"/>
+                        </a:rPr>
+                        <a:t>USD/</a:t>
+                      </a:r>
+                      <a:r>
+                        <a:rPr lang="ru-RU" sz="900" dirty="0">
+                          <a:solidFill>
+                            <a:srgbClr val="999999"/>
+                          </a:solidFill>
+                          <a:latin typeface="Montserrat" pitchFamily="2" charset="0"/>
+                          <a:ea typeface="Roboto" panose="02000000000000000000" pitchFamily="2" charset="0"/>
+                          <a:cs typeface="Roboto" panose="02000000000000000000" pitchFamily="2" charset="0"/>
+                        </a:rPr>
+                        <a:t>т</a:t>
                       </a:r>
                     </a:p>
                   </a:txBody>
@@ -15511,10 +16052,37 @@
                     <a:bodyPr/>
                     <a:lstStyle/>
                     <a:p>
-                      <a:pPr algn="ctr"/>
-                      <a:r>
-                        <a:rPr sz="1100" b="1">
-                          <a:latin typeface="Montserrat SemiBold"/>
+                      <a:pPr marL="0" marR="0" lvl="0" indent="0" algn="ctr" defTabSz="476220" rtl="0" eaLnBrk="1" fontAlgn="auto" latinLnBrk="0" hangingPunct="1">
+                        <a:lnSpc>
+                          <a:spcPct val="100000"/>
+                        </a:lnSpc>
+                        <a:spcBef>
+                          <a:spcPts val="0"/>
+                        </a:spcBef>
+                        <a:spcAft>
+                          <a:spcPts val="0"/>
+                        </a:spcAft>
+                        <a:buClrTx/>
+                        <a:buSzTx/>
+                        <a:buFontTx/>
+                        <a:buNone/>
+                        <a:tabLst/>
+                        <a:defRPr/>
+                      </a:pPr>
+                      <a:r>
+                        <a:rPr kumimoji="0" lang="ru-RU" sz="1100" b="1" i="0" u="none" strike="noStrike" kern="1200" cap="none" spc="0" normalizeH="0" baseline="0" noProof="0" dirty="0">
+                          <a:ln>
+                            <a:noFill/>
+                          </a:ln>
+                          <a:solidFill>
+                            <a:srgbClr val="4D4D4D"/>
+                          </a:solidFill>
+                          <a:effectLst/>
+                          <a:uLnTx/>
+                          <a:uFillTx/>
+                          <a:latin typeface="Montserrat SemiBold" pitchFamily="2" charset="0"/>
+                          <a:ea typeface="Roboto" panose="02000000000000000000" pitchFamily="2" charset="0"/>
+                          <a:cs typeface="Roboto" panose="02000000000000000000" pitchFamily="2" charset="0"/>
                         </a:rPr>
                         <a:t>-</a:t>
                       </a:r>
@@ -15555,9 +16123,7 @@
                       <a:headEnd type="none" w="med" len="med"/>
                       <a:tailEnd type="none" w="med" len="med"/>
                     </a:lnB>
-                    <a:solidFill>
-                      <a:srgbClr val="FFFFFF"/>
-                    </a:solidFill>
+                    <a:noFill/>
                   </a:tcPr>
                 </a:tc>
                 <a:tc>
@@ -15565,21 +16131,39 @@
                     <a:bodyPr/>
                     <a:lstStyle/>
                     <a:p>
-                      <a:pPr algn="ctr"/>
-                      <a:r>
-                        <a:rPr sz="1100" b="1">
-                          <a:latin typeface="Montserrat SemiBold"/>
-                        </a:rPr>
-                        <a:t>-15</a:t>
-                      </a:r>
-                    </a:p>
-                    <a:p>
-                      <a:pPr algn="ctr"/>
-                      <a:r>
-                        <a:rPr sz="900">
-                          <a:latin typeface="Montserrat Light"/>
-                        </a:rPr>
-                        <a:t>(2.52%)</a:t>
+                      <a:pPr marL="0" marR="0" lvl="0" indent="0" algn="ctr" defTabSz="476220" rtl="0" eaLnBrk="1" fontAlgn="auto" latinLnBrk="0" hangingPunct="1">
+                        <a:lnSpc>
+                          <a:spcPct val="100000"/>
+                        </a:lnSpc>
+                        <a:spcBef>
+                          <a:spcPts val="0"/>
+                        </a:spcBef>
+                        <a:spcAft>
+                          <a:spcPts val="0"/>
+                        </a:spcAft>
+                        <a:buClrTx/>
+                        <a:buSzTx/>
+                        <a:buFontTx/>
+                        <a:buNone/>
+                        <a:tabLst/>
+                        <a:defRPr/>
+                      </a:pPr>
+                      <a:r>
+                        <a:rPr kumimoji="0" lang="ru-RU" sz="1100" b="1" i="0" u="none" strike="noStrike" kern="1200" cap="none" spc="0" normalizeH="0" baseline="0" noProof="0" dirty="0">
+                          <a:ln>
+                            <a:noFill/>
+                          </a:ln>
+                          <a:solidFill>
+                            <a:srgbClr val="4D4D4D"/>
+                          </a:solidFill>
+                          <a:effectLst/>
+                          <a:uLnTx/>
+                          <a:uFillTx/>
+                          <a:latin typeface="Montserrat SemiBold" pitchFamily="2" charset="0"/>
+                          <a:ea typeface="Roboto" panose="02000000000000000000" pitchFamily="2" charset="0"/>
+                          <a:cs typeface="Roboto" panose="02000000000000000000" pitchFamily="2" charset="0"/>
+                        </a:rPr>
+                        <a:t>-</a:t>
                       </a:r>
                     </a:p>
                   </a:txBody>
@@ -15618,9 +16202,7 @@
                       <a:headEnd type="none" w="med" len="med"/>
                       <a:tailEnd type="none" w="med" len="med"/>
                     </a:lnB>
-                    <a:solidFill>
-                      <a:srgbClr val="FFE6E7"/>
-                    </a:solidFill>
+                    <a:noFill/>
                   </a:tcPr>
                 </a:tc>
                 <a:tc>
@@ -15628,22 +16210,155 @@
                     <a:bodyPr/>
                     <a:lstStyle/>
                     <a:p>
-                      <a:pPr algn="ctr"/>
-                      <a:r>
-                        <a:rPr sz="1100" b="1">
-                          <a:latin typeface="Montserrat SemiBold"/>
-                        </a:rPr>
-                        <a:t>-50</a:t>
-                      </a:r>
-                    </a:p>
-                    <a:p>
-                      <a:pPr algn="ctr"/>
-                      <a:r>
-                        <a:rPr sz="900">
-                          <a:latin typeface="Montserrat Light"/>
-                        </a:rPr>
-                        <a:t>(7.94%)</a:t>
-                      </a:r>
+                      <a:pPr marL="0" marR="0" lvl="0" indent="0" algn="ctr" defTabSz="476220" rtl="0" eaLnBrk="1" fontAlgn="auto" latinLnBrk="0" hangingPunct="1">
+                        <a:lnSpc>
+                          <a:spcPts val="1400"/>
+                        </a:lnSpc>
+                        <a:spcBef>
+                          <a:spcPts val="0"/>
+                        </a:spcBef>
+                        <a:spcAft>
+                          <a:spcPts val="0"/>
+                        </a:spcAft>
+                        <a:buClrTx/>
+                        <a:buSzTx/>
+                        <a:buFontTx/>
+                        <a:buNone/>
+                        <a:tabLst/>
+                        <a:defRPr/>
+                      </a:pPr>
+                      <a:r>
+                        <a:rPr kumimoji="0" lang="en-US" sz="1100" b="1" i="0" u="none" strike="noStrike" kern="1200" cap="none" spc="0" normalizeH="0" baseline="0" noProof="0" dirty="0">
+                          <a:ln>
+                            <a:noFill/>
+                          </a:ln>
+                          <a:solidFill>
+                            <a:prstClr val="black"/>
+                          </a:solidFill>
+                          <a:effectLst/>
+                          <a:uLnTx/>
+                          <a:uFillTx/>
+                          <a:latin typeface="Montserrat SemiBold" pitchFamily="2" charset="0"/>
+                          <a:ea typeface="Roboto" panose="02000000000000000000" pitchFamily="2" charset="0"/>
+                          <a:cs typeface="Roboto" panose="02000000000000000000" pitchFamily="2" charset="0"/>
+                        </a:rPr>
+                        <a:t>- 15</a:t>
+                      </a:r>
+                      <a:br>
+                        <a:rPr kumimoji="0" lang="en-US" sz="1100" b="1" i="0" u="none" strike="noStrike" kern="1200" cap="none" spc="0" normalizeH="0" baseline="0" noProof="0" dirty="0">
+                          <a:ln>
+                            <a:noFill/>
+                          </a:ln>
+                          <a:solidFill>
+                            <a:prstClr val="black"/>
+                          </a:solidFill>
+                          <a:effectLst/>
+                          <a:uLnTx/>
+                          <a:uFillTx/>
+                          <a:latin typeface="Montserrat SemiBold" pitchFamily="2" charset="0"/>
+                          <a:ea typeface="Roboto" panose="02000000000000000000" pitchFamily="2" charset="0"/>
+                          <a:cs typeface="Roboto" panose="02000000000000000000" pitchFamily="2" charset="0"/>
+                        </a:rPr>
+                      </a:br>
+                      <a:r>
+                        <a:rPr kumimoji="0" lang="ru-RU" sz="900" b="0" i="0" u="none" strike="noStrike" kern="1200" cap="none" spc="0" normalizeH="0" baseline="0" noProof="0" dirty="0">
+                          <a:ln>
+                            <a:noFill/>
+                          </a:ln>
+                          <a:solidFill>
+                            <a:prstClr val="black"/>
+                          </a:solidFill>
+                          <a:effectLst/>
+                          <a:uLnTx/>
+                          <a:uFillTx/>
+                          <a:latin typeface="Montserrat Light" pitchFamily="2" charset="0"/>
+                          <a:ea typeface="Roboto" panose="02000000000000000000" pitchFamily="2" charset="0"/>
+                          <a:cs typeface="Roboto" panose="02000000000000000000" pitchFamily="2" charset="0"/>
+                        </a:rPr>
+                        <a:t>(</a:t>
+                      </a:r>
+                      <a:r>
+                        <a:rPr kumimoji="0" lang="en-US" sz="900" b="0" i="0" u="none" strike="noStrike" kern="1200" cap="none" spc="0" normalizeH="0" baseline="0" noProof="0" dirty="0">
+                          <a:ln>
+                            <a:noFill/>
+                          </a:ln>
+                          <a:solidFill>
+                            <a:prstClr val="black"/>
+                          </a:solidFill>
+                          <a:effectLst/>
+                          <a:uLnTx/>
+                          <a:uFillTx/>
+                          <a:latin typeface="Montserrat Light" pitchFamily="2" charset="0"/>
+                          <a:ea typeface="Roboto" panose="02000000000000000000" pitchFamily="2" charset="0"/>
+                          <a:cs typeface="Roboto" panose="02000000000000000000" pitchFamily="2" charset="0"/>
+                        </a:rPr>
+                        <a:t>2</a:t>
+                      </a:r>
+                      <a:r>
+                        <a:rPr kumimoji="0" lang="ru-RU" sz="900" b="0" i="0" u="none" strike="noStrike" kern="1200" cap="none" spc="0" normalizeH="0" baseline="0" noProof="0" dirty="0">
+                          <a:ln>
+                            <a:noFill/>
+                          </a:ln>
+                          <a:solidFill>
+                            <a:prstClr val="black"/>
+                          </a:solidFill>
+                          <a:effectLst/>
+                          <a:uLnTx/>
+                          <a:uFillTx/>
+                          <a:latin typeface="Montserrat Light" pitchFamily="2" charset="0"/>
+                          <a:ea typeface="Roboto" panose="02000000000000000000" pitchFamily="2" charset="0"/>
+                          <a:cs typeface="Roboto" panose="02000000000000000000" pitchFamily="2" charset="0"/>
+                        </a:rPr>
+                        <a:t>,</a:t>
+                      </a:r>
+                      <a:r>
+                        <a:rPr kumimoji="0" lang="en-US" sz="900" b="0" i="0" u="none" strike="noStrike" kern="1200" cap="none" spc="0" normalizeH="0" baseline="0" noProof="0" dirty="0">
+                          <a:ln>
+                            <a:noFill/>
+                          </a:ln>
+                          <a:solidFill>
+                            <a:prstClr val="black"/>
+                          </a:solidFill>
+                          <a:effectLst/>
+                          <a:uLnTx/>
+                          <a:uFillTx/>
+                          <a:latin typeface="Montserrat Light" pitchFamily="2" charset="0"/>
+                          <a:ea typeface="Roboto" panose="02000000000000000000" pitchFamily="2" charset="0"/>
+                          <a:cs typeface="Roboto" panose="02000000000000000000" pitchFamily="2" charset="0"/>
+                        </a:rPr>
+                        <a:t>5</a:t>
+                      </a:r>
+                      <a:r>
+                        <a:rPr kumimoji="0" lang="ru-RU" sz="900" b="0" i="0" u="none" strike="noStrike" kern="1200" cap="none" spc="0" normalizeH="0" baseline="0" noProof="0" dirty="0">
+                          <a:ln>
+                            <a:noFill/>
+                          </a:ln>
+                          <a:solidFill>
+                            <a:prstClr val="black"/>
+                          </a:solidFill>
+                          <a:effectLst/>
+                          <a:uLnTx/>
+                          <a:uFillTx/>
+                          <a:latin typeface="Montserrat Light" pitchFamily="2" charset="0"/>
+                          <a:ea typeface="Roboto" panose="02000000000000000000" pitchFamily="2" charset="0"/>
+                          <a:cs typeface="Roboto" panose="02000000000000000000" pitchFamily="2" charset="0"/>
+                        </a:rPr>
+                        <a:t>%) </a:t>
+                      </a:r>
+                      <a:endParaRPr kumimoji="0" lang="ru-RU" sz="1100" b="0" i="0" u="none" strike="noStrike" kern="1200" cap="none" spc="0" normalizeH="0" baseline="0" noProof="0" dirty="0">
+                        <a:ln>
+                          <a:noFill/>
+                        </a:ln>
+                        <a:solidFill>
+                          <a:prstClr val="black"/>
+                        </a:solidFill>
+                        <a:effectLst/>
+                        <a:uLnTx/>
+                        <a:uFillTx/>
+                        <a:latin typeface="Montserrat Light" pitchFamily="2" charset="0"/>
+                        <a:ea typeface="Roboto" panose="02000000000000000000" pitchFamily="2" charset="0"/>
+                        <a:cs typeface="Roboto" panose="02000000000000000000" pitchFamily="2" charset="0"/>
+                      </a:endParaRPr>
                     </a:p>
                   </a:txBody>
                   <a:tcPr marL="0" marR="0" marT="54000" anchor="ctr">
@@ -15682,7 +16397,7 @@
                       <a:tailEnd type="none" w="med" len="med"/>
                     </a:lnB>
                     <a:solidFill>
-                      <a:srgbClr val="FFE6E7"/>
+                      <a:schemeClr val="accent5"/>
                     </a:solidFill>
                   </a:tcPr>
                 </a:tc>
@@ -15805,25 +16520,40 @@
                     <a:p>
                       <a:pPr algn="ctr"/>
                       <a:r>
-                        <a:rPr sz="1100" b="1">
+                        <a:rPr lang="ru-RU" sz="1100" b="1" dirty="0">
                           <a:solidFill>
                             <a:srgbClr val="4D4D4D"/>
                           </a:solidFill>
-                          <a:latin typeface="Montserrat"/>
-                        </a:rPr>
-                        <a:t>570</a:t>
+                          <a:latin typeface="Montserrat" pitchFamily="2" charset="0"/>
+                          <a:ea typeface="Roboto" panose="02000000000000000000" pitchFamily="2" charset="0"/>
+                          <a:cs typeface="Roboto" panose="02000000000000000000" pitchFamily="2" charset="0"/>
+                        </a:rPr>
+                        <a:t>565</a:t>
                       </a:r>
                     </a:p>
                     <a:p>
                       <a:pPr algn="ctr"/>
                       <a:r>
-                        <a:rPr sz="900">
+                        <a:rPr lang="en-US" sz="900" dirty="0">
                           <a:solidFill>
                             <a:srgbClr val="999999"/>
                           </a:solidFill>
-                          <a:latin typeface="Montserrat"/>
-                        </a:rPr>
-                        <a:t>USD/т</a:t>
+                          <a:latin typeface="Montserrat" pitchFamily="2" charset="0"/>
+                          <a:ea typeface="Roboto" panose="02000000000000000000" pitchFamily="2" charset="0"/>
+                          <a:cs typeface="Roboto" panose="02000000000000000000" pitchFamily="2" charset="0"/>
+                        </a:rPr>
+                        <a:t>USD/</a:t>
+                      </a:r>
+                      <a:r>
+                        <a:rPr lang="ru-RU" sz="900" dirty="0">
+                          <a:solidFill>
+                            <a:srgbClr val="999999"/>
+                          </a:solidFill>
+                          <a:latin typeface="Montserrat" pitchFamily="2" charset="0"/>
+                          <a:ea typeface="Roboto" panose="02000000000000000000" pitchFamily="2" charset="0"/>
+                          <a:cs typeface="Roboto" panose="02000000000000000000" pitchFamily="2" charset="0"/>
+                        </a:rPr>
+                        <a:t>т</a:t>
                       </a:r>
                     </a:p>
                   </a:txBody>
@@ -15871,10 +16601,37 @@
                     <a:bodyPr/>
                     <a:lstStyle/>
                     <a:p>
-                      <a:pPr algn="ctr"/>
-                      <a:r>
-                        <a:rPr sz="1100" b="1">
-                          <a:latin typeface="Montserrat SemiBold"/>
+                      <a:pPr marL="0" marR="0" lvl="0" indent="0" algn="ctr" defTabSz="476220" rtl="0" eaLnBrk="1" fontAlgn="auto" latinLnBrk="0" hangingPunct="1">
+                        <a:lnSpc>
+                          <a:spcPct val="100000"/>
+                        </a:lnSpc>
+                        <a:spcBef>
+                          <a:spcPts val="0"/>
+                        </a:spcBef>
+                        <a:spcAft>
+                          <a:spcPts val="0"/>
+                        </a:spcAft>
+                        <a:buClrTx/>
+                        <a:buSzTx/>
+                        <a:buFontTx/>
+                        <a:buNone/>
+                        <a:tabLst/>
+                        <a:defRPr/>
+                      </a:pPr>
+                      <a:r>
+                        <a:rPr kumimoji="0" lang="ru-RU" sz="1100" b="1" i="0" u="none" strike="noStrike" kern="1200" cap="none" spc="0" normalizeH="0" baseline="0" noProof="0" dirty="0">
+                          <a:ln>
+                            <a:noFill/>
+                          </a:ln>
+                          <a:solidFill>
+                            <a:srgbClr val="4D4D4D"/>
+                          </a:solidFill>
+                          <a:effectLst/>
+                          <a:uLnTx/>
+                          <a:uFillTx/>
+                          <a:latin typeface="Montserrat SemiBold" pitchFamily="2" charset="0"/>
+                          <a:ea typeface="Roboto" panose="02000000000000000000" pitchFamily="2" charset="0"/>
+                          <a:cs typeface="Roboto" panose="02000000000000000000" pitchFamily="2" charset="0"/>
                         </a:rPr>
                         <a:t>-</a:t>
                       </a:r>
@@ -15917,9 +16674,7 @@
                       <a:headEnd type="none" w="med" len="med"/>
                       <a:tailEnd type="none" w="med" len="med"/>
                     </a:lnB>
-                    <a:solidFill>
-                      <a:srgbClr val="FFFFFF"/>
-                    </a:solidFill>
+                    <a:noFill/>
                   </a:tcPr>
                 </a:tc>
                 <a:tc>
@@ -15927,10 +16682,37 @@
                     <a:bodyPr/>
                     <a:lstStyle/>
                     <a:p>
-                      <a:pPr algn="ctr"/>
-                      <a:r>
-                        <a:rPr sz="1100" b="1">
-                          <a:latin typeface="Montserrat SemiBold"/>
+                      <a:pPr marL="0" marR="0" lvl="0" indent="0" algn="ctr" defTabSz="476220" rtl="0" eaLnBrk="1" fontAlgn="auto" latinLnBrk="0" hangingPunct="1">
+                        <a:lnSpc>
+                          <a:spcPct val="100000"/>
+                        </a:lnSpc>
+                        <a:spcBef>
+                          <a:spcPts val="0"/>
+                        </a:spcBef>
+                        <a:spcAft>
+                          <a:spcPts val="0"/>
+                        </a:spcAft>
+                        <a:buClrTx/>
+                        <a:buSzTx/>
+                        <a:buFontTx/>
+                        <a:buNone/>
+                        <a:tabLst/>
+                        <a:defRPr/>
+                      </a:pPr>
+                      <a:r>
+                        <a:rPr kumimoji="0" lang="ru-RU" sz="1100" b="1" i="0" u="none" strike="noStrike" kern="1200" cap="none" spc="0" normalizeH="0" baseline="0" noProof="0" dirty="0">
+                          <a:ln>
+                            <a:noFill/>
+                          </a:ln>
+                          <a:solidFill>
+                            <a:srgbClr val="4D4D4D"/>
+                          </a:solidFill>
+                          <a:effectLst/>
+                          <a:uLnTx/>
+                          <a:uFillTx/>
+                          <a:latin typeface="Montserrat SemiBold" pitchFamily="2" charset="0"/>
+                          <a:ea typeface="Roboto" panose="02000000000000000000" pitchFamily="2" charset="0"/>
+                          <a:cs typeface="Roboto" panose="02000000000000000000" pitchFamily="2" charset="0"/>
                         </a:rPr>
                         <a:t>-</a:t>
                       </a:r>
@@ -15973,9 +16755,7 @@
                       <a:headEnd type="none" w="med" len="med"/>
                       <a:tailEnd type="none" w="med" len="med"/>
                     </a:lnB>
-                    <a:solidFill>
-                      <a:srgbClr val="FFFFFF"/>
-                    </a:solidFill>
+                    <a:noFill/>
                   </a:tcPr>
                 </a:tc>
                 <a:tc>
@@ -15983,22 +16763,104 @@
                     <a:bodyPr/>
                     <a:lstStyle/>
                     <a:p>
-                      <a:pPr algn="ctr"/>
-                      <a:r>
-                        <a:rPr sz="1100" b="1">
-                          <a:latin typeface="Montserrat SemiBold"/>
-                        </a:rPr>
-                        <a:t>-75</a:t>
-                      </a:r>
-                    </a:p>
-                    <a:p>
-                      <a:pPr algn="ctr"/>
-                      <a:r>
-                        <a:rPr sz="900">
-                          <a:latin typeface="Montserrat Light"/>
-                        </a:rPr>
-                        <a:t>(11.63%)</a:t>
-                      </a:r>
+                      <a:pPr marL="0" marR="0" lvl="0" indent="0" algn="ctr" defTabSz="476220" rtl="0" eaLnBrk="1" fontAlgn="auto" latinLnBrk="0" hangingPunct="1">
+                        <a:lnSpc>
+                          <a:spcPts val="1400"/>
+                        </a:lnSpc>
+                        <a:spcBef>
+                          <a:spcPts val="0"/>
+                        </a:spcBef>
+                        <a:spcAft>
+                          <a:spcPts val="0"/>
+                        </a:spcAft>
+                        <a:buClrTx/>
+                        <a:buSzTx/>
+                        <a:buFontTx/>
+                        <a:buNone/>
+                        <a:tabLst/>
+                        <a:defRPr/>
+                      </a:pPr>
+                      <a:r>
+                        <a:rPr kumimoji="0" lang="en-US" sz="1100" b="1" i="0" u="none" strike="noStrike" kern="1200" cap="none" spc="0" normalizeH="0" baseline="0" noProof="0" dirty="0">
+                          <a:ln>
+                            <a:noFill/>
+                          </a:ln>
+                          <a:solidFill>
+                            <a:prstClr val="black"/>
+                          </a:solidFill>
+                          <a:effectLst/>
+                          <a:uLnTx/>
+                          <a:uFillTx/>
+                          <a:latin typeface="Montserrat SemiBold" pitchFamily="2" charset="0"/>
+                          <a:ea typeface="Roboto" panose="02000000000000000000" pitchFamily="2" charset="0"/>
+                          <a:cs typeface="Roboto" panose="02000000000000000000" pitchFamily="2" charset="0"/>
+                        </a:rPr>
+                        <a:t>- </a:t>
+                      </a:r>
+                      <a:r>
+                        <a:rPr kumimoji="0" lang="ru-RU" sz="1100" b="1" i="0" u="none" strike="noStrike" kern="1200" cap="none" spc="0" normalizeH="0" baseline="0" noProof="0" dirty="0">
+                          <a:ln>
+                            <a:noFill/>
+                          </a:ln>
+                          <a:solidFill>
+                            <a:prstClr val="black"/>
+                          </a:solidFill>
+                          <a:effectLst/>
+                          <a:uLnTx/>
+                          <a:uFillTx/>
+                          <a:latin typeface="Montserrat SemiBold" pitchFamily="2" charset="0"/>
+                          <a:ea typeface="Roboto" panose="02000000000000000000" pitchFamily="2" charset="0"/>
+                          <a:cs typeface="Roboto" panose="02000000000000000000" pitchFamily="2" charset="0"/>
+                        </a:rPr>
+                        <a:t>30</a:t>
+                      </a:r>
+                      <a:br>
+                        <a:rPr kumimoji="0" lang="en-US" sz="1100" b="1" i="0" u="none" strike="noStrike" kern="1200" cap="none" spc="0" normalizeH="0" baseline="0" noProof="0" dirty="0">
+                          <a:ln>
+                            <a:noFill/>
+                          </a:ln>
+                          <a:solidFill>
+                            <a:prstClr val="black"/>
+                          </a:solidFill>
+                          <a:effectLst/>
+                          <a:uLnTx/>
+                          <a:uFillTx/>
+                          <a:latin typeface="Montserrat SemiBold" pitchFamily="2" charset="0"/>
+                          <a:ea typeface="Roboto" panose="02000000000000000000" pitchFamily="2" charset="0"/>
+                          <a:cs typeface="Roboto" panose="02000000000000000000" pitchFamily="2" charset="0"/>
+                        </a:rPr>
+                      </a:br>
+                      <a:r>
+                        <a:rPr kumimoji="0" lang="ru-RU" sz="900" b="0" i="0" u="none" strike="noStrike" kern="1200" cap="none" spc="0" normalizeH="0" baseline="0" noProof="0" dirty="0">
+                          <a:ln>
+                            <a:noFill/>
+                          </a:ln>
+                          <a:solidFill>
+                            <a:prstClr val="black"/>
+                          </a:solidFill>
+                          <a:effectLst/>
+                          <a:uLnTx/>
+                          <a:uFillTx/>
+                          <a:latin typeface="Montserrat Light" pitchFamily="2" charset="0"/>
+                          <a:ea typeface="Roboto" panose="02000000000000000000" pitchFamily="2" charset="0"/>
+                          <a:cs typeface="Roboto" panose="02000000000000000000" pitchFamily="2" charset="0"/>
+                        </a:rPr>
+                        <a:t>(5,0%) </a:t>
+                      </a:r>
+                      <a:endParaRPr kumimoji="0" lang="ru-RU" sz="1100" b="0" i="0" u="none" strike="noStrike" kern="1200" cap="none" spc="0" normalizeH="0" baseline="0" noProof="0" dirty="0">
+                        <a:ln>
+                          <a:noFill/>
+                        </a:ln>
+                        <a:solidFill>
+                          <a:prstClr val="black"/>
+                        </a:solidFill>
+                        <a:effectLst/>
+                        <a:uLnTx/>
+                        <a:uFillTx/>
+                        <a:latin typeface="Montserrat Light" pitchFamily="2" charset="0"/>
+                        <a:ea typeface="Roboto" panose="02000000000000000000" pitchFamily="2" charset="0"/>
+                        <a:cs typeface="Roboto" panose="02000000000000000000" pitchFamily="2" charset="0"/>
+                      </a:endParaRPr>
                     </a:p>
                   </a:txBody>
                   <a:tcPr marL="0" marR="0" marT="36000" marB="46800" anchor="ctr">
@@ -16039,7 +16901,7 @@
                       <a:tailEnd type="none" w="med" len="med"/>
                     </a:lnB>
                     <a:solidFill>
-                      <a:srgbClr val="FFE6E7"/>
+                      <a:schemeClr val="accent5"/>
                     </a:solidFill>
                   </a:tcPr>
                 </a:tc>
@@ -16140,25 +17002,51 @@
                     <a:p>
                       <a:pPr algn="ctr"/>
                       <a:r>
-                        <a:rPr sz="1100" b="1">
+                        <a:rPr lang="ru-RU" sz="1100" b="1" dirty="0">
                           <a:solidFill>
                             <a:srgbClr val="4D4D4D"/>
                           </a:solidFill>
-                          <a:latin typeface="Montserrat"/>
-                        </a:rPr>
-                        <a:t>63283.33</a:t>
+                          <a:latin typeface="Montserrat" pitchFamily="2" charset="0"/>
+                          <a:ea typeface="Roboto" panose="02000000000000000000" pitchFamily="2" charset="0"/>
+                          <a:cs typeface="Roboto" panose="02000000000000000000" pitchFamily="2" charset="0"/>
+                        </a:rPr>
+                        <a:t>62 658</a:t>
                       </a:r>
                     </a:p>
                     <a:p>
                       <a:pPr algn="ctr"/>
                       <a:r>
-                        <a:rPr sz="900">
+                        <a:rPr lang="ru-RU" sz="900" dirty="0" err="1">
                           <a:solidFill>
                             <a:srgbClr val="999999"/>
                           </a:solidFill>
-                          <a:latin typeface="Montserrat"/>
-                        </a:rPr>
-                        <a:t>руб/т</a:t>
+                          <a:latin typeface="Montserrat" pitchFamily="2" charset="0"/>
+                          <a:ea typeface="Roboto" panose="02000000000000000000" pitchFamily="2" charset="0"/>
+                          <a:cs typeface="Roboto" panose="02000000000000000000" pitchFamily="2" charset="0"/>
+                        </a:rPr>
+                        <a:t>руб</a:t>
+                      </a:r>
+                      <a:r>
+                        <a:rPr lang="en-US" sz="900" dirty="0">
+                          <a:solidFill>
+                            <a:srgbClr val="999999"/>
+                          </a:solidFill>
+                          <a:latin typeface="Montserrat" pitchFamily="2" charset="0"/>
+                          <a:ea typeface="Roboto" panose="02000000000000000000" pitchFamily="2" charset="0"/>
+                          <a:cs typeface="Roboto" panose="02000000000000000000" pitchFamily="2" charset="0"/>
+                        </a:rPr>
+                        <a:t>/</a:t>
+                      </a:r>
+                      <a:r>
+                        <a:rPr lang="ru-RU" sz="900" dirty="0">
+                          <a:solidFill>
+                            <a:srgbClr val="999999"/>
+                          </a:solidFill>
+                          <a:latin typeface="Montserrat" pitchFamily="2" charset="0"/>
+                          <a:ea typeface="Roboto" panose="02000000000000000000" pitchFamily="2" charset="0"/>
+                          <a:cs typeface="Roboto" panose="02000000000000000000" pitchFamily="2" charset="0"/>
+                        </a:rPr>
+                        <a:t>т</a:t>
                       </a:r>
                     </a:p>
                   </a:txBody>
@@ -16206,21 +17094,72 @@
                     <a:bodyPr/>
                     <a:lstStyle/>
                     <a:p>
-                      <a:pPr algn="ctr"/>
-                      <a:r>
-                        <a:rPr sz="1100" b="1">
-                          <a:latin typeface="Montserrat SemiBold"/>
-                        </a:rPr>
-                        <a:t>-20.83</a:t>
-                      </a:r>
-                    </a:p>
-                    <a:p>
-                      <a:pPr algn="ctr"/>
-                      <a:r>
-                        <a:rPr sz="900">
-                          <a:latin typeface="Montserrat Light"/>
-                        </a:rPr>
-                        <a:t>(0.03%)</a:t>
+                      <a:pPr marL="0" marR="0" lvl="0" indent="0" algn="ctr" defTabSz="476220" rtl="0" eaLnBrk="1" fontAlgn="auto" latinLnBrk="0" hangingPunct="1">
+                        <a:lnSpc>
+                          <a:spcPct val="100000"/>
+                        </a:lnSpc>
+                        <a:spcBef>
+                          <a:spcPts val="0"/>
+                        </a:spcBef>
+                        <a:spcAft>
+                          <a:spcPts val="0"/>
+                        </a:spcAft>
+                        <a:buClrTx/>
+                        <a:buSzTx/>
+                        <a:buFontTx/>
+                        <a:buNone/>
+                        <a:tabLst/>
+                        <a:defRPr/>
+                      </a:pPr>
+                      <a:r>
+                        <a:rPr kumimoji="0" lang="ru-RU" sz="1100" b="1" i="0" u="none" strike="noStrike" kern="1200" cap="none" spc="0" normalizeH="0" baseline="0" noProof="0" dirty="0">
+                          <a:ln>
+                            <a:noFill/>
+                          </a:ln>
+                          <a:solidFill>
+                            <a:prstClr val="black"/>
+                          </a:solidFill>
+                          <a:effectLst/>
+                          <a:uLnTx/>
+                          <a:uFillTx/>
+                          <a:latin typeface="Montserrat SemiBold" pitchFamily="2" charset="0"/>
+                          <a:ea typeface="Roboto" panose="02000000000000000000" pitchFamily="2" charset="0"/>
+                          <a:cs typeface="Roboto" panose="02000000000000000000" pitchFamily="2" charset="0"/>
+                        </a:rPr>
+                        <a:t>- 47</a:t>
+                      </a:r>
+                      <a:br>
+                        <a:rPr kumimoji="0" lang="en-US" sz="1100" b="1" i="0" u="none" strike="noStrike" kern="1200" cap="none" spc="0" normalizeH="0" baseline="0" noProof="0" dirty="0">
+                          <a:ln>
+                            <a:noFill/>
+                          </a:ln>
+                          <a:solidFill>
+                            <a:prstClr val="black"/>
+                          </a:solidFill>
+                          <a:effectLst/>
+                          <a:uLnTx/>
+                          <a:uFillTx/>
+                          <a:latin typeface="Montserrat SemiBold" pitchFamily="2" charset="0"/>
+                          <a:ea typeface="Roboto" panose="02000000000000000000" pitchFamily="2" charset="0"/>
+                          <a:cs typeface="Roboto" panose="02000000000000000000" pitchFamily="2" charset="0"/>
+                        </a:rPr>
+                      </a:br>
+                      <a:r>
+                        <a:rPr kumimoji="0" lang="ru-RU" sz="900" b="0" i="0" u="none" strike="noStrike" kern="1200" cap="none" spc="0" normalizeH="0" baseline="0" noProof="0" dirty="0">
+                          <a:ln>
+                            <a:noFill/>
+                          </a:ln>
+                          <a:solidFill>
+                            <a:prstClr val="black"/>
+                          </a:solidFill>
+                          <a:effectLst/>
+                          <a:uLnTx/>
+                          <a:uFillTx/>
+                          <a:latin typeface="Montserrat Light" pitchFamily="2" charset="0"/>
+                          <a:ea typeface="Roboto" panose="02000000000000000000" pitchFamily="2" charset="0"/>
+                          <a:cs typeface="Roboto" panose="02000000000000000000" pitchFamily="2" charset="0"/>
+                        </a:rPr>
+                        <a:t>(0,1%)</a:t>
                       </a:r>
                     </a:p>
                   </a:txBody>
@@ -16262,7 +17201,7 @@
                       <a:tailEnd type="none" w="med" len="med"/>
                     </a:lnB>
                     <a:solidFill>
-                      <a:srgbClr val="FFE6E7"/>
+                      <a:schemeClr val="accent5"/>
                     </a:solidFill>
                   </a:tcPr>
                 </a:tc>
@@ -16271,21 +17210,89 @@
                     <a:bodyPr/>
                     <a:lstStyle/>
                     <a:p>
-                      <a:pPr algn="ctr"/>
-                      <a:r>
-                        <a:rPr sz="1100" b="1">
-                          <a:latin typeface="Montserrat SemiBold"/>
-                        </a:rPr>
-                        <a:t>-257.5</a:t>
-                      </a:r>
-                    </a:p>
-                    <a:p>
-                      <a:pPr algn="ctr"/>
-                      <a:r>
-                        <a:rPr sz="900">
-                          <a:latin typeface="Montserrat Light"/>
-                        </a:rPr>
-                        <a:t>(0.41%)</a:t>
+                      <a:pPr marL="0" marR="0" lvl="0" indent="0" algn="ctr" defTabSz="476220" rtl="0" eaLnBrk="1" fontAlgn="auto" latinLnBrk="0" hangingPunct="1">
+                        <a:lnSpc>
+                          <a:spcPct val="100000"/>
+                        </a:lnSpc>
+                        <a:spcBef>
+                          <a:spcPts val="0"/>
+                        </a:spcBef>
+                        <a:spcAft>
+                          <a:spcPts val="0"/>
+                        </a:spcAft>
+                        <a:buClrTx/>
+                        <a:buSzTx/>
+                        <a:buFontTx/>
+                        <a:buNone/>
+                        <a:tabLst/>
+                        <a:defRPr/>
+                      </a:pPr>
+                      <a:r>
+                        <a:rPr kumimoji="0" lang="en-US" sz="1100" b="1" i="0" u="none" strike="noStrike" kern="1200" cap="none" spc="0" normalizeH="0" baseline="0" noProof="0" dirty="0">
+                          <a:ln>
+                            <a:noFill/>
+                          </a:ln>
+                          <a:solidFill>
+                            <a:prstClr val="black"/>
+                          </a:solidFill>
+                          <a:effectLst/>
+                          <a:uLnTx/>
+                          <a:uFillTx/>
+                          <a:latin typeface="Montserrat SemiBold" pitchFamily="2" charset="0"/>
+                          <a:ea typeface="Roboto" panose="02000000000000000000" pitchFamily="2" charset="0"/>
+                          <a:cs typeface="Roboto" panose="02000000000000000000" pitchFamily="2" charset="0"/>
+                        </a:rPr>
+                        <a:t>- </a:t>
+                      </a:r>
+                      <a:r>
+                        <a:rPr kumimoji="0" lang="ru-RU" sz="1100" b="1" i="0" u="none" strike="noStrike" kern="1200" cap="none" spc="0" normalizeH="0" baseline="0" noProof="0" dirty="0">
+                          <a:ln>
+                            <a:noFill/>
+                          </a:ln>
+                          <a:solidFill>
+                            <a:prstClr val="black"/>
+                          </a:solidFill>
+                          <a:effectLst/>
+                          <a:uLnTx/>
+                          <a:uFillTx/>
+                          <a:latin typeface="Montserrat SemiBold" pitchFamily="2" charset="0"/>
+                          <a:ea typeface="Roboto" panose="02000000000000000000" pitchFamily="2" charset="0"/>
+                          <a:cs typeface="Roboto" panose="02000000000000000000" pitchFamily="2" charset="0"/>
+                        </a:rPr>
+                        <a:t>541</a:t>
+                      </a:r>
+                      <a:br>
+                        <a:rPr kumimoji="0" lang="en-US" sz="1100" b="1" i="0" u="none" strike="noStrike" kern="1200" cap="none" spc="0" normalizeH="0" baseline="0" noProof="0" dirty="0">
+                          <a:ln>
+                            <a:noFill/>
+                          </a:ln>
+                          <a:solidFill>
+                            <a:prstClr val="black"/>
+                          </a:solidFill>
+                          <a:effectLst/>
+                          <a:uLnTx/>
+                          <a:uFillTx/>
+                          <a:latin typeface="Montserrat SemiBold" pitchFamily="2" charset="0"/>
+                          <a:ea typeface="Roboto" panose="02000000000000000000" pitchFamily="2" charset="0"/>
+                          <a:cs typeface="Roboto" panose="02000000000000000000" pitchFamily="2" charset="0"/>
+                        </a:rPr>
+                      </a:br>
+                      <a:r>
+                        <a:rPr kumimoji="0" lang="ru-RU" sz="900" b="0" i="0" u="none" strike="noStrike" kern="1200" cap="none" spc="0" normalizeH="0" baseline="0" noProof="0" dirty="0">
+                          <a:ln>
+                            <a:noFill/>
+                          </a:ln>
+                          <a:solidFill>
+                            <a:prstClr val="black"/>
+                          </a:solidFill>
+                          <a:effectLst/>
+                          <a:uLnTx/>
+                          <a:uFillTx/>
+                          <a:latin typeface="Montserrat Light" pitchFamily="2" charset="0"/>
+                          <a:ea typeface="Roboto" panose="02000000000000000000" pitchFamily="2" charset="0"/>
+                          <a:cs typeface="Roboto" panose="02000000000000000000" pitchFamily="2" charset="0"/>
+                        </a:rPr>
+                        <a:t>(0,9%)</a:t>
                       </a:r>
                     </a:p>
                   </a:txBody>
@@ -16327,7 +17334,7 @@
                       <a:tailEnd type="none" w="med" len="med"/>
                     </a:lnB>
                     <a:solidFill>
-                      <a:srgbClr val="FFE6E7"/>
+                      <a:schemeClr val="accent5"/>
                     </a:solidFill>
                   </a:tcPr>
                 </a:tc>
@@ -16336,21 +17343,72 @@
                     <a:bodyPr/>
                     <a:lstStyle/>
                     <a:p>
-                      <a:pPr algn="ctr"/>
-                      <a:r>
-                        <a:rPr sz="1100" b="1">
-                          <a:latin typeface="Montserrat SemiBold"/>
-                        </a:rPr>
-                        <a:t>-356.67</a:t>
-                      </a:r>
-                    </a:p>
-                    <a:p>
-                      <a:pPr algn="ctr"/>
-                      <a:r>
-                        <a:rPr sz="900">
-                          <a:latin typeface="Montserrat Light"/>
-                        </a:rPr>
-                        <a:t>(0.56%)</a:t>
+                      <a:pPr marL="0" marR="0" lvl="0" indent="0" algn="ctr" defTabSz="476220" rtl="0" eaLnBrk="1" fontAlgn="auto" latinLnBrk="0" hangingPunct="1">
+                        <a:lnSpc>
+                          <a:spcPct val="100000"/>
+                        </a:lnSpc>
+                        <a:spcBef>
+                          <a:spcPts val="0"/>
+                        </a:spcBef>
+                        <a:spcAft>
+                          <a:spcPts val="0"/>
+                        </a:spcAft>
+                        <a:buClrTx/>
+                        <a:buSzTx/>
+                        <a:buFontTx/>
+                        <a:buNone/>
+                        <a:tabLst/>
+                        <a:defRPr/>
+                      </a:pPr>
+                      <a:r>
+                        <a:rPr kumimoji="0" lang="ru-RU" sz="1100" b="1" i="0" u="none" strike="noStrike" kern="1200" cap="none" spc="0" normalizeH="0" baseline="0" noProof="0" dirty="0">
+                          <a:ln>
+                            <a:noFill/>
+                          </a:ln>
+                          <a:solidFill>
+                            <a:prstClr val="black"/>
+                          </a:solidFill>
+                          <a:effectLst/>
+                          <a:uLnTx/>
+                          <a:uFillTx/>
+                          <a:latin typeface="Montserrat SemiBold" pitchFamily="2" charset="0"/>
+                          <a:ea typeface="Roboto" panose="02000000000000000000" pitchFamily="2" charset="0"/>
+                          <a:cs typeface="Roboto" panose="02000000000000000000" pitchFamily="2" charset="0"/>
+                        </a:rPr>
+                        <a:t>- 619</a:t>
+                      </a:r>
+                      <a:br>
+                        <a:rPr kumimoji="0" lang="en-US" sz="1100" b="1" i="0" u="none" strike="noStrike" kern="1200" cap="none" spc="0" normalizeH="0" baseline="0" noProof="0" dirty="0">
+                          <a:ln>
+                            <a:noFill/>
+                          </a:ln>
+                          <a:solidFill>
+                            <a:prstClr val="black"/>
+                          </a:solidFill>
+                          <a:effectLst/>
+                          <a:uLnTx/>
+                          <a:uFillTx/>
+                          <a:latin typeface="Montserrat SemiBold" pitchFamily="2" charset="0"/>
+                          <a:ea typeface="Roboto" panose="02000000000000000000" pitchFamily="2" charset="0"/>
+                          <a:cs typeface="Roboto" panose="02000000000000000000" pitchFamily="2" charset="0"/>
+                        </a:rPr>
+                      </a:br>
+                      <a:r>
+                        <a:rPr kumimoji="0" lang="ru-RU" sz="900" b="0" i="0" u="none" strike="noStrike" kern="1200" cap="none" spc="0" normalizeH="0" baseline="0" noProof="0" dirty="0">
+                          <a:ln>
+                            <a:noFill/>
+                          </a:ln>
+                          <a:solidFill>
+                            <a:prstClr val="black"/>
+                          </a:solidFill>
+                          <a:effectLst/>
+                          <a:uLnTx/>
+                          <a:uFillTx/>
+                          <a:latin typeface="Montserrat Light" pitchFamily="2" charset="0"/>
+                          <a:ea typeface="Roboto" panose="02000000000000000000" pitchFamily="2" charset="0"/>
+                          <a:cs typeface="Roboto" panose="02000000000000000000" pitchFamily="2" charset="0"/>
+                        </a:rPr>
+                        <a:t>(1,0%)</a:t>
                       </a:r>
                     </a:p>
                   </a:txBody>
@@ -16392,7 +17450,7 @@
                       <a:tailEnd type="none" w="med" len="med"/>
                     </a:lnB>
                     <a:solidFill>
-                      <a:srgbClr val="FFE6E7"/>
+                      <a:schemeClr val="accent5"/>
                     </a:solidFill>
                   </a:tcPr>
                 </a:tc>
@@ -16759,27 +17817,69 @@
                     <a:bodyPr/>
                     <a:lstStyle/>
                     <a:p>
-                      <a:pPr algn="ctr"/>
-                      <a:r>
-                        <a:rPr sz="1100" b="1">
+                      <a:pPr algn="ctr">
+                        <a:lnSpc>
+                          <a:spcPts val="1400"/>
+                        </a:lnSpc>
+                      </a:pPr>
+                      <a:r>
+                        <a:rPr lang="ru-RU" sz="1100" b="1" dirty="0">
                           <a:solidFill>
                             <a:srgbClr val="4D4D4D"/>
                           </a:solidFill>
-                          <a:latin typeface="Montserrat"/>
-                        </a:rPr>
-                        <a:t>675</a:t>
-                      </a:r>
-                    </a:p>
-                    <a:p>
-                      <a:pPr algn="ctr"/>
-                      <a:r>
-                        <a:rPr sz="900">
+                          <a:latin typeface="Montserrat" pitchFamily="2" charset="0"/>
+                          <a:ea typeface="Roboto" panose="02000000000000000000" pitchFamily="2" charset="0"/>
+                          <a:cs typeface="Roboto" panose="02000000000000000000" pitchFamily="2" charset="0"/>
+                        </a:rPr>
+                        <a:t>6</a:t>
+                      </a:r>
+                      <a:r>
+                        <a:rPr lang="en-US" sz="1100" b="1" dirty="0">
+                          <a:solidFill>
+                            <a:srgbClr val="4D4D4D"/>
+                          </a:solidFill>
+                          <a:latin typeface="Montserrat" pitchFamily="2" charset="0"/>
+                          <a:ea typeface="Roboto" panose="02000000000000000000" pitchFamily="2" charset="0"/>
+                          <a:cs typeface="Roboto" panose="02000000000000000000" pitchFamily="2" charset="0"/>
+                        </a:rPr>
+                        <a:t>75</a:t>
+                      </a:r>
+                      <a:endParaRPr lang="ru-RU" sz="1100" b="1" dirty="0">
+                        <a:solidFill>
+                          <a:srgbClr val="4D4D4D"/>
+                        </a:solidFill>
+                        <a:latin typeface="Montserrat" pitchFamily="2" charset="0"/>
+                        <a:ea typeface="Roboto" panose="02000000000000000000" pitchFamily="2" charset="0"/>
+                        <a:cs typeface="Roboto" panose="02000000000000000000" pitchFamily="2" charset="0"/>
+                      </a:endParaRPr>
+                    </a:p>
+                    <a:p>
+                      <a:pPr algn="ctr">
+                        <a:lnSpc>
+                          <a:spcPts val="1400"/>
+                        </a:lnSpc>
+                      </a:pPr>
+                      <a:r>
+                        <a:rPr lang="en-US" sz="900" dirty="0">
                           <a:solidFill>
                             <a:srgbClr val="999999"/>
                           </a:solidFill>
-                          <a:latin typeface="Montserrat"/>
-                        </a:rPr>
-                        <a:t>USD/т</a:t>
+                          <a:latin typeface="Montserrat" pitchFamily="2" charset="0"/>
+                          <a:ea typeface="Roboto" panose="02000000000000000000" pitchFamily="2" charset="0"/>
+                          <a:cs typeface="Roboto" panose="02000000000000000000" pitchFamily="2" charset="0"/>
+                        </a:rPr>
+                        <a:t>USD/</a:t>
+                      </a:r>
+                      <a:r>
+                        <a:rPr lang="ru-RU" sz="900" dirty="0">
+                          <a:solidFill>
+                            <a:srgbClr val="999999"/>
+                          </a:solidFill>
+                          <a:latin typeface="Montserrat" pitchFamily="2" charset="0"/>
+                          <a:ea typeface="Roboto" panose="02000000000000000000" pitchFamily="2" charset="0"/>
+                          <a:cs typeface="Roboto" panose="02000000000000000000" pitchFamily="2" charset="0"/>
+                        </a:rPr>
+                        <a:t>т</a:t>
                       </a:r>
                     </a:p>
                   </a:txBody>
@@ -16825,21 +17925,39 @@
                     <a:bodyPr/>
                     <a:lstStyle/>
                     <a:p>
-                      <a:pPr algn="ctr"/>
-                      <a:r>
-                        <a:rPr sz="1100" b="1">
-                          <a:latin typeface="Montserrat SemiBold"/>
-                        </a:rPr>
-                        <a:t>-15</a:t>
-                      </a:r>
-                    </a:p>
-                    <a:p>
-                      <a:pPr algn="ctr"/>
-                      <a:r>
-                        <a:rPr sz="900">
-                          <a:latin typeface="Montserrat Light"/>
-                        </a:rPr>
-                        <a:t>(2.17%)</a:t>
+                      <a:pPr marL="0" marR="0" lvl="0" indent="0" algn="ctr" defTabSz="476220" rtl="0" eaLnBrk="1" fontAlgn="auto" latinLnBrk="0" hangingPunct="1">
+                        <a:lnSpc>
+                          <a:spcPct val="100000"/>
+                        </a:lnSpc>
+                        <a:spcBef>
+                          <a:spcPts val="0"/>
+                        </a:spcBef>
+                        <a:spcAft>
+                          <a:spcPts val="0"/>
+                        </a:spcAft>
+                        <a:buClrTx/>
+                        <a:buSzTx/>
+                        <a:buFontTx/>
+                        <a:buNone/>
+                        <a:tabLst/>
+                        <a:defRPr/>
+                      </a:pPr>
+                      <a:r>
+                        <a:rPr kumimoji="0" lang="ru-RU" sz="1100" b="1" i="0" u="none" strike="noStrike" kern="1200" cap="none" spc="0" normalizeH="0" baseline="0" noProof="0" dirty="0">
+                          <a:ln>
+                            <a:noFill/>
+                          </a:ln>
+                          <a:solidFill>
+                            <a:srgbClr val="4D4D4D"/>
+                          </a:solidFill>
+                          <a:effectLst/>
+                          <a:uLnTx/>
+                          <a:uFillTx/>
+                          <a:latin typeface="Montserrat SemiBold" pitchFamily="2" charset="0"/>
+                          <a:ea typeface="Roboto" panose="02000000000000000000" pitchFamily="2" charset="0"/>
+                          <a:cs typeface="Roboto" panose="02000000000000000000" pitchFamily="2" charset="0"/>
+                        </a:rPr>
+                        <a:t>-</a:t>
                       </a:r>
                     </a:p>
                   </a:txBody>
@@ -16878,9 +17996,7 @@
                       <a:headEnd type="none" w="med" len="med"/>
                       <a:tailEnd type="none" w="med" len="med"/>
                     </a:lnB>
-                    <a:solidFill>
-                      <a:srgbClr val="FFE6E7"/>
-                    </a:solidFill>
+                    <a:noFill/>
                   </a:tcPr>
                 </a:tc>
                 <a:tc>
@@ -16888,21 +18004,39 @@
                     <a:bodyPr/>
                     <a:lstStyle/>
                     <a:p>
-                      <a:pPr algn="ctr"/>
-                      <a:r>
-                        <a:rPr sz="1100" b="1">
-                          <a:latin typeface="Montserrat SemiBold"/>
-                        </a:rPr>
-                        <a:t>-15</a:t>
-                      </a:r>
-                    </a:p>
-                    <a:p>
-                      <a:pPr algn="ctr"/>
-                      <a:r>
-                        <a:rPr sz="900">
-                          <a:latin typeface="Montserrat Light"/>
-                        </a:rPr>
-                        <a:t>(2.17%)</a:t>
+                      <a:pPr marL="0" marR="0" lvl="0" indent="0" algn="ctr" defTabSz="476220" rtl="0" eaLnBrk="1" fontAlgn="auto" latinLnBrk="0" hangingPunct="1">
+                        <a:lnSpc>
+                          <a:spcPct val="100000"/>
+                        </a:lnSpc>
+                        <a:spcBef>
+                          <a:spcPts val="0"/>
+                        </a:spcBef>
+                        <a:spcAft>
+                          <a:spcPts val="0"/>
+                        </a:spcAft>
+                        <a:buClrTx/>
+                        <a:buSzTx/>
+                        <a:buFontTx/>
+                        <a:buNone/>
+                        <a:tabLst/>
+                        <a:defRPr/>
+                      </a:pPr>
+                      <a:r>
+                        <a:rPr kumimoji="0" lang="ru-RU" sz="1100" b="1" i="0" u="none" strike="noStrike" kern="1200" cap="none" spc="0" normalizeH="0" baseline="0" noProof="0" dirty="0">
+                          <a:ln>
+                            <a:noFill/>
+                          </a:ln>
+                          <a:solidFill>
+                            <a:srgbClr val="4D4D4D"/>
+                          </a:solidFill>
+                          <a:effectLst/>
+                          <a:uLnTx/>
+                          <a:uFillTx/>
+                          <a:latin typeface="Montserrat SemiBold" pitchFamily="2" charset="0"/>
+                          <a:ea typeface="Roboto" panose="02000000000000000000" pitchFamily="2" charset="0"/>
+                          <a:cs typeface="Roboto" panose="02000000000000000000" pitchFamily="2" charset="0"/>
+                        </a:rPr>
+                        <a:t>-</a:t>
                       </a:r>
                     </a:p>
                   </a:txBody>
@@ -16941,9 +18075,7 @@
                       <a:headEnd type="none" w="med" len="med"/>
                       <a:tailEnd type="none" w="med" len="med"/>
                     </a:lnB>
-                    <a:solidFill>
-                      <a:srgbClr val="FFE6E7"/>
-                    </a:solidFill>
+                    <a:noFill/>
                   </a:tcPr>
                 </a:tc>
                 <a:tc>
@@ -16951,22 +18083,104 @@
                     <a:bodyPr/>
                     <a:lstStyle/>
                     <a:p>
-                      <a:pPr algn="ctr"/>
-                      <a:r>
-                        <a:rPr sz="1100" b="1">
-                          <a:latin typeface="Montserrat SemiBold"/>
-                        </a:rPr>
-                        <a:t>-50</a:t>
-                      </a:r>
-                    </a:p>
-                    <a:p>
-                      <a:pPr algn="ctr"/>
-                      <a:r>
-                        <a:rPr sz="900">
-                          <a:latin typeface="Montserrat Light"/>
-                        </a:rPr>
-                        <a:t>(6.9%)</a:t>
-                      </a:r>
+                      <a:pPr marL="0" marR="0" lvl="0" indent="0" algn="ctr" defTabSz="476220" rtl="0" eaLnBrk="1" fontAlgn="auto" latinLnBrk="0" hangingPunct="1">
+                        <a:lnSpc>
+                          <a:spcPts val="1400"/>
+                        </a:lnSpc>
+                        <a:spcBef>
+                          <a:spcPts val="0"/>
+                        </a:spcBef>
+                        <a:spcAft>
+                          <a:spcPts val="0"/>
+                        </a:spcAft>
+                        <a:buClrTx/>
+                        <a:buSzTx/>
+                        <a:buFontTx/>
+                        <a:buNone/>
+                        <a:tabLst/>
+                        <a:defRPr/>
+                      </a:pPr>
+                      <a:r>
+                        <a:rPr kumimoji="0" lang="en-US" sz="1100" b="1" i="0" u="none" strike="noStrike" kern="1200" cap="none" spc="0" normalizeH="0" baseline="0" noProof="0" dirty="0">
+                          <a:ln>
+                            <a:noFill/>
+                          </a:ln>
+                          <a:solidFill>
+                            <a:prstClr val="black"/>
+                          </a:solidFill>
+                          <a:effectLst/>
+                          <a:uLnTx/>
+                          <a:uFillTx/>
+                          <a:latin typeface="Montserrat SemiBold" pitchFamily="2" charset="0"/>
+                          <a:ea typeface="Roboto" panose="02000000000000000000" pitchFamily="2" charset="0"/>
+                          <a:cs typeface="Roboto" panose="02000000000000000000" pitchFamily="2" charset="0"/>
+                        </a:rPr>
+                        <a:t>-</a:t>
+                      </a:r>
+                      <a:r>
+                        <a:rPr kumimoji="0" lang="ru-RU" sz="1100" b="1" i="0" u="none" strike="noStrike" kern="1200" cap="none" spc="0" normalizeH="0" baseline="0" noProof="0" dirty="0">
+                          <a:ln>
+                            <a:noFill/>
+                          </a:ln>
+                          <a:solidFill>
+                            <a:prstClr val="black"/>
+                          </a:solidFill>
+                          <a:effectLst/>
+                          <a:uLnTx/>
+                          <a:uFillTx/>
+                          <a:latin typeface="Montserrat SemiBold" pitchFamily="2" charset="0"/>
+                          <a:ea typeface="Roboto" panose="02000000000000000000" pitchFamily="2" charset="0"/>
+                          <a:cs typeface="Roboto" panose="02000000000000000000" pitchFamily="2" charset="0"/>
+                        </a:rPr>
+                        <a:t> 15</a:t>
+                      </a:r>
+                      <a:br>
+                        <a:rPr kumimoji="0" lang="en-US" sz="1100" b="1" i="0" u="none" strike="noStrike" kern="1200" cap="none" spc="0" normalizeH="0" baseline="0" noProof="0" dirty="0">
+                          <a:ln>
+                            <a:noFill/>
+                          </a:ln>
+                          <a:solidFill>
+                            <a:prstClr val="black"/>
+                          </a:solidFill>
+                          <a:effectLst/>
+                          <a:uLnTx/>
+                          <a:uFillTx/>
+                          <a:latin typeface="Montserrat SemiBold" pitchFamily="2" charset="0"/>
+                          <a:ea typeface="Roboto" panose="02000000000000000000" pitchFamily="2" charset="0"/>
+                          <a:cs typeface="Roboto" panose="02000000000000000000" pitchFamily="2" charset="0"/>
+                        </a:rPr>
+                      </a:br>
+                      <a:r>
+                        <a:rPr kumimoji="0" lang="ru-RU" sz="900" b="0" i="0" u="none" strike="noStrike" kern="1200" cap="none" spc="0" normalizeH="0" baseline="0" noProof="0" dirty="0">
+                          <a:ln>
+                            <a:noFill/>
+                          </a:ln>
+                          <a:solidFill>
+                            <a:prstClr val="black"/>
+                          </a:solidFill>
+                          <a:effectLst/>
+                          <a:uLnTx/>
+                          <a:uFillTx/>
+                          <a:latin typeface="Montserrat Light" pitchFamily="2" charset="0"/>
+                          <a:ea typeface="Roboto" panose="02000000000000000000" pitchFamily="2" charset="0"/>
+                          <a:cs typeface="Roboto" panose="02000000000000000000" pitchFamily="2" charset="0"/>
+                        </a:rPr>
+                        <a:t>(2,2%) </a:t>
+                      </a:r>
+                      <a:endParaRPr kumimoji="0" lang="ru-RU" sz="1100" b="0" i="0" u="none" strike="noStrike" kern="1200" cap="none" spc="0" normalizeH="0" baseline="0" noProof="0" dirty="0">
+                        <a:ln>
+                          <a:noFill/>
+                        </a:ln>
+                        <a:solidFill>
+                          <a:prstClr val="black"/>
+                        </a:solidFill>
+                        <a:effectLst/>
+                        <a:uLnTx/>
+                        <a:uFillTx/>
+                        <a:latin typeface="Montserrat Light" pitchFamily="2" charset="0"/>
+                        <a:ea typeface="Roboto" panose="02000000000000000000" pitchFamily="2" charset="0"/>
+                        <a:cs typeface="Roboto" panose="02000000000000000000" pitchFamily="2" charset="0"/>
+                      </a:endParaRPr>
                     </a:p>
                   </a:txBody>
                   <a:tcPr marL="0" marR="0" marT="36000" marB="54000" anchor="ctr">
@@ -17005,7 +18219,7 @@
                       <a:tailEnd type="none" w="med" len="med"/>
                     </a:lnB>
                     <a:solidFill>
-                      <a:srgbClr val="FFE6E7"/>
+                      <a:schemeClr val="accent5"/>
                     </a:solidFill>
                   </a:tcPr>
                 </a:tc>
@@ -17126,27 +18340,50 @@
                     <a:bodyPr/>
                     <a:lstStyle/>
                     <a:p>
-                      <a:pPr algn="ctr"/>
-                      <a:r>
-                        <a:rPr sz="1100" b="1">
+                      <a:pPr algn="ctr">
+                        <a:lnSpc>
+                          <a:spcPts val="1400"/>
+                        </a:lnSpc>
+                      </a:pPr>
+                      <a:r>
+                        <a:rPr lang="ru-RU" sz="1100" b="1" dirty="0">
                           <a:solidFill>
                             <a:srgbClr val="4D4D4D"/>
                           </a:solidFill>
-                          <a:latin typeface="Montserrat"/>
-                        </a:rPr>
-                        <a:t>715</a:t>
-                      </a:r>
-                    </a:p>
-                    <a:p>
-                      <a:pPr algn="ctr"/>
-                      <a:r>
-                        <a:rPr sz="900">
+                          <a:latin typeface="Montserrat" pitchFamily="2" charset="0"/>
+                          <a:ea typeface="Roboto" panose="02000000000000000000" pitchFamily="2" charset="0"/>
+                          <a:cs typeface="Roboto" panose="02000000000000000000" pitchFamily="2" charset="0"/>
+                        </a:rPr>
+                        <a:t>700</a:t>
+                      </a:r>
+                    </a:p>
+                    <a:p>
+                      <a:pPr algn="ctr">
+                        <a:lnSpc>
+                          <a:spcPts val="1400"/>
+                        </a:lnSpc>
+                      </a:pPr>
+                      <a:r>
+                        <a:rPr lang="en-US" sz="900" dirty="0">
                           <a:solidFill>
                             <a:srgbClr val="999999"/>
                           </a:solidFill>
-                          <a:latin typeface="Montserrat"/>
-                        </a:rPr>
-                        <a:t>USD/т</a:t>
+                          <a:latin typeface="Montserrat" pitchFamily="2" charset="0"/>
+                          <a:ea typeface="Roboto" panose="02000000000000000000" pitchFamily="2" charset="0"/>
+                          <a:cs typeface="Roboto" panose="02000000000000000000" pitchFamily="2" charset="0"/>
+                        </a:rPr>
+                        <a:t>USD/</a:t>
+                      </a:r>
+                      <a:r>
+                        <a:rPr lang="ru-RU" sz="900" dirty="0">
+                          <a:solidFill>
+                            <a:srgbClr val="999999"/>
+                          </a:solidFill>
+                          <a:latin typeface="Montserrat" pitchFamily="2" charset="0"/>
+                          <a:ea typeface="Roboto" panose="02000000000000000000" pitchFamily="2" charset="0"/>
+                          <a:cs typeface="Roboto" panose="02000000000000000000" pitchFamily="2" charset="0"/>
+                        </a:rPr>
+                        <a:t>т</a:t>
                       </a:r>
                     </a:p>
                   </a:txBody>
@@ -17194,10 +18431,37 @@
                     <a:bodyPr/>
                     <a:lstStyle/>
                     <a:p>
-                      <a:pPr algn="ctr"/>
-                      <a:r>
-                        <a:rPr sz="1100" b="1">
-                          <a:latin typeface="Montserrat SemiBold"/>
+                      <a:pPr marL="0" marR="0" lvl="0" indent="0" algn="ctr" defTabSz="476220" rtl="0" eaLnBrk="1" fontAlgn="auto" latinLnBrk="0" hangingPunct="1">
+                        <a:lnSpc>
+                          <a:spcPct val="100000"/>
+                        </a:lnSpc>
+                        <a:spcBef>
+                          <a:spcPts val="0"/>
+                        </a:spcBef>
+                        <a:spcAft>
+                          <a:spcPts val="0"/>
+                        </a:spcAft>
+                        <a:buClrTx/>
+                        <a:buSzTx/>
+                        <a:buFontTx/>
+                        <a:buNone/>
+                        <a:tabLst/>
+                        <a:defRPr/>
+                      </a:pPr>
+                      <a:r>
+                        <a:rPr kumimoji="0" lang="ru-RU" sz="1100" b="1" i="0" u="none" strike="noStrike" kern="1200" cap="none" spc="0" normalizeH="0" baseline="0" noProof="0" dirty="0">
+                          <a:ln>
+                            <a:noFill/>
+                          </a:ln>
+                          <a:solidFill>
+                            <a:srgbClr val="4D4D4D"/>
+                          </a:solidFill>
+                          <a:effectLst/>
+                          <a:uLnTx/>
+                          <a:uFillTx/>
+                          <a:latin typeface="Montserrat SemiBold" pitchFamily="2" charset="0"/>
+                          <a:ea typeface="Roboto" panose="02000000000000000000" pitchFamily="2" charset="0"/>
+                          <a:cs typeface="Roboto" panose="02000000000000000000" pitchFamily="2" charset="0"/>
                         </a:rPr>
                         <a:t>-</a:t>
                       </a:r>
@@ -17240,9 +18504,7 @@
                       <a:headEnd type="none" w="med" len="med"/>
                       <a:tailEnd type="none" w="med" len="med"/>
                     </a:lnB>
-                    <a:solidFill>
-                      <a:srgbClr val="FFFFFF"/>
-                    </a:solidFill>
+                    <a:noFill/>
                   </a:tcPr>
                 </a:tc>
                 <a:tc>
@@ -17250,10 +18512,37 @@
                     <a:bodyPr/>
                     <a:lstStyle/>
                     <a:p>
-                      <a:pPr algn="ctr"/>
-                      <a:r>
-                        <a:rPr sz="1100" b="1">
-                          <a:latin typeface="Montserrat SemiBold"/>
+                      <a:pPr marL="0" marR="0" lvl="0" indent="0" algn="ctr" defTabSz="476220" rtl="0" eaLnBrk="1" fontAlgn="auto" latinLnBrk="0" hangingPunct="1">
+                        <a:lnSpc>
+                          <a:spcPct val="100000"/>
+                        </a:lnSpc>
+                        <a:spcBef>
+                          <a:spcPts val="0"/>
+                        </a:spcBef>
+                        <a:spcAft>
+                          <a:spcPts val="0"/>
+                        </a:spcAft>
+                        <a:buClrTx/>
+                        <a:buSzTx/>
+                        <a:buFontTx/>
+                        <a:buNone/>
+                        <a:tabLst/>
+                        <a:defRPr/>
+                      </a:pPr>
+                      <a:r>
+                        <a:rPr kumimoji="0" lang="ru-RU" sz="1100" b="1" i="0" u="none" strike="noStrike" kern="1200" cap="none" spc="0" normalizeH="0" baseline="0" noProof="0" dirty="0">
+                          <a:ln>
+                            <a:noFill/>
+                          </a:ln>
+                          <a:solidFill>
+                            <a:srgbClr val="4D4D4D"/>
+                          </a:solidFill>
+                          <a:effectLst/>
+                          <a:uLnTx/>
+                          <a:uFillTx/>
+                          <a:latin typeface="Montserrat SemiBold" pitchFamily="2" charset="0"/>
+                          <a:ea typeface="Roboto" panose="02000000000000000000" pitchFamily="2" charset="0"/>
+                          <a:cs typeface="Roboto" panose="02000000000000000000" pitchFamily="2" charset="0"/>
                         </a:rPr>
                         <a:t>-</a:t>
                       </a:r>
@@ -17296,9 +18585,7 @@
                       <a:headEnd type="none" w="med" len="med"/>
                       <a:tailEnd type="none" w="med" len="med"/>
                     </a:lnB>
-                    <a:solidFill>
-                      <a:srgbClr val="FFFFFF"/>
-                    </a:solidFill>
+                    <a:noFill/>
                   </a:tcPr>
                 </a:tc>
                 <a:tc>
@@ -17306,22 +18593,87 @@
                     <a:bodyPr/>
                     <a:lstStyle/>
                     <a:p>
-                      <a:pPr algn="ctr"/>
-                      <a:r>
-                        <a:rPr sz="1100" b="1">
-                          <a:latin typeface="Montserrat SemiBold"/>
-                        </a:rPr>
-                        <a:t>-80</a:t>
-                      </a:r>
-                    </a:p>
-                    <a:p>
-                      <a:pPr algn="ctr"/>
-                      <a:r>
-                        <a:rPr sz="900">
-                          <a:latin typeface="Montserrat Light"/>
-                        </a:rPr>
-                        <a:t>(10.06%)</a:t>
-                      </a:r>
+                      <a:pPr marL="0" marR="0" lvl="0" indent="0" algn="ctr" defTabSz="476220" rtl="0" eaLnBrk="1" fontAlgn="auto" latinLnBrk="0" hangingPunct="1">
+                        <a:lnSpc>
+                          <a:spcPts val="1400"/>
+                        </a:lnSpc>
+                        <a:spcBef>
+                          <a:spcPts val="0"/>
+                        </a:spcBef>
+                        <a:spcAft>
+                          <a:spcPts val="0"/>
+                        </a:spcAft>
+                        <a:buClrTx/>
+                        <a:buSzTx/>
+                        <a:buFontTx/>
+                        <a:buNone/>
+                        <a:tabLst/>
+                        <a:defRPr/>
+                      </a:pPr>
+                      <a:r>
+                        <a:rPr kumimoji="0" lang="ru-RU" sz="1100" b="1" i="0" u="none" strike="noStrike" kern="1200" cap="none" spc="0" normalizeH="0" baseline="0" noProof="0" dirty="0">
+                          <a:ln>
+                            <a:noFill/>
+                          </a:ln>
+                          <a:solidFill>
+                            <a:prstClr val="black"/>
+                          </a:solidFill>
+                          <a:effectLst/>
+                          <a:uLnTx/>
+                          <a:uFillTx/>
+                          <a:latin typeface="Montserrat SemiBold" pitchFamily="2" charset="0"/>
+                          <a:ea typeface="Roboto" panose="02000000000000000000" pitchFamily="2" charset="0"/>
+                          <a:cs typeface="Roboto" panose="02000000000000000000" pitchFamily="2" charset="0"/>
+                        </a:rPr>
+                        <a:t>- 50</a:t>
+                      </a:r>
+                      <a:br>
+                        <a:rPr kumimoji="0" lang="en-US" sz="1100" b="1" i="0" u="none" strike="noStrike" kern="1200" cap="none" spc="0" normalizeH="0" baseline="0" noProof="0" dirty="0">
+                          <a:ln>
+                            <a:noFill/>
+                          </a:ln>
+                          <a:solidFill>
+                            <a:prstClr val="black"/>
+                          </a:solidFill>
+                          <a:effectLst/>
+                          <a:uLnTx/>
+                          <a:uFillTx/>
+                          <a:latin typeface="Montserrat SemiBold" pitchFamily="2" charset="0"/>
+                          <a:ea typeface="Roboto" panose="02000000000000000000" pitchFamily="2" charset="0"/>
+                          <a:cs typeface="Roboto" panose="02000000000000000000" pitchFamily="2" charset="0"/>
+                        </a:rPr>
+                      </a:br>
+                      <a:r>
+                        <a:rPr kumimoji="0" lang="ru-RU" sz="900" b="0" i="0" u="none" strike="noStrike" kern="1200" cap="none" spc="0" normalizeH="0" baseline="0" noProof="0" dirty="0">
+                          <a:ln>
+                            <a:noFill/>
+                          </a:ln>
+                          <a:solidFill>
+                            <a:prstClr val="black"/>
+                          </a:solidFill>
+                          <a:effectLst/>
+                          <a:uLnTx/>
+                          <a:uFillTx/>
+                          <a:latin typeface="Montserrat Light" pitchFamily="2" charset="0"/>
+                          <a:ea typeface="Roboto" panose="02000000000000000000" pitchFamily="2" charset="0"/>
+                          <a:cs typeface="Roboto" panose="02000000000000000000" pitchFamily="2" charset="0"/>
+                        </a:rPr>
+                        <a:t>(6,7%) </a:t>
+                      </a:r>
+                      <a:endParaRPr kumimoji="0" lang="ru-RU" sz="1100" b="0" i="0" u="none" strike="noStrike" kern="1200" cap="none" spc="0" normalizeH="0" baseline="0" noProof="0" dirty="0">
+                        <a:ln>
+                          <a:noFill/>
+                        </a:ln>
+                        <a:solidFill>
+                          <a:prstClr val="black"/>
+                        </a:solidFill>
+                        <a:effectLst/>
+                        <a:uLnTx/>
+                        <a:uFillTx/>
+                        <a:latin typeface="Montserrat Light" pitchFamily="2" charset="0"/>
+                        <a:ea typeface="Roboto" panose="02000000000000000000" pitchFamily="2" charset="0"/>
+                        <a:cs typeface="Roboto" panose="02000000000000000000" pitchFamily="2" charset="0"/>
+                      </a:endParaRPr>
                     </a:p>
                   </a:txBody>
                   <a:tcPr marL="0" marR="0" marT="36000" marB="54000" anchor="ctr">
@@ -17362,7 +18714,7 @@
                       <a:tailEnd type="none" w="med" len="med"/>
                     </a:lnB>
                     <a:solidFill>
-                      <a:srgbClr val="FFE6E7"/>
+                      <a:schemeClr val="accent5"/>
                     </a:solidFill>
                   </a:tcPr>
                 </a:tc>
@@ -17461,27 +18813,61 @@
                     <a:bodyPr/>
                     <a:lstStyle/>
                     <a:p>
-                      <a:pPr algn="ctr"/>
-                      <a:r>
-                        <a:rPr sz="1100" b="1">
+                      <a:pPr algn="ctr">
+                        <a:lnSpc>
+                          <a:spcPts val="1400"/>
+                        </a:lnSpc>
+                      </a:pPr>
+                      <a:r>
+                        <a:rPr lang="ru-RU" sz="1100" b="1" dirty="0">
                           <a:solidFill>
                             <a:srgbClr val="4D4D4D"/>
                           </a:solidFill>
-                          <a:latin typeface="Montserrat"/>
-                        </a:rPr>
-                        <a:t>63283.33</a:t>
-                      </a:r>
-                    </a:p>
-                    <a:p>
-                      <a:pPr algn="ctr"/>
-                      <a:r>
-                        <a:rPr sz="900">
+                          <a:latin typeface="Montserrat" pitchFamily="2" charset="0"/>
+                          <a:ea typeface="Roboto" panose="02000000000000000000" pitchFamily="2" charset="0"/>
+                          <a:cs typeface="Roboto" panose="02000000000000000000" pitchFamily="2" charset="0"/>
+                        </a:rPr>
+                        <a:t>82 350</a:t>
+                      </a:r>
+                    </a:p>
+                    <a:p>
+                      <a:pPr algn="ctr">
+                        <a:lnSpc>
+                          <a:spcPts val="1400"/>
+                        </a:lnSpc>
+                      </a:pPr>
+                      <a:r>
+                        <a:rPr lang="ru-RU" sz="900" dirty="0" err="1">
                           <a:solidFill>
                             <a:srgbClr val="999999"/>
                           </a:solidFill>
-                          <a:latin typeface="Montserrat"/>
-                        </a:rPr>
-                        <a:t>руб/т</a:t>
+                          <a:latin typeface="Montserrat" pitchFamily="2" charset="0"/>
+                          <a:ea typeface="Roboto" panose="02000000000000000000" pitchFamily="2" charset="0"/>
+                          <a:cs typeface="Roboto" panose="02000000000000000000" pitchFamily="2" charset="0"/>
+                        </a:rPr>
+                        <a:t>руб</a:t>
+                      </a:r>
+                      <a:r>
+                        <a:rPr lang="en-US" sz="900" dirty="0">
+                          <a:solidFill>
+                            <a:srgbClr val="999999"/>
+                          </a:solidFill>
+                          <a:latin typeface="Montserrat" pitchFamily="2" charset="0"/>
+                          <a:ea typeface="Roboto" panose="02000000000000000000" pitchFamily="2" charset="0"/>
+                          <a:cs typeface="Roboto" panose="02000000000000000000" pitchFamily="2" charset="0"/>
+                        </a:rPr>
+                        <a:t>/</a:t>
+                      </a:r>
+                      <a:r>
+                        <a:rPr lang="ru-RU" sz="900" dirty="0">
+                          <a:solidFill>
+                            <a:srgbClr val="999999"/>
+                          </a:solidFill>
+                          <a:latin typeface="Montserrat" pitchFamily="2" charset="0"/>
+                          <a:ea typeface="Roboto" panose="02000000000000000000" pitchFamily="2" charset="0"/>
+                          <a:cs typeface="Roboto" panose="02000000000000000000" pitchFamily="2" charset="0"/>
+                        </a:rPr>
+                        <a:t>т</a:t>
                       </a:r>
                     </a:p>
                   </a:txBody>
@@ -17529,21 +18915,72 @@
                     <a:bodyPr/>
                     <a:lstStyle/>
                     <a:p>
-                      <a:pPr algn="ctr"/>
-                      <a:r>
-                        <a:rPr sz="1100" b="1">
-                          <a:latin typeface="Montserrat SemiBold"/>
-                        </a:rPr>
-                        <a:t>+62.5</a:t>
-                      </a:r>
-                    </a:p>
-                    <a:p>
-                      <a:pPr algn="ctr"/>
-                      <a:r>
-                        <a:rPr sz="900">
-                          <a:latin typeface="Montserrat Light"/>
-                        </a:rPr>
-                        <a:t>(0.08%)</a:t>
+                      <a:pPr marL="0" marR="0" lvl="0" indent="0" algn="ctr" defTabSz="476220" rtl="0" eaLnBrk="1" fontAlgn="auto" latinLnBrk="0" hangingPunct="1">
+                        <a:lnSpc>
+                          <a:spcPct val="100000"/>
+                        </a:lnSpc>
+                        <a:spcBef>
+                          <a:spcPts val="0"/>
+                        </a:spcBef>
+                        <a:spcAft>
+                          <a:spcPts val="0"/>
+                        </a:spcAft>
+                        <a:buClrTx/>
+                        <a:buSzTx/>
+                        <a:buFontTx/>
+                        <a:buNone/>
+                        <a:tabLst/>
+                        <a:defRPr/>
+                      </a:pPr>
+                      <a:r>
+                        <a:rPr kumimoji="0" lang="ru-RU" sz="1100" b="1" i="0" u="none" strike="noStrike" kern="1200" cap="none" spc="0" normalizeH="0" baseline="0" noProof="0" dirty="0">
+                          <a:ln>
+                            <a:noFill/>
+                          </a:ln>
+                          <a:solidFill>
+                            <a:prstClr val="black"/>
+                          </a:solidFill>
+                          <a:effectLst/>
+                          <a:uLnTx/>
+                          <a:uFillTx/>
+                          <a:latin typeface="Montserrat SemiBold" pitchFamily="2" charset="0"/>
+                          <a:ea typeface="Roboto" panose="02000000000000000000" pitchFamily="2" charset="0"/>
+                          <a:cs typeface="Roboto" panose="02000000000000000000" pitchFamily="2" charset="0"/>
+                        </a:rPr>
+                        <a:t>+ 62</a:t>
+                      </a:r>
+                      <a:br>
+                        <a:rPr kumimoji="0" lang="en-US" sz="1100" b="1" i="0" u="none" strike="noStrike" kern="1200" cap="none" spc="0" normalizeH="0" baseline="0" noProof="0" dirty="0">
+                          <a:ln>
+                            <a:noFill/>
+                          </a:ln>
+                          <a:solidFill>
+                            <a:prstClr val="black"/>
+                          </a:solidFill>
+                          <a:effectLst/>
+                          <a:uLnTx/>
+                          <a:uFillTx/>
+                          <a:latin typeface="Montserrat SemiBold" pitchFamily="2" charset="0"/>
+                          <a:ea typeface="Roboto" panose="02000000000000000000" pitchFamily="2" charset="0"/>
+                          <a:cs typeface="Roboto" panose="02000000000000000000" pitchFamily="2" charset="0"/>
+                        </a:rPr>
+                      </a:br>
+                      <a:r>
+                        <a:rPr kumimoji="0" lang="ru-RU" sz="900" b="0" i="0" u="none" strike="noStrike" kern="1200" cap="none" spc="0" normalizeH="0" baseline="0" noProof="0" dirty="0">
+                          <a:ln>
+                            <a:noFill/>
+                          </a:ln>
+                          <a:solidFill>
+                            <a:prstClr val="black"/>
+                          </a:solidFill>
+                          <a:effectLst/>
+                          <a:uLnTx/>
+                          <a:uFillTx/>
+                          <a:latin typeface="Montserrat Light" pitchFamily="2" charset="0"/>
+                          <a:ea typeface="Roboto" panose="02000000000000000000" pitchFamily="2" charset="0"/>
+                          <a:cs typeface="Roboto" panose="02000000000000000000" pitchFamily="2" charset="0"/>
+                        </a:rPr>
+                        <a:t>(0,1%)</a:t>
                       </a:r>
                     </a:p>
                   </a:txBody>
@@ -17585,7 +19022,7 @@
                       <a:tailEnd type="none" w="med" len="med"/>
                     </a:lnB>
                     <a:solidFill>
-                      <a:srgbClr val="E7F7F0"/>
+                      <a:schemeClr val="accent4"/>
                     </a:solidFill>
                   </a:tcPr>
                 </a:tc>
@@ -17594,21 +19031,72 @@
                     <a:bodyPr/>
                     <a:lstStyle/>
                     <a:p>
-                      <a:pPr algn="ctr"/>
-                      <a:r>
-                        <a:rPr sz="1100" b="1">
-                          <a:latin typeface="Montserrat SemiBold"/>
-                        </a:rPr>
-                        <a:t>+11.67</a:t>
-                      </a:r>
-                    </a:p>
-                    <a:p>
-                      <a:pPr algn="ctr"/>
-                      <a:r>
-                        <a:rPr sz="900">
-                          <a:latin typeface="Montserrat Light"/>
-                        </a:rPr>
-                        <a:t>(0.01%)</a:t>
+                      <a:pPr marL="0" marR="0" lvl="0" indent="0" algn="ctr" defTabSz="476220" rtl="0" eaLnBrk="1" fontAlgn="auto" latinLnBrk="0" hangingPunct="1">
+                        <a:lnSpc>
+                          <a:spcPct val="100000"/>
+                        </a:lnSpc>
+                        <a:spcBef>
+                          <a:spcPts val="0"/>
+                        </a:spcBef>
+                        <a:spcAft>
+                          <a:spcPts val="0"/>
+                        </a:spcAft>
+                        <a:buClrTx/>
+                        <a:buSzTx/>
+                        <a:buFontTx/>
+                        <a:buNone/>
+                        <a:tabLst/>
+                        <a:defRPr/>
+                      </a:pPr>
+                      <a:r>
+                        <a:rPr kumimoji="0" lang="ru-RU" sz="1100" b="1" i="0" u="none" strike="noStrike" kern="1200" cap="none" spc="0" normalizeH="0" baseline="0" noProof="0" dirty="0">
+                          <a:ln>
+                            <a:noFill/>
+                          </a:ln>
+                          <a:solidFill>
+                            <a:prstClr val="black"/>
+                          </a:solidFill>
+                          <a:effectLst/>
+                          <a:uLnTx/>
+                          <a:uFillTx/>
+                          <a:latin typeface="Montserrat SemiBold" pitchFamily="2" charset="0"/>
+                          <a:ea typeface="Roboto" panose="02000000000000000000" pitchFamily="2" charset="0"/>
+                          <a:cs typeface="Roboto" panose="02000000000000000000" pitchFamily="2" charset="0"/>
+                        </a:rPr>
+                        <a:t>+ 34</a:t>
+                      </a:r>
+                      <a:br>
+                        <a:rPr kumimoji="0" lang="en-US" sz="1100" b="1" i="0" u="none" strike="noStrike" kern="1200" cap="none" spc="0" normalizeH="0" baseline="0" noProof="0" dirty="0">
+                          <a:ln>
+                            <a:noFill/>
+                          </a:ln>
+                          <a:solidFill>
+                            <a:prstClr val="black"/>
+                          </a:solidFill>
+                          <a:effectLst/>
+                          <a:uLnTx/>
+                          <a:uFillTx/>
+                          <a:latin typeface="Montserrat SemiBold" pitchFamily="2" charset="0"/>
+                          <a:ea typeface="Roboto" panose="02000000000000000000" pitchFamily="2" charset="0"/>
+                          <a:cs typeface="Roboto" panose="02000000000000000000" pitchFamily="2" charset="0"/>
+                        </a:rPr>
+                      </a:br>
+                      <a:r>
+                        <a:rPr kumimoji="0" lang="ru-RU" sz="900" b="0" i="0" u="none" strike="noStrike" kern="1200" cap="none" spc="0" normalizeH="0" baseline="0" noProof="0" dirty="0">
+                          <a:ln>
+                            <a:noFill/>
+                          </a:ln>
+                          <a:solidFill>
+                            <a:prstClr val="black"/>
+                          </a:solidFill>
+                          <a:effectLst/>
+                          <a:uLnTx/>
+                          <a:uFillTx/>
+                          <a:latin typeface="Montserrat Light" pitchFamily="2" charset="0"/>
+                          <a:ea typeface="Roboto" panose="02000000000000000000" pitchFamily="2" charset="0"/>
+                          <a:cs typeface="Roboto" panose="02000000000000000000" pitchFamily="2" charset="0"/>
+                        </a:rPr>
+                        <a:t>(0,04%)</a:t>
                       </a:r>
                     </a:p>
                   </a:txBody>
@@ -17650,7 +19138,7 @@
                       <a:tailEnd type="none" w="med" len="med"/>
                     </a:lnB>
                     <a:solidFill>
-                      <a:srgbClr val="E7F7F0"/>
+                      <a:schemeClr val="accent4"/>
                     </a:solidFill>
                   </a:tcPr>
                 </a:tc>
@@ -17659,21 +19147,72 @@
                     <a:bodyPr/>
                     <a:lstStyle/>
                     <a:p>
-                      <a:pPr algn="ctr"/>
-                      <a:r>
-                        <a:rPr sz="1100" b="1">
-                          <a:latin typeface="Montserrat SemiBold"/>
-                        </a:rPr>
-                        <a:t>+1350</a:t>
-                      </a:r>
-                    </a:p>
-                    <a:p>
-                      <a:pPr algn="ctr"/>
-                      <a:r>
-                        <a:rPr sz="900">
-                          <a:latin typeface="Montserrat Light"/>
-                        </a:rPr>
-                        <a:t>(1.67%)</a:t>
+                      <a:pPr marL="0" marR="0" lvl="0" indent="0" algn="ctr" defTabSz="476220" rtl="0" eaLnBrk="1" fontAlgn="auto" latinLnBrk="0" hangingPunct="1">
+                        <a:lnSpc>
+                          <a:spcPct val="100000"/>
+                        </a:lnSpc>
+                        <a:spcBef>
+                          <a:spcPts val="0"/>
+                        </a:spcBef>
+                        <a:spcAft>
+                          <a:spcPts val="0"/>
+                        </a:spcAft>
+                        <a:buClrTx/>
+                        <a:buSzTx/>
+                        <a:buFontTx/>
+                        <a:buNone/>
+                        <a:tabLst/>
+                        <a:defRPr/>
+                      </a:pPr>
+                      <a:r>
+                        <a:rPr kumimoji="0" lang="ru-RU" sz="1100" b="1" i="0" u="none" strike="noStrike" kern="1200" cap="none" spc="0" normalizeH="0" baseline="0" noProof="0" dirty="0">
+                          <a:ln>
+                            <a:noFill/>
+                          </a:ln>
+                          <a:solidFill>
+                            <a:prstClr val="black"/>
+                          </a:solidFill>
+                          <a:effectLst/>
+                          <a:uLnTx/>
+                          <a:uFillTx/>
+                          <a:latin typeface="Montserrat SemiBold" pitchFamily="2" charset="0"/>
+                          <a:ea typeface="Roboto" panose="02000000000000000000" pitchFamily="2" charset="0"/>
+                          <a:cs typeface="Roboto" panose="02000000000000000000" pitchFamily="2" charset="0"/>
+                        </a:rPr>
+                        <a:t>- 391</a:t>
+                      </a:r>
+                      <a:br>
+                        <a:rPr kumimoji="0" lang="en-US" sz="1100" b="1" i="0" u="none" strike="noStrike" kern="1200" cap="none" spc="0" normalizeH="0" baseline="0" noProof="0" dirty="0">
+                          <a:ln>
+                            <a:noFill/>
+                          </a:ln>
+                          <a:solidFill>
+                            <a:prstClr val="black"/>
+                          </a:solidFill>
+                          <a:effectLst/>
+                          <a:uLnTx/>
+                          <a:uFillTx/>
+                          <a:latin typeface="Montserrat SemiBold" pitchFamily="2" charset="0"/>
+                          <a:ea typeface="Roboto" panose="02000000000000000000" pitchFamily="2" charset="0"/>
+                          <a:cs typeface="Roboto" panose="02000000000000000000" pitchFamily="2" charset="0"/>
+                        </a:rPr>
+                      </a:br>
+                      <a:r>
+                        <a:rPr kumimoji="0" lang="ru-RU" sz="900" b="0" i="0" u="none" strike="noStrike" kern="1200" cap="none" spc="0" normalizeH="0" baseline="0" noProof="0" dirty="0">
+                          <a:ln>
+                            <a:noFill/>
+                          </a:ln>
+                          <a:solidFill>
+                            <a:prstClr val="black"/>
+                          </a:solidFill>
+                          <a:effectLst/>
+                          <a:uLnTx/>
+                          <a:uFillTx/>
+                          <a:latin typeface="Montserrat Light" pitchFamily="2" charset="0"/>
+                          <a:ea typeface="Roboto" panose="02000000000000000000" pitchFamily="2" charset="0"/>
+                          <a:cs typeface="Roboto" panose="02000000000000000000" pitchFamily="2" charset="0"/>
+                        </a:rPr>
+                        <a:t>(0,5%)</a:t>
                       </a:r>
                     </a:p>
                   </a:txBody>
@@ -17715,7 +19254,7 @@
                       <a:tailEnd type="none" w="med" len="med"/>
                     </a:lnB>
                     <a:solidFill>
-                      <a:srgbClr val="E7F7F0"/>
+                      <a:schemeClr val="accent5"/>
                     </a:solidFill>
                   </a:tcPr>
                 </a:tc>
@@ -18082,27 +19621,50 @@
                     <a:bodyPr/>
                     <a:lstStyle/>
                     <a:p>
-                      <a:pPr algn="ctr"/>
-                      <a:r>
-                        <a:rPr sz="1100" b="1">
+                      <a:pPr algn="ctr">
+                        <a:lnSpc>
+                          <a:spcPts val="1400"/>
+                        </a:lnSpc>
+                      </a:pPr>
+                      <a:r>
+                        <a:rPr lang="ru-RU" sz="1100" b="1" dirty="0">
                           <a:solidFill>
                             <a:srgbClr val="4D4D4D"/>
                           </a:solidFill>
-                          <a:latin typeface="Montserrat"/>
+                          <a:latin typeface="Montserrat" pitchFamily="2" charset="0"/>
+                          <a:ea typeface="Roboto" panose="02000000000000000000" pitchFamily="2" charset="0"/>
+                          <a:cs typeface="Roboto" panose="02000000000000000000" pitchFamily="2" charset="0"/>
                         </a:rPr>
                         <a:t>530</a:t>
                       </a:r>
                     </a:p>
                     <a:p>
-                      <a:pPr algn="ctr"/>
-                      <a:r>
-                        <a:rPr sz="900">
+                      <a:pPr algn="ctr">
+                        <a:lnSpc>
+                          <a:spcPts val="1400"/>
+                        </a:lnSpc>
+                      </a:pPr>
+                      <a:r>
+                        <a:rPr lang="en-US" sz="900" dirty="0">
                           <a:solidFill>
                             <a:srgbClr val="999999"/>
                           </a:solidFill>
-                          <a:latin typeface="Montserrat"/>
-                        </a:rPr>
-                        <a:t>USD/т</a:t>
+                          <a:latin typeface="Montserrat" pitchFamily="2" charset="0"/>
+                          <a:ea typeface="Roboto" panose="02000000000000000000" pitchFamily="2" charset="0"/>
+                          <a:cs typeface="Roboto" panose="02000000000000000000" pitchFamily="2" charset="0"/>
+                        </a:rPr>
+                        <a:t>USD/</a:t>
+                      </a:r>
+                      <a:r>
+                        <a:rPr lang="ru-RU" sz="900" dirty="0">
+                          <a:solidFill>
+                            <a:srgbClr val="999999"/>
+                          </a:solidFill>
+                          <a:latin typeface="Montserrat" pitchFamily="2" charset="0"/>
+                          <a:ea typeface="Roboto" panose="02000000000000000000" pitchFamily="2" charset="0"/>
+                          <a:cs typeface="Roboto" panose="02000000000000000000" pitchFamily="2" charset="0"/>
+                        </a:rPr>
+                        <a:t>т</a:t>
                       </a:r>
                     </a:p>
                   </a:txBody>
@@ -18148,10 +19710,37 @@
                     <a:bodyPr/>
                     <a:lstStyle/>
                     <a:p>
-                      <a:pPr algn="ctr"/>
-                      <a:r>
-                        <a:rPr sz="1100" b="1">
-                          <a:latin typeface="Montserrat SemiBold"/>
+                      <a:pPr marL="0" marR="0" lvl="0" indent="0" algn="ctr" defTabSz="476220" rtl="0" eaLnBrk="1" fontAlgn="auto" latinLnBrk="0" hangingPunct="1">
+                        <a:lnSpc>
+                          <a:spcPct val="100000"/>
+                        </a:lnSpc>
+                        <a:spcBef>
+                          <a:spcPts val="0"/>
+                        </a:spcBef>
+                        <a:spcAft>
+                          <a:spcPts val="0"/>
+                        </a:spcAft>
+                        <a:buClrTx/>
+                        <a:buSzTx/>
+                        <a:buFontTx/>
+                        <a:buNone/>
+                        <a:tabLst/>
+                        <a:defRPr/>
+                      </a:pPr>
+                      <a:r>
+                        <a:rPr kumimoji="0" lang="ru-RU" sz="1100" b="1" i="0" u="none" strike="noStrike" kern="1200" cap="none" spc="0" normalizeH="0" baseline="0" noProof="0" dirty="0">
+                          <a:ln>
+                            <a:noFill/>
+                          </a:ln>
+                          <a:solidFill>
+                            <a:srgbClr val="4D4D4D"/>
+                          </a:solidFill>
+                          <a:effectLst/>
+                          <a:uLnTx/>
+                          <a:uFillTx/>
+                          <a:latin typeface="Montserrat SemiBold" pitchFamily="2" charset="0"/>
+                          <a:ea typeface="Roboto" panose="02000000000000000000" pitchFamily="2" charset="0"/>
+                          <a:cs typeface="Roboto" panose="02000000000000000000" pitchFamily="2" charset="0"/>
                         </a:rPr>
                         <a:t>-</a:t>
                       </a:r>
@@ -18192,8 +19781,168 @@
                       <a:headEnd type="none" w="med" len="med"/>
                       <a:tailEnd type="none" w="med" len="med"/>
                     </a:lnB>
+                    <a:noFill/>
+                  </a:tcPr>
+                </a:tc>
+                <a:tc>
+                  <a:txBody>
+                    <a:bodyPr/>
+                    <a:lstStyle/>
+                    <a:p>
+                      <a:pPr marL="0" marR="0" lvl="0" indent="0" algn="ctr" defTabSz="476220" rtl="0" eaLnBrk="1" fontAlgn="auto" latinLnBrk="0" hangingPunct="1">
+                        <a:lnSpc>
+                          <a:spcPts val="1400"/>
+                        </a:lnSpc>
+                        <a:spcBef>
+                          <a:spcPts val="0"/>
+                        </a:spcBef>
+                        <a:spcAft>
+                          <a:spcPts val="0"/>
+                        </a:spcAft>
+                        <a:buClrTx/>
+                        <a:buSzTx/>
+                        <a:buFontTx/>
+                        <a:buNone/>
+                        <a:tabLst/>
+                        <a:defRPr/>
+                      </a:pPr>
+                      <a:r>
+                        <a:rPr kumimoji="0" lang="ru-RU" sz="1100" b="1" i="0" u="none" strike="noStrike" kern="1200" cap="none" spc="0" normalizeH="0" baseline="0" noProof="0" dirty="0">
+                          <a:ln>
+                            <a:noFill/>
+                          </a:ln>
+                          <a:solidFill>
+                            <a:prstClr val="black"/>
+                          </a:solidFill>
+                          <a:effectLst/>
+                          <a:uLnTx/>
+                          <a:uFillTx/>
+                          <a:latin typeface="Montserrat SemiBold" pitchFamily="2" charset="0"/>
+                          <a:ea typeface="Roboto" panose="02000000000000000000" pitchFamily="2" charset="0"/>
+                          <a:cs typeface="Roboto" panose="02000000000000000000" pitchFamily="2" charset="0"/>
+                        </a:rPr>
+                        <a:t>+</a:t>
+                      </a:r>
+                      <a:r>
+                        <a:rPr kumimoji="0" lang="en-US" sz="1100" b="1" i="0" u="none" strike="noStrike" kern="1200" cap="none" spc="0" normalizeH="0" baseline="0" noProof="0" dirty="0">
+                          <a:ln>
+                            <a:noFill/>
+                          </a:ln>
+                          <a:solidFill>
+                            <a:prstClr val="black"/>
+                          </a:solidFill>
+                          <a:effectLst/>
+                          <a:uLnTx/>
+                          <a:uFillTx/>
+                          <a:latin typeface="Montserrat SemiBold" pitchFamily="2" charset="0"/>
+                          <a:ea typeface="Roboto" panose="02000000000000000000" pitchFamily="2" charset="0"/>
+                          <a:cs typeface="Roboto" panose="02000000000000000000" pitchFamily="2" charset="0"/>
+                        </a:rPr>
+                        <a:t> </a:t>
+                      </a:r>
+                      <a:r>
+                        <a:rPr kumimoji="0" lang="ru-RU" sz="1100" b="1" i="0" u="none" strike="noStrike" kern="1200" cap="none" spc="0" normalizeH="0" baseline="0" noProof="0" dirty="0">
+                          <a:ln>
+                            <a:noFill/>
+                          </a:ln>
+                          <a:solidFill>
+                            <a:prstClr val="black"/>
+                          </a:solidFill>
+                          <a:effectLst/>
+                          <a:uLnTx/>
+                          <a:uFillTx/>
+                          <a:latin typeface="Montserrat SemiBold" pitchFamily="2" charset="0"/>
+                          <a:ea typeface="Roboto" panose="02000000000000000000" pitchFamily="2" charset="0"/>
+                          <a:cs typeface="Roboto" panose="02000000000000000000" pitchFamily="2" charset="0"/>
+                        </a:rPr>
+                        <a:t>5</a:t>
+                      </a:r>
+                      <a:br>
+                        <a:rPr kumimoji="0" lang="en-US" sz="1100" b="1" i="0" u="none" strike="noStrike" kern="1200" cap="none" spc="0" normalizeH="0" baseline="0" noProof="0" dirty="0">
+                          <a:ln>
+                            <a:noFill/>
+                          </a:ln>
+                          <a:solidFill>
+                            <a:prstClr val="black"/>
+                          </a:solidFill>
+                          <a:effectLst/>
+                          <a:uLnTx/>
+                          <a:uFillTx/>
+                          <a:latin typeface="Montserrat SemiBold" pitchFamily="2" charset="0"/>
+                          <a:ea typeface="Roboto" panose="02000000000000000000" pitchFamily="2" charset="0"/>
+                          <a:cs typeface="Roboto" panose="02000000000000000000" pitchFamily="2" charset="0"/>
+                        </a:rPr>
+                      </a:br>
+                      <a:r>
+                        <a:rPr kumimoji="0" lang="ru-RU" sz="900" b="0" i="0" u="none" strike="noStrike" kern="1200" cap="none" spc="0" normalizeH="0" baseline="0" noProof="0" dirty="0">
+                          <a:ln>
+                            <a:noFill/>
+                          </a:ln>
+                          <a:solidFill>
+                            <a:prstClr val="black"/>
+                          </a:solidFill>
+                          <a:effectLst/>
+                          <a:uLnTx/>
+                          <a:uFillTx/>
+                          <a:latin typeface="Montserrat Light" pitchFamily="2" charset="0"/>
+                          <a:ea typeface="Roboto" panose="02000000000000000000" pitchFamily="2" charset="0"/>
+                          <a:cs typeface="Roboto" panose="02000000000000000000" pitchFamily="2" charset="0"/>
+                        </a:rPr>
+                        <a:t>(1,0%) </a:t>
+                      </a:r>
+                      <a:endParaRPr kumimoji="0" lang="ru-RU" sz="1100" b="0" i="0" u="none" strike="noStrike" kern="1200" cap="none" spc="0" normalizeH="0" baseline="0" noProof="0" dirty="0">
+                        <a:ln>
+                          <a:noFill/>
+                        </a:ln>
+                        <a:solidFill>
+                          <a:prstClr val="black"/>
+                        </a:solidFill>
+                        <a:effectLst/>
+                        <a:uLnTx/>
+                        <a:uFillTx/>
+                        <a:latin typeface="Montserrat Light" pitchFamily="2" charset="0"/>
+                        <a:ea typeface="Roboto" panose="02000000000000000000" pitchFamily="2" charset="0"/>
+                        <a:cs typeface="Roboto" panose="02000000000000000000" pitchFamily="2" charset="0"/>
+                      </a:endParaRPr>
+                    </a:p>
+                  </a:txBody>
+                  <a:tcPr marL="0" marR="0" marT="54000" anchor="ctr">
+                    <a:lnL w="12700" cap="flat" cmpd="sng" algn="ctr">
+                      <a:solidFill>
+                        <a:srgbClr val="E6E6E6"/>
+                      </a:solidFill>
+                      <a:prstDash val="solid"/>
+                      <a:round/>
+                      <a:headEnd type="none" w="med" len="med"/>
+                      <a:tailEnd type="none" w="med" len="med"/>
+                    </a:lnL>
+                    <a:lnR w="12700" cap="flat" cmpd="sng" algn="ctr">
+                      <a:solidFill>
+                        <a:srgbClr val="E6E6E6"/>
+                      </a:solidFill>
+                      <a:prstDash val="solid"/>
+                      <a:round/>
+                      <a:headEnd type="none" w="med" len="med"/>
+                      <a:tailEnd type="none" w="med" len="med"/>
+                    </a:lnR>
+                    <a:lnT w="12700" cap="flat" cmpd="sng" algn="ctr">
+                      <a:noFill/>
+                      <a:prstDash val="solid"/>
+                      <a:round/>
+                      <a:headEnd type="none" w="med" len="med"/>
+                      <a:tailEnd type="none" w="med" len="med"/>
+                    </a:lnT>
+                    <a:lnB w="12700" cap="flat" cmpd="sng" algn="ctr">
+                      <a:solidFill>
+                        <a:srgbClr val="E6E6E6"/>
+                      </a:solidFill>
+                      <a:prstDash val="solid"/>
+                      <a:round/>
+                      <a:headEnd type="none" w="med" len="med"/>
+                      <a:tailEnd type="none" w="med" len="med"/>
+                    </a:lnB>
                     <a:solidFill>
-                      <a:srgbClr val="FFFFFF"/>
+                      <a:schemeClr val="accent4"/>
                     </a:solidFill>
                   </a:tcPr>
                 </a:tc>
@@ -18202,22 +19951,104 @@
                     <a:bodyPr/>
                     <a:lstStyle/>
                     <a:p>
-                      <a:pPr algn="ctr"/>
-                      <a:r>
-                        <a:rPr sz="1100" b="1">
-                          <a:latin typeface="Montserrat SemiBold"/>
-                        </a:rPr>
-                        <a:t>-10</a:t>
-                      </a:r>
-                    </a:p>
-                    <a:p>
-                      <a:pPr algn="ctr"/>
-                      <a:r>
-                        <a:rPr sz="900">
-                          <a:latin typeface="Montserrat Light"/>
-                        </a:rPr>
-                        <a:t>(1.85%)</a:t>
-                      </a:r>
+                      <a:pPr marL="0" marR="0" lvl="0" indent="0" algn="ctr" defTabSz="476220" rtl="0" eaLnBrk="1" fontAlgn="auto" latinLnBrk="0" hangingPunct="1">
+                        <a:lnSpc>
+                          <a:spcPts val="1400"/>
+                        </a:lnSpc>
+                        <a:spcBef>
+                          <a:spcPts val="0"/>
+                        </a:spcBef>
+                        <a:spcAft>
+                          <a:spcPts val="0"/>
+                        </a:spcAft>
+                        <a:buClrTx/>
+                        <a:buSzTx/>
+                        <a:buFontTx/>
+                        <a:buNone/>
+                        <a:tabLst/>
+                        <a:defRPr/>
+                      </a:pPr>
+                      <a:r>
+                        <a:rPr kumimoji="0" lang="en-US" sz="1100" b="1" i="0" u="none" strike="noStrike" kern="1200" cap="none" spc="0" normalizeH="0" baseline="0" noProof="0" dirty="0">
+                          <a:ln>
+                            <a:noFill/>
+                          </a:ln>
+                          <a:solidFill>
+                            <a:prstClr val="black"/>
+                          </a:solidFill>
+                          <a:effectLst/>
+                          <a:uLnTx/>
+                          <a:uFillTx/>
+                          <a:latin typeface="Montserrat SemiBold" pitchFamily="2" charset="0"/>
+                          <a:ea typeface="Roboto" panose="02000000000000000000" pitchFamily="2" charset="0"/>
+                          <a:cs typeface="Roboto" panose="02000000000000000000" pitchFamily="2" charset="0"/>
+                        </a:rPr>
+                        <a:t>- </a:t>
+                      </a:r>
+                      <a:r>
+                        <a:rPr kumimoji="0" lang="ru-RU" sz="1100" b="1" i="0" u="none" strike="noStrike" kern="1200" cap="none" spc="0" normalizeH="0" baseline="0" noProof="0" dirty="0">
+                          <a:ln>
+                            <a:noFill/>
+                          </a:ln>
+                          <a:solidFill>
+                            <a:prstClr val="black"/>
+                          </a:solidFill>
+                          <a:effectLst/>
+                          <a:uLnTx/>
+                          <a:uFillTx/>
+                          <a:latin typeface="Montserrat SemiBold" pitchFamily="2" charset="0"/>
+                          <a:ea typeface="Roboto" panose="02000000000000000000" pitchFamily="2" charset="0"/>
+                          <a:cs typeface="Roboto" panose="02000000000000000000" pitchFamily="2" charset="0"/>
+                        </a:rPr>
+                        <a:t>15</a:t>
+                      </a:r>
+                      <a:br>
+                        <a:rPr kumimoji="0" lang="en-US" sz="1100" b="1" i="0" u="none" strike="noStrike" kern="1200" cap="none" spc="0" normalizeH="0" baseline="0" noProof="0" dirty="0">
+                          <a:ln>
+                            <a:noFill/>
+                          </a:ln>
+                          <a:solidFill>
+                            <a:prstClr val="black"/>
+                          </a:solidFill>
+                          <a:effectLst/>
+                          <a:uLnTx/>
+                          <a:uFillTx/>
+                          <a:latin typeface="Montserrat SemiBold" pitchFamily="2" charset="0"/>
+                          <a:ea typeface="Roboto" panose="02000000000000000000" pitchFamily="2" charset="0"/>
+                          <a:cs typeface="Roboto" panose="02000000000000000000" pitchFamily="2" charset="0"/>
+                        </a:rPr>
+                      </a:br>
+                      <a:r>
+                        <a:rPr kumimoji="0" lang="ru-RU" sz="900" b="0" i="0" u="none" strike="noStrike" kern="1200" cap="none" spc="0" normalizeH="0" baseline="0" noProof="0" dirty="0">
+                          <a:ln>
+                            <a:noFill/>
+                          </a:ln>
+                          <a:solidFill>
+                            <a:prstClr val="black"/>
+                          </a:solidFill>
+                          <a:effectLst/>
+                          <a:uLnTx/>
+                          <a:uFillTx/>
+                          <a:latin typeface="Montserrat Light" pitchFamily="2" charset="0"/>
+                          <a:ea typeface="Roboto" panose="02000000000000000000" pitchFamily="2" charset="0"/>
+                          <a:cs typeface="Roboto" panose="02000000000000000000" pitchFamily="2" charset="0"/>
+                        </a:rPr>
+                        <a:t>(2,8%) </a:t>
+                      </a:r>
+                      <a:endParaRPr kumimoji="0" lang="ru-RU" sz="1100" b="0" i="0" u="none" strike="noStrike" kern="1200" cap="none" spc="0" normalizeH="0" baseline="0" noProof="0" dirty="0">
+                        <a:ln>
+                          <a:noFill/>
+                        </a:ln>
+                        <a:solidFill>
+                          <a:prstClr val="black"/>
+                        </a:solidFill>
+                        <a:effectLst/>
+                        <a:uLnTx/>
+                        <a:uFillTx/>
+                        <a:latin typeface="Montserrat Light" pitchFamily="2" charset="0"/>
+                        <a:ea typeface="Roboto" panose="02000000000000000000" pitchFamily="2" charset="0"/>
+                        <a:cs typeface="Roboto" panose="02000000000000000000" pitchFamily="2" charset="0"/>
+                      </a:endParaRPr>
                     </a:p>
                   </a:txBody>
                   <a:tcPr marL="0" marR="0" marT="54000" anchor="ctr">
@@ -18256,70 +20087,7 @@
                       <a:tailEnd type="none" w="med" len="med"/>
                     </a:lnB>
                     <a:solidFill>
-                      <a:srgbClr val="FFE6E7"/>
-                    </a:solidFill>
-                  </a:tcPr>
-                </a:tc>
-                <a:tc>
-                  <a:txBody>
-                    <a:bodyPr/>
-                    <a:lstStyle/>
-                    <a:p>
-                      <a:pPr algn="ctr"/>
-                      <a:r>
-                        <a:rPr sz="1100" b="1">
-                          <a:latin typeface="Montserrat SemiBold"/>
-                        </a:rPr>
-                        <a:t>-35</a:t>
-                      </a:r>
-                    </a:p>
-                    <a:p>
-                      <a:pPr algn="ctr"/>
-                      <a:r>
-                        <a:rPr sz="900">
-                          <a:latin typeface="Montserrat Light"/>
-                        </a:rPr>
-                        <a:t>(6.19%)</a:t>
-                      </a:r>
-                    </a:p>
-                  </a:txBody>
-                  <a:tcPr marL="0" marR="0" marT="54000" anchor="ctr">
-                    <a:lnL w="12700" cap="flat" cmpd="sng" algn="ctr">
-                      <a:solidFill>
-                        <a:srgbClr val="E6E6E6"/>
-                      </a:solidFill>
-                      <a:prstDash val="solid"/>
-                      <a:round/>
-                      <a:headEnd type="none" w="med" len="med"/>
-                      <a:tailEnd type="none" w="med" len="med"/>
-                    </a:lnL>
-                    <a:lnR w="12700" cap="flat" cmpd="sng" algn="ctr">
-                      <a:solidFill>
-                        <a:srgbClr val="E6E6E6"/>
-                      </a:solidFill>
-                      <a:prstDash val="solid"/>
-                      <a:round/>
-                      <a:headEnd type="none" w="med" len="med"/>
-                      <a:tailEnd type="none" w="med" len="med"/>
-                    </a:lnR>
-                    <a:lnT w="12700" cap="flat" cmpd="sng" algn="ctr">
-                      <a:noFill/>
-                      <a:prstDash val="solid"/>
-                      <a:round/>
-                      <a:headEnd type="none" w="med" len="med"/>
-                      <a:tailEnd type="none" w="med" len="med"/>
-                    </a:lnT>
-                    <a:lnB w="12700" cap="flat" cmpd="sng" algn="ctr">
-                      <a:solidFill>
-                        <a:srgbClr val="E6E6E6"/>
-                      </a:solidFill>
-                      <a:prstDash val="solid"/>
-                      <a:round/>
-                      <a:headEnd type="none" w="med" len="med"/>
-                      <a:tailEnd type="none" w="med" len="med"/>
-                    </a:lnB>
-                    <a:solidFill>
-                      <a:srgbClr val="FFE6E7"/>
+                      <a:schemeClr val="accent5"/>
                     </a:solidFill>
                   </a:tcPr>
                 </a:tc>
@@ -18417,27 +20185,83 @@
                     <a:bodyPr/>
                     <a:lstStyle/>
                     <a:p>
-                      <a:pPr algn="ctr"/>
-                      <a:r>
-                        <a:rPr sz="1100" b="1">
+                      <a:pPr algn="ctr">
+                        <a:lnSpc>
+                          <a:spcPts val="1400"/>
+                        </a:lnSpc>
+                      </a:pPr>
+                      <a:r>
+                        <a:rPr lang="ru-RU" sz="1100" b="1" dirty="0">
                           <a:solidFill>
                             <a:srgbClr val="4D4D4D"/>
                           </a:solidFill>
-                          <a:latin typeface="Montserrat"/>
-                        </a:rPr>
-                        <a:t>63283.33</a:t>
-                      </a:r>
-                    </a:p>
-                    <a:p>
-                      <a:pPr algn="ctr"/>
-                      <a:r>
-                        <a:rPr sz="900">
+                          <a:latin typeface="Montserrat" pitchFamily="2" charset="0"/>
+                          <a:ea typeface="Roboto" panose="02000000000000000000" pitchFamily="2" charset="0"/>
+                          <a:cs typeface="Roboto" panose="02000000000000000000" pitchFamily="2" charset="0"/>
+                        </a:rPr>
+                        <a:t>4</a:t>
+                      </a:r>
+                      <a:r>
+                        <a:rPr lang="en-US" sz="1100" b="1" dirty="0">
+                          <a:solidFill>
+                            <a:srgbClr val="4D4D4D"/>
+                          </a:solidFill>
+                          <a:latin typeface="Montserrat" pitchFamily="2" charset="0"/>
+                          <a:ea typeface="Roboto" panose="02000000000000000000" pitchFamily="2" charset="0"/>
+                          <a:cs typeface="Roboto" panose="02000000000000000000" pitchFamily="2" charset="0"/>
+                        </a:rPr>
+                        <a:t>9 </a:t>
+                      </a:r>
+                      <a:r>
+                        <a:rPr lang="ru-RU" sz="1100" b="1" dirty="0">
+                          <a:solidFill>
+                            <a:srgbClr val="4D4D4D"/>
+                          </a:solidFill>
+                          <a:latin typeface="Montserrat" pitchFamily="2" charset="0"/>
+                          <a:ea typeface="Roboto" panose="02000000000000000000" pitchFamily="2" charset="0"/>
+                          <a:cs typeface="Roboto" panose="02000000000000000000" pitchFamily="2" charset="0"/>
+                        </a:rPr>
+                        <a:t>415</a:t>
+                      </a:r>
+                    </a:p>
+                    <a:p>
+                      <a:pPr algn="ctr">
+                        <a:lnSpc>
+                          <a:spcPts val="1400"/>
+                        </a:lnSpc>
+                      </a:pPr>
+                      <a:r>
+                        <a:rPr lang="ru-RU" sz="900" dirty="0" err="1">
                           <a:solidFill>
                             <a:srgbClr val="999999"/>
                           </a:solidFill>
-                          <a:latin typeface="Montserrat"/>
-                        </a:rPr>
-                        <a:t>руб/т</a:t>
+                          <a:latin typeface="Montserrat" pitchFamily="2" charset="0"/>
+                          <a:ea typeface="Roboto" panose="02000000000000000000" pitchFamily="2" charset="0"/>
+                          <a:cs typeface="Roboto" panose="02000000000000000000" pitchFamily="2" charset="0"/>
+                        </a:rPr>
+                        <a:t>руб</a:t>
+                      </a:r>
+                      <a:r>
+                        <a:rPr lang="en-US" sz="900" dirty="0">
+                          <a:solidFill>
+                            <a:srgbClr val="999999"/>
+                          </a:solidFill>
+                          <a:latin typeface="Montserrat" pitchFamily="2" charset="0"/>
+                          <a:ea typeface="Roboto" panose="02000000000000000000" pitchFamily="2" charset="0"/>
+                          <a:cs typeface="Roboto" panose="02000000000000000000" pitchFamily="2" charset="0"/>
+                        </a:rPr>
+                        <a:t>/</a:t>
+                      </a:r>
+                      <a:r>
+                        <a:rPr lang="ru-RU" sz="900" dirty="0">
+                          <a:solidFill>
+                            <a:srgbClr val="999999"/>
+                          </a:solidFill>
+                          <a:latin typeface="Montserrat" pitchFamily="2" charset="0"/>
+                          <a:ea typeface="Roboto" panose="02000000000000000000" pitchFamily="2" charset="0"/>
+                          <a:cs typeface="Roboto" panose="02000000000000000000" pitchFamily="2" charset="0"/>
+                        </a:rPr>
+                        <a:t>т</a:t>
                       </a:r>
                     </a:p>
                   </a:txBody>
@@ -18487,10 +20311,37 @@
                     <a:bodyPr/>
                     <a:lstStyle/>
                     <a:p>
-                      <a:pPr algn="ctr"/>
-                      <a:r>
-                        <a:rPr sz="1100" b="1">
-                          <a:latin typeface="Montserrat SemiBold"/>
+                      <a:pPr marL="0" marR="0" lvl="0" indent="0" algn="ctr" defTabSz="476220" rtl="0" eaLnBrk="1" fontAlgn="auto" latinLnBrk="0" hangingPunct="1">
+                        <a:lnSpc>
+                          <a:spcPct val="100000"/>
+                        </a:lnSpc>
+                        <a:spcBef>
+                          <a:spcPts val="0"/>
+                        </a:spcBef>
+                        <a:spcAft>
+                          <a:spcPts val="0"/>
+                        </a:spcAft>
+                        <a:buClrTx/>
+                        <a:buSzTx/>
+                        <a:buFontTx/>
+                        <a:buNone/>
+                        <a:tabLst/>
+                        <a:defRPr/>
+                      </a:pPr>
+                      <a:r>
+                        <a:rPr kumimoji="0" lang="ru-RU" sz="1100" b="1" i="0" u="none" strike="noStrike" kern="1200" cap="none" spc="0" normalizeH="0" baseline="0" noProof="0" dirty="0">
+                          <a:ln>
+                            <a:noFill/>
+                          </a:ln>
+                          <a:solidFill>
+                            <a:srgbClr val="4D4D4D"/>
+                          </a:solidFill>
+                          <a:effectLst/>
+                          <a:uLnTx/>
+                          <a:uFillTx/>
+                          <a:latin typeface="Montserrat SemiBold" pitchFamily="2" charset="0"/>
+                          <a:ea typeface="Roboto" panose="02000000000000000000" pitchFamily="2" charset="0"/>
+                          <a:cs typeface="Roboto" panose="02000000000000000000" pitchFamily="2" charset="0"/>
                         </a:rPr>
                         <a:t>-</a:t>
                       </a:r>
@@ -18535,8 +20386,124 @@
                       <a:headEnd type="none" w="med" len="med"/>
                       <a:tailEnd type="none" w="med" len="med"/>
                     </a:lnB>
+                    <a:noFill/>
+                  </a:tcPr>
+                </a:tc>
+                <a:tc>
+                  <a:txBody>
+                    <a:bodyPr/>
+                    <a:lstStyle/>
+                    <a:p>
+                      <a:pPr marL="0" marR="0" lvl="0" indent="0" algn="ctr" defTabSz="476220" rtl="0" eaLnBrk="1" fontAlgn="auto" latinLnBrk="0" hangingPunct="1">
+                        <a:lnSpc>
+                          <a:spcPct val="100000"/>
+                        </a:lnSpc>
+                        <a:spcBef>
+                          <a:spcPts val="0"/>
+                        </a:spcBef>
+                        <a:spcAft>
+                          <a:spcPts val="0"/>
+                        </a:spcAft>
+                        <a:buClrTx/>
+                        <a:buSzTx/>
+                        <a:buFontTx/>
+                        <a:buNone/>
+                        <a:tabLst/>
+                        <a:defRPr/>
+                      </a:pPr>
+                      <a:r>
+                        <a:rPr kumimoji="0" lang="ru-RU" sz="1100" b="1" i="0" u="none" strike="noStrike" kern="1200" cap="none" spc="0" normalizeH="0" baseline="0" noProof="0" dirty="0">
+                          <a:ln>
+                            <a:noFill/>
+                          </a:ln>
+                          <a:solidFill>
+                            <a:prstClr val="black"/>
+                          </a:solidFill>
+                          <a:effectLst/>
+                          <a:uLnTx/>
+                          <a:uFillTx/>
+                          <a:latin typeface="Montserrat SemiBold" pitchFamily="2" charset="0"/>
+                          <a:ea typeface="Roboto" panose="02000000000000000000" pitchFamily="2" charset="0"/>
+                          <a:cs typeface="Roboto" panose="02000000000000000000" pitchFamily="2" charset="0"/>
+                        </a:rPr>
+                        <a:t>+ 252</a:t>
+                      </a:r>
+                      <a:br>
+                        <a:rPr kumimoji="0" lang="en-US" sz="1100" b="1" i="0" u="none" strike="noStrike" kern="1200" cap="none" spc="0" normalizeH="0" baseline="0" noProof="0" dirty="0">
+                          <a:ln>
+                            <a:noFill/>
+                          </a:ln>
+                          <a:solidFill>
+                            <a:prstClr val="black"/>
+                          </a:solidFill>
+                          <a:effectLst/>
+                          <a:uLnTx/>
+                          <a:uFillTx/>
+                          <a:latin typeface="Montserrat SemiBold" pitchFamily="2" charset="0"/>
+                          <a:ea typeface="Roboto" panose="02000000000000000000" pitchFamily="2" charset="0"/>
+                          <a:cs typeface="Roboto" panose="02000000000000000000" pitchFamily="2" charset="0"/>
+                        </a:rPr>
+                      </a:br>
+                      <a:r>
+                        <a:rPr kumimoji="0" lang="ru-RU" sz="900" b="0" i="0" u="none" strike="noStrike" kern="1200" cap="none" spc="0" normalizeH="0" baseline="0" noProof="0" dirty="0">
+                          <a:ln>
+                            <a:noFill/>
+                          </a:ln>
+                          <a:solidFill>
+                            <a:prstClr val="black"/>
+                          </a:solidFill>
+                          <a:effectLst/>
+                          <a:uLnTx/>
+                          <a:uFillTx/>
+                          <a:latin typeface="Montserrat Light" pitchFamily="2" charset="0"/>
+                          <a:ea typeface="Roboto" panose="02000000000000000000" pitchFamily="2" charset="0"/>
+                          <a:cs typeface="Roboto" panose="02000000000000000000" pitchFamily="2" charset="0"/>
+                        </a:rPr>
+                        <a:t>(0,5%)</a:t>
+                      </a:r>
+                    </a:p>
+                  </a:txBody>
+                  <a:tcPr marL="0" marR="0" marT="54000" anchor="ctr">
+                    <a:lnL w="12700" cap="flat" cmpd="sng" algn="ctr">
+                      <a:solidFill>
+                        <a:srgbClr val="E6E6E6"/>
+                      </a:solidFill>
+                      <a:prstDash val="solid"/>
+                      <a:round/>
+                      <a:headEnd type="none" w="med" len="med"/>
+                      <a:tailEnd type="none" w="med" len="med"/>
+                    </a:lnL>
+                    <a:lnR w="12700" cap="flat" cmpd="sng" algn="ctr">
+                      <a:solidFill>
+                        <a:srgbClr val="E6E6E6"/>
+                      </a:solidFill>
+                      <a:prstDash val="solid"/>
+                      <a:round/>
+                      <a:headEnd type="none" w="med" len="med"/>
+                      <a:tailEnd type="none" w="med" len="med"/>
+                    </a:lnR>
+                    <a:lnT w="12700" cap="flat" cmpd="sng" algn="ctr">
+                      <a:solidFill>
+                        <a:srgbClr val="E6E6E6"/>
+                      </a:solidFill>
+                      <a:prstDash val="solid"/>
+                      <a:round/>
+                      <a:headEnd type="none" w="med" len="med"/>
+                      <a:tailEnd type="none" w="med" len="med"/>
+                    </a:lnT>
+                    <a:lnB w="12700" cap="flat" cmpd="sng" algn="ctr">
+                      <a:solidFill>
+                        <a:schemeClr val="bg1">
+                          <a:lumMod val="75000"/>
+                        </a:schemeClr>
+                      </a:solidFill>
+                      <a:prstDash val="solid"/>
+                      <a:round/>
+                      <a:headEnd type="none" w="med" len="med"/>
+                      <a:tailEnd type="none" w="med" len="med"/>
+                    </a:lnB>
                     <a:solidFill>
-                      <a:srgbClr val="FFFFFF"/>
+                      <a:schemeClr val="accent4"/>
                     </a:solidFill>
                   </a:tcPr>
                 </a:tc>
@@ -18545,25 +20512,90 @@
                     <a:bodyPr/>
                     <a:lstStyle/>
                     <a:p>
-                      <a:pPr algn="ctr"/>
-                      <a:r>
-                        <a:rPr sz="1100" b="1">
-                          <a:latin typeface="Montserrat SemiBold"/>
-                        </a:rPr>
-                        <a:t>-291.67</a:t>
-                      </a:r>
-                    </a:p>
-                    <a:p>
-                      <a:pPr algn="ctr"/>
-                      <a:r>
-                        <a:rPr sz="900">
-                          <a:latin typeface="Montserrat Light"/>
-                        </a:rPr>
-                        <a:t>(0.59%)</a:t>
-                      </a:r>
+                      <a:pPr marL="0" marR="0" lvl="0" indent="0" algn="ctr" defTabSz="476220" rtl="0" eaLnBrk="1" fontAlgn="auto" latinLnBrk="0" hangingPunct="1">
+                        <a:lnSpc>
+                          <a:spcPct val="100000"/>
+                        </a:lnSpc>
+                        <a:spcBef>
+                          <a:spcPts val="0"/>
+                        </a:spcBef>
+                        <a:spcAft>
+                          <a:spcPts val="0"/>
+                        </a:spcAft>
+                        <a:buClrTx/>
+                        <a:buSzTx/>
+                        <a:buFontTx/>
+                        <a:buNone/>
+                        <a:tabLst/>
+                        <a:defRPr/>
+                      </a:pPr>
+                      <a:r>
+                        <a:rPr kumimoji="0" lang="ru-RU" sz="1100" b="1" i="0" u="none" strike="noStrike" kern="1200" cap="none" spc="0" normalizeH="0" baseline="0" noProof="0" dirty="0">
+                          <a:ln>
+                            <a:noFill/>
+                          </a:ln>
+                          <a:solidFill>
+                            <a:prstClr val="black"/>
+                          </a:solidFill>
+                          <a:effectLst/>
+                          <a:uLnTx/>
+                          <a:uFillTx/>
+                          <a:latin typeface="Montserrat SemiBold" pitchFamily="2" charset="0"/>
+                          <a:ea typeface="Roboto" panose="02000000000000000000" pitchFamily="2" charset="0"/>
+                          <a:cs typeface="Roboto" panose="02000000000000000000" pitchFamily="2" charset="0"/>
+                        </a:rPr>
+                        <a:t>- 11</a:t>
+                      </a:r>
+                      <a:br>
+                        <a:rPr kumimoji="0" lang="en-US" sz="1100" b="1" i="0" u="none" strike="noStrike" kern="1200" cap="none" spc="0" normalizeH="0" baseline="0" noProof="0" dirty="0">
+                          <a:ln>
+                            <a:noFill/>
+                          </a:ln>
+                          <a:solidFill>
+                            <a:prstClr val="black"/>
+                          </a:solidFill>
+                          <a:effectLst/>
+                          <a:uLnTx/>
+                          <a:uFillTx/>
+                          <a:latin typeface="Montserrat SemiBold" pitchFamily="2" charset="0"/>
+                          <a:ea typeface="Roboto" panose="02000000000000000000" pitchFamily="2" charset="0"/>
+                          <a:cs typeface="Roboto" panose="02000000000000000000" pitchFamily="2" charset="0"/>
+                        </a:rPr>
+                      </a:br>
+                      <a:r>
+                        <a:rPr kumimoji="0" lang="ru-RU" sz="900" b="0" i="0" u="none" strike="noStrike" kern="1200" cap="none" spc="0" normalizeH="0" baseline="0" noProof="0" dirty="0">
+                          <a:ln>
+                            <a:noFill/>
+                          </a:ln>
+                          <a:solidFill>
+                            <a:prstClr val="black"/>
+                          </a:solidFill>
+                          <a:effectLst/>
+                          <a:uLnTx/>
+                          <a:uFillTx/>
+                          <a:latin typeface="Montserrat Light" pitchFamily="2" charset="0"/>
+                          <a:ea typeface="Roboto" panose="02000000000000000000" pitchFamily="2" charset="0"/>
+                          <a:cs typeface="Roboto" panose="02000000000000000000" pitchFamily="2" charset="0"/>
+                        </a:rPr>
+                        <a:t>(0,02%) </a:t>
+                      </a:r>
+                      <a:endParaRPr kumimoji="0" lang="ru-RU" sz="1100" b="0" i="0" u="none" strike="noStrike" kern="1200" cap="none" spc="0" normalizeH="0" baseline="0" noProof="0" dirty="0">
+                        <a:ln>
+                          <a:noFill/>
+                        </a:ln>
+                        <a:solidFill>
+                          <a:prstClr val="black"/>
+                        </a:solidFill>
+                        <a:effectLst/>
+                        <a:uLnTx/>
+                        <a:uFillTx/>
+                        <a:latin typeface="Montserrat Light" pitchFamily="2" charset="0"/>
+                        <a:ea typeface="Roboto" panose="02000000000000000000" pitchFamily="2" charset="0"/>
+                        <a:cs typeface="Roboto" panose="02000000000000000000" pitchFamily="2" charset="0"/>
+                      </a:endParaRPr>
                     </a:p>
                   </a:txBody>
-                  <a:tcPr marL="0" marR="0" marT="54000" anchor="ctr">
+                  <a:tcPr marL="0" marR="0" marT="36000" marB="46800" anchor="ctr">
                     <a:lnL w="12700" cap="flat" cmpd="sng" algn="ctr">
                       <a:solidFill>
                         <a:srgbClr val="E6E6E6"/>
@@ -18603,74 +20635,7 @@
                       <a:tailEnd type="none" w="med" len="med"/>
                     </a:lnB>
                     <a:solidFill>
-                      <a:srgbClr val="FFE6E7"/>
-                    </a:solidFill>
-                  </a:tcPr>
-                </a:tc>
-                <a:tc>
-                  <a:txBody>
-                    <a:bodyPr/>
-                    <a:lstStyle/>
-                    <a:p>
-                      <a:pPr algn="ctr"/>
-                      <a:r>
-                        <a:rPr sz="1100" b="1">
-                          <a:latin typeface="Montserrat SemiBold"/>
-                        </a:rPr>
-                        <a:t>+62.5</a:t>
-                      </a:r>
-                    </a:p>
-                    <a:p>
-                      <a:pPr algn="ctr"/>
-                      <a:r>
-                        <a:rPr sz="900">
-                          <a:latin typeface="Montserrat Light"/>
-                        </a:rPr>
-                        <a:t>(0.13%)</a:t>
-                      </a:r>
-                    </a:p>
-                  </a:txBody>
-                  <a:tcPr marL="0" marR="0" marT="36000" marB="46800" anchor="ctr">
-                    <a:lnL w="12700" cap="flat" cmpd="sng" algn="ctr">
-                      <a:solidFill>
-                        <a:srgbClr val="E6E6E6"/>
-                      </a:solidFill>
-                      <a:prstDash val="solid"/>
-                      <a:round/>
-                      <a:headEnd type="none" w="med" len="med"/>
-                      <a:tailEnd type="none" w="med" len="med"/>
-                    </a:lnL>
-                    <a:lnR w="12700" cap="flat" cmpd="sng" algn="ctr">
-                      <a:solidFill>
-                        <a:srgbClr val="E6E6E6"/>
-                      </a:solidFill>
-                      <a:prstDash val="solid"/>
-                      <a:round/>
-                      <a:headEnd type="none" w="med" len="med"/>
-                      <a:tailEnd type="none" w="med" len="med"/>
-                    </a:lnR>
-                    <a:lnT w="12700" cap="flat" cmpd="sng" algn="ctr">
-                      <a:solidFill>
-                        <a:srgbClr val="E6E6E6"/>
-                      </a:solidFill>
-                      <a:prstDash val="solid"/>
-                      <a:round/>
-                      <a:headEnd type="none" w="med" len="med"/>
-                      <a:tailEnd type="none" w="med" len="med"/>
-                    </a:lnT>
-                    <a:lnB w="12700" cap="flat" cmpd="sng" algn="ctr">
-                      <a:solidFill>
-                        <a:schemeClr val="bg1">
-                          <a:lumMod val="75000"/>
-                        </a:schemeClr>
-                      </a:solidFill>
-                      <a:prstDash val="solid"/>
-                      <a:round/>
-                      <a:headEnd type="none" w="med" len="med"/>
-                      <a:tailEnd type="none" w="med" len="med"/>
-                    </a:lnB>
-                    <a:solidFill>
-                      <a:srgbClr val="E7F7F0"/>
+                      <a:schemeClr val="accent5"/>
                     </a:solidFill>
                   </a:tcPr>
                 </a:tc>
@@ -18913,61 +20878,13 @@
               <a:tabLst/>
             </a:pPr>
             <a:r>
-              <a:rPr kumimoji="0" lang="en-US" altLang="ru-RU" sz="1200" b="1" u="none" strike="noStrike" cap="none" normalizeH="0" baseline="0" dirty="0">
-                <a:ln>
-                  <a:noFill/>
-                </a:ln>
+              <a:rPr sz="1200" b="1">
                 <a:solidFill>
                   <a:srgbClr val="FFFFFF"/>
                 </a:solidFill>
-                <a:effectLst/>
-                <a:latin typeface="Montserrat SemiBold" pitchFamily="2" charset="0"/>
+                <a:latin typeface="Montserrat SemiBolt"/>
               </a:rPr>
-              <a:t>2</a:t>
-            </a:r>
-            <a:r>
-              <a:rPr lang="ru-RU" altLang="ru-RU" sz="1200" b="1" dirty="0">
-                <a:solidFill>
-                  <a:srgbClr val="FFFFFF"/>
-                </a:solidFill>
-                <a:latin typeface="Montserrat SemiBold" pitchFamily="2" charset="0"/>
-              </a:rPr>
-              <a:t>7</a:t>
-            </a:r>
-            <a:r>
-              <a:rPr kumimoji="0" lang="ru-RU" altLang="ru-RU" sz="1200" b="1" u="none" strike="noStrike" cap="none" normalizeH="0" baseline="0" dirty="0">
-                <a:ln>
-                  <a:noFill/>
-                </a:ln>
-                <a:solidFill>
-                  <a:srgbClr val="FFFFFF"/>
-                </a:solidFill>
-                <a:effectLst/>
-                <a:latin typeface="Montserrat SemiBold" pitchFamily="2" charset="0"/>
-              </a:rPr>
-              <a:t>.</a:t>
-            </a:r>
-            <a:r>
-              <a:rPr kumimoji="0" lang="en-US" altLang="ru-RU" sz="1200" b="1" u="none" strike="noStrike" cap="none" normalizeH="0" baseline="0" dirty="0">
-                <a:ln>
-                  <a:noFill/>
-                </a:ln>
-                <a:solidFill>
-                  <a:srgbClr val="FFFFFF"/>
-                </a:solidFill>
-                <a:effectLst/>
-                <a:latin typeface="Montserrat SemiBold" pitchFamily="2" charset="0"/>
-              </a:rPr>
-              <a:t>0</a:t>
-            </a:r>
-            <a:r>
-              <a:rPr lang="en-US" altLang="ru-RU" sz="1200" b="1" dirty="0">
-                <a:solidFill>
-                  <a:srgbClr val="FFFFFF"/>
-                </a:solidFill>
-                <a:latin typeface="Montserrat SemiBold" pitchFamily="2" charset="0"/>
-              </a:rPr>
-              <a:t>6</a:t>
+              <a:t>06.06</a:t>
             </a:r>
             <a:endParaRPr kumimoji="0" lang="ru-RU" altLang="ru-RU" sz="1800" b="1" u="none" strike="noStrike" cap="none" normalizeH="0" baseline="0" dirty="0">
               <a:ln>
@@ -19181,30 +21098,13 @@
               <a:tabLst/>
             </a:pPr>
             <a:r>
-              <a:rPr kumimoji="0" lang="ru-RU" altLang="ru-RU" sz="800" b="0" i="0" u="none" strike="noStrike" cap="none" normalizeH="0" baseline="0" dirty="0">
-                <a:ln>
-                  <a:noFill/>
-                </a:ln>
+              <a:rPr sz="800">
                 <a:solidFill>
                   <a:srgbClr val="FFFFFF"/>
                 </a:solidFill>
-                <a:effectLst/>
-                <a:latin typeface="Montserrat" pitchFamily="2" charset="0"/>
+                <a:latin typeface="Montserrat"/>
               </a:rPr>
-              <a:t>202</a:t>
-            </a:r>
-            <a:r>
-              <a:rPr kumimoji="0" lang="en-US" altLang="ru-RU" sz="800" b="0" i="0" u="none" strike="noStrike" cap="none" normalizeH="0" baseline="0" dirty="0">
-                <a:ln>
-                  <a:noFill/>
-                </a:ln>
-                <a:solidFill>
-                  <a:srgbClr val="FFFFFF"/>
-                </a:solidFill>
-                <a:effectLst/>
-                <a:latin typeface="Montserrat" pitchFamily="2" charset="0"/>
-              </a:rPr>
-              <a:t>3</a:t>
+              <a:t>2023</a:t>
             </a:r>
             <a:endParaRPr kumimoji="0" lang="ru-RU" altLang="ru-RU" sz="1800" b="0" i="0" u="none" strike="noStrike" cap="none" normalizeH="0" baseline="0" dirty="0">
               <a:ln>
@@ -20057,51 +21957,25 @@
                     <a:p>
                       <a:pPr algn="ctr"/>
                       <a:r>
-                        <a:rPr lang="en-US" sz="1100" b="1" dirty="0">
+                        <a:rPr sz="1100" b="1">
                           <a:solidFill>
                             <a:srgbClr val="4D4D4D"/>
                           </a:solidFill>
-                          <a:latin typeface="Montserrat" pitchFamily="2" charset="0"/>
-                          <a:ea typeface="Roboto" panose="02000000000000000000" pitchFamily="2" charset="0"/>
-                          <a:cs typeface="Roboto" panose="02000000000000000000" pitchFamily="2" charset="0"/>
-                        </a:rPr>
-                        <a:t>7 </a:t>
-                      </a:r>
-                      <a:r>
-                        <a:rPr lang="ru-RU" sz="1100" b="1" dirty="0">
-                          <a:solidFill>
-                            <a:srgbClr val="4D4D4D"/>
-                          </a:solidFill>
-                          <a:latin typeface="Montserrat" pitchFamily="2" charset="0"/>
-                          <a:ea typeface="Roboto" panose="02000000000000000000" pitchFamily="2" charset="0"/>
-                          <a:cs typeface="Roboto" panose="02000000000000000000" pitchFamily="2" charset="0"/>
-                        </a:rPr>
-                        <a:t>250</a:t>
+                          <a:latin typeface="Montserrat"/>
+                        </a:rPr>
+                        <a:t>7550</a:t>
                       </a:r>
                     </a:p>
                     <a:p>
                       <a:pPr algn="ctr"/>
                       <a:r>
-                        <a:rPr lang="en-US" sz="900" dirty="0">
+                        <a:rPr sz="900">
                           <a:solidFill>
                             <a:srgbClr val="999999"/>
                           </a:solidFill>
-                          <a:latin typeface="Montserrat" pitchFamily="2" charset="0"/>
-                          <a:ea typeface="Roboto" panose="02000000000000000000" pitchFamily="2" charset="0"/>
-                          <a:cs typeface="Roboto" panose="02000000000000000000" pitchFamily="2" charset="0"/>
-                        </a:rPr>
-                        <a:t>CNY/</a:t>
-                      </a:r>
-                      <a:r>
-                        <a:rPr lang="ru-RU" sz="900" dirty="0">
-                          <a:solidFill>
-                            <a:srgbClr val="999999"/>
-                          </a:solidFill>
-                          <a:latin typeface="Montserrat" pitchFamily="2" charset="0"/>
-                          <a:ea typeface="Roboto" panose="02000000000000000000" pitchFamily="2" charset="0"/>
-                          <a:cs typeface="Roboto" panose="02000000000000000000" pitchFamily="2" charset="0"/>
-                        </a:rPr>
-                        <a:t>т</a:t>
+                          <a:latin typeface="Montserrat"/>
+                        </a:rPr>
+                        <a:t>CNY/т</a:t>
                       </a:r>
                     </a:p>
                   </a:txBody>
@@ -20148,54 +22022,13 @@
                     <a:bodyPr/>
                     <a:lstStyle/>
                     <a:p>
-                      <a:pPr marL="0" marR="0" lvl="0" indent="0" algn="ctr" defTabSz="476220" rtl="0" eaLnBrk="1" fontAlgn="auto" latinLnBrk="0" hangingPunct="1">
-                        <a:lnSpc>
-                          <a:spcPts val="1400"/>
-                        </a:lnSpc>
-                        <a:spcBef>
-                          <a:spcPts val="0"/>
-                        </a:spcBef>
-                        <a:spcAft>
-                          <a:spcPts val="0"/>
-                        </a:spcAft>
-                        <a:buClrTx/>
-                        <a:buSzTx/>
-                        <a:buFontTx/>
-                        <a:buNone/>
-                        <a:tabLst/>
-                        <a:defRPr/>
-                      </a:pPr>
-                      <a:r>
-                        <a:rPr kumimoji="0" lang="ru-RU" sz="1100" b="1" i="0" u="none" strike="noStrike" kern="1200" cap="none" spc="0" normalizeH="0" baseline="0" noProof="0" dirty="0">
-                          <a:ln>
-                            <a:noFill/>
-                          </a:ln>
-                          <a:solidFill>
-                            <a:srgbClr val="4D4D4D"/>
-                          </a:solidFill>
-                          <a:effectLst/>
-                          <a:uLnTx/>
-                          <a:uFillTx/>
-                          <a:latin typeface="Montserrat SemiBold" pitchFamily="2" charset="0"/>
-                          <a:ea typeface="Roboto" panose="02000000000000000000" pitchFamily="2" charset="0"/>
-                          <a:cs typeface="Roboto" panose="02000000000000000000" pitchFamily="2" charset="0"/>
+                      <a:pPr algn="ctr"/>
+                      <a:r>
+                        <a:rPr sz="1100" b="1">
+                          <a:latin typeface="Montserrat SemiBold"/>
                         </a:rPr>
                         <a:t>-</a:t>
                       </a:r>
-                      <a:endParaRPr kumimoji="0" lang="ru-RU" sz="1100" b="0" i="0" u="none" strike="noStrike" kern="1200" cap="none" spc="0" normalizeH="0" baseline="0" noProof="0" dirty="0">
-                        <a:ln>
-                          <a:noFill/>
-                        </a:ln>
-                        <a:solidFill>
-                          <a:prstClr val="black"/>
-                        </a:solidFill>
-                        <a:effectLst/>
-                        <a:uLnTx/>
-                        <a:uFillTx/>
-                        <a:latin typeface="Montserrat Light" pitchFamily="2" charset="0"/>
-                        <a:ea typeface="Roboto" panose="02000000000000000000" pitchFamily="2" charset="0"/>
-                        <a:cs typeface="Roboto" panose="02000000000000000000" pitchFamily="2" charset="0"/>
-                      </a:endParaRPr>
                     </a:p>
                   </a:txBody>
                   <a:tcPr marL="0" marR="0" marT="54000" anchor="ctr">
@@ -20233,236 +22066,8 @@
                       <a:headEnd type="none" w="med" len="med"/>
                       <a:tailEnd type="none" w="med" len="med"/>
                     </a:lnB>
-                    <a:noFill/>
-                  </a:tcPr>
-                </a:tc>
-                <a:tc>
-                  <a:txBody>
-                    <a:bodyPr/>
-                    <a:lstStyle/>
-                    <a:p>
-                      <a:pPr marL="0" marR="0" lvl="0" indent="0" algn="ctr" defTabSz="476220" rtl="0" eaLnBrk="1" fontAlgn="auto" latinLnBrk="0" hangingPunct="1">
-                        <a:lnSpc>
-                          <a:spcPct val="100000"/>
-                        </a:lnSpc>
-                        <a:spcBef>
-                          <a:spcPts val="0"/>
-                        </a:spcBef>
-                        <a:spcAft>
-                          <a:spcPts val="0"/>
-                        </a:spcAft>
-                        <a:buClrTx/>
-                        <a:buSzTx/>
-                        <a:buFontTx/>
-                        <a:buNone/>
-                        <a:tabLst/>
-                        <a:defRPr/>
-                      </a:pPr>
-                      <a:r>
-                        <a:rPr kumimoji="0" lang="en-US" sz="1100" b="1" i="0" u="none" strike="noStrike" kern="1200" cap="none" spc="0" normalizeH="0" baseline="0" noProof="0" dirty="0">
-                          <a:ln>
-                            <a:noFill/>
-                          </a:ln>
-                          <a:solidFill>
-                            <a:prstClr val="black"/>
-                          </a:solidFill>
-                          <a:effectLst/>
-                          <a:uLnTx/>
-                          <a:uFillTx/>
-                          <a:latin typeface="Montserrat SemiBold" pitchFamily="2" charset="0"/>
-                          <a:ea typeface="Roboto" panose="02000000000000000000" pitchFamily="2" charset="0"/>
-                          <a:cs typeface="Roboto" panose="02000000000000000000" pitchFamily="2" charset="0"/>
-                        </a:rPr>
-                        <a:t>-</a:t>
-                      </a:r>
-                      <a:r>
-                        <a:rPr kumimoji="0" lang="ru-RU" sz="1100" b="1" i="0" u="none" strike="noStrike" kern="1200" cap="none" spc="0" normalizeH="0" baseline="0" noProof="0" dirty="0">
-                          <a:ln>
-                            <a:noFill/>
-                          </a:ln>
-                          <a:solidFill>
-                            <a:prstClr val="black"/>
-                          </a:solidFill>
-                          <a:effectLst/>
-                          <a:uLnTx/>
-                          <a:uFillTx/>
-                          <a:latin typeface="Montserrat SemiBold" pitchFamily="2" charset="0"/>
-                          <a:ea typeface="Roboto" panose="02000000000000000000" pitchFamily="2" charset="0"/>
-                          <a:cs typeface="Roboto" panose="02000000000000000000" pitchFamily="2" charset="0"/>
-                        </a:rPr>
-                        <a:t> 1</a:t>
-                      </a:r>
-                      <a:r>
-                        <a:rPr kumimoji="0" lang="en-US" sz="1100" b="1" i="0" u="none" strike="noStrike" kern="1200" cap="none" spc="0" normalizeH="0" baseline="0" noProof="0" dirty="0">
-                          <a:ln>
-                            <a:noFill/>
-                          </a:ln>
-                          <a:solidFill>
-                            <a:prstClr val="black"/>
-                          </a:solidFill>
-                          <a:effectLst/>
-                          <a:uLnTx/>
-                          <a:uFillTx/>
-                          <a:latin typeface="Montserrat SemiBold" pitchFamily="2" charset="0"/>
-                          <a:ea typeface="Roboto" panose="02000000000000000000" pitchFamily="2" charset="0"/>
-                          <a:cs typeface="Roboto" panose="02000000000000000000" pitchFamily="2" charset="0"/>
-                        </a:rPr>
-                        <a:t>00</a:t>
-                      </a:r>
-                      <a:br>
-                        <a:rPr kumimoji="0" lang="en-US" sz="1100" b="1" i="0" u="none" strike="noStrike" kern="1200" cap="none" spc="0" normalizeH="0" baseline="0" noProof="0" dirty="0">
-                          <a:ln>
-                            <a:noFill/>
-                          </a:ln>
-                          <a:solidFill>
-                            <a:prstClr val="black"/>
-                          </a:solidFill>
-                          <a:effectLst/>
-                          <a:uLnTx/>
-                          <a:uFillTx/>
-                          <a:latin typeface="Montserrat SemiBold" pitchFamily="2" charset="0"/>
-                          <a:ea typeface="Roboto" panose="02000000000000000000" pitchFamily="2" charset="0"/>
-                          <a:cs typeface="Roboto" panose="02000000000000000000" pitchFamily="2" charset="0"/>
-                        </a:rPr>
-                      </a:br>
-                      <a:r>
-                        <a:rPr kumimoji="0" lang="ru-RU" sz="900" b="0" i="0" u="none" strike="noStrike" kern="1200" cap="none" spc="0" normalizeH="0" baseline="0" noProof="0" dirty="0">
-                          <a:ln>
-                            <a:noFill/>
-                          </a:ln>
-                          <a:solidFill>
-                            <a:prstClr val="black"/>
-                          </a:solidFill>
-                          <a:effectLst/>
-                          <a:uLnTx/>
-                          <a:uFillTx/>
-                          <a:latin typeface="Montserrat Light" pitchFamily="2" charset="0"/>
-                          <a:ea typeface="Roboto" panose="02000000000000000000" pitchFamily="2" charset="0"/>
-                          <a:cs typeface="Roboto" panose="02000000000000000000" pitchFamily="2" charset="0"/>
-                        </a:rPr>
-                        <a:t>(</a:t>
-                      </a:r>
-                      <a:r>
-                        <a:rPr kumimoji="0" lang="en-US" sz="900" b="0" i="0" u="none" strike="noStrike" kern="1200" cap="none" spc="0" normalizeH="0" baseline="0" noProof="0" dirty="0">
-                          <a:ln>
-                            <a:noFill/>
-                          </a:ln>
-                          <a:solidFill>
-                            <a:prstClr val="black"/>
-                          </a:solidFill>
-                          <a:effectLst/>
-                          <a:uLnTx/>
-                          <a:uFillTx/>
-                          <a:latin typeface="Montserrat Light" pitchFamily="2" charset="0"/>
-                          <a:ea typeface="Roboto" panose="02000000000000000000" pitchFamily="2" charset="0"/>
-                          <a:cs typeface="Roboto" panose="02000000000000000000" pitchFamily="2" charset="0"/>
-                        </a:rPr>
-                        <a:t>1</a:t>
-                      </a:r>
-                      <a:r>
-                        <a:rPr kumimoji="0" lang="ru-RU" sz="900" b="0" i="0" u="none" strike="noStrike" kern="1200" cap="none" spc="0" normalizeH="0" baseline="0" noProof="0" dirty="0">
-                          <a:ln>
-                            <a:noFill/>
-                          </a:ln>
-                          <a:solidFill>
-                            <a:prstClr val="black"/>
-                          </a:solidFill>
-                          <a:effectLst/>
-                          <a:uLnTx/>
-                          <a:uFillTx/>
-                          <a:latin typeface="Montserrat Light" pitchFamily="2" charset="0"/>
-                          <a:ea typeface="Roboto" panose="02000000000000000000" pitchFamily="2" charset="0"/>
-                          <a:cs typeface="Roboto" panose="02000000000000000000" pitchFamily="2" charset="0"/>
-                        </a:rPr>
-                        <a:t>,</a:t>
-                      </a:r>
-                      <a:r>
-                        <a:rPr kumimoji="0" lang="en-US" sz="900" b="0" i="0" u="none" strike="noStrike" kern="1200" cap="none" spc="0" normalizeH="0" baseline="0" noProof="0" dirty="0">
-                          <a:ln>
-                            <a:noFill/>
-                          </a:ln>
-                          <a:solidFill>
-                            <a:prstClr val="black"/>
-                          </a:solidFill>
-                          <a:effectLst/>
-                          <a:uLnTx/>
-                          <a:uFillTx/>
-                          <a:latin typeface="Montserrat Light" pitchFamily="2" charset="0"/>
-                          <a:ea typeface="Roboto" panose="02000000000000000000" pitchFamily="2" charset="0"/>
-                          <a:cs typeface="Roboto" panose="02000000000000000000" pitchFamily="2" charset="0"/>
-                        </a:rPr>
-                        <a:t>4</a:t>
-                      </a:r>
-                      <a:r>
-                        <a:rPr kumimoji="0" lang="ru-RU" sz="900" b="0" i="0" u="none" strike="noStrike" kern="1200" cap="none" spc="0" normalizeH="0" baseline="0" noProof="0" dirty="0">
-                          <a:ln>
-                            <a:noFill/>
-                          </a:ln>
-                          <a:solidFill>
-                            <a:prstClr val="black"/>
-                          </a:solidFill>
-                          <a:effectLst/>
-                          <a:uLnTx/>
-                          <a:uFillTx/>
-                          <a:latin typeface="Montserrat Light" pitchFamily="2" charset="0"/>
-                          <a:ea typeface="Roboto" panose="02000000000000000000" pitchFamily="2" charset="0"/>
-                          <a:cs typeface="Roboto" panose="02000000000000000000" pitchFamily="2" charset="0"/>
-                        </a:rPr>
-                        <a:t>%) </a:t>
-                      </a:r>
-                      <a:endParaRPr kumimoji="0" lang="ru-RU" sz="1100" b="0" i="0" u="none" strike="noStrike" kern="1200" cap="none" spc="0" normalizeH="0" baseline="0" noProof="0" dirty="0">
-                        <a:ln>
-                          <a:noFill/>
-                        </a:ln>
-                        <a:solidFill>
-                          <a:prstClr val="black"/>
-                        </a:solidFill>
-                        <a:effectLst/>
-                        <a:uLnTx/>
-                        <a:uFillTx/>
-                        <a:latin typeface="Montserrat Light" pitchFamily="2" charset="0"/>
-                        <a:ea typeface="Roboto" panose="02000000000000000000" pitchFamily="2" charset="0"/>
-                        <a:cs typeface="Roboto" panose="02000000000000000000" pitchFamily="2" charset="0"/>
-                      </a:endParaRPr>
-                    </a:p>
-                  </a:txBody>
-                  <a:tcPr marL="0" marR="0" marT="54000" anchor="ctr">
-                    <a:lnL w="12700" cap="flat" cmpd="sng" algn="ctr">
-                      <a:solidFill>
-                        <a:srgbClr val="E6E6E6"/>
-                      </a:solidFill>
-                      <a:prstDash val="solid"/>
-                      <a:round/>
-                      <a:headEnd type="none" w="med" len="med"/>
-                      <a:tailEnd type="none" w="med" len="med"/>
-                    </a:lnL>
-                    <a:lnR w="12700" cap="flat" cmpd="sng" algn="ctr">
-                      <a:solidFill>
-                        <a:srgbClr val="E6E6E6"/>
-                      </a:solidFill>
-                      <a:prstDash val="solid"/>
-                      <a:round/>
-                      <a:headEnd type="none" w="med" len="med"/>
-                      <a:tailEnd type="none" w="med" len="med"/>
-                    </a:lnR>
-                    <a:lnT w="12700" cap="flat" cmpd="sng" algn="ctr">
-                      <a:noFill/>
-                      <a:prstDash val="solid"/>
-                      <a:round/>
-                      <a:headEnd type="none" w="med" len="med"/>
-                      <a:tailEnd type="none" w="med" len="med"/>
-                    </a:lnT>
-                    <a:lnB w="12700" cap="flat" cmpd="sng" algn="ctr">
-                      <a:solidFill>
-                        <a:srgbClr val="E6E6E6"/>
-                      </a:solidFill>
-                      <a:prstDash val="solid"/>
-                      <a:round/>
-                      <a:headEnd type="none" w="med" len="med"/>
-                      <a:tailEnd type="none" w="med" len="med"/>
-                    </a:lnB>
                     <a:solidFill>
-                      <a:schemeClr val="accent5"/>
+                      <a:srgbClr val="FFFFFF"/>
                     </a:solidFill>
                   </a:tcPr>
                 </a:tc>
@@ -20471,189 +22076,22 @@
                     <a:bodyPr/>
                     <a:lstStyle/>
                     <a:p>
-                      <a:pPr marL="0" marR="0" lvl="0" indent="0" algn="ctr" defTabSz="476220" rtl="0" eaLnBrk="1" fontAlgn="auto" latinLnBrk="0" hangingPunct="1">
-                        <a:lnSpc>
-                          <a:spcPct val="100000"/>
-                        </a:lnSpc>
-                        <a:spcBef>
-                          <a:spcPts val="0"/>
-                        </a:spcBef>
-                        <a:spcAft>
-                          <a:spcPts val="0"/>
-                        </a:spcAft>
-                        <a:buClrTx/>
-                        <a:buSzTx/>
-                        <a:buFontTx/>
-                        <a:buNone/>
-                        <a:tabLst/>
-                        <a:defRPr/>
-                      </a:pPr>
-                      <a:r>
-                        <a:rPr kumimoji="0" lang="en-US" sz="1100" b="1" i="0" u="none" strike="noStrike" kern="1200" cap="none" spc="0" normalizeH="0" baseline="0" noProof="0" dirty="0">
-                          <a:ln>
-                            <a:noFill/>
-                          </a:ln>
-                          <a:solidFill>
-                            <a:prstClr val="black"/>
-                          </a:solidFill>
-                          <a:effectLst/>
-                          <a:uLnTx/>
-                          <a:uFillTx/>
-                          <a:latin typeface="Montserrat SemiBold" pitchFamily="2" charset="0"/>
-                          <a:ea typeface="Roboto" panose="02000000000000000000" pitchFamily="2" charset="0"/>
-                          <a:cs typeface="Roboto" panose="02000000000000000000" pitchFamily="2" charset="0"/>
-                        </a:rPr>
-                        <a:t>-</a:t>
-                      </a:r>
-                      <a:r>
-                        <a:rPr kumimoji="0" lang="ru-RU" sz="1100" b="1" i="0" u="none" strike="noStrike" kern="1200" cap="none" spc="0" normalizeH="0" baseline="0" noProof="0" dirty="0">
-                          <a:ln>
-                            <a:noFill/>
-                          </a:ln>
-                          <a:solidFill>
-                            <a:prstClr val="black"/>
-                          </a:solidFill>
-                          <a:effectLst/>
-                          <a:uLnTx/>
-                          <a:uFillTx/>
-                          <a:latin typeface="Montserrat SemiBold" pitchFamily="2" charset="0"/>
-                          <a:ea typeface="Roboto" panose="02000000000000000000" pitchFamily="2" charset="0"/>
-                          <a:cs typeface="Roboto" panose="02000000000000000000" pitchFamily="2" charset="0"/>
-                        </a:rPr>
-                        <a:t> </a:t>
-                      </a:r>
-                      <a:r>
-                        <a:rPr kumimoji="0" lang="en-US" sz="1100" b="1" i="0" u="none" strike="noStrike" kern="1200" cap="none" spc="0" normalizeH="0" baseline="0" noProof="0" dirty="0">
-                          <a:ln>
-                            <a:noFill/>
-                          </a:ln>
-                          <a:solidFill>
-                            <a:prstClr val="black"/>
-                          </a:solidFill>
-                          <a:effectLst/>
-                          <a:uLnTx/>
-                          <a:uFillTx/>
-                          <a:latin typeface="Montserrat SemiBold" pitchFamily="2" charset="0"/>
-                          <a:ea typeface="Roboto" panose="02000000000000000000" pitchFamily="2" charset="0"/>
-                          <a:cs typeface="Roboto" panose="02000000000000000000" pitchFamily="2" charset="0"/>
-                        </a:rPr>
-                        <a:t>500</a:t>
-                      </a:r>
-                      <a:br>
-                        <a:rPr kumimoji="0" lang="en-US" sz="1100" b="1" i="0" u="none" strike="noStrike" kern="1200" cap="none" spc="0" normalizeH="0" baseline="0" noProof="0" dirty="0">
-                          <a:ln>
-                            <a:noFill/>
-                          </a:ln>
-                          <a:solidFill>
-                            <a:prstClr val="black"/>
-                          </a:solidFill>
-                          <a:effectLst/>
-                          <a:uLnTx/>
-                          <a:uFillTx/>
-                          <a:latin typeface="Montserrat SemiBold" pitchFamily="2" charset="0"/>
-                          <a:ea typeface="Roboto" panose="02000000000000000000" pitchFamily="2" charset="0"/>
-                          <a:cs typeface="Roboto" panose="02000000000000000000" pitchFamily="2" charset="0"/>
-                        </a:rPr>
-                      </a:br>
-                      <a:r>
-                        <a:rPr kumimoji="0" lang="ru-RU" sz="900" b="0" i="0" u="none" strike="noStrike" kern="1200" cap="none" spc="0" normalizeH="0" baseline="0" noProof="0" dirty="0">
-                          <a:ln>
-                            <a:noFill/>
-                          </a:ln>
-                          <a:solidFill>
-                            <a:prstClr val="black"/>
-                          </a:solidFill>
-                          <a:effectLst/>
-                          <a:uLnTx/>
-                          <a:uFillTx/>
-                          <a:latin typeface="Montserrat Light" pitchFamily="2" charset="0"/>
-                          <a:ea typeface="Roboto" panose="02000000000000000000" pitchFamily="2" charset="0"/>
-                          <a:cs typeface="Roboto" panose="02000000000000000000" pitchFamily="2" charset="0"/>
-                        </a:rPr>
-                        <a:t>(</a:t>
-                      </a:r>
-                      <a:r>
-                        <a:rPr kumimoji="0" lang="en-US" sz="900" b="0" i="0" u="none" strike="noStrike" kern="1200" cap="none" spc="0" normalizeH="0" baseline="0" noProof="0" dirty="0">
-                          <a:ln>
-                            <a:noFill/>
-                          </a:ln>
-                          <a:solidFill>
-                            <a:prstClr val="black"/>
-                          </a:solidFill>
-                          <a:effectLst/>
-                          <a:uLnTx/>
-                          <a:uFillTx/>
-                          <a:latin typeface="Montserrat Light" pitchFamily="2" charset="0"/>
-                          <a:ea typeface="Roboto" panose="02000000000000000000" pitchFamily="2" charset="0"/>
-                          <a:cs typeface="Roboto" panose="02000000000000000000" pitchFamily="2" charset="0"/>
-                        </a:rPr>
-                        <a:t>6</a:t>
-                      </a:r>
-                      <a:r>
-                        <a:rPr kumimoji="0" lang="ru-RU" sz="900" b="0" i="0" u="none" strike="noStrike" kern="1200" cap="none" spc="0" normalizeH="0" baseline="0" noProof="0" dirty="0">
-                          <a:ln>
-                            <a:noFill/>
-                          </a:ln>
-                          <a:solidFill>
-                            <a:prstClr val="black"/>
-                          </a:solidFill>
-                          <a:effectLst/>
-                          <a:uLnTx/>
-                          <a:uFillTx/>
-                          <a:latin typeface="Montserrat Light" pitchFamily="2" charset="0"/>
-                          <a:ea typeface="Roboto" panose="02000000000000000000" pitchFamily="2" charset="0"/>
-                          <a:cs typeface="Roboto" panose="02000000000000000000" pitchFamily="2" charset="0"/>
-                        </a:rPr>
-                        <a:t>,</a:t>
-                      </a:r>
-                      <a:r>
-                        <a:rPr kumimoji="0" lang="en-US" sz="900" b="0" i="0" u="none" strike="noStrike" kern="1200" cap="none" spc="0" normalizeH="0" baseline="0" noProof="0" dirty="0">
-                          <a:ln>
-                            <a:noFill/>
-                          </a:ln>
-                          <a:solidFill>
-                            <a:prstClr val="black"/>
-                          </a:solidFill>
-                          <a:effectLst/>
-                          <a:uLnTx/>
-                          <a:uFillTx/>
-                          <a:latin typeface="Montserrat Light" pitchFamily="2" charset="0"/>
-                          <a:ea typeface="Roboto" panose="02000000000000000000" pitchFamily="2" charset="0"/>
-                          <a:cs typeface="Roboto" panose="02000000000000000000" pitchFamily="2" charset="0"/>
-                        </a:rPr>
-                        <a:t>5</a:t>
-                      </a:r>
-                      <a:r>
-                        <a:rPr kumimoji="0" lang="ru-RU" sz="900" b="0" i="0" u="none" strike="noStrike" kern="1200" cap="none" spc="0" normalizeH="0" baseline="0" noProof="0" dirty="0">
-                          <a:ln>
-                            <a:noFill/>
-                          </a:ln>
-                          <a:solidFill>
-                            <a:prstClr val="black"/>
-                          </a:solidFill>
-                          <a:effectLst/>
-                          <a:uLnTx/>
-                          <a:uFillTx/>
-                          <a:latin typeface="Montserrat Light" pitchFamily="2" charset="0"/>
-                          <a:ea typeface="Roboto" panose="02000000000000000000" pitchFamily="2" charset="0"/>
-                          <a:cs typeface="Roboto" panose="02000000000000000000" pitchFamily="2" charset="0"/>
-                        </a:rPr>
-                        <a:t>%) </a:t>
-                      </a:r>
-                      <a:endParaRPr kumimoji="0" lang="ru-RU" sz="1100" b="0" i="0" u="none" strike="noStrike" kern="1200" cap="none" spc="0" normalizeH="0" baseline="0" noProof="0" dirty="0">
-                        <a:ln>
-                          <a:noFill/>
-                        </a:ln>
-                        <a:solidFill>
-                          <a:prstClr val="black"/>
-                        </a:solidFill>
-                        <a:effectLst/>
-                        <a:uLnTx/>
-                        <a:uFillTx/>
-                        <a:latin typeface="Montserrat Light" pitchFamily="2" charset="0"/>
-                        <a:ea typeface="Roboto" panose="02000000000000000000" pitchFamily="2" charset="0"/>
-                        <a:cs typeface="Roboto" panose="02000000000000000000" pitchFamily="2" charset="0"/>
-                      </a:endParaRPr>
+                      <a:pPr algn="ctr"/>
+                      <a:r>
+                        <a:rPr sz="1100" b="1">
+                          <a:latin typeface="Montserrat SemiBold"/>
+                        </a:rPr>
+                        <a:t>-100</a:t>
+                      </a:r>
+                    </a:p>
+                    <a:p>
+                      <a:pPr algn="ctr"/>
+                      <a:r>
+                        <a:rPr sz="900">
+                          <a:latin typeface="Montserrat Light"/>
+                        </a:rPr>
+                        <a:t>(1.31%)</a:t>
+                      </a:r>
                     </a:p>
                   </a:txBody>
                   <a:tcPr marL="0" marR="0" marT="54000" anchor="ctr">
@@ -20692,7 +22130,70 @@
                       <a:tailEnd type="none" w="med" len="med"/>
                     </a:lnB>
                     <a:solidFill>
-                      <a:schemeClr val="accent5"/>
+                      <a:srgbClr val="FFE6E7"/>
+                    </a:solidFill>
+                  </a:tcPr>
+                </a:tc>
+                <a:tc>
+                  <a:txBody>
+                    <a:bodyPr/>
+                    <a:lstStyle/>
+                    <a:p>
+                      <a:pPr algn="ctr"/>
+                      <a:r>
+                        <a:rPr sz="1100" b="1">
+                          <a:latin typeface="Montserrat SemiBold"/>
+                        </a:rPr>
+                        <a:t>-550</a:t>
+                      </a:r>
+                    </a:p>
+                    <a:p>
+                      <a:pPr algn="ctr"/>
+                      <a:r>
+                        <a:rPr sz="900">
+                          <a:latin typeface="Montserrat Light"/>
+                        </a:rPr>
+                        <a:t>(6.79%)</a:t>
+                      </a:r>
+                    </a:p>
+                  </a:txBody>
+                  <a:tcPr marL="0" marR="0" marT="54000" anchor="ctr">
+                    <a:lnL w="12700" cap="flat" cmpd="sng" algn="ctr">
+                      <a:solidFill>
+                        <a:srgbClr val="E6E6E6"/>
+                      </a:solidFill>
+                      <a:prstDash val="solid"/>
+                      <a:round/>
+                      <a:headEnd type="none" w="med" len="med"/>
+                      <a:tailEnd type="none" w="med" len="med"/>
+                    </a:lnL>
+                    <a:lnR w="12700" cap="flat" cmpd="sng" algn="ctr">
+                      <a:solidFill>
+                        <a:srgbClr val="E6E6E6"/>
+                      </a:solidFill>
+                      <a:prstDash val="solid"/>
+                      <a:round/>
+                      <a:headEnd type="none" w="med" len="med"/>
+                      <a:tailEnd type="none" w="med" len="med"/>
+                    </a:lnR>
+                    <a:lnT w="12700" cap="flat" cmpd="sng" algn="ctr">
+                      <a:noFill/>
+                      <a:prstDash val="solid"/>
+                      <a:round/>
+                      <a:headEnd type="none" w="med" len="med"/>
+                      <a:tailEnd type="none" w="med" len="med"/>
+                    </a:lnT>
+                    <a:lnB w="12700" cap="flat" cmpd="sng" algn="ctr">
+                      <a:solidFill>
+                        <a:srgbClr val="E6E6E6"/>
+                      </a:solidFill>
+                      <a:prstDash val="solid"/>
+                      <a:round/>
+                      <a:headEnd type="none" w="med" len="med"/>
+                      <a:tailEnd type="none" w="med" len="med"/>
+                    </a:lnB>
+                    <a:solidFill>
+                      <a:srgbClr val="FFE6E7"/>
                     </a:solidFill>
                   </a:tcPr>
                 </a:tc>
@@ -20804,48 +22305,25 @@
                     <a:p>
                       <a:pPr algn="ctr"/>
                       <a:r>
-                        <a:rPr lang="en-US" sz="1100" b="1" dirty="0">
+                        <a:rPr sz="1100" b="1">
                           <a:solidFill>
                             <a:srgbClr val="4D4D4D"/>
                           </a:solidFill>
-                          <a:latin typeface="Montserrat" pitchFamily="2" charset="0"/>
-                          <a:ea typeface="Roboto" panose="02000000000000000000" pitchFamily="2" charset="0"/>
-                          <a:cs typeface="Roboto" panose="02000000000000000000" pitchFamily="2" charset="0"/>
-                        </a:rPr>
-                        <a:t>1 365</a:t>
-                      </a:r>
-                      <a:endParaRPr lang="ru-RU" sz="1100" b="1" dirty="0">
-                        <a:solidFill>
-                          <a:srgbClr val="4D4D4D"/>
-                        </a:solidFill>
-                        <a:latin typeface="Montserrat" pitchFamily="2" charset="0"/>
-                        <a:ea typeface="Roboto" panose="02000000000000000000" pitchFamily="2" charset="0"/>
-                        <a:cs typeface="Roboto" panose="02000000000000000000" pitchFamily="2" charset="0"/>
-                      </a:endParaRPr>
+                          <a:latin typeface="Montserrat"/>
+                        </a:rPr>
+                        <a:t>1465</a:t>
+                      </a:r>
                     </a:p>
                     <a:p>
                       <a:pPr algn="ctr"/>
                       <a:r>
-                        <a:rPr lang="en-US" sz="900" dirty="0">
+                        <a:rPr sz="900">
                           <a:solidFill>
                             <a:srgbClr val="999999"/>
                           </a:solidFill>
-                          <a:latin typeface="Montserrat" pitchFamily="2" charset="0"/>
-                          <a:ea typeface="Roboto" panose="02000000000000000000" pitchFamily="2" charset="0"/>
-                          <a:cs typeface="Roboto" panose="02000000000000000000" pitchFamily="2" charset="0"/>
-                        </a:rPr>
-                        <a:t>USD/</a:t>
-                      </a:r>
-                      <a:r>
-                        <a:rPr lang="ru-RU" sz="900" dirty="0">
-                          <a:solidFill>
-                            <a:srgbClr val="999999"/>
-                          </a:solidFill>
-                          <a:latin typeface="Montserrat" pitchFamily="2" charset="0"/>
-                          <a:ea typeface="Roboto" panose="02000000000000000000" pitchFamily="2" charset="0"/>
-                          <a:cs typeface="Roboto" panose="02000000000000000000" pitchFamily="2" charset="0"/>
-                        </a:rPr>
-                        <a:t>т</a:t>
+                          <a:latin typeface="Montserrat"/>
+                        </a:rPr>
+                        <a:t>USD/т</a:t>
                       </a:r>
                     </a:p>
                   </a:txBody>
@@ -20894,172 +22372,22 @@
                     <a:bodyPr/>
                     <a:lstStyle/>
                     <a:p>
-                      <a:pPr marL="0" marR="0" lvl="0" indent="0" algn="ctr" defTabSz="476220" rtl="0" eaLnBrk="1" fontAlgn="auto" latinLnBrk="0" hangingPunct="1">
-                        <a:lnSpc>
-                          <a:spcPct val="100000"/>
-                        </a:lnSpc>
-                        <a:spcBef>
-                          <a:spcPts val="0"/>
-                        </a:spcBef>
-                        <a:spcAft>
-                          <a:spcPts val="0"/>
-                        </a:spcAft>
-                        <a:buClrTx/>
-                        <a:buSzTx/>
-                        <a:buFontTx/>
-                        <a:buNone/>
-                        <a:tabLst/>
-                        <a:defRPr/>
-                      </a:pPr>
-                      <a:r>
-                        <a:rPr kumimoji="0" lang="ru-RU" sz="1100" b="1" i="0" u="none" strike="noStrike" kern="1200" cap="none" spc="0" normalizeH="0" baseline="0" noProof="0" dirty="0">
-                          <a:ln>
-                            <a:noFill/>
-                          </a:ln>
-                          <a:solidFill>
-                            <a:prstClr val="black"/>
-                          </a:solidFill>
-                          <a:effectLst/>
-                          <a:uLnTx/>
-                          <a:uFillTx/>
-                          <a:latin typeface="Montserrat SemiBold" pitchFamily="2" charset="0"/>
-                          <a:ea typeface="Roboto" panose="02000000000000000000" pitchFamily="2" charset="0"/>
-                          <a:cs typeface="Roboto" panose="02000000000000000000" pitchFamily="2" charset="0"/>
-                        </a:rPr>
-                        <a:t>- </a:t>
-                      </a:r>
-                      <a:r>
-                        <a:rPr kumimoji="0" lang="en-US" sz="1100" b="1" i="0" u="none" strike="noStrike" kern="1200" cap="none" spc="0" normalizeH="0" baseline="0" noProof="0" dirty="0">
-                          <a:ln>
-                            <a:noFill/>
-                          </a:ln>
-                          <a:solidFill>
-                            <a:prstClr val="black"/>
-                          </a:solidFill>
-                          <a:effectLst/>
-                          <a:uLnTx/>
-                          <a:uFillTx/>
-                          <a:latin typeface="Montserrat SemiBold" pitchFamily="2" charset="0"/>
-                          <a:ea typeface="Roboto" panose="02000000000000000000" pitchFamily="2" charset="0"/>
-                          <a:cs typeface="Roboto" panose="02000000000000000000" pitchFamily="2" charset="0"/>
-                        </a:rPr>
-                        <a:t>20</a:t>
-                      </a:r>
-                      <a:br>
-                        <a:rPr kumimoji="0" lang="en-US" sz="1100" b="1" i="0" u="none" strike="noStrike" kern="1200" cap="none" spc="0" normalizeH="0" baseline="0" noProof="0" dirty="0">
-                          <a:ln>
-                            <a:noFill/>
-                          </a:ln>
-                          <a:solidFill>
-                            <a:prstClr val="black"/>
-                          </a:solidFill>
-                          <a:effectLst/>
-                          <a:uLnTx/>
-                          <a:uFillTx/>
-                          <a:latin typeface="Montserrat SemiBold" pitchFamily="2" charset="0"/>
-                          <a:ea typeface="Roboto" panose="02000000000000000000" pitchFamily="2" charset="0"/>
-                          <a:cs typeface="Roboto" panose="02000000000000000000" pitchFamily="2" charset="0"/>
-                        </a:rPr>
-                      </a:br>
-                      <a:r>
-                        <a:rPr kumimoji="0" lang="ru-RU" sz="900" b="0" i="0" u="none" strike="noStrike" kern="1200" cap="none" spc="0" normalizeH="0" baseline="0" noProof="0" dirty="0">
-                          <a:ln>
-                            <a:noFill/>
-                          </a:ln>
-                          <a:solidFill>
-                            <a:prstClr val="black"/>
-                          </a:solidFill>
-                          <a:effectLst/>
-                          <a:uLnTx/>
-                          <a:uFillTx/>
-                          <a:latin typeface="Montserrat Light" pitchFamily="2" charset="0"/>
-                          <a:ea typeface="Roboto" panose="02000000000000000000" pitchFamily="2" charset="0"/>
-                          <a:cs typeface="Roboto" panose="02000000000000000000" pitchFamily="2" charset="0"/>
-                        </a:rPr>
-                        <a:t>(</a:t>
-                      </a:r>
-                      <a:r>
-                        <a:rPr kumimoji="0" lang="en-US" sz="900" b="0" i="0" u="none" strike="noStrike" kern="1200" cap="none" spc="0" normalizeH="0" baseline="0" noProof="0" dirty="0">
-                          <a:ln>
-                            <a:noFill/>
-                          </a:ln>
-                          <a:solidFill>
-                            <a:prstClr val="black"/>
-                          </a:solidFill>
-                          <a:effectLst/>
-                          <a:uLnTx/>
-                          <a:uFillTx/>
-                          <a:latin typeface="Montserrat Light" pitchFamily="2" charset="0"/>
-                          <a:ea typeface="Roboto" panose="02000000000000000000" pitchFamily="2" charset="0"/>
-                          <a:cs typeface="Roboto" panose="02000000000000000000" pitchFamily="2" charset="0"/>
-                        </a:rPr>
-                        <a:t>1</a:t>
-                      </a:r>
-                      <a:r>
-                        <a:rPr kumimoji="0" lang="ru-RU" sz="900" b="0" i="0" u="none" strike="noStrike" kern="1200" cap="none" spc="0" normalizeH="0" baseline="0" noProof="0" dirty="0">
-                          <a:ln>
-                            <a:noFill/>
-                          </a:ln>
-                          <a:solidFill>
-                            <a:prstClr val="black"/>
-                          </a:solidFill>
-                          <a:effectLst/>
-                          <a:uLnTx/>
-                          <a:uFillTx/>
-                          <a:latin typeface="Montserrat Light" pitchFamily="2" charset="0"/>
-                          <a:ea typeface="Roboto" panose="02000000000000000000" pitchFamily="2" charset="0"/>
-                          <a:cs typeface="Roboto" panose="02000000000000000000" pitchFamily="2" charset="0"/>
-                        </a:rPr>
-                        <a:t>,</a:t>
-                      </a:r>
-                      <a:r>
-                        <a:rPr kumimoji="0" lang="en-US" sz="900" b="0" i="0" u="none" strike="noStrike" kern="1200" cap="none" spc="0" normalizeH="0" baseline="0" noProof="0" dirty="0">
-                          <a:ln>
-                            <a:noFill/>
-                          </a:ln>
-                          <a:solidFill>
-                            <a:prstClr val="black"/>
-                          </a:solidFill>
-                          <a:effectLst/>
-                          <a:uLnTx/>
-                          <a:uFillTx/>
-                          <a:latin typeface="Montserrat Light" pitchFamily="2" charset="0"/>
-                          <a:ea typeface="Roboto" panose="02000000000000000000" pitchFamily="2" charset="0"/>
-                          <a:cs typeface="Roboto" panose="02000000000000000000" pitchFamily="2" charset="0"/>
-                        </a:rPr>
-                        <a:t>4</a:t>
-                      </a:r>
-                      <a:r>
-                        <a:rPr kumimoji="0" lang="ru-RU" sz="900" b="0" i="0" u="none" strike="noStrike" kern="1200" cap="none" spc="0" normalizeH="0" baseline="0" noProof="0" dirty="0">
-                          <a:ln>
-                            <a:noFill/>
-                          </a:ln>
-                          <a:solidFill>
-                            <a:prstClr val="black"/>
-                          </a:solidFill>
-                          <a:effectLst/>
-                          <a:uLnTx/>
-                          <a:uFillTx/>
-                          <a:latin typeface="Montserrat Light" pitchFamily="2" charset="0"/>
-                          <a:ea typeface="Roboto" panose="02000000000000000000" pitchFamily="2" charset="0"/>
-                          <a:cs typeface="Roboto" panose="02000000000000000000" pitchFamily="2" charset="0"/>
-                        </a:rPr>
-                        <a:t>%) </a:t>
-                      </a:r>
-                      <a:endParaRPr kumimoji="0" lang="ru-RU" sz="1100" b="0" i="0" u="none" strike="noStrike" kern="1200" cap="none" spc="0" normalizeH="0" baseline="0" noProof="0" dirty="0">
-                        <a:ln>
-                          <a:noFill/>
-                        </a:ln>
-                        <a:solidFill>
-                          <a:prstClr val="black"/>
-                        </a:solidFill>
-                        <a:effectLst/>
-                        <a:uLnTx/>
-                        <a:uFillTx/>
-                        <a:latin typeface="Montserrat Light" pitchFamily="2" charset="0"/>
-                        <a:ea typeface="Roboto" panose="02000000000000000000" pitchFamily="2" charset="0"/>
-                        <a:cs typeface="Roboto" panose="02000000000000000000" pitchFamily="2" charset="0"/>
-                      </a:endParaRPr>
+                      <a:pPr algn="ctr"/>
+                      <a:r>
+                        <a:rPr sz="1100" b="1">
+                          <a:latin typeface="Montserrat SemiBold"/>
+                        </a:rPr>
+                        <a:t>-10</a:t>
+                      </a:r>
+                    </a:p>
+                    <a:p>
+                      <a:pPr algn="ctr"/>
+                      <a:r>
+                        <a:rPr sz="900">
+                          <a:latin typeface="Montserrat Light"/>
+                        </a:rPr>
+                        <a:t>(0.68%)</a:t>
+                      </a:r>
                     </a:p>
                   </a:txBody>
                   <a:tcPr marL="0" marR="0" marT="54000" anchor="ctr">
@@ -21100,7 +22428,7 @@
                       <a:tailEnd type="none" w="med" len="med"/>
                     </a:lnB>
                     <a:solidFill>
-                      <a:schemeClr val="accent5"/>
+                      <a:srgbClr val="FFE6E7"/>
                     </a:solidFill>
                   </a:tcPr>
                 </a:tc>
@@ -21109,172 +22437,22 @@
                     <a:bodyPr/>
                     <a:lstStyle/>
                     <a:p>
-                      <a:pPr marL="0" marR="0" lvl="0" indent="0" algn="ctr" defTabSz="476220" rtl="0" eaLnBrk="1" fontAlgn="auto" latinLnBrk="0" hangingPunct="1">
-                        <a:lnSpc>
-                          <a:spcPct val="100000"/>
-                        </a:lnSpc>
-                        <a:spcBef>
-                          <a:spcPts val="0"/>
-                        </a:spcBef>
-                        <a:spcAft>
-                          <a:spcPts val="0"/>
-                        </a:spcAft>
-                        <a:buClrTx/>
-                        <a:buSzTx/>
-                        <a:buFontTx/>
-                        <a:buNone/>
-                        <a:tabLst/>
-                        <a:defRPr/>
-                      </a:pPr>
-                      <a:r>
-                        <a:rPr kumimoji="0" lang="ru-RU" sz="1100" b="1" i="0" u="none" strike="noStrike" kern="1200" cap="none" spc="0" normalizeH="0" baseline="0" noProof="0" dirty="0">
-                          <a:ln>
-                            <a:noFill/>
-                          </a:ln>
-                          <a:solidFill>
-                            <a:prstClr val="black"/>
-                          </a:solidFill>
-                          <a:effectLst/>
-                          <a:uLnTx/>
-                          <a:uFillTx/>
-                          <a:latin typeface="Montserrat SemiBold" pitchFamily="2" charset="0"/>
-                          <a:ea typeface="Roboto" panose="02000000000000000000" pitchFamily="2" charset="0"/>
-                          <a:cs typeface="Roboto" panose="02000000000000000000" pitchFamily="2" charset="0"/>
-                        </a:rPr>
-                        <a:t>- </a:t>
-                      </a:r>
-                      <a:r>
-                        <a:rPr kumimoji="0" lang="en-US" sz="1100" b="1" i="0" u="none" strike="noStrike" kern="1200" cap="none" spc="0" normalizeH="0" baseline="0" noProof="0" dirty="0">
-                          <a:ln>
-                            <a:noFill/>
-                          </a:ln>
-                          <a:solidFill>
-                            <a:prstClr val="black"/>
-                          </a:solidFill>
-                          <a:effectLst/>
-                          <a:uLnTx/>
-                          <a:uFillTx/>
-                          <a:latin typeface="Montserrat SemiBold" pitchFamily="2" charset="0"/>
-                          <a:ea typeface="Roboto" panose="02000000000000000000" pitchFamily="2" charset="0"/>
-                          <a:cs typeface="Roboto" panose="02000000000000000000" pitchFamily="2" charset="0"/>
-                        </a:rPr>
-                        <a:t>50</a:t>
-                      </a:r>
-                      <a:br>
-                        <a:rPr kumimoji="0" lang="en-US" sz="1100" b="1" i="0" u="none" strike="noStrike" kern="1200" cap="none" spc="0" normalizeH="0" baseline="0" noProof="0" dirty="0">
-                          <a:ln>
-                            <a:noFill/>
-                          </a:ln>
-                          <a:solidFill>
-                            <a:prstClr val="black"/>
-                          </a:solidFill>
-                          <a:effectLst/>
-                          <a:uLnTx/>
-                          <a:uFillTx/>
-                          <a:latin typeface="Montserrat SemiBold" pitchFamily="2" charset="0"/>
-                          <a:ea typeface="Roboto" panose="02000000000000000000" pitchFamily="2" charset="0"/>
-                          <a:cs typeface="Roboto" panose="02000000000000000000" pitchFamily="2" charset="0"/>
-                        </a:rPr>
-                      </a:br>
-                      <a:r>
-                        <a:rPr kumimoji="0" lang="ru-RU" sz="900" b="0" i="0" u="none" strike="noStrike" kern="1200" cap="none" spc="0" normalizeH="0" baseline="0" noProof="0" dirty="0">
-                          <a:ln>
-                            <a:noFill/>
-                          </a:ln>
-                          <a:solidFill>
-                            <a:prstClr val="black"/>
-                          </a:solidFill>
-                          <a:effectLst/>
-                          <a:uLnTx/>
-                          <a:uFillTx/>
-                          <a:latin typeface="Montserrat Light" pitchFamily="2" charset="0"/>
-                          <a:ea typeface="Roboto" panose="02000000000000000000" pitchFamily="2" charset="0"/>
-                          <a:cs typeface="Roboto" panose="02000000000000000000" pitchFamily="2" charset="0"/>
-                        </a:rPr>
-                        <a:t>(</a:t>
-                      </a:r>
-                      <a:r>
-                        <a:rPr kumimoji="0" lang="en-US" sz="900" b="0" i="0" u="none" strike="noStrike" kern="1200" cap="none" spc="0" normalizeH="0" baseline="0" noProof="0" dirty="0">
-                          <a:ln>
-                            <a:noFill/>
-                          </a:ln>
-                          <a:solidFill>
-                            <a:prstClr val="black"/>
-                          </a:solidFill>
-                          <a:effectLst/>
-                          <a:uLnTx/>
-                          <a:uFillTx/>
-                          <a:latin typeface="Montserrat Light" pitchFamily="2" charset="0"/>
-                          <a:ea typeface="Roboto" panose="02000000000000000000" pitchFamily="2" charset="0"/>
-                          <a:cs typeface="Roboto" panose="02000000000000000000" pitchFamily="2" charset="0"/>
-                        </a:rPr>
-                        <a:t>3</a:t>
-                      </a:r>
-                      <a:r>
-                        <a:rPr kumimoji="0" lang="ru-RU" sz="900" b="0" i="0" u="none" strike="noStrike" kern="1200" cap="none" spc="0" normalizeH="0" baseline="0" noProof="0" dirty="0">
-                          <a:ln>
-                            <a:noFill/>
-                          </a:ln>
-                          <a:solidFill>
-                            <a:prstClr val="black"/>
-                          </a:solidFill>
-                          <a:effectLst/>
-                          <a:uLnTx/>
-                          <a:uFillTx/>
-                          <a:latin typeface="Montserrat Light" pitchFamily="2" charset="0"/>
-                          <a:ea typeface="Roboto" panose="02000000000000000000" pitchFamily="2" charset="0"/>
-                          <a:cs typeface="Roboto" panose="02000000000000000000" pitchFamily="2" charset="0"/>
-                        </a:rPr>
-                        <a:t>,</a:t>
-                      </a:r>
-                      <a:r>
-                        <a:rPr kumimoji="0" lang="en-US" sz="900" b="0" i="0" u="none" strike="noStrike" kern="1200" cap="none" spc="0" normalizeH="0" baseline="0" noProof="0" dirty="0">
-                          <a:ln>
-                            <a:noFill/>
-                          </a:ln>
-                          <a:solidFill>
-                            <a:prstClr val="black"/>
-                          </a:solidFill>
-                          <a:effectLst/>
-                          <a:uLnTx/>
-                          <a:uFillTx/>
-                          <a:latin typeface="Montserrat Light" pitchFamily="2" charset="0"/>
-                          <a:ea typeface="Roboto" panose="02000000000000000000" pitchFamily="2" charset="0"/>
-                          <a:cs typeface="Roboto" panose="02000000000000000000" pitchFamily="2" charset="0"/>
-                        </a:rPr>
-                        <a:t>5</a:t>
-                      </a:r>
-                      <a:r>
-                        <a:rPr kumimoji="0" lang="ru-RU" sz="900" b="0" i="0" u="none" strike="noStrike" kern="1200" cap="none" spc="0" normalizeH="0" baseline="0" noProof="0" dirty="0">
-                          <a:ln>
-                            <a:noFill/>
-                          </a:ln>
-                          <a:solidFill>
-                            <a:prstClr val="black"/>
-                          </a:solidFill>
-                          <a:effectLst/>
-                          <a:uLnTx/>
-                          <a:uFillTx/>
-                          <a:latin typeface="Montserrat Light" pitchFamily="2" charset="0"/>
-                          <a:ea typeface="Roboto" panose="02000000000000000000" pitchFamily="2" charset="0"/>
-                          <a:cs typeface="Roboto" panose="02000000000000000000" pitchFamily="2" charset="0"/>
-                        </a:rPr>
-                        <a:t>%) </a:t>
-                      </a:r>
-                      <a:endParaRPr kumimoji="0" lang="ru-RU" sz="1100" b="0" i="0" u="none" strike="noStrike" kern="1200" cap="none" spc="0" normalizeH="0" baseline="0" noProof="0" dirty="0">
-                        <a:ln>
-                          <a:noFill/>
-                        </a:ln>
-                        <a:solidFill>
-                          <a:prstClr val="black"/>
-                        </a:solidFill>
-                        <a:effectLst/>
-                        <a:uLnTx/>
-                        <a:uFillTx/>
-                        <a:latin typeface="Montserrat Light" pitchFamily="2" charset="0"/>
-                        <a:ea typeface="Roboto" panose="02000000000000000000" pitchFamily="2" charset="0"/>
-                        <a:cs typeface="Roboto" panose="02000000000000000000" pitchFamily="2" charset="0"/>
-                      </a:endParaRPr>
+                      <a:pPr algn="ctr"/>
+                      <a:r>
+                        <a:rPr sz="1100" b="1">
+                          <a:latin typeface="Montserrat SemiBold"/>
+                        </a:rPr>
+                        <a:t>-20</a:t>
+                      </a:r>
+                    </a:p>
+                    <a:p>
+                      <a:pPr algn="ctr"/>
+                      <a:r>
+                        <a:rPr sz="900">
+                          <a:latin typeface="Montserrat Light"/>
+                        </a:rPr>
+                        <a:t>(1.35%)</a:t>
+                      </a:r>
                     </a:p>
                   </a:txBody>
                   <a:tcPr marL="0" marR="0" marT="54000" anchor="ctr">
@@ -21315,7 +22493,7 @@
                       <a:tailEnd type="none" w="med" len="med"/>
                     </a:lnB>
                     <a:solidFill>
-                      <a:schemeClr val="accent5"/>
+                      <a:srgbClr val="FFE6E7"/>
                     </a:solidFill>
                   </a:tcPr>
                 </a:tc>
@@ -21324,172 +22502,22 @@
                     <a:bodyPr/>
                     <a:lstStyle/>
                     <a:p>
-                      <a:pPr marL="0" marR="0" lvl="0" indent="0" algn="ctr" defTabSz="476220" rtl="0" eaLnBrk="1" fontAlgn="auto" latinLnBrk="0" hangingPunct="1">
-                        <a:lnSpc>
-                          <a:spcPct val="100000"/>
-                        </a:lnSpc>
-                        <a:spcBef>
-                          <a:spcPts val="0"/>
-                        </a:spcBef>
-                        <a:spcAft>
-                          <a:spcPts val="0"/>
-                        </a:spcAft>
-                        <a:buClrTx/>
-                        <a:buSzTx/>
-                        <a:buFontTx/>
-                        <a:buNone/>
-                        <a:tabLst/>
-                        <a:defRPr/>
-                      </a:pPr>
-                      <a:r>
-                        <a:rPr kumimoji="0" lang="ru-RU" sz="1100" b="1" i="0" u="none" strike="noStrike" kern="1200" cap="none" spc="0" normalizeH="0" baseline="0" noProof="0" dirty="0">
-                          <a:ln>
-                            <a:noFill/>
-                          </a:ln>
-                          <a:solidFill>
-                            <a:prstClr val="black"/>
-                          </a:solidFill>
-                          <a:effectLst/>
-                          <a:uLnTx/>
-                          <a:uFillTx/>
-                          <a:latin typeface="Montserrat SemiBold" pitchFamily="2" charset="0"/>
-                          <a:ea typeface="Roboto" panose="02000000000000000000" pitchFamily="2" charset="0"/>
-                          <a:cs typeface="Roboto" panose="02000000000000000000" pitchFamily="2" charset="0"/>
-                        </a:rPr>
-                        <a:t>- </a:t>
-                      </a:r>
-                      <a:r>
-                        <a:rPr kumimoji="0" lang="en-US" sz="1100" b="1" i="0" u="none" strike="noStrike" kern="1200" cap="none" spc="0" normalizeH="0" baseline="0" noProof="0" dirty="0">
-                          <a:ln>
-                            <a:noFill/>
-                          </a:ln>
-                          <a:solidFill>
-                            <a:prstClr val="black"/>
-                          </a:solidFill>
-                          <a:effectLst/>
-                          <a:uLnTx/>
-                          <a:uFillTx/>
-                          <a:latin typeface="Montserrat SemiBold" pitchFamily="2" charset="0"/>
-                          <a:ea typeface="Roboto" panose="02000000000000000000" pitchFamily="2" charset="0"/>
-                          <a:cs typeface="Roboto" panose="02000000000000000000" pitchFamily="2" charset="0"/>
-                        </a:rPr>
-                        <a:t>140</a:t>
-                      </a:r>
-                      <a:br>
-                        <a:rPr kumimoji="0" lang="en-US" sz="1100" b="1" i="0" u="none" strike="noStrike" kern="1200" cap="none" spc="0" normalizeH="0" baseline="0" noProof="0" dirty="0">
-                          <a:ln>
-                            <a:noFill/>
-                          </a:ln>
-                          <a:solidFill>
-                            <a:prstClr val="black"/>
-                          </a:solidFill>
-                          <a:effectLst/>
-                          <a:uLnTx/>
-                          <a:uFillTx/>
-                          <a:latin typeface="Montserrat SemiBold" pitchFamily="2" charset="0"/>
-                          <a:ea typeface="Roboto" panose="02000000000000000000" pitchFamily="2" charset="0"/>
-                          <a:cs typeface="Roboto" panose="02000000000000000000" pitchFamily="2" charset="0"/>
-                        </a:rPr>
-                      </a:br>
-                      <a:r>
-                        <a:rPr kumimoji="0" lang="ru-RU" sz="900" b="0" i="0" u="none" strike="noStrike" kern="1200" cap="none" spc="0" normalizeH="0" baseline="0" noProof="0" dirty="0">
-                          <a:ln>
-                            <a:noFill/>
-                          </a:ln>
-                          <a:solidFill>
-                            <a:prstClr val="black"/>
-                          </a:solidFill>
-                          <a:effectLst/>
-                          <a:uLnTx/>
-                          <a:uFillTx/>
-                          <a:latin typeface="Montserrat Light" pitchFamily="2" charset="0"/>
-                          <a:ea typeface="Roboto" panose="02000000000000000000" pitchFamily="2" charset="0"/>
-                          <a:cs typeface="Roboto" panose="02000000000000000000" pitchFamily="2" charset="0"/>
-                        </a:rPr>
-                        <a:t>(</a:t>
-                      </a:r>
-                      <a:r>
-                        <a:rPr kumimoji="0" lang="en-US" sz="900" b="0" i="0" u="none" strike="noStrike" kern="1200" cap="none" spc="0" normalizeH="0" baseline="0" noProof="0" dirty="0">
-                          <a:ln>
-                            <a:noFill/>
-                          </a:ln>
-                          <a:solidFill>
-                            <a:prstClr val="black"/>
-                          </a:solidFill>
-                          <a:effectLst/>
-                          <a:uLnTx/>
-                          <a:uFillTx/>
-                          <a:latin typeface="Montserrat Light" pitchFamily="2" charset="0"/>
-                          <a:ea typeface="Roboto" panose="02000000000000000000" pitchFamily="2" charset="0"/>
-                          <a:cs typeface="Roboto" panose="02000000000000000000" pitchFamily="2" charset="0"/>
-                        </a:rPr>
-                        <a:t>9</a:t>
-                      </a:r>
-                      <a:r>
-                        <a:rPr kumimoji="0" lang="ru-RU" sz="900" b="0" i="0" u="none" strike="noStrike" kern="1200" cap="none" spc="0" normalizeH="0" baseline="0" noProof="0" dirty="0">
-                          <a:ln>
-                            <a:noFill/>
-                          </a:ln>
-                          <a:solidFill>
-                            <a:prstClr val="black"/>
-                          </a:solidFill>
-                          <a:effectLst/>
-                          <a:uLnTx/>
-                          <a:uFillTx/>
-                          <a:latin typeface="Montserrat Light" pitchFamily="2" charset="0"/>
-                          <a:ea typeface="Roboto" panose="02000000000000000000" pitchFamily="2" charset="0"/>
-                          <a:cs typeface="Roboto" panose="02000000000000000000" pitchFamily="2" charset="0"/>
-                        </a:rPr>
-                        <a:t>,</a:t>
-                      </a:r>
-                      <a:r>
-                        <a:rPr kumimoji="0" lang="en-US" sz="900" b="0" i="0" u="none" strike="noStrike" kern="1200" cap="none" spc="0" normalizeH="0" baseline="0" noProof="0" dirty="0">
-                          <a:ln>
-                            <a:noFill/>
-                          </a:ln>
-                          <a:solidFill>
-                            <a:prstClr val="black"/>
-                          </a:solidFill>
-                          <a:effectLst/>
-                          <a:uLnTx/>
-                          <a:uFillTx/>
-                          <a:latin typeface="Montserrat Light" pitchFamily="2" charset="0"/>
-                          <a:ea typeface="Roboto" panose="02000000000000000000" pitchFamily="2" charset="0"/>
-                          <a:cs typeface="Roboto" panose="02000000000000000000" pitchFamily="2" charset="0"/>
-                        </a:rPr>
-                        <a:t>3</a:t>
-                      </a:r>
-                      <a:r>
-                        <a:rPr kumimoji="0" lang="ru-RU" sz="900" b="0" i="0" u="none" strike="noStrike" kern="1200" cap="none" spc="0" normalizeH="0" baseline="0" noProof="0" dirty="0">
-                          <a:ln>
-                            <a:noFill/>
-                          </a:ln>
-                          <a:solidFill>
-                            <a:prstClr val="black"/>
-                          </a:solidFill>
-                          <a:effectLst/>
-                          <a:uLnTx/>
-                          <a:uFillTx/>
-                          <a:latin typeface="Montserrat Light" pitchFamily="2" charset="0"/>
-                          <a:ea typeface="Roboto" panose="02000000000000000000" pitchFamily="2" charset="0"/>
-                          <a:cs typeface="Roboto" panose="02000000000000000000" pitchFamily="2" charset="0"/>
-                        </a:rPr>
-                        <a:t>%) </a:t>
-                      </a:r>
-                      <a:endParaRPr kumimoji="0" lang="ru-RU" sz="1100" b="0" i="0" u="none" strike="noStrike" kern="1200" cap="none" spc="0" normalizeH="0" baseline="0" noProof="0" dirty="0">
-                        <a:ln>
-                          <a:noFill/>
-                        </a:ln>
-                        <a:solidFill>
-                          <a:prstClr val="black"/>
-                        </a:solidFill>
-                        <a:effectLst/>
-                        <a:uLnTx/>
-                        <a:uFillTx/>
-                        <a:latin typeface="Montserrat Light" pitchFamily="2" charset="0"/>
-                        <a:ea typeface="Roboto" panose="02000000000000000000" pitchFamily="2" charset="0"/>
-                        <a:cs typeface="Roboto" panose="02000000000000000000" pitchFamily="2" charset="0"/>
-                      </a:endParaRPr>
+                      <a:pPr algn="ctr"/>
+                      <a:r>
+                        <a:rPr sz="1100" b="1">
+                          <a:latin typeface="Montserrat SemiBold"/>
+                        </a:rPr>
+                        <a:t>-90</a:t>
+                      </a:r>
+                    </a:p>
+                    <a:p>
+                      <a:pPr algn="ctr"/>
+                      <a:r>
+                        <a:rPr sz="900">
+                          <a:latin typeface="Montserrat Light"/>
+                        </a:rPr>
+                        <a:t>(5.79%)</a:t>
+                      </a:r>
                     </a:p>
                   </a:txBody>
                   <a:tcPr marL="0" marR="0" marT="54000" anchor="ctr">
@@ -21530,7 +22558,7 @@
                       <a:tailEnd type="none" w="med" len="med"/>
                     </a:lnB>
                     <a:solidFill>
-                      <a:schemeClr val="accent5"/>
+                      <a:srgbClr val="FFE6E7"/>
                     </a:solidFill>
                   </a:tcPr>
                 </a:tc>
@@ -21642,40 +22670,25 @@
                     <a:p>
                       <a:pPr algn="ctr"/>
                       <a:r>
-                        <a:rPr lang="ru-RU" sz="1100" b="1" dirty="0">
+                        <a:rPr sz="1100" b="1">
                           <a:solidFill>
                             <a:srgbClr val="4D4D4D"/>
                           </a:solidFill>
-                          <a:latin typeface="Montserrat" pitchFamily="2" charset="0"/>
-                          <a:ea typeface="Roboto" panose="02000000000000000000" pitchFamily="2" charset="0"/>
-                          <a:cs typeface="Roboto" panose="02000000000000000000" pitchFamily="2" charset="0"/>
-                        </a:rPr>
-                        <a:t> 1 813</a:t>
+                          <a:latin typeface="Montserrat"/>
+                        </a:rPr>
+                        <a:t>1844</a:t>
                       </a:r>
                     </a:p>
                     <a:p>
                       <a:pPr algn="ctr"/>
                       <a:r>
-                        <a:rPr lang="en-US" sz="900" dirty="0">
+                        <a:rPr sz="900">
                           <a:solidFill>
                             <a:srgbClr val="999999"/>
                           </a:solidFill>
-                          <a:latin typeface="Montserrat" pitchFamily="2" charset="0"/>
-                          <a:ea typeface="Roboto" panose="02000000000000000000" pitchFamily="2" charset="0"/>
-                          <a:cs typeface="Roboto" panose="02000000000000000000" pitchFamily="2" charset="0"/>
-                        </a:rPr>
-                        <a:t>USD/</a:t>
-                      </a:r>
-                      <a:r>
-                        <a:rPr lang="ru-RU" sz="900" dirty="0">
-                          <a:solidFill>
-                            <a:srgbClr val="999999"/>
-                          </a:solidFill>
-                          <a:latin typeface="Montserrat" pitchFamily="2" charset="0"/>
-                          <a:ea typeface="Roboto" panose="02000000000000000000" pitchFamily="2" charset="0"/>
-                          <a:cs typeface="Roboto" panose="02000000000000000000" pitchFamily="2" charset="0"/>
-                        </a:rPr>
-                        <a:t>т</a:t>
+                          <a:latin typeface="Montserrat"/>
+                        </a:rPr>
+                        <a:t>USD/т</a:t>
                       </a:r>
                     </a:p>
                   </a:txBody>
@@ -21724,54 +22737,13 @@
                     <a:bodyPr/>
                     <a:lstStyle/>
                     <a:p>
-                      <a:pPr marL="0" marR="0" lvl="0" indent="0" algn="ctr" defTabSz="476220" rtl="0" eaLnBrk="1" fontAlgn="auto" latinLnBrk="0" hangingPunct="1">
-                        <a:lnSpc>
-                          <a:spcPts val="1400"/>
-                        </a:lnSpc>
-                        <a:spcBef>
-                          <a:spcPts val="0"/>
-                        </a:spcBef>
-                        <a:spcAft>
-                          <a:spcPts val="0"/>
-                        </a:spcAft>
-                        <a:buClrTx/>
-                        <a:buSzTx/>
-                        <a:buFontTx/>
-                        <a:buNone/>
-                        <a:tabLst/>
-                        <a:defRPr/>
-                      </a:pPr>
-                      <a:r>
-                        <a:rPr kumimoji="0" lang="ru-RU" sz="1100" b="1" i="0" u="none" strike="noStrike" kern="1200" cap="none" spc="0" normalizeH="0" baseline="0" noProof="0" dirty="0">
-                          <a:ln>
-                            <a:noFill/>
-                          </a:ln>
-                          <a:solidFill>
-                            <a:srgbClr val="4D4D4D"/>
-                          </a:solidFill>
-                          <a:effectLst/>
-                          <a:uLnTx/>
-                          <a:uFillTx/>
-                          <a:latin typeface="Montserrat SemiBold" pitchFamily="2" charset="0"/>
-                          <a:ea typeface="Roboto" panose="02000000000000000000" pitchFamily="2" charset="0"/>
-                          <a:cs typeface="Roboto" panose="02000000000000000000" pitchFamily="2" charset="0"/>
+                      <a:pPr algn="ctr"/>
+                      <a:r>
+                        <a:rPr sz="1100" b="1">
+                          <a:latin typeface="Montserrat SemiBold"/>
                         </a:rPr>
                         <a:t>-</a:t>
                       </a:r>
-                      <a:endParaRPr kumimoji="0" lang="ru-RU" sz="1100" b="0" i="0" u="none" strike="noStrike" kern="1200" cap="none" spc="0" normalizeH="0" baseline="0" noProof="0" dirty="0">
-                        <a:ln>
-                          <a:noFill/>
-                        </a:ln>
-                        <a:solidFill>
-                          <a:prstClr val="black"/>
-                        </a:solidFill>
-                        <a:effectLst/>
-                        <a:uLnTx/>
-                        <a:uFillTx/>
-                        <a:latin typeface="Montserrat Light" pitchFamily="2" charset="0"/>
-                        <a:ea typeface="Roboto" panose="02000000000000000000" pitchFamily="2" charset="0"/>
-                        <a:cs typeface="Roboto" panose="02000000000000000000" pitchFamily="2" charset="0"/>
-                      </a:endParaRPr>
                     </a:p>
                   </a:txBody>
                   <a:tcPr marL="0" marR="0" marT="54000" anchor="ctr">
@@ -21811,136 +22783,8 @@
                       <a:headEnd type="none" w="med" len="med"/>
                       <a:tailEnd type="none" w="med" len="med"/>
                     </a:lnB>
-                    <a:noFill/>
-                  </a:tcPr>
-                </a:tc>
-                <a:tc>
-                  <a:txBody>
-                    <a:bodyPr/>
-                    <a:lstStyle/>
-                    <a:p>
-                      <a:pPr marL="0" marR="0" lvl="0" indent="0" algn="ctr" defTabSz="476220" rtl="0" eaLnBrk="1" fontAlgn="auto" latinLnBrk="0" hangingPunct="1">
-                        <a:lnSpc>
-                          <a:spcPct val="100000"/>
-                        </a:lnSpc>
-                        <a:spcBef>
-                          <a:spcPts val="0"/>
-                        </a:spcBef>
-                        <a:spcAft>
-                          <a:spcPts val="0"/>
-                        </a:spcAft>
-                        <a:buClrTx/>
-                        <a:buSzTx/>
-                        <a:buFontTx/>
-                        <a:buNone/>
-                        <a:tabLst/>
-                        <a:defRPr/>
-                      </a:pPr>
-                      <a:r>
-                        <a:rPr kumimoji="0" lang="ru-RU" sz="1100" b="1" i="0" u="none" strike="noStrike" kern="1200" cap="none" spc="0" normalizeH="0" baseline="0" noProof="0" dirty="0">
-                          <a:ln>
-                            <a:noFill/>
-                          </a:ln>
-                          <a:solidFill>
-                            <a:prstClr val="black"/>
-                          </a:solidFill>
-                          <a:effectLst/>
-                          <a:uLnTx/>
-                          <a:uFillTx/>
-                          <a:latin typeface="Montserrat SemiBold" pitchFamily="2" charset="0"/>
-                          <a:ea typeface="Roboto" panose="02000000000000000000" pitchFamily="2" charset="0"/>
-                          <a:cs typeface="Roboto" panose="02000000000000000000" pitchFamily="2" charset="0"/>
-                        </a:rPr>
-                        <a:t>+ 25</a:t>
-                      </a:r>
-                      <a:br>
-                        <a:rPr kumimoji="0" lang="en-US" sz="1100" b="1" i="0" u="none" strike="noStrike" kern="1200" cap="none" spc="0" normalizeH="0" baseline="0" noProof="0" dirty="0">
-                          <a:ln>
-                            <a:noFill/>
-                          </a:ln>
-                          <a:solidFill>
-                            <a:prstClr val="black"/>
-                          </a:solidFill>
-                          <a:effectLst/>
-                          <a:uLnTx/>
-                          <a:uFillTx/>
-                          <a:latin typeface="Montserrat SemiBold" pitchFamily="2" charset="0"/>
-                          <a:ea typeface="Roboto" panose="02000000000000000000" pitchFamily="2" charset="0"/>
-                          <a:cs typeface="Roboto" panose="02000000000000000000" pitchFamily="2" charset="0"/>
-                        </a:rPr>
-                      </a:br>
-                      <a:r>
-                        <a:rPr kumimoji="0" lang="ru-RU" sz="900" b="0" i="0" u="none" strike="noStrike" kern="1200" cap="none" spc="0" normalizeH="0" baseline="0" noProof="0" dirty="0">
-                          <a:ln>
-                            <a:noFill/>
-                          </a:ln>
-                          <a:solidFill>
-                            <a:prstClr val="black"/>
-                          </a:solidFill>
-                          <a:effectLst/>
-                          <a:uLnTx/>
-                          <a:uFillTx/>
-                          <a:latin typeface="Montserrat Light" pitchFamily="2" charset="0"/>
-                          <a:ea typeface="Roboto" panose="02000000000000000000" pitchFamily="2" charset="0"/>
-                          <a:cs typeface="Roboto" panose="02000000000000000000" pitchFamily="2" charset="0"/>
-                        </a:rPr>
-                        <a:t>(1,4%) </a:t>
-                      </a:r>
-                      <a:endParaRPr kumimoji="0" lang="ru-RU" sz="1100" b="0" i="0" u="none" strike="noStrike" kern="1200" cap="none" spc="0" normalizeH="0" baseline="0" noProof="0" dirty="0">
-                        <a:ln>
-                          <a:noFill/>
-                        </a:ln>
-                        <a:solidFill>
-                          <a:prstClr val="black"/>
-                        </a:solidFill>
-                        <a:effectLst/>
-                        <a:uLnTx/>
-                        <a:uFillTx/>
-                        <a:latin typeface="Montserrat Light" pitchFamily="2" charset="0"/>
-                        <a:ea typeface="Roboto" panose="02000000000000000000" pitchFamily="2" charset="0"/>
-                        <a:cs typeface="Roboto" panose="02000000000000000000" pitchFamily="2" charset="0"/>
-                      </a:endParaRPr>
-                    </a:p>
-                  </a:txBody>
-                  <a:tcPr marL="0" marR="0" marT="54000" anchor="ctr">
-                    <a:lnL w="12700" cap="flat" cmpd="sng" algn="ctr">
-                      <a:solidFill>
-                        <a:srgbClr val="E6E6E6"/>
-                      </a:solidFill>
-                      <a:prstDash val="solid"/>
-                      <a:round/>
-                      <a:headEnd type="none" w="med" len="med"/>
-                      <a:tailEnd type="none" w="med" len="med"/>
-                    </a:lnL>
-                    <a:lnR w="12700" cap="flat" cmpd="sng" algn="ctr">
-                      <a:solidFill>
-                        <a:srgbClr val="E6E6E6"/>
-                      </a:solidFill>
-                      <a:prstDash val="solid"/>
-                      <a:round/>
-                      <a:headEnd type="none" w="med" len="med"/>
-                      <a:tailEnd type="none" w="med" len="med"/>
-                    </a:lnR>
-                    <a:lnT w="12700" cap="flat" cmpd="sng" algn="ctr">
-                      <a:solidFill>
-                        <a:srgbClr val="E6E6E6"/>
-                      </a:solidFill>
-                      <a:prstDash val="solid"/>
-                      <a:round/>
-                      <a:headEnd type="none" w="med" len="med"/>
-                      <a:tailEnd type="none" w="med" len="med"/>
-                    </a:lnT>
-                    <a:lnB w="12700" cap="flat" cmpd="sng" algn="ctr">
-                      <a:solidFill>
-                        <a:srgbClr val="E6E6E6"/>
-                      </a:solidFill>
-                      <a:prstDash val="solid"/>
-                      <a:round/>
-                      <a:headEnd type="none" w="med" len="med"/>
-                      <a:tailEnd type="none" w="med" len="med"/>
-                    </a:lnB>
                     <a:solidFill>
-                      <a:schemeClr val="accent4"/>
+                      <a:srgbClr val="FFFFFF"/>
                     </a:solidFill>
                   </a:tcPr>
                 </a:tc>
@@ -21949,87 +22793,22 @@
                     <a:bodyPr/>
                     <a:lstStyle/>
                     <a:p>
-                      <a:pPr marL="0" marR="0" lvl="0" indent="0" algn="ctr" defTabSz="476220" rtl="0" eaLnBrk="1" fontAlgn="auto" latinLnBrk="0" hangingPunct="1">
-                        <a:lnSpc>
-                          <a:spcPct val="100000"/>
-                        </a:lnSpc>
-                        <a:spcBef>
-                          <a:spcPts val="0"/>
-                        </a:spcBef>
-                        <a:spcAft>
-                          <a:spcPts val="0"/>
-                        </a:spcAft>
-                        <a:buClrTx/>
-                        <a:buSzTx/>
-                        <a:buFontTx/>
-                        <a:buNone/>
-                        <a:tabLst/>
-                        <a:defRPr/>
-                      </a:pPr>
-                      <a:r>
-                        <a:rPr kumimoji="0" lang="ru-RU" sz="1100" b="1" i="0" u="none" strike="noStrike" kern="1200" cap="none" spc="0" normalizeH="0" baseline="0" noProof="0" dirty="0">
-                          <a:ln>
-                            <a:noFill/>
-                          </a:ln>
-                          <a:solidFill>
-                            <a:prstClr val="black"/>
-                          </a:solidFill>
-                          <a:effectLst/>
-                          <a:uLnTx/>
-                          <a:uFillTx/>
-                          <a:latin typeface="Montserrat SemiBold" pitchFamily="2" charset="0"/>
-                          <a:ea typeface="Roboto" panose="02000000000000000000" pitchFamily="2" charset="0"/>
-                          <a:cs typeface="Roboto" panose="02000000000000000000" pitchFamily="2" charset="0"/>
-                        </a:rPr>
-                        <a:t>- 135</a:t>
-                      </a:r>
-                      <a:br>
-                        <a:rPr kumimoji="0" lang="en-US" sz="1100" b="1" i="0" u="none" strike="noStrike" kern="1200" cap="none" spc="0" normalizeH="0" baseline="0" noProof="0" dirty="0">
-                          <a:ln>
-                            <a:noFill/>
-                          </a:ln>
-                          <a:solidFill>
-                            <a:prstClr val="black"/>
-                          </a:solidFill>
-                          <a:effectLst/>
-                          <a:uLnTx/>
-                          <a:uFillTx/>
-                          <a:latin typeface="Montserrat SemiBold" pitchFamily="2" charset="0"/>
-                          <a:ea typeface="Roboto" panose="02000000000000000000" pitchFamily="2" charset="0"/>
-                          <a:cs typeface="Roboto" panose="02000000000000000000" pitchFamily="2" charset="0"/>
-                        </a:rPr>
-                      </a:br>
-                      <a:r>
-                        <a:rPr kumimoji="0" lang="ru-RU" sz="900" b="0" i="0" u="none" strike="noStrike" kern="1200" cap="none" spc="0" normalizeH="0" baseline="0" noProof="0" dirty="0">
-                          <a:ln>
-                            <a:noFill/>
-                          </a:ln>
-                          <a:solidFill>
-                            <a:prstClr val="black"/>
-                          </a:solidFill>
-                          <a:effectLst/>
-                          <a:uLnTx/>
-                          <a:uFillTx/>
-                          <a:latin typeface="Montserrat Light" pitchFamily="2" charset="0"/>
-                          <a:ea typeface="Roboto" panose="02000000000000000000" pitchFamily="2" charset="0"/>
-                          <a:cs typeface="Roboto" panose="02000000000000000000" pitchFamily="2" charset="0"/>
-                        </a:rPr>
-                        <a:t>(6,9%) </a:t>
-                      </a:r>
-                      <a:endParaRPr kumimoji="0" lang="ru-RU" sz="1100" b="0" i="0" u="none" strike="noStrike" kern="1200" cap="none" spc="0" normalizeH="0" baseline="0" noProof="0" dirty="0">
-                        <a:ln>
-                          <a:noFill/>
-                        </a:ln>
-                        <a:solidFill>
-                          <a:prstClr val="black"/>
-                        </a:solidFill>
-                        <a:effectLst/>
-                        <a:uLnTx/>
-                        <a:uFillTx/>
-                        <a:latin typeface="Montserrat Light" pitchFamily="2" charset="0"/>
-                        <a:ea typeface="Roboto" panose="02000000000000000000" pitchFamily="2" charset="0"/>
-                        <a:cs typeface="Roboto" panose="02000000000000000000" pitchFamily="2" charset="0"/>
-                      </a:endParaRPr>
+                      <a:pPr algn="ctr"/>
+                      <a:r>
+                        <a:rPr sz="1100" b="1">
+                          <a:latin typeface="Montserrat SemiBold"/>
+                        </a:rPr>
+                        <a:t>-89</a:t>
+                      </a:r>
+                    </a:p>
+                    <a:p>
+                      <a:pPr algn="ctr"/>
+                      <a:r>
+                        <a:rPr sz="900">
+                          <a:latin typeface="Montserrat Light"/>
+                        </a:rPr>
+                        <a:t>(4.6%)</a:t>
+                      </a:r>
                     </a:p>
                   </a:txBody>
                   <a:tcPr marL="0" marR="0" marT="54000" anchor="ctr">
@@ -22070,7 +22849,72 @@
                       <a:tailEnd type="none" w="med" len="med"/>
                     </a:lnB>
                     <a:solidFill>
-                      <a:schemeClr val="accent5"/>
+                      <a:srgbClr val="FFE6E7"/>
+                    </a:solidFill>
+                  </a:tcPr>
+                </a:tc>
+                <a:tc>
+                  <a:txBody>
+                    <a:bodyPr/>
+                    <a:lstStyle/>
+                    <a:p>
+                      <a:pPr algn="ctr"/>
+                      <a:r>
+                        <a:rPr sz="1100" b="1">
+                          <a:latin typeface="Montserrat SemiBold"/>
+                        </a:rPr>
+                        <a:t>-232</a:t>
+                      </a:r>
+                    </a:p>
+                    <a:p>
+                      <a:pPr algn="ctr"/>
+                      <a:r>
+                        <a:rPr sz="900">
+                          <a:latin typeface="Montserrat Light"/>
+                        </a:rPr>
+                        <a:t>(11.18%)</a:t>
+                      </a:r>
+                    </a:p>
+                  </a:txBody>
+                  <a:tcPr marL="0" marR="0" marT="54000" anchor="ctr">
+                    <a:lnL w="12700" cap="flat" cmpd="sng" algn="ctr">
+                      <a:solidFill>
+                        <a:srgbClr val="E6E6E6"/>
+                      </a:solidFill>
+                      <a:prstDash val="solid"/>
+                      <a:round/>
+                      <a:headEnd type="none" w="med" len="med"/>
+                      <a:tailEnd type="none" w="med" len="med"/>
+                    </a:lnL>
+                    <a:lnR w="12700" cap="flat" cmpd="sng" algn="ctr">
+                      <a:solidFill>
+                        <a:srgbClr val="E6E6E6"/>
+                      </a:solidFill>
+                      <a:prstDash val="solid"/>
+                      <a:round/>
+                      <a:headEnd type="none" w="med" len="med"/>
+                      <a:tailEnd type="none" w="med" len="med"/>
+                    </a:lnR>
+                    <a:lnT w="12700" cap="flat" cmpd="sng" algn="ctr">
+                      <a:solidFill>
+                        <a:srgbClr val="E6E6E6"/>
+                      </a:solidFill>
+                      <a:prstDash val="solid"/>
+                      <a:round/>
+                      <a:headEnd type="none" w="med" len="med"/>
+                      <a:tailEnd type="none" w="med" len="med"/>
+                    </a:lnT>
+                    <a:lnB w="12700" cap="flat" cmpd="sng" algn="ctr">
+                      <a:solidFill>
+                        <a:srgbClr val="E6E6E6"/>
+                      </a:solidFill>
+                      <a:prstDash val="solid"/>
+                      <a:round/>
+                      <a:headEnd type="none" w="med" len="med"/>
+                      <a:tailEnd type="none" w="med" len="med"/>
+                    </a:lnB>
+                    <a:solidFill>
+                      <a:srgbClr val="FFE6E7"/>
                     </a:solidFill>
                   </a:tcPr>
                 </a:tc>
@@ -22182,70 +23026,25 @@
                     <a:p>
                       <a:pPr algn="ctr"/>
                       <a:r>
-                        <a:rPr lang="en-US" sz="1100" b="1" dirty="0">
+                        <a:rPr sz="1100" b="1">
                           <a:solidFill>
                             <a:srgbClr val="4D4D4D"/>
                           </a:solidFill>
-                          <a:latin typeface="Montserrat" pitchFamily="2" charset="0"/>
-                          <a:ea typeface="Roboto" panose="02000000000000000000" pitchFamily="2" charset="0"/>
-                          <a:cs typeface="Roboto" panose="02000000000000000000" pitchFamily="2" charset="0"/>
-                        </a:rPr>
-                        <a:t>2 </a:t>
-                      </a:r>
-                      <a:r>
-                        <a:rPr lang="ru-RU" sz="1100" b="1" dirty="0">
-                          <a:solidFill>
-                            <a:srgbClr val="4D4D4D"/>
-                          </a:solidFill>
-                          <a:latin typeface="Montserrat" pitchFamily="2" charset="0"/>
-                          <a:ea typeface="Roboto" panose="02000000000000000000" pitchFamily="2" charset="0"/>
-                          <a:cs typeface="Roboto" panose="02000000000000000000" pitchFamily="2" charset="0"/>
-                        </a:rPr>
-                        <a:t>5</a:t>
-                      </a:r>
-                      <a:r>
-                        <a:rPr lang="en-US" sz="1100" b="1" dirty="0">
-                          <a:solidFill>
-                            <a:srgbClr val="4D4D4D"/>
-                          </a:solidFill>
-                          <a:latin typeface="Montserrat" pitchFamily="2" charset="0"/>
-                          <a:ea typeface="Roboto" panose="02000000000000000000" pitchFamily="2" charset="0"/>
-                          <a:cs typeface="Roboto" panose="02000000000000000000" pitchFamily="2" charset="0"/>
-                        </a:rPr>
-                        <a:t>33</a:t>
-                      </a:r>
-                      <a:endParaRPr lang="ru-RU" sz="1100" b="1" dirty="0">
-                        <a:solidFill>
-                          <a:srgbClr val="4D4D4D"/>
-                        </a:solidFill>
-                        <a:latin typeface="Montserrat" pitchFamily="2" charset="0"/>
-                        <a:ea typeface="Roboto" panose="02000000000000000000" pitchFamily="2" charset="0"/>
-                        <a:cs typeface="Roboto" panose="02000000000000000000" pitchFamily="2" charset="0"/>
-                      </a:endParaRPr>
+                          <a:latin typeface="Montserrat"/>
+                        </a:rPr>
+                        <a:t>2700.0</a:t>
+                      </a:r>
                     </a:p>
                     <a:p>
                       <a:pPr algn="ctr"/>
                       <a:r>
-                        <a:rPr lang="en-US" sz="900" dirty="0">
+                        <a:rPr sz="900">
                           <a:solidFill>
                             <a:srgbClr val="999999"/>
                           </a:solidFill>
-                          <a:latin typeface="Montserrat" pitchFamily="2" charset="0"/>
-                          <a:ea typeface="Roboto" panose="02000000000000000000" pitchFamily="2" charset="0"/>
-                          <a:cs typeface="Roboto" panose="02000000000000000000" pitchFamily="2" charset="0"/>
-                        </a:rPr>
-                        <a:t>USD/</a:t>
-                      </a:r>
-                      <a:r>
-                        <a:rPr lang="ru-RU" sz="900" dirty="0">
-                          <a:solidFill>
-                            <a:srgbClr val="999999"/>
-                          </a:solidFill>
-                          <a:latin typeface="Montserrat" pitchFamily="2" charset="0"/>
-                          <a:ea typeface="Roboto" panose="02000000000000000000" pitchFamily="2" charset="0"/>
-                          <a:cs typeface="Roboto" panose="02000000000000000000" pitchFamily="2" charset="0"/>
-                        </a:rPr>
-                        <a:t>т</a:t>
+                          <a:latin typeface="Montserrat"/>
+                        </a:rPr>
+                        <a:t>USD/т</a:t>
                       </a:r>
                     </a:p>
                   </a:txBody>
@@ -22294,54 +23093,13 @@
                     <a:bodyPr/>
                     <a:lstStyle/>
                     <a:p>
-                      <a:pPr marL="0" marR="0" lvl="0" indent="0" algn="ctr" defTabSz="476220" rtl="0" eaLnBrk="1" fontAlgn="auto" latinLnBrk="0" hangingPunct="1">
-                        <a:lnSpc>
-                          <a:spcPts val="1400"/>
-                        </a:lnSpc>
-                        <a:spcBef>
-                          <a:spcPts val="0"/>
-                        </a:spcBef>
-                        <a:spcAft>
-                          <a:spcPts val="0"/>
-                        </a:spcAft>
-                        <a:buClrTx/>
-                        <a:buSzTx/>
-                        <a:buFontTx/>
-                        <a:buNone/>
-                        <a:tabLst/>
-                        <a:defRPr/>
-                      </a:pPr>
-                      <a:r>
-                        <a:rPr kumimoji="0" lang="ru-RU" sz="1100" b="1" i="0" u="none" strike="noStrike" kern="1200" cap="none" spc="0" normalizeH="0" baseline="0" noProof="0" dirty="0">
-                          <a:ln>
-                            <a:noFill/>
-                          </a:ln>
-                          <a:solidFill>
-                            <a:srgbClr val="4D4D4D"/>
-                          </a:solidFill>
-                          <a:effectLst/>
-                          <a:uLnTx/>
-                          <a:uFillTx/>
-                          <a:latin typeface="Montserrat SemiBold" pitchFamily="2" charset="0"/>
-                          <a:ea typeface="Roboto" panose="02000000000000000000" pitchFamily="2" charset="0"/>
-                          <a:cs typeface="Roboto" panose="02000000000000000000" pitchFamily="2" charset="0"/>
+                      <a:pPr algn="ctr"/>
+                      <a:r>
+                        <a:rPr sz="1100" b="1">
+                          <a:latin typeface="Montserrat SemiBold"/>
                         </a:rPr>
                         <a:t>-</a:t>
                       </a:r>
-                      <a:endParaRPr kumimoji="0" lang="ru-RU" sz="1100" b="0" i="0" u="none" strike="noStrike" kern="1200" cap="none" spc="0" normalizeH="0" baseline="0" noProof="0" dirty="0">
-                        <a:ln>
-                          <a:noFill/>
-                        </a:ln>
-                        <a:solidFill>
-                          <a:prstClr val="black"/>
-                        </a:solidFill>
-                        <a:effectLst/>
-                        <a:uLnTx/>
-                        <a:uFillTx/>
-                        <a:latin typeface="Montserrat Light" pitchFamily="2" charset="0"/>
-                        <a:ea typeface="Roboto" panose="02000000000000000000" pitchFamily="2" charset="0"/>
-                        <a:cs typeface="Roboto" panose="02000000000000000000" pitchFamily="2" charset="0"/>
-                      </a:endParaRPr>
                     </a:p>
                   </a:txBody>
                   <a:tcPr marL="0" marR="0" marT="54000" anchor="ctr">
@@ -22381,7 +23139,9 @@
                       <a:headEnd type="none" w="med" len="med"/>
                       <a:tailEnd type="none" w="med" len="med"/>
                     </a:lnB>
-                    <a:noFill/>
+                    <a:solidFill>
+                      <a:srgbClr val="FFFFFF"/>
+                    </a:solidFill>
                   </a:tcPr>
                 </a:tc>
                 <a:tc>
@@ -22389,54 +23149,13 @@
                     <a:bodyPr/>
                     <a:lstStyle/>
                     <a:p>
-                      <a:pPr marL="0" marR="0" lvl="0" indent="0" algn="ctr" defTabSz="476220" rtl="0" eaLnBrk="1" fontAlgn="auto" latinLnBrk="0" hangingPunct="1">
-                        <a:lnSpc>
-                          <a:spcPts val="1400"/>
-                        </a:lnSpc>
-                        <a:spcBef>
-                          <a:spcPts val="0"/>
-                        </a:spcBef>
-                        <a:spcAft>
-                          <a:spcPts val="0"/>
-                        </a:spcAft>
-                        <a:buClrTx/>
-                        <a:buSzTx/>
-                        <a:buFontTx/>
-                        <a:buNone/>
-                        <a:tabLst/>
-                        <a:defRPr/>
-                      </a:pPr>
-                      <a:r>
-                        <a:rPr kumimoji="0" lang="ru-RU" sz="1100" b="1" i="0" u="none" strike="noStrike" kern="1200" cap="none" spc="0" normalizeH="0" baseline="0" noProof="0" dirty="0">
-                          <a:ln>
-                            <a:noFill/>
-                          </a:ln>
-                          <a:solidFill>
-                            <a:srgbClr val="4D4D4D"/>
-                          </a:solidFill>
-                          <a:effectLst/>
-                          <a:uLnTx/>
-                          <a:uFillTx/>
-                          <a:latin typeface="Montserrat SemiBold" pitchFamily="2" charset="0"/>
-                          <a:ea typeface="Roboto" panose="02000000000000000000" pitchFamily="2" charset="0"/>
-                          <a:cs typeface="Roboto" panose="02000000000000000000" pitchFamily="2" charset="0"/>
+                      <a:pPr algn="ctr"/>
+                      <a:r>
+                        <a:rPr sz="1100" b="1">
+                          <a:latin typeface="Montserrat SemiBold"/>
                         </a:rPr>
                         <a:t>-</a:t>
                       </a:r>
-                      <a:endParaRPr kumimoji="0" lang="ru-RU" sz="1100" b="0" i="0" u="none" strike="noStrike" kern="1200" cap="none" spc="0" normalizeH="0" baseline="0" noProof="0" dirty="0">
-                        <a:ln>
-                          <a:noFill/>
-                        </a:ln>
-                        <a:solidFill>
-                          <a:prstClr val="black"/>
-                        </a:solidFill>
-                        <a:effectLst/>
-                        <a:uLnTx/>
-                        <a:uFillTx/>
-                        <a:latin typeface="Montserrat Light" pitchFamily="2" charset="0"/>
-                        <a:ea typeface="Roboto" panose="02000000000000000000" pitchFamily="2" charset="0"/>
-                        <a:cs typeface="Roboto" panose="02000000000000000000" pitchFamily="2" charset="0"/>
-                      </a:endParaRPr>
                     </a:p>
                   </a:txBody>
                   <a:tcPr marL="0" marR="0" marT="54000" anchor="ctr">
@@ -22476,7 +23195,9 @@
                       <a:headEnd type="none" w="med" len="med"/>
                       <a:tailEnd type="none" w="med" len="med"/>
                     </a:lnB>
-                    <a:noFill/>
+                    <a:solidFill>
+                      <a:srgbClr val="FFFFFF"/>
+                    </a:solidFill>
                   </a:tcPr>
                 </a:tc>
                 <a:tc>
@@ -22484,138 +23205,13 @@
                     <a:bodyPr/>
                     <a:lstStyle/>
                     <a:p>
-                      <a:pPr marL="0" marR="0" lvl="0" indent="0" algn="ctr" defTabSz="476220" rtl="0" eaLnBrk="1" fontAlgn="auto" latinLnBrk="0" hangingPunct="1">
-                        <a:lnSpc>
-                          <a:spcPct val="100000"/>
-                        </a:lnSpc>
-                        <a:spcBef>
-                          <a:spcPts val="0"/>
-                        </a:spcBef>
-                        <a:spcAft>
-                          <a:spcPts val="0"/>
-                        </a:spcAft>
-                        <a:buClrTx/>
-                        <a:buSzTx/>
-                        <a:buFontTx/>
-                        <a:buNone/>
-                        <a:tabLst/>
-                        <a:defRPr/>
-                      </a:pPr>
-                      <a:r>
-                        <a:rPr kumimoji="0" lang="ru-RU" sz="1100" b="1" i="0" u="none" strike="noStrike" kern="1200" cap="none" spc="0" normalizeH="0" baseline="0" noProof="0" dirty="0">
-                          <a:ln>
-                            <a:noFill/>
-                          </a:ln>
-                          <a:solidFill>
-                            <a:prstClr val="black"/>
-                          </a:solidFill>
-                          <a:effectLst/>
-                          <a:uLnTx/>
-                          <a:uFillTx/>
-                          <a:latin typeface="Montserrat SemiBold" pitchFamily="2" charset="0"/>
-                          <a:ea typeface="Roboto" panose="02000000000000000000" pitchFamily="2" charset="0"/>
-                          <a:cs typeface="Roboto" panose="02000000000000000000" pitchFamily="2" charset="0"/>
-                        </a:rPr>
-                        <a:t>- 1</a:t>
-                      </a:r>
-                      <a:r>
-                        <a:rPr kumimoji="0" lang="en-US" sz="1100" b="1" i="0" u="none" strike="noStrike" kern="1200" cap="none" spc="0" normalizeH="0" baseline="0" noProof="0" dirty="0">
-                          <a:ln>
-                            <a:noFill/>
-                          </a:ln>
-                          <a:solidFill>
-                            <a:prstClr val="black"/>
-                          </a:solidFill>
-                          <a:effectLst/>
-                          <a:uLnTx/>
-                          <a:uFillTx/>
-                          <a:latin typeface="Montserrat SemiBold" pitchFamily="2" charset="0"/>
-                          <a:ea typeface="Roboto" panose="02000000000000000000" pitchFamily="2" charset="0"/>
-                          <a:cs typeface="Roboto" panose="02000000000000000000" pitchFamily="2" charset="0"/>
-                        </a:rPr>
-                        <a:t>67</a:t>
-                      </a:r>
-                      <a:br>
-                        <a:rPr kumimoji="0" lang="en-US" sz="1100" b="1" i="0" u="none" strike="noStrike" kern="1200" cap="none" spc="0" normalizeH="0" baseline="0" noProof="0" dirty="0">
-                          <a:ln>
-                            <a:noFill/>
-                          </a:ln>
-                          <a:solidFill>
-                            <a:prstClr val="black"/>
-                          </a:solidFill>
-                          <a:effectLst/>
-                          <a:uLnTx/>
-                          <a:uFillTx/>
-                          <a:latin typeface="Montserrat SemiBold" pitchFamily="2" charset="0"/>
-                          <a:ea typeface="Roboto" panose="02000000000000000000" pitchFamily="2" charset="0"/>
-                          <a:cs typeface="Roboto" panose="02000000000000000000" pitchFamily="2" charset="0"/>
-                        </a:rPr>
-                      </a:br>
-                      <a:r>
-                        <a:rPr kumimoji="0" lang="ru-RU" sz="900" b="0" i="0" u="none" strike="noStrike" kern="1200" cap="none" spc="0" normalizeH="0" baseline="0" noProof="0" dirty="0">
-                          <a:ln>
-                            <a:noFill/>
-                          </a:ln>
-                          <a:solidFill>
-                            <a:prstClr val="black"/>
-                          </a:solidFill>
-                          <a:effectLst/>
-                          <a:uLnTx/>
-                          <a:uFillTx/>
-                          <a:latin typeface="Montserrat Light" pitchFamily="2" charset="0"/>
-                          <a:ea typeface="Roboto" panose="02000000000000000000" pitchFamily="2" charset="0"/>
-                          <a:cs typeface="Roboto" panose="02000000000000000000" pitchFamily="2" charset="0"/>
-                        </a:rPr>
-                        <a:t>(</a:t>
-                      </a:r>
-                      <a:r>
-                        <a:rPr kumimoji="0" lang="en-US" sz="900" b="0" i="0" u="none" strike="noStrike" kern="1200" cap="none" spc="0" normalizeH="0" baseline="0" noProof="0" dirty="0">
-                          <a:ln>
-                            <a:noFill/>
-                          </a:ln>
-                          <a:solidFill>
-                            <a:prstClr val="black"/>
-                          </a:solidFill>
-                          <a:effectLst/>
-                          <a:uLnTx/>
-                          <a:uFillTx/>
-                          <a:latin typeface="Montserrat Light" pitchFamily="2" charset="0"/>
-                          <a:ea typeface="Roboto" panose="02000000000000000000" pitchFamily="2" charset="0"/>
-                          <a:cs typeface="Roboto" panose="02000000000000000000" pitchFamily="2" charset="0"/>
-                        </a:rPr>
-                        <a:t>7,2</a:t>
-                      </a:r>
-                      <a:r>
-                        <a:rPr kumimoji="0" lang="ru-RU" sz="900" b="0" i="0" u="none" strike="noStrike" kern="1200" cap="none" spc="0" normalizeH="0" baseline="0" noProof="0" dirty="0">
-                          <a:ln>
-                            <a:noFill/>
-                          </a:ln>
-                          <a:solidFill>
-                            <a:prstClr val="black"/>
-                          </a:solidFill>
-                          <a:effectLst/>
-                          <a:uLnTx/>
-                          <a:uFillTx/>
-                          <a:latin typeface="Montserrat Light" pitchFamily="2" charset="0"/>
-                          <a:ea typeface="Roboto" panose="02000000000000000000" pitchFamily="2" charset="0"/>
-                          <a:cs typeface="Roboto" panose="02000000000000000000" pitchFamily="2" charset="0"/>
-                        </a:rPr>
-                        <a:t>%) </a:t>
-                      </a:r>
-                      <a:endParaRPr kumimoji="0" lang="ru-RU" sz="1100" b="0" i="0" u="none" strike="noStrike" kern="1200" cap="none" spc="0" normalizeH="0" baseline="0" noProof="0" dirty="0">
-                        <a:ln>
-                          <a:noFill/>
-                        </a:ln>
-                        <a:solidFill>
-                          <a:prstClr val="black"/>
-                        </a:solidFill>
-                        <a:effectLst/>
-                        <a:uLnTx/>
-                        <a:uFillTx/>
-                        <a:latin typeface="Montserrat Light" pitchFamily="2" charset="0"/>
-                        <a:ea typeface="Roboto" panose="02000000000000000000" pitchFamily="2" charset="0"/>
-                        <a:cs typeface="Roboto" panose="02000000000000000000" pitchFamily="2" charset="0"/>
-                      </a:endParaRPr>
+                      <a:pPr algn="ctr"/>
+                      <a:r>
+                        <a:rPr sz="1100" b="1">
+                          <a:latin typeface="Montserrat SemiBold"/>
+                        </a:rPr>
+                        <a:t>-</a:t>
+                      </a:r>
                     </a:p>
                   </a:txBody>
                   <a:tcPr marL="0" marR="0" marT="54000" anchor="ctr">
@@ -22656,7 +23252,7 @@
                       <a:tailEnd type="none" w="med" len="med"/>
                     </a:lnB>
                     <a:solidFill>
-                      <a:schemeClr val="accent5"/>
+                      <a:srgbClr val="FFFFFF"/>
                     </a:solidFill>
                   </a:tcPr>
                 </a:tc>
@@ -23120,51 +23716,25 @@
                     <a:p>
                       <a:pPr algn="ctr"/>
                       <a:r>
-                        <a:rPr lang="en-US" sz="1100" b="1" dirty="0">
+                        <a:rPr sz="1100" b="1">
                           <a:solidFill>
                             <a:srgbClr val="4D4D4D"/>
                           </a:solidFill>
-                          <a:latin typeface="Montserrat" pitchFamily="2" charset="0"/>
-                          <a:ea typeface="Roboto" panose="02000000000000000000" pitchFamily="2" charset="0"/>
-                          <a:cs typeface="Roboto" panose="02000000000000000000" pitchFamily="2" charset="0"/>
-                        </a:rPr>
-                        <a:t>6 </a:t>
-                      </a:r>
-                      <a:r>
-                        <a:rPr lang="ru-RU" sz="1100" b="1" dirty="0">
-                          <a:solidFill>
-                            <a:srgbClr val="4D4D4D"/>
-                          </a:solidFill>
-                          <a:latin typeface="Montserrat" pitchFamily="2" charset="0"/>
-                          <a:ea typeface="Roboto" panose="02000000000000000000" pitchFamily="2" charset="0"/>
-                          <a:cs typeface="Roboto" panose="02000000000000000000" pitchFamily="2" charset="0"/>
-                        </a:rPr>
-                        <a:t>575</a:t>
+                          <a:latin typeface="Montserrat"/>
+                        </a:rPr>
+                        <a:t>7550</a:t>
                       </a:r>
                     </a:p>
                     <a:p>
                       <a:pPr algn="ctr"/>
                       <a:r>
-                        <a:rPr lang="en-US" sz="900" dirty="0">
+                        <a:rPr sz="900">
                           <a:solidFill>
                             <a:srgbClr val="999999"/>
                           </a:solidFill>
-                          <a:latin typeface="Montserrat" pitchFamily="2" charset="0"/>
-                          <a:ea typeface="Roboto" panose="02000000000000000000" pitchFamily="2" charset="0"/>
-                          <a:cs typeface="Roboto" panose="02000000000000000000" pitchFamily="2" charset="0"/>
-                        </a:rPr>
-                        <a:t>CNY/</a:t>
-                      </a:r>
-                      <a:r>
-                        <a:rPr lang="ru-RU" sz="900" dirty="0">
-                          <a:solidFill>
-                            <a:srgbClr val="999999"/>
-                          </a:solidFill>
-                          <a:latin typeface="Montserrat" pitchFamily="2" charset="0"/>
-                          <a:ea typeface="Roboto" panose="02000000000000000000" pitchFamily="2" charset="0"/>
-                          <a:cs typeface="Roboto" panose="02000000000000000000" pitchFamily="2" charset="0"/>
-                        </a:rPr>
-                        <a:t>т</a:t>
+                          <a:latin typeface="Montserrat"/>
+                        </a:rPr>
+                        <a:t>CNY/т</a:t>
                       </a:r>
                     </a:p>
                   </a:txBody>
@@ -23211,54 +23781,22 @@
                     <a:bodyPr/>
                     <a:lstStyle/>
                     <a:p>
-                      <a:pPr marL="0" marR="0" lvl="0" indent="0" algn="ctr" defTabSz="476220" rtl="0" eaLnBrk="1" fontAlgn="auto" latinLnBrk="0" hangingPunct="1">
-                        <a:lnSpc>
-                          <a:spcPts val="1400"/>
-                        </a:lnSpc>
-                        <a:spcBef>
-                          <a:spcPts val="0"/>
-                        </a:spcBef>
-                        <a:spcAft>
-                          <a:spcPts val="0"/>
-                        </a:spcAft>
-                        <a:buClrTx/>
-                        <a:buSzTx/>
-                        <a:buFontTx/>
-                        <a:buNone/>
-                        <a:tabLst/>
-                        <a:defRPr/>
-                      </a:pPr>
-                      <a:r>
-                        <a:rPr kumimoji="0" lang="ru-RU" sz="1100" b="1" i="0" u="none" strike="noStrike" kern="1200" cap="none" spc="0" normalizeH="0" baseline="0" noProof="0" dirty="0">
-                          <a:ln>
-                            <a:noFill/>
-                          </a:ln>
-                          <a:solidFill>
-                            <a:srgbClr val="4D4D4D"/>
-                          </a:solidFill>
-                          <a:effectLst/>
-                          <a:uLnTx/>
-                          <a:uFillTx/>
-                          <a:latin typeface="Montserrat SemiBold" pitchFamily="2" charset="0"/>
-                          <a:ea typeface="Roboto" panose="02000000000000000000" pitchFamily="2" charset="0"/>
-                          <a:cs typeface="Roboto" panose="02000000000000000000" pitchFamily="2" charset="0"/>
-                        </a:rPr>
-                        <a:t>-</a:t>
-                      </a:r>
-                      <a:endParaRPr kumimoji="0" lang="ru-RU" sz="1100" b="0" i="0" u="none" strike="noStrike" kern="1200" cap="none" spc="0" normalizeH="0" baseline="0" noProof="0" dirty="0">
-                        <a:ln>
-                          <a:noFill/>
-                        </a:ln>
-                        <a:solidFill>
-                          <a:prstClr val="black"/>
-                        </a:solidFill>
-                        <a:effectLst/>
-                        <a:uLnTx/>
-                        <a:uFillTx/>
-                        <a:latin typeface="Montserrat Light" pitchFamily="2" charset="0"/>
-                        <a:ea typeface="Roboto" panose="02000000000000000000" pitchFamily="2" charset="0"/>
-                        <a:cs typeface="Roboto" panose="02000000000000000000" pitchFamily="2" charset="0"/>
-                      </a:endParaRPr>
+                      <a:pPr algn="ctr"/>
+                      <a:r>
+                        <a:rPr sz="1100" b="1">
+                          <a:latin typeface="Montserrat SemiBold"/>
+                        </a:rPr>
+                        <a:t>-25</a:t>
+                      </a:r>
+                    </a:p>
+                    <a:p>
+                      <a:pPr algn="ctr"/>
+                      <a:r>
+                        <a:rPr sz="900">
+                          <a:latin typeface="Montserrat Light"/>
+                        </a:rPr>
+                        <a:t>(0.37%)</a:t>
+                      </a:r>
                     </a:p>
                   </a:txBody>
                   <a:tcPr marL="0" marR="0" marT="54000" anchor="ctr">
@@ -23296,7 +23834,9 @@
                       <a:headEnd type="none" w="med" len="med"/>
                       <a:tailEnd type="none" w="med" len="med"/>
                     </a:lnB>
-                    <a:noFill/>
+                    <a:solidFill>
+                      <a:srgbClr val="FFE6E7"/>
+                    </a:solidFill>
                   </a:tcPr>
                 </a:tc>
                 <a:tc>
@@ -23304,54 +23844,22 @@
                     <a:bodyPr/>
                     <a:lstStyle/>
                     <a:p>
-                      <a:pPr marL="0" marR="0" lvl="0" indent="0" algn="ctr" defTabSz="476220" rtl="0" eaLnBrk="1" fontAlgn="auto" latinLnBrk="0" hangingPunct="1">
-                        <a:lnSpc>
-                          <a:spcPts val="1400"/>
-                        </a:lnSpc>
-                        <a:spcBef>
-                          <a:spcPts val="0"/>
-                        </a:spcBef>
-                        <a:spcAft>
-                          <a:spcPts val="0"/>
-                        </a:spcAft>
-                        <a:buClrTx/>
-                        <a:buSzTx/>
-                        <a:buFontTx/>
-                        <a:buNone/>
-                        <a:tabLst/>
-                        <a:defRPr/>
-                      </a:pPr>
-                      <a:r>
-                        <a:rPr kumimoji="0" lang="ru-RU" sz="1100" b="1" i="0" u="none" strike="noStrike" kern="1200" cap="none" spc="0" normalizeH="0" baseline="0" noProof="0" dirty="0">
-                          <a:ln>
-                            <a:noFill/>
-                          </a:ln>
-                          <a:solidFill>
-                            <a:srgbClr val="4D4D4D"/>
-                          </a:solidFill>
-                          <a:effectLst/>
-                          <a:uLnTx/>
-                          <a:uFillTx/>
-                          <a:latin typeface="Montserrat SemiBold" pitchFamily="2" charset="0"/>
-                          <a:ea typeface="Roboto" panose="02000000000000000000" pitchFamily="2" charset="0"/>
-                          <a:cs typeface="Roboto" panose="02000000000000000000" pitchFamily="2" charset="0"/>
-                        </a:rPr>
-                        <a:t>-</a:t>
-                      </a:r>
-                      <a:endParaRPr kumimoji="0" lang="ru-RU" sz="1100" b="0" i="0" u="none" strike="noStrike" kern="1200" cap="none" spc="0" normalizeH="0" baseline="0" noProof="0" dirty="0">
-                        <a:ln>
-                          <a:noFill/>
-                        </a:ln>
-                        <a:solidFill>
-                          <a:prstClr val="black"/>
-                        </a:solidFill>
-                        <a:effectLst/>
-                        <a:uLnTx/>
-                        <a:uFillTx/>
-                        <a:latin typeface="Montserrat Light" pitchFamily="2" charset="0"/>
-                        <a:ea typeface="Roboto" panose="02000000000000000000" pitchFamily="2" charset="0"/>
-                        <a:cs typeface="Roboto" panose="02000000000000000000" pitchFamily="2" charset="0"/>
-                      </a:endParaRPr>
+                      <a:pPr algn="ctr"/>
+                      <a:r>
+                        <a:rPr sz="1100" b="1">
+                          <a:latin typeface="Montserrat SemiBold"/>
+                        </a:rPr>
+                        <a:t>-50</a:t>
+                      </a:r>
+                    </a:p>
+                    <a:p>
+                      <a:pPr algn="ctr"/>
+                      <a:r>
+                        <a:rPr sz="900">
+                          <a:latin typeface="Montserrat Light"/>
+                        </a:rPr>
+                        <a:t>(0.75%)</a:t>
+                      </a:r>
                     </a:p>
                   </a:txBody>
                   <a:tcPr marL="0" marR="0" marT="54000" anchor="ctr">
@@ -23389,7 +23897,9 @@
                       <a:headEnd type="none" w="med" len="med"/>
                       <a:tailEnd type="none" w="med" len="med"/>
                     </a:lnB>
-                    <a:noFill/>
+                    <a:solidFill>
+                      <a:srgbClr val="FFE6E7"/>
+                    </a:solidFill>
                   </a:tcPr>
                 </a:tc>
                 <a:tc>
@@ -23397,172 +23907,22 @@
                     <a:bodyPr/>
                     <a:lstStyle/>
                     <a:p>
-                      <a:pPr marL="0" marR="0" lvl="0" indent="0" algn="ctr" defTabSz="476220" rtl="0" eaLnBrk="1" fontAlgn="auto" latinLnBrk="0" hangingPunct="1">
-                        <a:lnSpc>
-                          <a:spcPct val="100000"/>
-                        </a:lnSpc>
-                        <a:spcBef>
-                          <a:spcPts val="0"/>
-                        </a:spcBef>
-                        <a:spcAft>
-                          <a:spcPts val="0"/>
-                        </a:spcAft>
-                        <a:buClrTx/>
-                        <a:buSzTx/>
-                        <a:buFontTx/>
-                        <a:buNone/>
-                        <a:tabLst/>
-                        <a:defRPr/>
-                      </a:pPr>
-                      <a:r>
-                        <a:rPr kumimoji="0" lang="ru-RU" sz="1100" b="1" i="0" u="none" strike="noStrike" kern="1200" cap="none" spc="0" normalizeH="0" baseline="0" noProof="0" dirty="0">
-                          <a:ln>
-                            <a:noFill/>
-                          </a:ln>
-                          <a:solidFill>
-                            <a:prstClr val="black"/>
-                          </a:solidFill>
-                          <a:effectLst/>
-                          <a:uLnTx/>
-                          <a:uFillTx/>
-                          <a:latin typeface="Montserrat SemiBold" pitchFamily="2" charset="0"/>
-                          <a:ea typeface="Roboto" panose="02000000000000000000" pitchFamily="2" charset="0"/>
-                          <a:cs typeface="Roboto" panose="02000000000000000000" pitchFamily="2" charset="0"/>
-                        </a:rPr>
-                        <a:t>- </a:t>
-                      </a:r>
-                      <a:r>
-                        <a:rPr kumimoji="0" lang="en-US" sz="1100" b="1" i="0" u="none" strike="noStrike" kern="1200" cap="none" spc="0" normalizeH="0" baseline="0" noProof="0" dirty="0">
-                          <a:ln>
-                            <a:noFill/>
-                          </a:ln>
-                          <a:solidFill>
-                            <a:prstClr val="black"/>
-                          </a:solidFill>
-                          <a:effectLst/>
-                          <a:uLnTx/>
-                          <a:uFillTx/>
-                          <a:latin typeface="Montserrat SemiBold" pitchFamily="2" charset="0"/>
-                          <a:ea typeface="Roboto" panose="02000000000000000000" pitchFamily="2" charset="0"/>
-                          <a:cs typeface="Roboto" panose="02000000000000000000" pitchFamily="2" charset="0"/>
-                        </a:rPr>
-                        <a:t>250</a:t>
-                      </a:r>
-                      <a:br>
-                        <a:rPr kumimoji="0" lang="en-US" sz="1100" b="1" i="0" u="none" strike="noStrike" kern="1200" cap="none" spc="0" normalizeH="0" baseline="0" noProof="0" dirty="0">
-                          <a:ln>
-                            <a:noFill/>
-                          </a:ln>
-                          <a:solidFill>
-                            <a:prstClr val="black"/>
-                          </a:solidFill>
-                          <a:effectLst/>
-                          <a:uLnTx/>
-                          <a:uFillTx/>
-                          <a:latin typeface="Montserrat SemiBold" pitchFamily="2" charset="0"/>
-                          <a:ea typeface="Roboto" panose="02000000000000000000" pitchFamily="2" charset="0"/>
-                          <a:cs typeface="Roboto" panose="02000000000000000000" pitchFamily="2" charset="0"/>
-                        </a:rPr>
-                      </a:br>
-                      <a:r>
-                        <a:rPr kumimoji="0" lang="ru-RU" sz="900" b="0" i="0" u="none" strike="noStrike" kern="1200" cap="none" spc="0" normalizeH="0" baseline="0" noProof="0" dirty="0">
-                          <a:ln>
-                            <a:noFill/>
-                          </a:ln>
-                          <a:solidFill>
-                            <a:prstClr val="black"/>
-                          </a:solidFill>
-                          <a:effectLst/>
-                          <a:uLnTx/>
-                          <a:uFillTx/>
-                          <a:latin typeface="Montserrat Light" pitchFamily="2" charset="0"/>
-                          <a:ea typeface="Roboto" panose="02000000000000000000" pitchFamily="2" charset="0"/>
-                          <a:cs typeface="Roboto" panose="02000000000000000000" pitchFamily="2" charset="0"/>
-                        </a:rPr>
-                        <a:t>(</a:t>
-                      </a:r>
-                      <a:r>
-                        <a:rPr kumimoji="0" lang="en-US" sz="900" b="0" i="0" u="none" strike="noStrike" kern="1200" cap="none" spc="0" normalizeH="0" baseline="0" noProof="0" dirty="0">
-                          <a:ln>
-                            <a:noFill/>
-                          </a:ln>
-                          <a:solidFill>
-                            <a:prstClr val="black"/>
-                          </a:solidFill>
-                          <a:effectLst/>
-                          <a:uLnTx/>
-                          <a:uFillTx/>
-                          <a:latin typeface="Montserrat Light" pitchFamily="2" charset="0"/>
-                          <a:ea typeface="Roboto" panose="02000000000000000000" pitchFamily="2" charset="0"/>
-                          <a:cs typeface="Roboto" panose="02000000000000000000" pitchFamily="2" charset="0"/>
-                        </a:rPr>
-                        <a:t>3</a:t>
-                      </a:r>
-                      <a:r>
-                        <a:rPr kumimoji="0" lang="ru-RU" sz="900" b="0" i="0" u="none" strike="noStrike" kern="1200" cap="none" spc="0" normalizeH="0" baseline="0" noProof="0" dirty="0">
-                          <a:ln>
-                            <a:noFill/>
-                          </a:ln>
-                          <a:solidFill>
-                            <a:prstClr val="black"/>
-                          </a:solidFill>
-                          <a:effectLst/>
-                          <a:uLnTx/>
-                          <a:uFillTx/>
-                          <a:latin typeface="Montserrat Light" pitchFamily="2" charset="0"/>
-                          <a:ea typeface="Roboto" panose="02000000000000000000" pitchFamily="2" charset="0"/>
-                          <a:cs typeface="Roboto" panose="02000000000000000000" pitchFamily="2" charset="0"/>
-                        </a:rPr>
-                        <a:t>,</a:t>
-                      </a:r>
-                      <a:r>
-                        <a:rPr kumimoji="0" lang="en-US" sz="900" b="0" i="0" u="none" strike="noStrike" kern="1200" cap="none" spc="0" normalizeH="0" baseline="0" noProof="0" dirty="0">
-                          <a:ln>
-                            <a:noFill/>
-                          </a:ln>
-                          <a:solidFill>
-                            <a:prstClr val="black"/>
-                          </a:solidFill>
-                          <a:effectLst/>
-                          <a:uLnTx/>
-                          <a:uFillTx/>
-                          <a:latin typeface="Montserrat Light" pitchFamily="2" charset="0"/>
-                          <a:ea typeface="Roboto" panose="02000000000000000000" pitchFamily="2" charset="0"/>
-                          <a:cs typeface="Roboto" panose="02000000000000000000" pitchFamily="2" charset="0"/>
-                        </a:rPr>
-                        <a:t>7</a:t>
-                      </a:r>
-                      <a:r>
-                        <a:rPr kumimoji="0" lang="ru-RU" sz="900" b="0" i="0" u="none" strike="noStrike" kern="1200" cap="none" spc="0" normalizeH="0" baseline="0" noProof="0" dirty="0">
-                          <a:ln>
-                            <a:noFill/>
-                          </a:ln>
-                          <a:solidFill>
-                            <a:prstClr val="black"/>
-                          </a:solidFill>
-                          <a:effectLst/>
-                          <a:uLnTx/>
-                          <a:uFillTx/>
-                          <a:latin typeface="Montserrat Light" pitchFamily="2" charset="0"/>
-                          <a:ea typeface="Roboto" panose="02000000000000000000" pitchFamily="2" charset="0"/>
-                          <a:cs typeface="Roboto" panose="02000000000000000000" pitchFamily="2" charset="0"/>
-                        </a:rPr>
-                        <a:t>%) </a:t>
-                      </a:r>
-                      <a:endParaRPr kumimoji="0" lang="ru-RU" sz="1100" b="0" i="0" u="none" strike="noStrike" kern="1200" cap="none" spc="0" normalizeH="0" baseline="0" noProof="0" dirty="0">
-                        <a:ln>
-                          <a:noFill/>
-                        </a:ln>
-                        <a:solidFill>
-                          <a:prstClr val="black"/>
-                        </a:solidFill>
-                        <a:effectLst/>
-                        <a:uLnTx/>
-                        <a:uFillTx/>
-                        <a:latin typeface="Montserrat Light" pitchFamily="2" charset="0"/>
-                        <a:ea typeface="Roboto" panose="02000000000000000000" pitchFamily="2" charset="0"/>
-                        <a:cs typeface="Roboto" panose="02000000000000000000" pitchFamily="2" charset="0"/>
-                      </a:endParaRPr>
+                      <a:pPr algn="ctr"/>
+                      <a:r>
+                        <a:rPr sz="1100" b="1">
+                          <a:latin typeface="Montserrat SemiBold"/>
+                        </a:rPr>
+                        <a:t>-375</a:t>
+                      </a:r>
+                    </a:p>
+                    <a:p>
+                      <a:pPr algn="ctr"/>
+                      <a:r>
+                        <a:rPr sz="900">
+                          <a:latin typeface="Montserrat Light"/>
+                        </a:rPr>
+                        <a:t>(5.34%)</a:t>
+                      </a:r>
                     </a:p>
                   </a:txBody>
                   <a:tcPr marL="0" marR="0" marT="54000" anchor="ctr">
@@ -23601,7 +23961,7 @@
                       <a:tailEnd type="none" w="med" len="med"/>
                     </a:lnB>
                     <a:solidFill>
-                      <a:schemeClr val="accent5"/>
+                      <a:srgbClr val="FFE6E7"/>
                     </a:solidFill>
                   </a:tcPr>
                 </a:tc>
@@ -23732,51 +24092,25 @@
                     <a:p>
                       <a:pPr algn="ctr"/>
                       <a:r>
-                        <a:rPr lang="en-US" sz="1100" b="1" dirty="0">
+                        <a:rPr sz="1100" b="1">
                           <a:solidFill>
                             <a:srgbClr val="4D4D4D"/>
                           </a:solidFill>
-                          <a:latin typeface="Montserrat" pitchFamily="2" charset="0"/>
-                          <a:ea typeface="Roboto" panose="02000000000000000000" pitchFamily="2" charset="0"/>
-                          <a:cs typeface="Roboto" panose="02000000000000000000" pitchFamily="2" charset="0"/>
-                        </a:rPr>
-                        <a:t>93</a:t>
-                      </a:r>
-                      <a:r>
-                        <a:rPr lang="ru-RU" sz="1100" b="1" dirty="0">
-                          <a:solidFill>
-                            <a:srgbClr val="4D4D4D"/>
-                          </a:solidFill>
-                          <a:latin typeface="Montserrat" pitchFamily="2" charset="0"/>
-                          <a:ea typeface="Roboto" panose="02000000000000000000" pitchFamily="2" charset="0"/>
-                          <a:cs typeface="Roboto" panose="02000000000000000000" pitchFamily="2" charset="0"/>
-                        </a:rPr>
-                        <a:t>5</a:t>
+                          <a:latin typeface="Montserrat"/>
+                        </a:rPr>
+                        <a:t>975</a:t>
                       </a:r>
                     </a:p>
                     <a:p>
                       <a:pPr algn="ctr"/>
                       <a:r>
-                        <a:rPr lang="en-US" sz="900" dirty="0">
+                        <a:rPr sz="900">
                           <a:solidFill>
                             <a:srgbClr val="999999"/>
                           </a:solidFill>
-                          <a:latin typeface="Montserrat" pitchFamily="2" charset="0"/>
-                          <a:ea typeface="Roboto" panose="02000000000000000000" pitchFamily="2" charset="0"/>
-                          <a:cs typeface="Roboto" panose="02000000000000000000" pitchFamily="2" charset="0"/>
-                        </a:rPr>
-                        <a:t>USD/</a:t>
-                      </a:r>
-                      <a:r>
-                        <a:rPr lang="ru-RU" sz="900" dirty="0">
-                          <a:solidFill>
-                            <a:srgbClr val="999999"/>
-                          </a:solidFill>
-                          <a:latin typeface="Montserrat" pitchFamily="2" charset="0"/>
-                          <a:ea typeface="Roboto" panose="02000000000000000000" pitchFamily="2" charset="0"/>
-                          <a:cs typeface="Roboto" panose="02000000000000000000" pitchFamily="2" charset="0"/>
-                        </a:rPr>
-                        <a:t>т</a:t>
+                          <a:latin typeface="Montserrat"/>
+                        </a:rPr>
+                        <a:t>USD/т</a:t>
                       </a:r>
                     </a:p>
                   </a:txBody>
@@ -23825,54 +24159,13 @@
                     <a:bodyPr/>
                     <a:lstStyle/>
                     <a:p>
-                      <a:pPr marL="0" marR="0" lvl="0" indent="0" algn="ctr" defTabSz="476220" rtl="0" eaLnBrk="1" fontAlgn="auto" latinLnBrk="0" hangingPunct="1">
-                        <a:lnSpc>
-                          <a:spcPts val="1400"/>
-                        </a:lnSpc>
-                        <a:spcBef>
-                          <a:spcPts val="0"/>
-                        </a:spcBef>
-                        <a:spcAft>
-                          <a:spcPts val="0"/>
-                        </a:spcAft>
-                        <a:buClrTx/>
-                        <a:buSzTx/>
-                        <a:buFontTx/>
-                        <a:buNone/>
-                        <a:tabLst/>
-                        <a:defRPr/>
-                      </a:pPr>
-                      <a:r>
-                        <a:rPr kumimoji="0" lang="ru-RU" sz="1100" b="1" i="0" u="none" strike="noStrike" kern="1200" cap="none" spc="0" normalizeH="0" baseline="0" noProof="0" dirty="0">
-                          <a:ln>
-                            <a:noFill/>
-                          </a:ln>
-                          <a:solidFill>
-                            <a:srgbClr val="4D4D4D"/>
-                          </a:solidFill>
-                          <a:effectLst/>
-                          <a:uLnTx/>
-                          <a:uFillTx/>
-                          <a:latin typeface="Montserrat SemiBold" pitchFamily="2" charset="0"/>
-                          <a:ea typeface="Roboto" panose="02000000000000000000" pitchFamily="2" charset="0"/>
-                          <a:cs typeface="Roboto" panose="02000000000000000000" pitchFamily="2" charset="0"/>
+                      <a:pPr algn="ctr"/>
+                      <a:r>
+                        <a:rPr sz="1100" b="1">
+                          <a:latin typeface="Montserrat SemiBold"/>
                         </a:rPr>
                         <a:t>-</a:t>
                       </a:r>
-                      <a:endParaRPr kumimoji="0" lang="ru-RU" sz="1100" b="0" i="0" u="none" strike="noStrike" kern="1200" cap="none" spc="0" normalizeH="0" baseline="0" noProof="0" dirty="0">
-                        <a:ln>
-                          <a:noFill/>
-                        </a:ln>
-                        <a:solidFill>
-                          <a:prstClr val="black"/>
-                        </a:solidFill>
-                        <a:effectLst/>
-                        <a:uLnTx/>
-                        <a:uFillTx/>
-                        <a:latin typeface="Montserrat Light" pitchFamily="2" charset="0"/>
-                        <a:ea typeface="Roboto" panose="02000000000000000000" pitchFamily="2" charset="0"/>
-                        <a:cs typeface="Roboto" panose="02000000000000000000" pitchFamily="2" charset="0"/>
-                      </a:endParaRPr>
                     </a:p>
                   </a:txBody>
                   <a:tcPr marL="0" marR="0" marT="54000" anchor="ctr">
@@ -23912,221 +24205,8 @@
                       <a:headEnd type="none" w="med" len="med"/>
                       <a:tailEnd type="none" w="med" len="med"/>
                     </a:lnB>
-                    <a:noFill/>
-                  </a:tcPr>
-                </a:tc>
-                <a:tc>
-                  <a:txBody>
-                    <a:bodyPr/>
-                    <a:lstStyle/>
-                    <a:p>
-                      <a:pPr marL="0" marR="0" lvl="0" indent="0" algn="ctr" defTabSz="476220" rtl="0" eaLnBrk="1" fontAlgn="auto" latinLnBrk="0" hangingPunct="1">
-                        <a:lnSpc>
-                          <a:spcPct val="100000"/>
-                        </a:lnSpc>
-                        <a:spcBef>
-                          <a:spcPts val="0"/>
-                        </a:spcBef>
-                        <a:spcAft>
-                          <a:spcPts val="0"/>
-                        </a:spcAft>
-                        <a:buClrTx/>
-                        <a:buSzTx/>
-                        <a:buFontTx/>
-                        <a:buNone/>
-                        <a:tabLst/>
-                        <a:defRPr/>
-                      </a:pPr>
-                      <a:r>
-                        <a:rPr kumimoji="0" lang="ru-RU" sz="1100" b="1" i="0" u="none" strike="noStrike" kern="1200" cap="none" spc="0" normalizeH="0" baseline="0" noProof="0" dirty="0">
-                          <a:ln>
-                            <a:noFill/>
-                          </a:ln>
-                          <a:solidFill>
-                            <a:prstClr val="black"/>
-                          </a:solidFill>
-                          <a:effectLst/>
-                          <a:uLnTx/>
-                          <a:uFillTx/>
-                          <a:latin typeface="Montserrat SemiBold" pitchFamily="2" charset="0"/>
-                          <a:ea typeface="Roboto" panose="02000000000000000000" pitchFamily="2" charset="0"/>
-                          <a:cs typeface="Roboto" panose="02000000000000000000" pitchFamily="2" charset="0"/>
-                        </a:rPr>
-                        <a:t>- </a:t>
-                      </a:r>
-                      <a:r>
-                        <a:rPr kumimoji="0" lang="en-US" sz="1100" b="1" i="0" u="none" strike="noStrike" kern="1200" cap="none" spc="0" normalizeH="0" baseline="0" noProof="0" dirty="0">
-                          <a:ln>
-                            <a:noFill/>
-                          </a:ln>
-                          <a:solidFill>
-                            <a:prstClr val="black"/>
-                          </a:solidFill>
-                          <a:effectLst/>
-                          <a:uLnTx/>
-                          <a:uFillTx/>
-                          <a:latin typeface="Montserrat SemiBold" pitchFamily="2" charset="0"/>
-                          <a:ea typeface="Roboto" panose="02000000000000000000" pitchFamily="2" charset="0"/>
-                          <a:cs typeface="Roboto" panose="02000000000000000000" pitchFamily="2" charset="0"/>
-                        </a:rPr>
-                        <a:t>15</a:t>
-                      </a:r>
-                      <a:br>
-                        <a:rPr kumimoji="0" lang="en-US" sz="1100" b="1" i="0" u="none" strike="noStrike" kern="1200" cap="none" spc="0" normalizeH="0" baseline="0" noProof="0" dirty="0">
-                          <a:ln>
-                            <a:noFill/>
-                          </a:ln>
-                          <a:solidFill>
-                            <a:prstClr val="black"/>
-                          </a:solidFill>
-                          <a:effectLst/>
-                          <a:uLnTx/>
-                          <a:uFillTx/>
-                          <a:latin typeface="Montserrat SemiBold" pitchFamily="2" charset="0"/>
-                          <a:ea typeface="Roboto" panose="02000000000000000000" pitchFamily="2" charset="0"/>
-                          <a:cs typeface="Roboto" panose="02000000000000000000" pitchFamily="2" charset="0"/>
-                        </a:rPr>
-                      </a:br>
-                      <a:r>
-                        <a:rPr kumimoji="0" lang="ru-RU" sz="900" b="0" i="0" u="none" strike="noStrike" kern="1200" cap="none" spc="0" normalizeH="0" baseline="0" noProof="0" dirty="0">
-                          <a:ln>
-                            <a:noFill/>
-                          </a:ln>
-                          <a:solidFill>
-                            <a:prstClr val="black"/>
-                          </a:solidFill>
-                          <a:effectLst/>
-                          <a:uLnTx/>
-                          <a:uFillTx/>
-                          <a:latin typeface="Montserrat Light" pitchFamily="2" charset="0"/>
-                          <a:ea typeface="Roboto" panose="02000000000000000000" pitchFamily="2" charset="0"/>
-                          <a:cs typeface="Roboto" panose="02000000000000000000" pitchFamily="2" charset="0"/>
-                        </a:rPr>
-                        <a:t>(</a:t>
-                      </a:r>
-                      <a:r>
-                        <a:rPr kumimoji="0" lang="en-US" sz="900" b="0" i="0" u="none" strike="noStrike" kern="1200" cap="none" spc="0" normalizeH="0" baseline="0" noProof="0" dirty="0">
-                          <a:ln>
-                            <a:noFill/>
-                          </a:ln>
-                          <a:solidFill>
-                            <a:prstClr val="black"/>
-                          </a:solidFill>
-                          <a:effectLst/>
-                          <a:uLnTx/>
-                          <a:uFillTx/>
-                          <a:latin typeface="Montserrat Light" pitchFamily="2" charset="0"/>
-                          <a:ea typeface="Roboto" panose="02000000000000000000" pitchFamily="2" charset="0"/>
-                          <a:cs typeface="Roboto" panose="02000000000000000000" pitchFamily="2" charset="0"/>
-                        </a:rPr>
-                        <a:t>1</a:t>
-                      </a:r>
-                      <a:r>
-                        <a:rPr kumimoji="0" lang="ru-RU" sz="900" b="0" i="0" u="none" strike="noStrike" kern="1200" cap="none" spc="0" normalizeH="0" baseline="0" noProof="0" dirty="0">
-                          <a:ln>
-                            <a:noFill/>
-                          </a:ln>
-                          <a:solidFill>
-                            <a:prstClr val="black"/>
-                          </a:solidFill>
-                          <a:effectLst/>
-                          <a:uLnTx/>
-                          <a:uFillTx/>
-                          <a:latin typeface="Montserrat Light" pitchFamily="2" charset="0"/>
-                          <a:ea typeface="Roboto" panose="02000000000000000000" pitchFamily="2" charset="0"/>
-                          <a:cs typeface="Roboto" panose="02000000000000000000" pitchFamily="2" charset="0"/>
-                        </a:rPr>
-                        <a:t>,</a:t>
-                      </a:r>
-                      <a:r>
-                        <a:rPr kumimoji="0" lang="en-US" sz="900" b="0" i="0" u="none" strike="noStrike" kern="1200" cap="none" spc="0" normalizeH="0" baseline="0" noProof="0" dirty="0">
-                          <a:ln>
-                            <a:noFill/>
-                          </a:ln>
-                          <a:solidFill>
-                            <a:prstClr val="black"/>
-                          </a:solidFill>
-                          <a:effectLst/>
-                          <a:uLnTx/>
-                          <a:uFillTx/>
-                          <a:latin typeface="Montserrat Light" pitchFamily="2" charset="0"/>
-                          <a:ea typeface="Roboto" panose="02000000000000000000" pitchFamily="2" charset="0"/>
-                          <a:cs typeface="Roboto" panose="02000000000000000000" pitchFamily="2" charset="0"/>
-                        </a:rPr>
-                        <a:t>6</a:t>
-                      </a:r>
-                      <a:r>
-                        <a:rPr kumimoji="0" lang="ru-RU" sz="900" b="0" i="0" u="none" strike="noStrike" kern="1200" cap="none" spc="0" normalizeH="0" baseline="0" noProof="0" dirty="0">
-                          <a:ln>
-                            <a:noFill/>
-                          </a:ln>
-                          <a:solidFill>
-                            <a:prstClr val="black"/>
-                          </a:solidFill>
-                          <a:effectLst/>
-                          <a:uLnTx/>
-                          <a:uFillTx/>
-                          <a:latin typeface="Montserrat Light" pitchFamily="2" charset="0"/>
-                          <a:ea typeface="Roboto" panose="02000000000000000000" pitchFamily="2" charset="0"/>
-                          <a:cs typeface="Roboto" panose="02000000000000000000" pitchFamily="2" charset="0"/>
-                        </a:rPr>
-                        <a:t>%) </a:t>
-                      </a:r>
-                      <a:endParaRPr kumimoji="0" lang="ru-RU" sz="1100" b="0" i="0" u="none" strike="noStrike" kern="1200" cap="none" spc="0" normalizeH="0" baseline="0" noProof="0" dirty="0">
-                        <a:ln>
-                          <a:noFill/>
-                        </a:ln>
-                        <a:solidFill>
-                          <a:prstClr val="black"/>
-                        </a:solidFill>
-                        <a:effectLst/>
-                        <a:uLnTx/>
-                        <a:uFillTx/>
-                        <a:latin typeface="Montserrat Light" pitchFamily="2" charset="0"/>
-                        <a:ea typeface="Roboto" panose="02000000000000000000" pitchFamily="2" charset="0"/>
-                        <a:cs typeface="Roboto" panose="02000000000000000000" pitchFamily="2" charset="0"/>
-                      </a:endParaRPr>
-                    </a:p>
-                  </a:txBody>
-                  <a:tcPr marL="0" marR="0" marT="54000" anchor="ctr">
-                    <a:lnL w="12700" cap="flat" cmpd="sng" algn="ctr">
-                      <a:solidFill>
-                        <a:srgbClr val="E6E6E6"/>
-                      </a:solidFill>
-                      <a:prstDash val="solid"/>
-                      <a:round/>
-                      <a:headEnd type="none" w="med" len="med"/>
-                      <a:tailEnd type="none" w="med" len="med"/>
-                    </a:lnL>
-                    <a:lnR w="12700" cap="flat" cmpd="sng" algn="ctr">
-                      <a:solidFill>
-                        <a:srgbClr val="E6E6E6"/>
-                      </a:solidFill>
-                      <a:prstDash val="solid"/>
-                      <a:round/>
-                      <a:headEnd type="none" w="med" len="med"/>
-                      <a:tailEnd type="none" w="med" len="med"/>
-                    </a:lnR>
-                    <a:lnT w="12700" cap="flat" cmpd="sng" algn="ctr">
-                      <a:solidFill>
-                        <a:srgbClr val="E6E6E6"/>
-                      </a:solidFill>
-                      <a:prstDash val="solid"/>
-                      <a:round/>
-                      <a:headEnd type="none" w="med" len="med"/>
-                      <a:tailEnd type="none" w="med" len="med"/>
-                    </a:lnT>
-                    <a:lnB w="12700" cap="flat" cmpd="sng" algn="ctr">
-                      <a:solidFill>
-                        <a:srgbClr val="E6E6E6"/>
-                      </a:solidFill>
-                      <a:prstDash val="solid"/>
-                      <a:round/>
-                      <a:headEnd type="none" w="med" len="med"/>
-                      <a:tailEnd type="none" w="med" len="med"/>
-                    </a:lnB>
                     <a:solidFill>
-                      <a:schemeClr val="accent5"/>
+                      <a:srgbClr val="FFFFFF"/>
                     </a:solidFill>
                   </a:tcPr>
                 </a:tc>
@@ -24135,138 +24215,13 @@
                     <a:bodyPr/>
                     <a:lstStyle/>
                     <a:p>
-                      <a:pPr marL="0" marR="0" lvl="0" indent="0" algn="ctr" defTabSz="476220" rtl="0" eaLnBrk="1" fontAlgn="auto" latinLnBrk="0" hangingPunct="1">
-                        <a:lnSpc>
-                          <a:spcPct val="100000"/>
-                        </a:lnSpc>
-                        <a:spcBef>
-                          <a:spcPts val="0"/>
-                        </a:spcBef>
-                        <a:spcAft>
-                          <a:spcPts val="0"/>
-                        </a:spcAft>
-                        <a:buClrTx/>
-                        <a:buSzTx/>
-                        <a:buFontTx/>
-                        <a:buNone/>
-                        <a:tabLst/>
-                        <a:defRPr/>
-                      </a:pPr>
-                      <a:r>
-                        <a:rPr kumimoji="0" lang="ru-RU" sz="1100" b="1" i="0" u="none" strike="noStrike" kern="1200" cap="none" spc="0" normalizeH="0" baseline="0" noProof="0" dirty="0">
-                          <a:ln>
-                            <a:noFill/>
-                          </a:ln>
-                          <a:solidFill>
-                            <a:prstClr val="black"/>
-                          </a:solidFill>
-                          <a:effectLst/>
-                          <a:uLnTx/>
-                          <a:uFillTx/>
-                          <a:latin typeface="Montserrat SemiBold" pitchFamily="2" charset="0"/>
-                          <a:ea typeface="Roboto" panose="02000000000000000000" pitchFamily="2" charset="0"/>
-                          <a:cs typeface="Roboto" panose="02000000000000000000" pitchFamily="2" charset="0"/>
-                        </a:rPr>
-                        <a:t>- </a:t>
-                      </a:r>
-                      <a:r>
-                        <a:rPr kumimoji="0" lang="en-US" sz="1100" b="1" i="0" u="none" strike="noStrike" kern="1200" cap="none" spc="0" normalizeH="0" baseline="0" noProof="0" dirty="0">
-                          <a:ln>
-                            <a:noFill/>
-                          </a:ln>
-                          <a:solidFill>
-                            <a:prstClr val="black"/>
-                          </a:solidFill>
-                          <a:effectLst/>
-                          <a:uLnTx/>
-                          <a:uFillTx/>
-                          <a:latin typeface="Montserrat SemiBold" pitchFamily="2" charset="0"/>
-                          <a:ea typeface="Roboto" panose="02000000000000000000" pitchFamily="2" charset="0"/>
-                          <a:cs typeface="Roboto" panose="02000000000000000000" pitchFamily="2" charset="0"/>
-                        </a:rPr>
-                        <a:t>60</a:t>
-                      </a:r>
-                      <a:br>
-                        <a:rPr kumimoji="0" lang="en-US" sz="1100" b="1" i="0" u="none" strike="noStrike" kern="1200" cap="none" spc="0" normalizeH="0" baseline="0" noProof="0" dirty="0">
-                          <a:ln>
-                            <a:noFill/>
-                          </a:ln>
-                          <a:solidFill>
-                            <a:prstClr val="black"/>
-                          </a:solidFill>
-                          <a:effectLst/>
-                          <a:uLnTx/>
-                          <a:uFillTx/>
-                          <a:latin typeface="Montserrat SemiBold" pitchFamily="2" charset="0"/>
-                          <a:ea typeface="Roboto" panose="02000000000000000000" pitchFamily="2" charset="0"/>
-                          <a:cs typeface="Roboto" panose="02000000000000000000" pitchFamily="2" charset="0"/>
-                        </a:rPr>
-                      </a:br>
-                      <a:r>
-                        <a:rPr kumimoji="0" lang="ru-RU" sz="900" b="0" i="0" u="none" strike="noStrike" kern="1200" cap="none" spc="0" normalizeH="0" baseline="0" noProof="0" dirty="0">
-                          <a:ln>
-                            <a:noFill/>
-                          </a:ln>
-                          <a:solidFill>
-                            <a:prstClr val="black"/>
-                          </a:solidFill>
-                          <a:effectLst/>
-                          <a:uLnTx/>
-                          <a:uFillTx/>
-                          <a:latin typeface="Montserrat Light" pitchFamily="2" charset="0"/>
-                          <a:ea typeface="Roboto" panose="02000000000000000000" pitchFamily="2" charset="0"/>
-                          <a:cs typeface="Roboto" panose="02000000000000000000" pitchFamily="2" charset="0"/>
-                        </a:rPr>
-                        <a:t>(</a:t>
-                      </a:r>
-                      <a:r>
-                        <a:rPr kumimoji="0" lang="en-US" sz="900" b="0" i="0" u="none" strike="noStrike" kern="1200" cap="none" spc="0" normalizeH="0" baseline="0" noProof="0" dirty="0">
-                          <a:ln>
-                            <a:noFill/>
-                          </a:ln>
-                          <a:solidFill>
-                            <a:prstClr val="black"/>
-                          </a:solidFill>
-                          <a:effectLst/>
-                          <a:uLnTx/>
-                          <a:uFillTx/>
-                          <a:latin typeface="Montserrat Light" pitchFamily="2" charset="0"/>
-                          <a:ea typeface="Roboto" panose="02000000000000000000" pitchFamily="2" charset="0"/>
-                          <a:cs typeface="Roboto" panose="02000000000000000000" pitchFamily="2" charset="0"/>
-                        </a:rPr>
-                        <a:t>6</a:t>
-                      </a:r>
-                      <a:r>
-                        <a:rPr kumimoji="0" lang="ru-RU" sz="900" b="0" i="0" u="none" strike="noStrike" kern="1200" cap="none" spc="0" normalizeH="0" baseline="0" noProof="0" dirty="0">
-                          <a:ln>
-                            <a:noFill/>
-                          </a:ln>
-                          <a:solidFill>
-                            <a:prstClr val="black"/>
-                          </a:solidFill>
-                          <a:effectLst/>
-                          <a:uLnTx/>
-                          <a:uFillTx/>
-                          <a:latin typeface="Montserrat Light" pitchFamily="2" charset="0"/>
-                          <a:ea typeface="Roboto" panose="02000000000000000000" pitchFamily="2" charset="0"/>
-                          <a:cs typeface="Roboto" panose="02000000000000000000" pitchFamily="2" charset="0"/>
-                        </a:rPr>
-                        <a:t>,0%) </a:t>
-                      </a:r>
-                      <a:endParaRPr kumimoji="0" lang="ru-RU" sz="1100" b="0" i="0" u="none" strike="noStrike" kern="1200" cap="none" spc="0" normalizeH="0" baseline="0" noProof="0" dirty="0">
-                        <a:ln>
-                          <a:noFill/>
-                        </a:ln>
-                        <a:solidFill>
-                          <a:prstClr val="black"/>
-                        </a:solidFill>
-                        <a:effectLst/>
-                        <a:uLnTx/>
-                        <a:uFillTx/>
-                        <a:latin typeface="Montserrat Light" pitchFamily="2" charset="0"/>
-                        <a:ea typeface="Roboto" panose="02000000000000000000" pitchFamily="2" charset="0"/>
-                        <a:cs typeface="Roboto" panose="02000000000000000000" pitchFamily="2" charset="0"/>
-                      </a:endParaRPr>
+                      <a:pPr algn="ctr"/>
+                      <a:r>
+                        <a:rPr sz="1100" b="1">
+                          <a:latin typeface="Montserrat SemiBold"/>
+                        </a:rPr>
+                        <a:t>-</a:t>
+                      </a:r>
                     </a:p>
                   </a:txBody>
                   <a:tcPr marL="0" marR="0" marT="54000" anchor="ctr">
@@ -24307,7 +24262,72 @@
                       <a:tailEnd type="none" w="med" len="med"/>
                     </a:lnB>
                     <a:solidFill>
-                      <a:schemeClr val="accent5"/>
+                      <a:srgbClr val="FFFFFF"/>
+                    </a:solidFill>
+                  </a:tcPr>
+                </a:tc>
+                <a:tc>
+                  <a:txBody>
+                    <a:bodyPr/>
+                    <a:lstStyle/>
+                    <a:p>
+                      <a:pPr algn="ctr"/>
+                      <a:r>
+                        <a:rPr sz="1100" b="1">
+                          <a:latin typeface="Montserrat SemiBold"/>
+                        </a:rPr>
+                        <a:t>-40</a:t>
+                      </a:r>
+                    </a:p>
+                    <a:p>
+                      <a:pPr algn="ctr"/>
+                      <a:r>
+                        <a:rPr sz="900">
+                          <a:latin typeface="Montserrat Light"/>
+                        </a:rPr>
+                        <a:t>(3.94%)</a:t>
+                      </a:r>
+                    </a:p>
+                  </a:txBody>
+                  <a:tcPr marL="0" marR="0" marT="54000" anchor="ctr">
+                    <a:lnL w="12700" cap="flat" cmpd="sng" algn="ctr">
+                      <a:solidFill>
+                        <a:srgbClr val="E6E6E6"/>
+                      </a:solidFill>
+                      <a:prstDash val="solid"/>
+                      <a:round/>
+                      <a:headEnd type="none" w="med" len="med"/>
+                      <a:tailEnd type="none" w="med" len="med"/>
+                    </a:lnL>
+                    <a:lnR w="12700" cap="flat" cmpd="sng" algn="ctr">
+                      <a:solidFill>
+                        <a:srgbClr val="E6E6E6"/>
+                      </a:solidFill>
+                      <a:prstDash val="solid"/>
+                      <a:round/>
+                      <a:headEnd type="none" w="med" len="med"/>
+                      <a:tailEnd type="none" w="med" len="med"/>
+                    </a:lnR>
+                    <a:lnT w="12700" cap="flat" cmpd="sng" algn="ctr">
+                      <a:solidFill>
+                        <a:srgbClr val="E6E6E6"/>
+                      </a:solidFill>
+                      <a:prstDash val="solid"/>
+                      <a:round/>
+                      <a:headEnd type="none" w="med" len="med"/>
+                      <a:tailEnd type="none" w="med" len="med"/>
+                    </a:lnT>
+                    <a:lnB w="12700" cap="flat" cmpd="sng" algn="ctr">
+                      <a:solidFill>
+                        <a:srgbClr val="E6E6E6"/>
+                      </a:solidFill>
+                      <a:prstDash val="solid"/>
+                      <a:round/>
+                      <a:headEnd type="none" w="med" len="med"/>
+                      <a:tailEnd type="none" w="med" len="med"/>
+                    </a:lnB>
+                    <a:solidFill>
+                      <a:srgbClr val="FFE6E7"/>
                     </a:solidFill>
                   </a:tcPr>
                 </a:tc>
@@ -24416,62 +24436,25 @@
                     <a:p>
                       <a:pPr algn="ctr"/>
                       <a:r>
-                        <a:rPr lang="ru-RU" sz="1100" b="1" dirty="0">
+                        <a:rPr sz="1100" b="1">
                           <a:solidFill>
                             <a:srgbClr val="4D4D4D"/>
                           </a:solidFill>
-                          <a:latin typeface="Montserrat" pitchFamily="2" charset="0"/>
-                          <a:ea typeface="Roboto" panose="02000000000000000000" pitchFamily="2" charset="0"/>
-                          <a:cs typeface="Roboto" panose="02000000000000000000" pitchFamily="2" charset="0"/>
-                        </a:rPr>
-                        <a:t>1 </a:t>
-                      </a:r>
-                      <a:r>
-                        <a:rPr lang="en-US" sz="1100" b="1" dirty="0">
-                          <a:solidFill>
-                            <a:srgbClr val="4D4D4D"/>
-                          </a:solidFill>
-                          <a:latin typeface="Montserrat" pitchFamily="2" charset="0"/>
-                          <a:ea typeface="Roboto" panose="02000000000000000000" pitchFamily="2" charset="0"/>
-                          <a:cs typeface="Roboto" panose="02000000000000000000" pitchFamily="2" charset="0"/>
-                        </a:rPr>
-                        <a:t>4</a:t>
-                      </a:r>
-                      <a:r>
-                        <a:rPr lang="ru-RU" sz="1100" b="1" dirty="0">
-                          <a:solidFill>
-                            <a:srgbClr val="4D4D4D"/>
-                          </a:solidFill>
-                          <a:latin typeface="Montserrat" pitchFamily="2" charset="0"/>
-                          <a:ea typeface="Roboto" panose="02000000000000000000" pitchFamily="2" charset="0"/>
-                          <a:cs typeface="Roboto" panose="02000000000000000000" pitchFamily="2" charset="0"/>
-                        </a:rPr>
-                        <a:t>78</a:t>
+                          <a:latin typeface="Montserrat"/>
+                        </a:rPr>
+                        <a:t>1455.56</a:t>
                       </a:r>
                     </a:p>
                     <a:p>
                       <a:pPr algn="ctr"/>
                       <a:r>
-                        <a:rPr lang="en-US" sz="900" dirty="0">
+                        <a:rPr sz="900">
                           <a:solidFill>
                             <a:srgbClr val="999999"/>
                           </a:solidFill>
-                          <a:latin typeface="Montserrat" pitchFamily="2" charset="0"/>
-                          <a:ea typeface="Roboto" panose="02000000000000000000" pitchFamily="2" charset="0"/>
-                          <a:cs typeface="Roboto" panose="02000000000000000000" pitchFamily="2" charset="0"/>
-                        </a:rPr>
-                        <a:t>USD/</a:t>
-                      </a:r>
-                      <a:r>
-                        <a:rPr lang="ru-RU" sz="900" dirty="0">
-                          <a:solidFill>
-                            <a:srgbClr val="999999"/>
-                          </a:solidFill>
-                          <a:latin typeface="Montserrat" pitchFamily="2" charset="0"/>
-                          <a:ea typeface="Roboto" panose="02000000000000000000" pitchFamily="2" charset="0"/>
-                          <a:cs typeface="Roboto" panose="02000000000000000000" pitchFamily="2" charset="0"/>
-                        </a:rPr>
-                        <a:t>т</a:t>
+                          <a:latin typeface="Montserrat"/>
+                        </a:rPr>
+                        <a:t>USD/т</a:t>
                       </a:r>
                     </a:p>
                   </a:txBody>
@@ -24519,54 +24502,13 @@
                     <a:bodyPr/>
                     <a:lstStyle/>
                     <a:p>
-                      <a:pPr marL="0" marR="0" lvl="0" indent="0" algn="ctr" defTabSz="476220" rtl="0" eaLnBrk="1" fontAlgn="auto" latinLnBrk="0" hangingPunct="1">
-                        <a:lnSpc>
-                          <a:spcPts val="1400"/>
-                        </a:lnSpc>
-                        <a:spcBef>
-                          <a:spcPts val="0"/>
-                        </a:spcBef>
-                        <a:spcAft>
-                          <a:spcPts val="0"/>
-                        </a:spcAft>
-                        <a:buClrTx/>
-                        <a:buSzTx/>
-                        <a:buFontTx/>
-                        <a:buNone/>
-                        <a:tabLst/>
-                        <a:defRPr/>
-                      </a:pPr>
-                      <a:r>
-                        <a:rPr kumimoji="0" lang="ru-RU" sz="1100" b="1" i="0" u="none" strike="noStrike" kern="1200" cap="none" spc="0" normalizeH="0" baseline="0" noProof="0">
-                          <a:ln>
-                            <a:noFill/>
-                          </a:ln>
-                          <a:solidFill>
-                            <a:srgbClr val="4D4D4D"/>
-                          </a:solidFill>
-                          <a:effectLst/>
-                          <a:uLnTx/>
-                          <a:uFillTx/>
-                          <a:latin typeface="Montserrat SemiBold" pitchFamily="2" charset="0"/>
-                          <a:ea typeface="Roboto" panose="02000000000000000000" pitchFamily="2" charset="0"/>
-                          <a:cs typeface="Roboto" panose="02000000000000000000" pitchFamily="2" charset="0"/>
+                      <a:pPr algn="ctr"/>
+                      <a:r>
+                        <a:rPr sz="1100" b="1">
+                          <a:latin typeface="Montserrat SemiBold"/>
                         </a:rPr>
                         <a:t>-</a:t>
                       </a:r>
-                      <a:endParaRPr kumimoji="0" lang="ru-RU" sz="1100" b="0" i="0" u="none" strike="noStrike" kern="1200" cap="none" spc="0" normalizeH="0" baseline="0" noProof="0" dirty="0">
-                        <a:ln>
-                          <a:noFill/>
-                        </a:ln>
-                        <a:solidFill>
-                          <a:prstClr val="black"/>
-                        </a:solidFill>
-                        <a:effectLst/>
-                        <a:uLnTx/>
-                        <a:uFillTx/>
-                        <a:latin typeface="Montserrat Light" pitchFamily="2" charset="0"/>
-                        <a:ea typeface="Roboto" panose="02000000000000000000" pitchFamily="2" charset="0"/>
-                        <a:cs typeface="Roboto" panose="02000000000000000000" pitchFamily="2" charset="0"/>
-                      </a:endParaRPr>
                     </a:p>
                   </a:txBody>
                   <a:tcPr marL="0" marR="0" marT="54000" anchor="ctr">
@@ -24606,7 +24548,9 @@
                       <a:headEnd type="none" w="med" len="med"/>
                       <a:tailEnd type="none" w="med" len="med"/>
                     </a:lnB>
-                    <a:noFill/>
+                    <a:solidFill>
+                      <a:srgbClr val="FFFFFF"/>
+                    </a:solidFill>
                   </a:tcPr>
                 </a:tc>
                 <a:tc>
@@ -24614,54 +24558,22 @@
                     <a:bodyPr/>
                     <a:lstStyle/>
                     <a:p>
-                      <a:pPr marL="0" marR="0" lvl="0" indent="0" algn="ctr" defTabSz="476220" rtl="0" eaLnBrk="1" fontAlgn="auto" latinLnBrk="0" hangingPunct="1">
-                        <a:lnSpc>
-                          <a:spcPts val="1400"/>
-                        </a:lnSpc>
-                        <a:spcBef>
-                          <a:spcPts val="0"/>
-                        </a:spcBef>
-                        <a:spcAft>
-                          <a:spcPts val="0"/>
-                        </a:spcAft>
-                        <a:buClrTx/>
-                        <a:buSzTx/>
-                        <a:buFontTx/>
-                        <a:buNone/>
-                        <a:tabLst/>
-                        <a:defRPr/>
-                      </a:pPr>
-                      <a:r>
-                        <a:rPr kumimoji="0" lang="ru-RU" sz="1100" b="1" i="0" u="none" strike="noStrike" kern="1200" cap="none" spc="0" normalizeH="0" baseline="0" noProof="0" dirty="0">
-                          <a:ln>
-                            <a:noFill/>
-                          </a:ln>
-                          <a:solidFill>
-                            <a:srgbClr val="4D4D4D"/>
-                          </a:solidFill>
-                          <a:effectLst/>
-                          <a:uLnTx/>
-                          <a:uFillTx/>
-                          <a:latin typeface="Montserrat SemiBold" pitchFamily="2" charset="0"/>
-                          <a:ea typeface="Roboto" panose="02000000000000000000" pitchFamily="2" charset="0"/>
-                          <a:cs typeface="Roboto" panose="02000000000000000000" pitchFamily="2" charset="0"/>
-                        </a:rPr>
-                        <a:t>-</a:t>
-                      </a:r>
-                      <a:endParaRPr kumimoji="0" lang="ru-RU" sz="1100" b="0" i="0" u="none" strike="noStrike" kern="1200" cap="none" spc="0" normalizeH="0" baseline="0" noProof="0" dirty="0">
-                        <a:ln>
-                          <a:noFill/>
-                        </a:ln>
-                        <a:solidFill>
-                          <a:prstClr val="black"/>
-                        </a:solidFill>
-                        <a:effectLst/>
-                        <a:uLnTx/>
-                        <a:uFillTx/>
-                        <a:latin typeface="Montserrat Light" pitchFamily="2" charset="0"/>
-                        <a:ea typeface="Roboto" panose="02000000000000000000" pitchFamily="2" charset="0"/>
-                        <a:cs typeface="Roboto" panose="02000000000000000000" pitchFamily="2" charset="0"/>
-                      </a:endParaRPr>
+                      <a:pPr algn="ctr"/>
+                      <a:r>
+                        <a:rPr sz="1100" b="1">
+                          <a:latin typeface="Montserrat SemiBold"/>
+                        </a:rPr>
+                        <a:t>-66.67</a:t>
+                      </a:r>
+                    </a:p>
+                    <a:p>
+                      <a:pPr algn="ctr"/>
+                      <a:r>
+                        <a:rPr sz="900">
+                          <a:latin typeface="Montserrat Light"/>
+                        </a:rPr>
+                        <a:t>(4.38%)</a:t>
+                      </a:r>
                     </a:p>
                   </a:txBody>
                   <a:tcPr marL="0" marR="0" marT="54000" anchor="ctr">
@@ -24701,7 +24613,9 @@
                       <a:headEnd type="none" w="med" len="med"/>
                       <a:tailEnd type="none" w="med" len="med"/>
                     </a:lnB>
-                    <a:noFill/>
+                    <a:solidFill>
+                      <a:srgbClr val="FFE6E7"/>
+                    </a:solidFill>
                   </a:tcPr>
                 </a:tc>
                 <a:tc>
@@ -24709,172 +24623,22 @@
                     <a:bodyPr/>
                     <a:lstStyle/>
                     <a:p>
-                      <a:pPr marL="0" marR="0" lvl="0" indent="0" algn="ctr" defTabSz="476220" rtl="0" eaLnBrk="1" fontAlgn="auto" latinLnBrk="0" hangingPunct="1">
-                        <a:lnSpc>
-                          <a:spcPct val="100000"/>
-                        </a:lnSpc>
-                        <a:spcBef>
-                          <a:spcPts val="0"/>
-                        </a:spcBef>
-                        <a:spcAft>
-                          <a:spcPts val="0"/>
-                        </a:spcAft>
-                        <a:buClrTx/>
-                        <a:buSzTx/>
-                        <a:buFontTx/>
-                        <a:buNone/>
-                        <a:tabLst/>
-                        <a:defRPr/>
-                      </a:pPr>
-                      <a:r>
-                        <a:rPr kumimoji="0" lang="ru-RU" sz="1100" b="1" i="0" u="none" strike="noStrike" kern="1200" cap="none" spc="0" normalizeH="0" baseline="0" noProof="0" dirty="0">
-                          <a:ln>
-                            <a:noFill/>
-                          </a:ln>
-                          <a:solidFill>
-                            <a:prstClr val="black"/>
-                          </a:solidFill>
-                          <a:effectLst/>
-                          <a:uLnTx/>
-                          <a:uFillTx/>
-                          <a:latin typeface="Montserrat SemiBold" pitchFamily="2" charset="0"/>
-                          <a:ea typeface="Roboto" panose="02000000000000000000" pitchFamily="2" charset="0"/>
-                          <a:cs typeface="Roboto" panose="02000000000000000000" pitchFamily="2" charset="0"/>
-                        </a:rPr>
-                        <a:t>- </a:t>
-                      </a:r>
-                      <a:r>
-                        <a:rPr kumimoji="0" lang="en-US" sz="1100" b="1" i="0" u="none" strike="noStrike" kern="1200" cap="none" spc="0" normalizeH="0" baseline="0" noProof="0" dirty="0">
-                          <a:ln>
-                            <a:noFill/>
-                          </a:ln>
-                          <a:solidFill>
-                            <a:prstClr val="black"/>
-                          </a:solidFill>
-                          <a:effectLst/>
-                          <a:uLnTx/>
-                          <a:uFillTx/>
-                          <a:latin typeface="Montserrat SemiBold" pitchFamily="2" charset="0"/>
-                          <a:ea typeface="Roboto" panose="02000000000000000000" pitchFamily="2" charset="0"/>
-                          <a:cs typeface="Roboto" panose="02000000000000000000" pitchFamily="2" charset="0"/>
-                        </a:rPr>
-                        <a:t>44</a:t>
-                      </a:r>
-                      <a:br>
-                        <a:rPr kumimoji="0" lang="en-US" sz="1100" b="1" i="0" u="none" strike="noStrike" kern="1200" cap="none" spc="0" normalizeH="0" baseline="0" noProof="0" dirty="0">
-                          <a:ln>
-                            <a:noFill/>
-                          </a:ln>
-                          <a:solidFill>
-                            <a:prstClr val="black"/>
-                          </a:solidFill>
-                          <a:effectLst/>
-                          <a:uLnTx/>
-                          <a:uFillTx/>
-                          <a:latin typeface="Montserrat SemiBold" pitchFamily="2" charset="0"/>
-                          <a:ea typeface="Roboto" panose="02000000000000000000" pitchFamily="2" charset="0"/>
-                          <a:cs typeface="Roboto" panose="02000000000000000000" pitchFamily="2" charset="0"/>
-                        </a:rPr>
-                      </a:br>
-                      <a:r>
-                        <a:rPr kumimoji="0" lang="ru-RU" sz="900" b="0" i="0" u="none" strike="noStrike" kern="1200" cap="none" spc="0" normalizeH="0" baseline="0" noProof="0" dirty="0">
-                          <a:ln>
-                            <a:noFill/>
-                          </a:ln>
-                          <a:solidFill>
-                            <a:prstClr val="black"/>
-                          </a:solidFill>
-                          <a:effectLst/>
-                          <a:uLnTx/>
-                          <a:uFillTx/>
-                          <a:latin typeface="Montserrat Light" pitchFamily="2" charset="0"/>
-                          <a:ea typeface="Roboto" panose="02000000000000000000" pitchFamily="2" charset="0"/>
-                          <a:cs typeface="Roboto" panose="02000000000000000000" pitchFamily="2" charset="0"/>
-                        </a:rPr>
-                        <a:t>(</a:t>
-                      </a:r>
-                      <a:r>
-                        <a:rPr kumimoji="0" lang="en-US" sz="900" b="0" i="0" u="none" strike="noStrike" kern="1200" cap="none" spc="0" normalizeH="0" baseline="0" noProof="0" dirty="0">
-                          <a:ln>
-                            <a:noFill/>
-                          </a:ln>
-                          <a:solidFill>
-                            <a:prstClr val="black"/>
-                          </a:solidFill>
-                          <a:effectLst/>
-                          <a:uLnTx/>
-                          <a:uFillTx/>
-                          <a:latin typeface="Montserrat Light" pitchFamily="2" charset="0"/>
-                          <a:ea typeface="Roboto" panose="02000000000000000000" pitchFamily="2" charset="0"/>
-                          <a:cs typeface="Roboto" panose="02000000000000000000" pitchFamily="2" charset="0"/>
-                        </a:rPr>
-                        <a:t>2</a:t>
-                      </a:r>
-                      <a:r>
-                        <a:rPr kumimoji="0" lang="ru-RU" sz="900" b="0" i="0" u="none" strike="noStrike" kern="1200" cap="none" spc="0" normalizeH="0" baseline="0" noProof="0" dirty="0">
-                          <a:ln>
-                            <a:noFill/>
-                          </a:ln>
-                          <a:solidFill>
-                            <a:prstClr val="black"/>
-                          </a:solidFill>
-                          <a:effectLst/>
-                          <a:uLnTx/>
-                          <a:uFillTx/>
-                          <a:latin typeface="Montserrat Light" pitchFamily="2" charset="0"/>
-                          <a:ea typeface="Roboto" panose="02000000000000000000" pitchFamily="2" charset="0"/>
-                          <a:cs typeface="Roboto" panose="02000000000000000000" pitchFamily="2" charset="0"/>
-                        </a:rPr>
-                        <a:t>,</a:t>
-                      </a:r>
-                      <a:r>
-                        <a:rPr kumimoji="0" lang="en-US" sz="900" b="0" i="0" u="none" strike="noStrike" kern="1200" cap="none" spc="0" normalizeH="0" baseline="0" noProof="0" dirty="0">
-                          <a:ln>
-                            <a:noFill/>
-                          </a:ln>
-                          <a:solidFill>
-                            <a:prstClr val="black"/>
-                          </a:solidFill>
-                          <a:effectLst/>
-                          <a:uLnTx/>
-                          <a:uFillTx/>
-                          <a:latin typeface="Montserrat Light" pitchFamily="2" charset="0"/>
-                          <a:ea typeface="Roboto" panose="02000000000000000000" pitchFamily="2" charset="0"/>
-                          <a:cs typeface="Roboto" panose="02000000000000000000" pitchFamily="2" charset="0"/>
-                        </a:rPr>
-                        <a:t>9</a:t>
-                      </a:r>
-                      <a:r>
-                        <a:rPr kumimoji="0" lang="ru-RU" sz="900" b="0" i="0" u="none" strike="noStrike" kern="1200" cap="none" spc="0" normalizeH="0" baseline="0" noProof="0" dirty="0">
-                          <a:ln>
-                            <a:noFill/>
-                          </a:ln>
-                          <a:solidFill>
-                            <a:prstClr val="black"/>
-                          </a:solidFill>
-                          <a:effectLst/>
-                          <a:uLnTx/>
-                          <a:uFillTx/>
-                          <a:latin typeface="Montserrat Light" pitchFamily="2" charset="0"/>
-                          <a:ea typeface="Roboto" panose="02000000000000000000" pitchFamily="2" charset="0"/>
-                          <a:cs typeface="Roboto" panose="02000000000000000000" pitchFamily="2" charset="0"/>
-                        </a:rPr>
-                        <a:t>%) </a:t>
-                      </a:r>
-                      <a:endParaRPr kumimoji="0" lang="ru-RU" sz="1100" b="0" i="0" u="none" strike="noStrike" kern="1200" cap="none" spc="0" normalizeH="0" baseline="0" noProof="0" dirty="0">
-                        <a:ln>
-                          <a:noFill/>
-                        </a:ln>
-                        <a:solidFill>
-                          <a:prstClr val="black"/>
-                        </a:solidFill>
-                        <a:effectLst/>
-                        <a:uLnTx/>
-                        <a:uFillTx/>
-                        <a:latin typeface="Montserrat Light" pitchFamily="2" charset="0"/>
-                        <a:ea typeface="Roboto" panose="02000000000000000000" pitchFamily="2" charset="0"/>
-                        <a:cs typeface="Roboto" panose="02000000000000000000" pitchFamily="2" charset="0"/>
-                      </a:endParaRPr>
+                      <a:pPr algn="ctr"/>
+                      <a:r>
+                        <a:rPr sz="1100" b="1">
+                          <a:latin typeface="Montserrat SemiBold"/>
+                        </a:rPr>
+                        <a:t>-55.56</a:t>
+                      </a:r>
+                    </a:p>
+                    <a:p>
+                      <a:pPr algn="ctr"/>
+                      <a:r>
+                        <a:rPr sz="900">
+                          <a:latin typeface="Montserrat Light"/>
+                        </a:rPr>
+                        <a:t>(3.68%)</a:t>
+                      </a:r>
                     </a:p>
                   </a:txBody>
                   <a:tcPr marL="0" marR="0" marT="54000" anchor="ctr">
@@ -24915,7 +24679,7 @@
                       <a:tailEnd type="none" w="med" len="med"/>
                     </a:lnB>
                     <a:solidFill>
-                      <a:schemeClr val="accent5"/>
+                      <a:srgbClr val="FFE6E7"/>
                     </a:solidFill>
                   </a:tcPr>
                 </a:tc>
@@ -25038,62 +24802,25 @@
                     <a:p>
                       <a:pPr algn="ctr"/>
                       <a:r>
-                        <a:rPr lang="ru-RU" sz="1100" b="1" dirty="0">
+                        <a:rPr sz="1100" b="1">
                           <a:solidFill>
                             <a:srgbClr val="4D4D4D"/>
                           </a:solidFill>
-                          <a:latin typeface="Montserrat" pitchFamily="2" charset="0"/>
-                          <a:ea typeface="Roboto" panose="02000000000000000000" pitchFamily="2" charset="0"/>
-                          <a:cs typeface="Roboto" panose="02000000000000000000" pitchFamily="2" charset="0"/>
-                        </a:rPr>
-                        <a:t>1 </a:t>
-                      </a:r>
-                      <a:r>
-                        <a:rPr lang="en-US" sz="1100" b="1" dirty="0">
-                          <a:solidFill>
-                            <a:srgbClr val="4D4D4D"/>
-                          </a:solidFill>
-                          <a:latin typeface="Montserrat" pitchFamily="2" charset="0"/>
-                          <a:ea typeface="Roboto" panose="02000000000000000000" pitchFamily="2" charset="0"/>
-                          <a:cs typeface="Roboto" panose="02000000000000000000" pitchFamily="2" charset="0"/>
-                        </a:rPr>
-                        <a:t>0</a:t>
-                      </a:r>
-                      <a:r>
-                        <a:rPr lang="ru-RU" sz="1100" b="1" dirty="0">
-                          <a:solidFill>
-                            <a:srgbClr val="4D4D4D"/>
-                          </a:solidFill>
-                          <a:latin typeface="Montserrat" pitchFamily="2" charset="0"/>
-                          <a:ea typeface="Roboto" panose="02000000000000000000" pitchFamily="2" charset="0"/>
-                          <a:cs typeface="Roboto" panose="02000000000000000000" pitchFamily="2" charset="0"/>
-                        </a:rPr>
-                        <a:t>88</a:t>
+                          <a:latin typeface="Montserrat"/>
+                        </a:rPr>
+                        <a:t>1090.5</a:t>
                       </a:r>
                     </a:p>
                     <a:p>
                       <a:pPr algn="ctr"/>
                       <a:r>
-                        <a:rPr lang="en-US" sz="900" dirty="0">
+                        <a:rPr sz="900">
                           <a:solidFill>
                             <a:srgbClr val="999999"/>
                           </a:solidFill>
-                          <a:latin typeface="Montserrat" pitchFamily="2" charset="0"/>
-                          <a:ea typeface="Roboto" panose="02000000000000000000" pitchFamily="2" charset="0"/>
-                          <a:cs typeface="Roboto" panose="02000000000000000000" pitchFamily="2" charset="0"/>
-                        </a:rPr>
-                        <a:t>USD/</a:t>
-                      </a:r>
-                      <a:r>
-                        <a:rPr lang="ru-RU" sz="900" dirty="0">
-                          <a:solidFill>
-                            <a:srgbClr val="999999"/>
-                          </a:solidFill>
-                          <a:latin typeface="Montserrat" pitchFamily="2" charset="0"/>
-                          <a:ea typeface="Roboto" panose="02000000000000000000" pitchFamily="2" charset="0"/>
-                          <a:cs typeface="Roboto" panose="02000000000000000000" pitchFamily="2" charset="0"/>
-                        </a:rPr>
-                        <a:t>т</a:t>
+                          <a:latin typeface="Montserrat"/>
+                        </a:rPr>
+                        <a:t>USD/т</a:t>
                       </a:r>
                     </a:p>
                   </a:txBody>
@@ -25141,54 +24868,13 @@
                     <a:bodyPr/>
                     <a:lstStyle/>
                     <a:p>
-                      <a:pPr marL="0" marR="0" lvl="0" indent="0" algn="ctr" defTabSz="476220" rtl="0" eaLnBrk="1" fontAlgn="auto" latinLnBrk="0" hangingPunct="1">
-                        <a:lnSpc>
-                          <a:spcPts val="1400"/>
-                        </a:lnSpc>
-                        <a:spcBef>
-                          <a:spcPts val="0"/>
-                        </a:spcBef>
-                        <a:spcAft>
-                          <a:spcPts val="0"/>
-                        </a:spcAft>
-                        <a:buClrTx/>
-                        <a:buSzTx/>
-                        <a:buFontTx/>
-                        <a:buNone/>
-                        <a:tabLst/>
-                        <a:defRPr/>
-                      </a:pPr>
-                      <a:r>
-                        <a:rPr kumimoji="0" lang="ru-RU" sz="1100" b="1" i="0" u="none" strike="noStrike" kern="1200" cap="none" spc="0" normalizeH="0" baseline="0" noProof="0">
-                          <a:ln>
-                            <a:noFill/>
-                          </a:ln>
-                          <a:solidFill>
-                            <a:srgbClr val="4D4D4D"/>
-                          </a:solidFill>
-                          <a:effectLst/>
-                          <a:uLnTx/>
-                          <a:uFillTx/>
-                          <a:latin typeface="Montserrat SemiBold" pitchFamily="2" charset="0"/>
-                          <a:ea typeface="Roboto" panose="02000000000000000000" pitchFamily="2" charset="0"/>
-                          <a:cs typeface="Roboto" panose="02000000000000000000" pitchFamily="2" charset="0"/>
+                      <a:pPr algn="ctr"/>
+                      <a:r>
+                        <a:rPr sz="1100" b="1">
+                          <a:latin typeface="Montserrat SemiBold"/>
                         </a:rPr>
                         <a:t>-</a:t>
                       </a:r>
-                      <a:endParaRPr kumimoji="0" lang="ru-RU" sz="1100" b="0" i="0" u="none" strike="noStrike" kern="1200" cap="none" spc="0" normalizeH="0" baseline="0" noProof="0" dirty="0">
-                        <a:ln>
-                          <a:noFill/>
-                        </a:ln>
-                        <a:solidFill>
-                          <a:prstClr val="black"/>
-                        </a:solidFill>
-                        <a:effectLst/>
-                        <a:uLnTx/>
-                        <a:uFillTx/>
-                        <a:latin typeface="Montserrat Light" pitchFamily="2" charset="0"/>
-                        <a:ea typeface="Roboto" panose="02000000000000000000" pitchFamily="2" charset="0"/>
-                        <a:cs typeface="Roboto" panose="02000000000000000000" pitchFamily="2" charset="0"/>
-                      </a:endParaRPr>
                     </a:p>
                   </a:txBody>
                   <a:tcPr marL="0" marR="0" marT="54000" anchor="ctr">
@@ -25228,204 +24914,8 @@
                       <a:headEnd type="none" w="med" len="med"/>
                       <a:tailEnd type="none" w="med" len="med"/>
                     </a:lnB>
-                    <a:noFill/>
-                  </a:tcPr>
-                </a:tc>
-                <a:tc>
-                  <a:txBody>
-                    <a:bodyPr/>
-                    <a:lstStyle/>
-                    <a:p>
-                      <a:pPr marL="0" marR="0" lvl="0" indent="0" algn="ctr" defTabSz="476220" rtl="0" eaLnBrk="1" fontAlgn="auto" latinLnBrk="0" hangingPunct="1">
-                        <a:lnSpc>
-                          <a:spcPct val="100000"/>
-                        </a:lnSpc>
-                        <a:spcBef>
-                          <a:spcPts val="0"/>
-                        </a:spcBef>
-                        <a:spcAft>
-                          <a:spcPts val="0"/>
-                        </a:spcAft>
-                        <a:buClrTx/>
-                        <a:buSzTx/>
-                        <a:buFontTx/>
-                        <a:buNone/>
-                        <a:tabLst/>
-                        <a:defRPr/>
-                      </a:pPr>
-                      <a:r>
-                        <a:rPr kumimoji="0" lang="ru-RU" sz="1100" b="1" i="0" u="none" strike="noStrike" kern="1200" cap="none" spc="0" normalizeH="0" baseline="0" noProof="0" dirty="0">
-                          <a:ln>
-                            <a:noFill/>
-                          </a:ln>
-                          <a:solidFill>
-                            <a:prstClr val="black"/>
-                          </a:solidFill>
-                          <a:effectLst/>
-                          <a:uLnTx/>
-                          <a:uFillTx/>
-                          <a:latin typeface="Montserrat SemiBold" pitchFamily="2" charset="0"/>
-                          <a:ea typeface="Roboto" panose="02000000000000000000" pitchFamily="2" charset="0"/>
-                          <a:cs typeface="Roboto" panose="02000000000000000000" pitchFamily="2" charset="0"/>
-                        </a:rPr>
-                        <a:t>+ </a:t>
-                      </a:r>
-                      <a:r>
-                        <a:rPr kumimoji="0" lang="en-US" sz="1100" b="1" i="0" u="none" strike="noStrike" kern="1200" cap="none" spc="0" normalizeH="0" baseline="0" noProof="0" dirty="0">
-                          <a:ln>
-                            <a:noFill/>
-                          </a:ln>
-                          <a:solidFill>
-                            <a:prstClr val="black"/>
-                          </a:solidFill>
-                          <a:effectLst/>
-                          <a:uLnTx/>
-                          <a:uFillTx/>
-                          <a:latin typeface="Montserrat SemiBold" pitchFamily="2" charset="0"/>
-                          <a:ea typeface="Roboto" panose="02000000000000000000" pitchFamily="2" charset="0"/>
-                          <a:cs typeface="Roboto" panose="02000000000000000000" pitchFamily="2" charset="0"/>
-                        </a:rPr>
-                        <a:t>1</a:t>
-                      </a:r>
-                      <a:r>
-                        <a:rPr kumimoji="0" lang="ru-RU" sz="1100" b="1" i="0" u="none" strike="noStrike" kern="1200" cap="none" spc="0" normalizeH="0" baseline="0" noProof="0" dirty="0">
-                          <a:ln>
-                            <a:noFill/>
-                          </a:ln>
-                          <a:solidFill>
-                            <a:prstClr val="black"/>
-                          </a:solidFill>
-                          <a:effectLst/>
-                          <a:uLnTx/>
-                          <a:uFillTx/>
-                          <a:latin typeface="Montserrat SemiBold" pitchFamily="2" charset="0"/>
-                          <a:ea typeface="Roboto" panose="02000000000000000000" pitchFamily="2" charset="0"/>
-                          <a:cs typeface="Roboto" panose="02000000000000000000" pitchFamily="2" charset="0"/>
-                        </a:rPr>
-                        <a:t>5</a:t>
-                      </a:r>
-                      <a:br>
-                        <a:rPr kumimoji="0" lang="en-US" sz="1100" b="1" i="0" u="none" strike="noStrike" kern="1200" cap="none" spc="0" normalizeH="0" baseline="0" noProof="0" dirty="0">
-                          <a:ln>
-                            <a:noFill/>
-                          </a:ln>
-                          <a:solidFill>
-                            <a:prstClr val="black"/>
-                          </a:solidFill>
-                          <a:effectLst/>
-                          <a:uLnTx/>
-                          <a:uFillTx/>
-                          <a:latin typeface="Montserrat SemiBold" pitchFamily="2" charset="0"/>
-                          <a:ea typeface="Roboto" panose="02000000000000000000" pitchFamily="2" charset="0"/>
-                          <a:cs typeface="Roboto" panose="02000000000000000000" pitchFamily="2" charset="0"/>
-                        </a:rPr>
-                      </a:br>
-                      <a:r>
-                        <a:rPr kumimoji="0" lang="ru-RU" sz="900" b="0" i="0" u="none" strike="noStrike" kern="1200" cap="none" spc="0" normalizeH="0" baseline="0" noProof="0" dirty="0">
-                          <a:ln>
-                            <a:noFill/>
-                          </a:ln>
-                          <a:solidFill>
-                            <a:prstClr val="black"/>
-                          </a:solidFill>
-                          <a:effectLst/>
-                          <a:uLnTx/>
-                          <a:uFillTx/>
-                          <a:latin typeface="Montserrat Light" pitchFamily="2" charset="0"/>
-                          <a:ea typeface="Roboto" panose="02000000000000000000" pitchFamily="2" charset="0"/>
-                          <a:cs typeface="Roboto" panose="02000000000000000000" pitchFamily="2" charset="0"/>
-                        </a:rPr>
-                        <a:t>(</a:t>
-                      </a:r>
-                      <a:r>
-                        <a:rPr kumimoji="0" lang="en-US" sz="900" b="0" i="0" u="none" strike="noStrike" kern="1200" cap="none" spc="0" normalizeH="0" baseline="0" noProof="0" dirty="0">
-                          <a:ln>
-                            <a:noFill/>
-                          </a:ln>
-                          <a:solidFill>
-                            <a:prstClr val="black"/>
-                          </a:solidFill>
-                          <a:effectLst/>
-                          <a:uLnTx/>
-                          <a:uFillTx/>
-                          <a:latin typeface="Montserrat Light" pitchFamily="2" charset="0"/>
-                          <a:ea typeface="Roboto" panose="02000000000000000000" pitchFamily="2" charset="0"/>
-                          <a:cs typeface="Roboto" panose="02000000000000000000" pitchFamily="2" charset="0"/>
-                        </a:rPr>
-                        <a:t>1</a:t>
-                      </a:r>
-                      <a:r>
-                        <a:rPr kumimoji="0" lang="ru-RU" sz="900" b="0" i="0" u="none" strike="noStrike" kern="1200" cap="none" spc="0" normalizeH="0" baseline="0" noProof="0" dirty="0">
-                          <a:ln>
-                            <a:noFill/>
-                          </a:ln>
-                          <a:solidFill>
-                            <a:prstClr val="black"/>
-                          </a:solidFill>
-                          <a:effectLst/>
-                          <a:uLnTx/>
-                          <a:uFillTx/>
-                          <a:latin typeface="Montserrat Light" pitchFamily="2" charset="0"/>
-                          <a:ea typeface="Roboto" panose="02000000000000000000" pitchFamily="2" charset="0"/>
-                          <a:cs typeface="Roboto" panose="02000000000000000000" pitchFamily="2" charset="0"/>
-                        </a:rPr>
-                        <a:t>,4%) </a:t>
-                      </a:r>
-                      <a:endParaRPr kumimoji="0" lang="ru-RU" sz="1100" b="0" i="0" u="none" strike="noStrike" kern="1200" cap="none" spc="0" normalizeH="0" baseline="0" noProof="0" dirty="0">
-                        <a:ln>
-                          <a:noFill/>
-                        </a:ln>
-                        <a:solidFill>
-                          <a:prstClr val="black"/>
-                        </a:solidFill>
-                        <a:effectLst/>
-                        <a:uLnTx/>
-                        <a:uFillTx/>
-                        <a:latin typeface="Montserrat Light" pitchFamily="2" charset="0"/>
-                        <a:ea typeface="Roboto" panose="02000000000000000000" pitchFamily="2" charset="0"/>
-                        <a:cs typeface="Roboto" panose="02000000000000000000" pitchFamily="2" charset="0"/>
-                      </a:endParaRPr>
-                    </a:p>
-                  </a:txBody>
-                  <a:tcPr marL="0" marR="0" marT="54000" anchor="ctr">
-                    <a:lnL w="12700" cap="flat" cmpd="sng" algn="ctr">
-                      <a:solidFill>
-                        <a:srgbClr val="E6E6E6"/>
-                      </a:solidFill>
-                      <a:prstDash val="solid"/>
-                      <a:round/>
-                      <a:headEnd type="none" w="med" len="med"/>
-                      <a:tailEnd type="none" w="med" len="med"/>
-                    </a:lnL>
-                    <a:lnR w="12700" cap="flat" cmpd="sng" algn="ctr">
-                      <a:solidFill>
-                        <a:srgbClr val="E6E6E6"/>
-                      </a:solidFill>
-                      <a:prstDash val="solid"/>
-                      <a:round/>
-                      <a:headEnd type="none" w="med" len="med"/>
-                      <a:tailEnd type="none" w="med" len="med"/>
-                    </a:lnR>
-                    <a:lnT w="12700" cap="flat" cmpd="sng" algn="ctr">
-                      <a:solidFill>
-                        <a:srgbClr val="E6E6E6"/>
-                      </a:solidFill>
-                      <a:prstDash val="solid"/>
-                      <a:round/>
-                      <a:headEnd type="none" w="med" len="med"/>
-                      <a:tailEnd type="none" w="med" len="med"/>
-                    </a:lnT>
-                    <a:lnB w="12700" cap="flat" cmpd="sng" algn="ctr">
-                      <a:solidFill>
-                        <a:srgbClr val="E6E6E6"/>
-                      </a:solidFill>
-                      <a:prstDash val="solid"/>
-                      <a:round/>
-                      <a:headEnd type="none" w="med" len="med"/>
-                      <a:tailEnd type="none" w="med" len="med"/>
-                    </a:lnB>
                     <a:solidFill>
-                      <a:schemeClr val="accent4"/>
+                      <a:srgbClr val="FFFFFF"/>
                     </a:solidFill>
                   </a:tcPr>
                 </a:tc>
@@ -25434,87 +24924,22 @@
                     <a:bodyPr/>
                     <a:lstStyle/>
                     <a:p>
-                      <a:pPr marL="0" marR="0" lvl="0" indent="0" algn="ctr" defTabSz="476220" rtl="0" eaLnBrk="1" fontAlgn="auto" latinLnBrk="0" hangingPunct="1">
-                        <a:lnSpc>
-                          <a:spcPct val="100000"/>
-                        </a:lnSpc>
-                        <a:spcBef>
-                          <a:spcPts val="0"/>
-                        </a:spcBef>
-                        <a:spcAft>
-                          <a:spcPts val="0"/>
-                        </a:spcAft>
-                        <a:buClrTx/>
-                        <a:buSzTx/>
-                        <a:buFontTx/>
-                        <a:buNone/>
-                        <a:tabLst/>
-                        <a:defRPr/>
-                      </a:pPr>
-                      <a:r>
-                        <a:rPr kumimoji="0" lang="ru-RU" sz="1100" b="1" i="0" u="none" strike="noStrike" kern="1200" cap="none" spc="0" normalizeH="0" baseline="0" noProof="0" dirty="0">
-                          <a:ln>
-                            <a:noFill/>
-                          </a:ln>
-                          <a:solidFill>
-                            <a:prstClr val="black"/>
-                          </a:solidFill>
-                          <a:effectLst/>
-                          <a:uLnTx/>
-                          <a:uFillTx/>
-                          <a:latin typeface="Montserrat SemiBold" pitchFamily="2" charset="0"/>
-                          <a:ea typeface="Roboto" panose="02000000000000000000" pitchFamily="2" charset="0"/>
-                          <a:cs typeface="Roboto" panose="02000000000000000000" pitchFamily="2" charset="0"/>
-                        </a:rPr>
-                        <a:t>- 60</a:t>
-                      </a:r>
-                      <a:br>
-                        <a:rPr kumimoji="0" lang="en-US" sz="1100" b="1" i="0" u="none" strike="noStrike" kern="1200" cap="none" spc="0" normalizeH="0" baseline="0" noProof="0" dirty="0">
-                          <a:ln>
-                            <a:noFill/>
-                          </a:ln>
-                          <a:solidFill>
-                            <a:prstClr val="black"/>
-                          </a:solidFill>
-                          <a:effectLst/>
-                          <a:uLnTx/>
-                          <a:uFillTx/>
-                          <a:latin typeface="Montserrat SemiBold" pitchFamily="2" charset="0"/>
-                          <a:ea typeface="Roboto" panose="02000000000000000000" pitchFamily="2" charset="0"/>
-                          <a:cs typeface="Roboto" panose="02000000000000000000" pitchFamily="2" charset="0"/>
-                        </a:rPr>
-                      </a:br>
-                      <a:r>
-                        <a:rPr kumimoji="0" lang="ru-RU" sz="900" b="0" i="0" u="none" strike="noStrike" kern="1200" cap="none" spc="0" normalizeH="0" baseline="0" noProof="0" dirty="0">
-                          <a:ln>
-                            <a:noFill/>
-                          </a:ln>
-                          <a:solidFill>
-                            <a:prstClr val="black"/>
-                          </a:solidFill>
-                          <a:effectLst/>
-                          <a:uLnTx/>
-                          <a:uFillTx/>
-                          <a:latin typeface="Montserrat Light" pitchFamily="2" charset="0"/>
-                          <a:ea typeface="Roboto" panose="02000000000000000000" pitchFamily="2" charset="0"/>
-                          <a:cs typeface="Roboto" panose="02000000000000000000" pitchFamily="2" charset="0"/>
-                        </a:rPr>
-                        <a:t>(5,2%) </a:t>
-                      </a:r>
-                      <a:endParaRPr kumimoji="0" lang="ru-RU" sz="1100" b="0" i="0" u="none" strike="noStrike" kern="1200" cap="none" spc="0" normalizeH="0" baseline="0" noProof="0" dirty="0">
-                        <a:ln>
-                          <a:noFill/>
-                        </a:ln>
-                        <a:solidFill>
-                          <a:prstClr val="black"/>
-                        </a:solidFill>
-                        <a:effectLst/>
-                        <a:uLnTx/>
-                        <a:uFillTx/>
-                        <a:latin typeface="Montserrat Light" pitchFamily="2" charset="0"/>
-                        <a:ea typeface="Roboto" panose="02000000000000000000" pitchFamily="2" charset="0"/>
-                        <a:cs typeface="Roboto" panose="02000000000000000000" pitchFamily="2" charset="0"/>
-                      </a:endParaRPr>
+                      <a:pPr algn="ctr"/>
+                      <a:r>
+                        <a:rPr sz="1100" b="1">
+                          <a:latin typeface="Montserrat SemiBold"/>
+                        </a:rPr>
+                        <a:t>-49</a:t>
+                      </a:r>
+                    </a:p>
+                    <a:p>
+                      <a:pPr algn="ctr"/>
+                      <a:r>
+                        <a:rPr sz="900">
+                          <a:latin typeface="Montserrat Light"/>
+                        </a:rPr>
+                        <a:t>(4.3%)</a:t>
+                      </a:r>
                     </a:p>
                   </a:txBody>
                   <a:tcPr marL="0" marR="0" marT="54000" anchor="ctr">
@@ -25555,7 +24980,72 @@
                       <a:tailEnd type="none" w="med" len="med"/>
                     </a:lnB>
                     <a:solidFill>
-                      <a:schemeClr val="accent5"/>
+                      <a:srgbClr val="FFE6E7"/>
+                    </a:solidFill>
+                  </a:tcPr>
+                </a:tc>
+                <a:tc>
+                  <a:txBody>
+                    <a:bodyPr/>
+                    <a:lstStyle/>
+                    <a:p>
+                      <a:pPr algn="ctr"/>
+                      <a:r>
+                        <a:rPr sz="1100" b="1">
+                          <a:latin typeface="Montserrat SemiBold"/>
+                        </a:rPr>
+                        <a:t>-124</a:t>
+                      </a:r>
+                    </a:p>
+                    <a:p>
+                      <a:pPr algn="ctr"/>
+                      <a:r>
+                        <a:rPr sz="900">
+                          <a:latin typeface="Montserrat Light"/>
+                        </a:rPr>
+                        <a:t>(10.21%)</a:t>
+                      </a:r>
+                    </a:p>
+                  </a:txBody>
+                  <a:tcPr marL="0" marR="0" marT="54000" anchor="ctr">
+                    <a:lnL w="12700" cap="flat" cmpd="sng" algn="ctr">
+                      <a:solidFill>
+                        <a:srgbClr val="E6E6E6"/>
+                      </a:solidFill>
+                      <a:prstDash val="solid"/>
+                      <a:round/>
+                      <a:headEnd type="none" w="med" len="med"/>
+                      <a:tailEnd type="none" w="med" len="med"/>
+                    </a:lnL>
+                    <a:lnR w="12700" cap="flat" cmpd="sng" algn="ctr">
+                      <a:solidFill>
+                        <a:srgbClr val="E6E6E6"/>
+                      </a:solidFill>
+                      <a:prstDash val="solid"/>
+                      <a:round/>
+                      <a:headEnd type="none" w="med" len="med"/>
+                      <a:tailEnd type="none" w="med" len="med"/>
+                    </a:lnR>
+                    <a:lnT w="12700" cap="flat" cmpd="sng" algn="ctr">
+                      <a:solidFill>
+                        <a:srgbClr val="E6E6E6"/>
+                      </a:solidFill>
+                      <a:prstDash val="solid"/>
+                      <a:round/>
+                      <a:headEnd type="none" w="med" len="med"/>
+                      <a:tailEnd type="none" w="med" len="med"/>
+                    </a:lnT>
+                    <a:lnB w="12700" cap="flat" cmpd="sng" algn="ctr">
+                      <a:solidFill>
+                        <a:srgbClr val="E6E6E6"/>
+                      </a:solidFill>
+                      <a:prstDash val="solid"/>
+                      <a:round/>
+                      <a:headEnd type="none" w="med" len="med"/>
+                      <a:tailEnd type="none" w="med" len="med"/>
+                    </a:lnB>
+                    <a:solidFill>
+                      <a:srgbClr val="FFE6E7"/>
                     </a:solidFill>
                   </a:tcPr>
                 </a:tc>
@@ -25691,40 +25181,25 @@
                     <a:p>
                       <a:pPr algn="ctr"/>
                       <a:r>
-                        <a:rPr lang="ru-RU" sz="1100" b="1" dirty="0">
+                        <a:rPr sz="1100" b="1">
                           <a:solidFill>
                             <a:srgbClr val="4D4D4D"/>
                           </a:solidFill>
-                          <a:latin typeface="Montserrat" pitchFamily="2" charset="0"/>
-                          <a:ea typeface="Roboto" panose="02000000000000000000" pitchFamily="2" charset="0"/>
-                          <a:cs typeface="Roboto" panose="02000000000000000000" pitchFamily="2" charset="0"/>
-                        </a:rPr>
-                        <a:t>1 110</a:t>
+                          <a:latin typeface="Montserrat"/>
+                        </a:rPr>
+                        <a:t>1100.5</a:t>
                       </a:r>
                     </a:p>
                     <a:p>
                       <a:pPr algn="ctr"/>
                       <a:r>
-                        <a:rPr lang="en-US" sz="900" dirty="0">
+                        <a:rPr sz="900">
                           <a:solidFill>
                             <a:srgbClr val="999999"/>
                           </a:solidFill>
-                          <a:latin typeface="Montserrat" pitchFamily="2" charset="0"/>
-                          <a:ea typeface="Roboto" panose="02000000000000000000" pitchFamily="2" charset="0"/>
-                          <a:cs typeface="Roboto" panose="02000000000000000000" pitchFamily="2" charset="0"/>
-                        </a:rPr>
-                        <a:t>USD/</a:t>
-                      </a:r>
-                      <a:r>
-                        <a:rPr lang="ru-RU" sz="900" dirty="0">
-                          <a:solidFill>
-                            <a:srgbClr val="999999"/>
-                          </a:solidFill>
-                          <a:latin typeface="Montserrat" pitchFamily="2" charset="0"/>
-                          <a:ea typeface="Roboto" panose="02000000000000000000" pitchFamily="2" charset="0"/>
-                          <a:cs typeface="Roboto" panose="02000000000000000000" pitchFamily="2" charset="0"/>
-                        </a:rPr>
-                        <a:t>т</a:t>
+                          <a:latin typeface="Montserrat"/>
+                        </a:rPr>
+                        <a:t>USD/т</a:t>
                       </a:r>
                     </a:p>
                   </a:txBody>
@@ -25772,54 +25247,13 @@
                     <a:bodyPr/>
                     <a:lstStyle/>
                     <a:p>
-                      <a:pPr marL="0" marR="0" lvl="0" indent="0" algn="ctr" defTabSz="476220" rtl="0" eaLnBrk="1" fontAlgn="auto" latinLnBrk="0" hangingPunct="1">
-                        <a:lnSpc>
-                          <a:spcPts val="1400"/>
-                        </a:lnSpc>
-                        <a:spcBef>
-                          <a:spcPts val="0"/>
-                        </a:spcBef>
-                        <a:spcAft>
-                          <a:spcPts val="0"/>
-                        </a:spcAft>
-                        <a:buClrTx/>
-                        <a:buSzTx/>
-                        <a:buFontTx/>
-                        <a:buNone/>
-                        <a:tabLst/>
-                        <a:defRPr/>
-                      </a:pPr>
-                      <a:r>
-                        <a:rPr kumimoji="0" lang="ru-RU" sz="1100" b="1" i="0" u="none" strike="noStrike" kern="1200" cap="none" spc="0" normalizeH="0" baseline="0" noProof="0" dirty="0">
-                          <a:ln>
-                            <a:noFill/>
-                          </a:ln>
-                          <a:solidFill>
-                            <a:srgbClr val="4D4D4D"/>
-                          </a:solidFill>
-                          <a:effectLst/>
-                          <a:uLnTx/>
-                          <a:uFillTx/>
-                          <a:latin typeface="Montserrat SemiBold" pitchFamily="2" charset="0"/>
-                          <a:ea typeface="Roboto" panose="02000000000000000000" pitchFamily="2" charset="0"/>
-                          <a:cs typeface="Roboto" panose="02000000000000000000" pitchFamily="2" charset="0"/>
+                      <a:pPr algn="ctr"/>
+                      <a:r>
+                        <a:rPr sz="1100" b="1">
+                          <a:latin typeface="Montserrat SemiBold"/>
                         </a:rPr>
                         <a:t>-</a:t>
                       </a:r>
-                      <a:endParaRPr kumimoji="0" lang="ru-RU" sz="1100" b="0" i="0" u="none" strike="noStrike" kern="1200" cap="none" spc="0" normalizeH="0" baseline="0" noProof="0" dirty="0">
-                        <a:ln>
-                          <a:noFill/>
-                        </a:ln>
-                        <a:solidFill>
-                          <a:prstClr val="black"/>
-                        </a:solidFill>
-                        <a:effectLst/>
-                        <a:uLnTx/>
-                        <a:uFillTx/>
-                        <a:latin typeface="Montserrat Light" pitchFamily="2" charset="0"/>
-                        <a:ea typeface="Roboto" panose="02000000000000000000" pitchFamily="2" charset="0"/>
-                        <a:cs typeface="Roboto" panose="02000000000000000000" pitchFamily="2" charset="0"/>
-                      </a:endParaRPr>
                     </a:p>
                   </a:txBody>
                   <a:tcPr marL="0" marR="0" marT="54000" anchor="ctr">
@@ -25859,204 +25293,8 @@
                       <a:headEnd type="none" w="med" len="med"/>
                       <a:tailEnd type="none" w="med" len="med"/>
                     </a:lnB>
-                    <a:noFill/>
-                  </a:tcPr>
-                </a:tc>
-                <a:tc>
-                  <a:txBody>
-                    <a:bodyPr/>
-                    <a:lstStyle/>
-                    <a:p>
-                      <a:pPr marL="0" marR="0" lvl="0" indent="0" algn="ctr" defTabSz="476220" rtl="0" eaLnBrk="1" fontAlgn="auto" latinLnBrk="0" hangingPunct="1">
-                        <a:lnSpc>
-                          <a:spcPct val="100000"/>
-                        </a:lnSpc>
-                        <a:spcBef>
-                          <a:spcPts val="0"/>
-                        </a:spcBef>
-                        <a:spcAft>
-                          <a:spcPts val="0"/>
-                        </a:spcAft>
-                        <a:buClrTx/>
-                        <a:buSzTx/>
-                        <a:buFontTx/>
-                        <a:buNone/>
-                        <a:tabLst/>
-                        <a:defRPr/>
-                      </a:pPr>
-                      <a:r>
-                        <a:rPr kumimoji="0" lang="ru-RU" sz="1100" b="1" i="0" u="none" strike="noStrike" kern="1200" cap="none" spc="0" normalizeH="0" baseline="0" noProof="0" dirty="0">
-                          <a:ln>
-                            <a:noFill/>
-                          </a:ln>
-                          <a:solidFill>
-                            <a:prstClr val="black"/>
-                          </a:solidFill>
-                          <a:effectLst/>
-                          <a:uLnTx/>
-                          <a:uFillTx/>
-                          <a:latin typeface="Montserrat SemiBold" pitchFamily="2" charset="0"/>
-                          <a:ea typeface="Roboto" panose="02000000000000000000" pitchFamily="2" charset="0"/>
-                          <a:cs typeface="Roboto" panose="02000000000000000000" pitchFamily="2" charset="0"/>
-                        </a:rPr>
-                        <a:t>+ </a:t>
-                      </a:r>
-                      <a:r>
-                        <a:rPr kumimoji="0" lang="en-US" sz="1100" b="1" i="0" u="none" strike="noStrike" kern="1200" cap="none" spc="0" normalizeH="0" baseline="0" noProof="0" dirty="0">
-                          <a:ln>
-                            <a:noFill/>
-                          </a:ln>
-                          <a:solidFill>
-                            <a:prstClr val="black"/>
-                          </a:solidFill>
-                          <a:effectLst/>
-                          <a:uLnTx/>
-                          <a:uFillTx/>
-                          <a:latin typeface="Montserrat SemiBold" pitchFamily="2" charset="0"/>
-                          <a:ea typeface="Roboto" panose="02000000000000000000" pitchFamily="2" charset="0"/>
-                          <a:cs typeface="Roboto" panose="02000000000000000000" pitchFamily="2" charset="0"/>
-                        </a:rPr>
-                        <a:t>1</a:t>
-                      </a:r>
-                      <a:r>
-                        <a:rPr kumimoji="0" lang="ru-RU" sz="1100" b="1" i="0" u="none" strike="noStrike" kern="1200" cap="none" spc="0" normalizeH="0" baseline="0" noProof="0" dirty="0">
-                          <a:ln>
-                            <a:noFill/>
-                          </a:ln>
-                          <a:solidFill>
-                            <a:prstClr val="black"/>
-                          </a:solidFill>
-                          <a:effectLst/>
-                          <a:uLnTx/>
-                          <a:uFillTx/>
-                          <a:latin typeface="Montserrat SemiBold" pitchFamily="2" charset="0"/>
-                          <a:ea typeface="Roboto" panose="02000000000000000000" pitchFamily="2" charset="0"/>
-                          <a:cs typeface="Roboto" panose="02000000000000000000" pitchFamily="2" charset="0"/>
-                        </a:rPr>
-                        <a:t>6</a:t>
-                      </a:r>
-                      <a:br>
-                        <a:rPr kumimoji="0" lang="en-US" sz="1100" b="1" i="0" u="none" strike="noStrike" kern="1200" cap="none" spc="0" normalizeH="0" baseline="0" noProof="0" dirty="0">
-                          <a:ln>
-                            <a:noFill/>
-                          </a:ln>
-                          <a:solidFill>
-                            <a:prstClr val="black"/>
-                          </a:solidFill>
-                          <a:effectLst/>
-                          <a:uLnTx/>
-                          <a:uFillTx/>
-                          <a:latin typeface="Montserrat SemiBold" pitchFamily="2" charset="0"/>
-                          <a:ea typeface="Roboto" panose="02000000000000000000" pitchFamily="2" charset="0"/>
-                          <a:cs typeface="Roboto" panose="02000000000000000000" pitchFamily="2" charset="0"/>
-                        </a:rPr>
-                      </a:br>
-                      <a:r>
-                        <a:rPr kumimoji="0" lang="ru-RU" sz="900" b="0" i="0" u="none" strike="noStrike" kern="1200" cap="none" spc="0" normalizeH="0" baseline="0" noProof="0" dirty="0">
-                          <a:ln>
-                            <a:noFill/>
-                          </a:ln>
-                          <a:solidFill>
-                            <a:prstClr val="black"/>
-                          </a:solidFill>
-                          <a:effectLst/>
-                          <a:uLnTx/>
-                          <a:uFillTx/>
-                          <a:latin typeface="Montserrat Light" pitchFamily="2" charset="0"/>
-                          <a:ea typeface="Roboto" panose="02000000000000000000" pitchFamily="2" charset="0"/>
-                          <a:cs typeface="Roboto" panose="02000000000000000000" pitchFamily="2" charset="0"/>
-                        </a:rPr>
-                        <a:t>(</a:t>
-                      </a:r>
-                      <a:r>
-                        <a:rPr kumimoji="0" lang="en-US" sz="900" b="0" i="0" u="none" strike="noStrike" kern="1200" cap="none" spc="0" normalizeH="0" baseline="0" noProof="0" dirty="0">
-                          <a:ln>
-                            <a:noFill/>
-                          </a:ln>
-                          <a:solidFill>
-                            <a:prstClr val="black"/>
-                          </a:solidFill>
-                          <a:effectLst/>
-                          <a:uLnTx/>
-                          <a:uFillTx/>
-                          <a:latin typeface="Montserrat Light" pitchFamily="2" charset="0"/>
-                          <a:ea typeface="Roboto" panose="02000000000000000000" pitchFamily="2" charset="0"/>
-                          <a:cs typeface="Roboto" panose="02000000000000000000" pitchFamily="2" charset="0"/>
-                        </a:rPr>
-                        <a:t>1</a:t>
-                      </a:r>
-                      <a:r>
-                        <a:rPr kumimoji="0" lang="ru-RU" sz="900" b="0" i="0" u="none" strike="noStrike" kern="1200" cap="none" spc="0" normalizeH="0" baseline="0" noProof="0" dirty="0">
-                          <a:ln>
-                            <a:noFill/>
-                          </a:ln>
-                          <a:solidFill>
-                            <a:prstClr val="black"/>
-                          </a:solidFill>
-                          <a:effectLst/>
-                          <a:uLnTx/>
-                          <a:uFillTx/>
-                          <a:latin typeface="Montserrat Light" pitchFamily="2" charset="0"/>
-                          <a:ea typeface="Roboto" panose="02000000000000000000" pitchFamily="2" charset="0"/>
-                          <a:cs typeface="Roboto" panose="02000000000000000000" pitchFamily="2" charset="0"/>
-                        </a:rPr>
-                        <a:t>,4%) </a:t>
-                      </a:r>
-                      <a:endParaRPr kumimoji="0" lang="ru-RU" sz="1100" b="0" i="0" u="none" strike="noStrike" kern="1200" cap="none" spc="0" normalizeH="0" baseline="0" noProof="0" dirty="0">
-                        <a:ln>
-                          <a:noFill/>
-                        </a:ln>
-                        <a:solidFill>
-                          <a:prstClr val="black"/>
-                        </a:solidFill>
-                        <a:effectLst/>
-                        <a:uLnTx/>
-                        <a:uFillTx/>
-                        <a:latin typeface="Montserrat Light" pitchFamily="2" charset="0"/>
-                        <a:ea typeface="Roboto" panose="02000000000000000000" pitchFamily="2" charset="0"/>
-                        <a:cs typeface="Roboto" panose="02000000000000000000" pitchFamily="2" charset="0"/>
-                      </a:endParaRPr>
-                    </a:p>
-                  </a:txBody>
-                  <a:tcPr marL="0" marR="0" marT="54000" anchor="ctr">
-                    <a:lnL w="12700" cap="flat" cmpd="sng" algn="ctr">
-                      <a:solidFill>
-                        <a:srgbClr val="E6E6E6"/>
-                      </a:solidFill>
-                      <a:prstDash val="solid"/>
-                      <a:round/>
-                      <a:headEnd type="none" w="med" len="med"/>
-                      <a:tailEnd type="none" w="med" len="med"/>
-                    </a:lnL>
-                    <a:lnR w="12700" cap="flat" cmpd="sng" algn="ctr">
-                      <a:solidFill>
-                        <a:srgbClr val="E6E6E6"/>
-                      </a:solidFill>
-                      <a:prstDash val="solid"/>
-                      <a:round/>
-                      <a:headEnd type="none" w="med" len="med"/>
-                      <a:tailEnd type="none" w="med" len="med"/>
-                    </a:lnR>
-                    <a:lnT w="12700" cap="flat" cmpd="sng" algn="ctr">
-                      <a:solidFill>
-                        <a:srgbClr val="E6E6E6"/>
-                      </a:solidFill>
-                      <a:prstDash val="solid"/>
-                      <a:round/>
-                      <a:headEnd type="none" w="med" len="med"/>
-                      <a:tailEnd type="none" w="med" len="med"/>
-                    </a:lnT>
-                    <a:lnB w="12700" cap="flat" cmpd="sng" algn="ctr">
-                      <a:solidFill>
-                        <a:srgbClr val="E6E6E6"/>
-                      </a:solidFill>
-                      <a:prstDash val="solid"/>
-                      <a:round/>
-                      <a:headEnd type="none" w="med" len="med"/>
-                      <a:tailEnd type="none" w="med" len="med"/>
-                    </a:lnB>
                     <a:solidFill>
-                      <a:schemeClr val="accent4"/>
+                      <a:srgbClr val="FFFFFF"/>
                     </a:solidFill>
                   </a:tcPr>
                 </a:tc>
@@ -26065,87 +25303,22 @@
                     <a:bodyPr/>
                     <a:lstStyle/>
                     <a:p>
-                      <a:pPr marL="0" marR="0" lvl="0" indent="0" algn="ctr" defTabSz="476220" rtl="0" eaLnBrk="1" fontAlgn="auto" latinLnBrk="0" hangingPunct="1">
-                        <a:lnSpc>
-                          <a:spcPct val="100000"/>
-                        </a:lnSpc>
-                        <a:spcBef>
-                          <a:spcPts val="0"/>
-                        </a:spcBef>
-                        <a:spcAft>
-                          <a:spcPts val="0"/>
-                        </a:spcAft>
-                        <a:buClrTx/>
-                        <a:buSzTx/>
-                        <a:buFontTx/>
-                        <a:buNone/>
-                        <a:tabLst/>
-                        <a:defRPr/>
-                      </a:pPr>
-                      <a:r>
-                        <a:rPr kumimoji="0" lang="ru-RU" sz="1100" b="1" i="0" u="none" strike="noStrike" kern="1200" cap="none" spc="0" normalizeH="0" baseline="0" noProof="0" dirty="0">
-                          <a:ln>
-                            <a:noFill/>
-                          </a:ln>
-                          <a:solidFill>
-                            <a:prstClr val="black"/>
-                          </a:solidFill>
-                          <a:effectLst/>
-                          <a:uLnTx/>
-                          <a:uFillTx/>
-                          <a:latin typeface="Montserrat SemiBold" pitchFamily="2" charset="0"/>
-                          <a:ea typeface="Roboto" panose="02000000000000000000" pitchFamily="2" charset="0"/>
-                          <a:cs typeface="Roboto" panose="02000000000000000000" pitchFamily="2" charset="0"/>
-                        </a:rPr>
-                        <a:t>- 28</a:t>
-                      </a:r>
-                      <a:br>
-                        <a:rPr kumimoji="0" lang="en-US" sz="1100" b="1" i="0" u="none" strike="noStrike" kern="1200" cap="none" spc="0" normalizeH="0" baseline="0" noProof="0" dirty="0">
-                          <a:ln>
-                            <a:noFill/>
-                          </a:ln>
-                          <a:solidFill>
-                            <a:prstClr val="black"/>
-                          </a:solidFill>
-                          <a:effectLst/>
-                          <a:uLnTx/>
-                          <a:uFillTx/>
-                          <a:latin typeface="Montserrat SemiBold" pitchFamily="2" charset="0"/>
-                          <a:ea typeface="Roboto" panose="02000000000000000000" pitchFamily="2" charset="0"/>
-                          <a:cs typeface="Roboto" panose="02000000000000000000" pitchFamily="2" charset="0"/>
-                        </a:rPr>
-                      </a:br>
-                      <a:r>
-                        <a:rPr kumimoji="0" lang="ru-RU" sz="900" b="0" i="0" u="none" strike="noStrike" kern="1200" cap="none" spc="0" normalizeH="0" baseline="0" noProof="0" dirty="0">
-                          <a:ln>
-                            <a:noFill/>
-                          </a:ln>
-                          <a:solidFill>
-                            <a:prstClr val="black"/>
-                          </a:solidFill>
-                          <a:effectLst/>
-                          <a:uLnTx/>
-                          <a:uFillTx/>
-                          <a:latin typeface="Montserrat Light" pitchFamily="2" charset="0"/>
-                          <a:ea typeface="Roboto" panose="02000000000000000000" pitchFamily="2" charset="0"/>
-                          <a:cs typeface="Roboto" panose="02000000000000000000" pitchFamily="2" charset="0"/>
-                        </a:rPr>
-                        <a:t>(2,4%) </a:t>
-                      </a:r>
-                      <a:endParaRPr kumimoji="0" lang="ru-RU" sz="1100" b="0" i="0" u="none" strike="noStrike" kern="1200" cap="none" spc="0" normalizeH="0" baseline="0" noProof="0" dirty="0">
-                        <a:ln>
-                          <a:noFill/>
-                        </a:ln>
-                        <a:solidFill>
-                          <a:prstClr val="black"/>
-                        </a:solidFill>
-                        <a:effectLst/>
-                        <a:uLnTx/>
-                        <a:uFillTx/>
-                        <a:latin typeface="Montserrat Light" pitchFamily="2" charset="0"/>
-                        <a:ea typeface="Roboto" panose="02000000000000000000" pitchFamily="2" charset="0"/>
-                        <a:cs typeface="Roboto" panose="02000000000000000000" pitchFamily="2" charset="0"/>
-                      </a:endParaRPr>
+                      <a:pPr algn="ctr"/>
+                      <a:r>
+                        <a:rPr sz="1100" b="1">
+                          <a:latin typeface="Montserrat SemiBold"/>
+                        </a:rPr>
+                        <a:t>-28.5</a:t>
+                      </a:r>
+                    </a:p>
+                    <a:p>
+                      <a:pPr algn="ctr"/>
+                      <a:r>
+                        <a:rPr sz="900">
+                          <a:latin typeface="Montserrat Light"/>
+                        </a:rPr>
+                        <a:t>(2.52%)</a:t>
+                      </a:r>
                     </a:p>
                   </a:txBody>
                   <a:tcPr marL="0" marR="0" marT="54000" anchor="ctr">
@@ -26186,7 +25359,72 @@
                       <a:tailEnd type="none" w="med" len="med"/>
                     </a:lnB>
                     <a:solidFill>
-                      <a:schemeClr val="accent5"/>
+                      <a:srgbClr val="FFE6E7"/>
+                    </a:solidFill>
+                  </a:tcPr>
+                </a:tc>
+                <a:tc>
+                  <a:txBody>
+                    <a:bodyPr/>
+                    <a:lstStyle/>
+                    <a:p>
+                      <a:pPr algn="ctr"/>
+                      <a:r>
+                        <a:rPr sz="1100" b="1">
+                          <a:latin typeface="Montserrat SemiBold"/>
+                        </a:rPr>
+                        <a:t>-125</a:t>
+                      </a:r>
+                    </a:p>
+                    <a:p>
+                      <a:pPr algn="ctr"/>
+                      <a:r>
+                        <a:rPr sz="900">
+                          <a:latin typeface="Montserrat Light"/>
+                        </a:rPr>
+                        <a:t>(10.2%)</a:t>
+                      </a:r>
+                    </a:p>
+                  </a:txBody>
+                  <a:tcPr marL="0" marR="0" marT="54000" anchor="ctr">
+                    <a:lnL w="12700" cap="flat" cmpd="sng" algn="ctr">
+                      <a:solidFill>
+                        <a:srgbClr val="E6E6E6"/>
+                      </a:solidFill>
+                      <a:prstDash val="solid"/>
+                      <a:round/>
+                      <a:headEnd type="none" w="med" len="med"/>
+                      <a:tailEnd type="none" w="med" len="med"/>
+                    </a:lnL>
+                    <a:lnR w="12700" cap="flat" cmpd="sng" algn="ctr">
+                      <a:solidFill>
+                        <a:srgbClr val="E6E6E6"/>
+                      </a:solidFill>
+                      <a:prstDash val="solid"/>
+                      <a:round/>
+                      <a:headEnd type="none" w="med" len="med"/>
+                      <a:tailEnd type="none" w="med" len="med"/>
+                    </a:lnR>
+                    <a:lnT w="12700" cap="flat" cmpd="sng" algn="ctr">
+                      <a:solidFill>
+                        <a:srgbClr val="E6E6E6"/>
+                      </a:solidFill>
+                      <a:prstDash val="solid"/>
+                      <a:round/>
+                      <a:headEnd type="none" w="med" len="med"/>
+                      <a:tailEnd type="none" w="med" len="med"/>
+                    </a:lnT>
+                    <a:lnB w="12700" cap="flat" cmpd="sng" algn="ctr">
+                      <a:solidFill>
+                        <a:srgbClr val="E6E6E6"/>
+                      </a:solidFill>
+                      <a:prstDash val="solid"/>
+                      <a:round/>
+                      <a:headEnd type="none" w="med" len="med"/>
+                      <a:tailEnd type="none" w="med" len="med"/>
+                    </a:lnB>
+                    <a:solidFill>
+                      <a:srgbClr val="FFE6E7"/>
                     </a:solidFill>
                   </a:tcPr>
                 </a:tc>
@@ -26588,83 +25826,26 @@
                     <a:p>
                       <a:pPr algn="ctr"/>
                       <a:r>
-                        <a:rPr lang="en-US" sz="1100" b="1" dirty="0">
+                        <a:rPr sz="1100" b="1">
                           <a:solidFill>
                             <a:srgbClr val="4D4D4D"/>
                           </a:solidFill>
-                          <a:latin typeface="Montserrat" pitchFamily="2" charset="0"/>
-                          <a:ea typeface="Roboto" panose="02000000000000000000" pitchFamily="2" charset="0"/>
-                          <a:cs typeface="Roboto" panose="02000000000000000000" pitchFamily="2" charset="0"/>
-                        </a:rPr>
-                        <a:t>3,83</a:t>
-                      </a:r>
-                      <a:endParaRPr lang="ru-RU" sz="1100" b="1" dirty="0">
-                        <a:solidFill>
-                          <a:srgbClr val="4D4D4D"/>
-                        </a:solidFill>
-                        <a:latin typeface="Montserrat" pitchFamily="2" charset="0"/>
-                        <a:ea typeface="Roboto" panose="02000000000000000000" pitchFamily="2" charset="0"/>
-                        <a:cs typeface="Roboto" panose="02000000000000000000" pitchFamily="2" charset="0"/>
-                      </a:endParaRPr>
-                    </a:p>
-                    <a:p>
-                      <a:pPr algn="ctr">
-                        <a:lnSpc>
-                          <a:spcPts val="900"/>
-                        </a:lnSpc>
-                      </a:pPr>
-                      <a:r>
-                        <a:rPr lang="ru-RU" sz="900" dirty="0">
+                          <a:latin typeface="Montserrat"/>
+                        </a:rPr>
+                        <a:t>7550</a:t>
+                      </a:r>
+                    </a:p>
+                    <a:p>
+                      <a:pPr algn="ctr"/>
+                      <a:r>
+                        <a:rPr sz="900">
                           <a:solidFill>
                             <a:srgbClr val="999999"/>
                           </a:solidFill>
-                          <a:latin typeface="Montserrat" pitchFamily="2" charset="0"/>
-                          <a:ea typeface="Roboto" panose="02000000000000000000" pitchFamily="2" charset="0"/>
-                          <a:cs typeface="Roboto" panose="02000000000000000000" pitchFamily="2" charset="0"/>
-                        </a:rPr>
-                        <a:t>USD/1% </a:t>
-                      </a:r>
-                      <a:r>
-                        <a:rPr lang="ru-RU" sz="900" dirty="0" err="1">
-                          <a:solidFill>
-                            <a:srgbClr val="999999"/>
-                          </a:solidFill>
-                          <a:latin typeface="Montserrat" pitchFamily="2" charset="0"/>
-                          <a:ea typeface="Roboto" panose="02000000000000000000" pitchFamily="2" charset="0"/>
-                          <a:cs typeface="Roboto" panose="02000000000000000000" pitchFamily="2" charset="0"/>
-                        </a:rPr>
-                        <a:t>Mn</a:t>
-                      </a:r>
-                      <a:r>
-                        <a:rPr lang="ru-RU" sz="900" dirty="0">
-                          <a:solidFill>
-                            <a:srgbClr val="999999"/>
-                          </a:solidFill>
-                          <a:latin typeface="Montserrat" pitchFamily="2" charset="0"/>
-                          <a:ea typeface="Roboto" panose="02000000000000000000" pitchFamily="2" charset="0"/>
-                          <a:cs typeface="Roboto" panose="02000000000000000000" pitchFamily="2" charset="0"/>
-                        </a:rPr>
-                        <a:t> в </a:t>
-                      </a:r>
-                      <a:r>
-                        <a:rPr lang="ru-RU" sz="900" dirty="0" err="1">
-                          <a:solidFill>
-                            <a:srgbClr val="999999"/>
-                          </a:solidFill>
-                          <a:latin typeface="Montserrat" pitchFamily="2" charset="0"/>
-                          <a:ea typeface="Roboto" panose="02000000000000000000" pitchFamily="2" charset="0"/>
-                          <a:cs typeface="Roboto" panose="02000000000000000000" pitchFamily="2" charset="0"/>
-                        </a:rPr>
-                        <a:t>смт</a:t>
-                      </a:r>
-                      <a:endParaRPr lang="ru-RU" sz="900" dirty="0">
-                        <a:solidFill>
-                          <a:srgbClr val="999999"/>
-                        </a:solidFill>
-                        <a:latin typeface="Montserrat" pitchFamily="2" charset="0"/>
-                        <a:ea typeface="Roboto" panose="02000000000000000000" pitchFamily="2" charset="0"/>
-                        <a:cs typeface="Roboto" panose="02000000000000000000" pitchFamily="2" charset="0"/>
-                      </a:endParaRPr>
+                          <a:latin typeface="Montserrat"/>
+                        </a:rPr>
+                        <a:t>USD/1% Mn в смт</a:t>
+                      </a:r>
                     </a:p>
                   </a:txBody>
                   <a:tcPr marL="0" marR="0" marT="54000" anchor="ctr">
@@ -26709,54 +25890,13 @@
                     <a:bodyPr/>
                     <a:lstStyle/>
                     <a:p>
-                      <a:pPr marL="0" marR="0" lvl="0" indent="0" algn="ctr" defTabSz="476220" rtl="0" eaLnBrk="1" fontAlgn="auto" latinLnBrk="0" hangingPunct="1">
-                        <a:lnSpc>
-                          <a:spcPts val="1400"/>
-                        </a:lnSpc>
-                        <a:spcBef>
-                          <a:spcPts val="0"/>
-                        </a:spcBef>
-                        <a:spcAft>
-                          <a:spcPts val="0"/>
-                        </a:spcAft>
-                        <a:buClrTx/>
-                        <a:buSzTx/>
-                        <a:buFontTx/>
-                        <a:buNone/>
-                        <a:tabLst/>
-                        <a:defRPr/>
-                      </a:pPr>
-                      <a:r>
-                        <a:rPr kumimoji="0" lang="ru-RU" sz="1100" b="1" i="0" u="none" strike="noStrike" kern="1200" cap="none" spc="0" normalizeH="0" baseline="0" noProof="0" dirty="0">
-                          <a:ln>
-                            <a:noFill/>
-                          </a:ln>
-                          <a:solidFill>
-                            <a:srgbClr val="4D4D4D"/>
-                          </a:solidFill>
-                          <a:effectLst/>
-                          <a:uLnTx/>
-                          <a:uFillTx/>
-                          <a:latin typeface="Montserrat SemiBold" pitchFamily="2" charset="0"/>
-                          <a:ea typeface="Roboto" panose="02000000000000000000" pitchFamily="2" charset="0"/>
-                          <a:cs typeface="Roboto" panose="02000000000000000000" pitchFamily="2" charset="0"/>
+                      <a:pPr algn="ctr"/>
+                      <a:r>
+                        <a:rPr sz="1100" b="1">
+                          <a:latin typeface="Montserrat SemiBold"/>
                         </a:rPr>
                         <a:t>-</a:t>
                       </a:r>
-                      <a:endParaRPr kumimoji="0" lang="ru-RU" sz="1100" b="0" i="0" u="none" strike="noStrike" kern="1200" cap="none" spc="0" normalizeH="0" baseline="0" noProof="0" dirty="0">
-                        <a:ln>
-                          <a:noFill/>
-                        </a:ln>
-                        <a:solidFill>
-                          <a:prstClr val="black"/>
-                        </a:solidFill>
-                        <a:effectLst/>
-                        <a:uLnTx/>
-                        <a:uFillTx/>
-                        <a:latin typeface="Montserrat Light" pitchFamily="2" charset="0"/>
-                        <a:ea typeface="Roboto" panose="02000000000000000000" pitchFamily="2" charset="0"/>
-                        <a:cs typeface="Roboto" panose="02000000000000000000" pitchFamily="2" charset="0"/>
-                      </a:endParaRPr>
                     </a:p>
                   </a:txBody>
                   <a:tcPr marL="0" marR="0" marT="54000" anchor="ctr">
@@ -26794,7 +25934,9 @@
                       <a:headEnd type="none" w="med" len="med"/>
                       <a:tailEnd type="none" w="med" len="med"/>
                     </a:lnB>
-                    <a:noFill/>
+                    <a:solidFill>
+                      <a:srgbClr val="FFFFFF"/>
+                    </a:solidFill>
                   </a:tcPr>
                 </a:tc>
                 <a:tc>
@@ -26802,54 +25944,22 @@
                     <a:bodyPr/>
                     <a:lstStyle/>
                     <a:p>
-                      <a:pPr marL="0" marR="0" lvl="0" indent="0" algn="ctr" defTabSz="476220" rtl="0" eaLnBrk="1" fontAlgn="auto" latinLnBrk="0" hangingPunct="1">
-                        <a:lnSpc>
-                          <a:spcPts val="1400"/>
-                        </a:lnSpc>
-                        <a:spcBef>
-                          <a:spcPts val="0"/>
-                        </a:spcBef>
-                        <a:spcAft>
-                          <a:spcPts val="0"/>
-                        </a:spcAft>
-                        <a:buClrTx/>
-                        <a:buSzTx/>
-                        <a:buFontTx/>
-                        <a:buNone/>
-                        <a:tabLst/>
-                        <a:defRPr/>
-                      </a:pPr>
-                      <a:r>
-                        <a:rPr kumimoji="0" lang="ru-RU" sz="1100" b="1" i="0" u="none" strike="noStrike" kern="1200" cap="none" spc="0" normalizeH="0" baseline="0" noProof="0" dirty="0">
-                          <a:ln>
-                            <a:noFill/>
-                          </a:ln>
-                          <a:solidFill>
-                            <a:srgbClr val="4D4D4D"/>
-                          </a:solidFill>
-                          <a:effectLst/>
-                          <a:uLnTx/>
-                          <a:uFillTx/>
-                          <a:latin typeface="Montserrat SemiBold" pitchFamily="2" charset="0"/>
-                          <a:ea typeface="Roboto" panose="02000000000000000000" pitchFamily="2" charset="0"/>
-                          <a:cs typeface="Roboto" panose="02000000000000000000" pitchFamily="2" charset="0"/>
-                        </a:rPr>
-                        <a:t>-</a:t>
-                      </a:r>
-                      <a:endParaRPr kumimoji="0" lang="ru-RU" sz="1100" b="0" i="0" u="none" strike="noStrike" kern="1200" cap="none" spc="0" normalizeH="0" baseline="0" noProof="0" dirty="0">
-                        <a:ln>
-                          <a:noFill/>
-                        </a:ln>
-                        <a:solidFill>
-                          <a:prstClr val="black"/>
-                        </a:solidFill>
-                        <a:effectLst/>
-                        <a:uLnTx/>
-                        <a:uFillTx/>
-                        <a:latin typeface="Montserrat Light" pitchFamily="2" charset="0"/>
-                        <a:ea typeface="Roboto" panose="02000000000000000000" pitchFamily="2" charset="0"/>
-                        <a:cs typeface="Roboto" panose="02000000000000000000" pitchFamily="2" charset="0"/>
-                      </a:endParaRPr>
+                      <a:pPr algn="ctr"/>
+                      <a:r>
+                        <a:rPr sz="1100" b="1">
+                          <a:latin typeface="Montserrat SemiBold"/>
+                        </a:rPr>
+                        <a:t>-0.2</a:t>
+                      </a:r>
+                    </a:p>
+                    <a:p>
+                      <a:pPr algn="ctr"/>
+                      <a:r>
+                        <a:rPr sz="900">
+                          <a:latin typeface="Montserrat Light"/>
+                        </a:rPr>
+                        <a:t>(4.97%)</a:t>
+                      </a:r>
                     </a:p>
                   </a:txBody>
                   <a:tcPr marL="0" marR="0" marT="54000" anchor="ctr">
@@ -26887,7 +25997,9 @@
                       <a:headEnd type="none" w="med" len="med"/>
                       <a:tailEnd type="none" w="med" len="med"/>
                     </a:lnB>
-                    <a:noFill/>
+                    <a:solidFill>
+                      <a:srgbClr val="FFE6E7"/>
+                    </a:solidFill>
                   </a:tcPr>
                 </a:tc>
                 <a:tc>
@@ -26895,104 +26007,22 @@
                     <a:bodyPr/>
                     <a:lstStyle/>
                     <a:p>
-                      <a:pPr marL="0" marR="0" lvl="0" indent="0" algn="ctr" defTabSz="476220" rtl="0" eaLnBrk="1" fontAlgn="auto" latinLnBrk="0" hangingPunct="1">
-                        <a:lnSpc>
-                          <a:spcPct val="100000"/>
-                        </a:lnSpc>
-                        <a:spcBef>
-                          <a:spcPts val="0"/>
-                        </a:spcBef>
-                        <a:spcAft>
-                          <a:spcPts val="0"/>
-                        </a:spcAft>
-                        <a:buClrTx/>
-                        <a:buSzTx/>
-                        <a:buFontTx/>
-                        <a:buNone/>
-                        <a:tabLst/>
-                        <a:defRPr/>
-                      </a:pPr>
-                      <a:r>
-                        <a:rPr kumimoji="0" lang="en-US" sz="1100" b="1" i="0" u="none" strike="noStrike" kern="1200" cap="none" spc="0" normalizeH="0" baseline="0" noProof="0" dirty="0">
-                          <a:ln>
-                            <a:noFill/>
-                          </a:ln>
-                          <a:solidFill>
-                            <a:prstClr val="black"/>
-                          </a:solidFill>
-                          <a:effectLst/>
-                          <a:uLnTx/>
-                          <a:uFillTx/>
-                          <a:latin typeface="Montserrat SemiBold" pitchFamily="2" charset="0"/>
-                          <a:ea typeface="Roboto" panose="02000000000000000000" pitchFamily="2" charset="0"/>
-                          <a:cs typeface="Roboto" panose="02000000000000000000" pitchFamily="2" charset="0"/>
-                        </a:rPr>
-                        <a:t>- 0,</a:t>
-                      </a:r>
-                      <a:r>
-                        <a:rPr kumimoji="0" lang="ru-RU" sz="1100" b="1" i="0" u="none" strike="noStrike" kern="1200" cap="none" spc="0" normalizeH="0" baseline="0" noProof="0" dirty="0">
-                          <a:ln>
-                            <a:noFill/>
-                          </a:ln>
-                          <a:solidFill>
-                            <a:prstClr val="black"/>
-                          </a:solidFill>
-                          <a:effectLst/>
-                          <a:uLnTx/>
-                          <a:uFillTx/>
-                          <a:latin typeface="Montserrat SemiBold" pitchFamily="2" charset="0"/>
-                          <a:ea typeface="Roboto" panose="02000000000000000000" pitchFamily="2" charset="0"/>
-                          <a:cs typeface="Roboto" panose="02000000000000000000" pitchFamily="2" charset="0"/>
-                        </a:rPr>
-                        <a:t>20</a:t>
-                      </a:r>
-                      <a:br>
-                        <a:rPr kumimoji="0" lang="en-US" sz="1100" b="1" i="0" u="none" strike="noStrike" kern="1200" cap="none" spc="0" normalizeH="0" baseline="0" noProof="0" dirty="0">
-                          <a:ln>
-                            <a:noFill/>
-                          </a:ln>
-                          <a:solidFill>
-                            <a:prstClr val="black"/>
-                          </a:solidFill>
-                          <a:effectLst/>
-                          <a:uLnTx/>
-                          <a:uFillTx/>
-                          <a:latin typeface="Montserrat SemiBold" pitchFamily="2" charset="0"/>
-                          <a:ea typeface="Roboto" panose="02000000000000000000" pitchFamily="2" charset="0"/>
-                          <a:cs typeface="Roboto" panose="02000000000000000000" pitchFamily="2" charset="0"/>
-                        </a:rPr>
-                      </a:br>
-                      <a:r>
-                        <a:rPr kumimoji="0" lang="ru-RU" sz="900" b="0" i="0" u="none" strike="noStrike" kern="1200" cap="none" spc="0" normalizeH="0" baseline="0" noProof="0" dirty="0">
-                          <a:ln>
-                            <a:noFill/>
-                          </a:ln>
-                          <a:solidFill>
-                            <a:prstClr val="black"/>
-                          </a:solidFill>
-                          <a:effectLst/>
-                          <a:uLnTx/>
-                          <a:uFillTx/>
-                          <a:latin typeface="Montserrat Light" pitchFamily="2" charset="0"/>
-                          <a:ea typeface="Roboto" panose="02000000000000000000" pitchFamily="2" charset="0"/>
-                          <a:cs typeface="Roboto" panose="02000000000000000000" pitchFamily="2" charset="0"/>
-                        </a:rPr>
-                        <a:t>(5,0%) </a:t>
-                      </a:r>
-                      <a:endParaRPr kumimoji="0" lang="ru-RU" sz="1100" b="0" i="0" u="none" strike="noStrike" kern="1200" cap="none" spc="0" normalizeH="0" baseline="0" noProof="0" dirty="0">
-                        <a:ln>
-                          <a:noFill/>
-                        </a:ln>
-                        <a:solidFill>
-                          <a:prstClr val="black"/>
-                        </a:solidFill>
-                        <a:effectLst/>
-                        <a:uLnTx/>
-                        <a:uFillTx/>
-                        <a:latin typeface="Montserrat Light" pitchFamily="2" charset="0"/>
-                        <a:ea typeface="Roboto" panose="02000000000000000000" pitchFamily="2" charset="0"/>
-                        <a:cs typeface="Roboto" panose="02000000000000000000" pitchFamily="2" charset="0"/>
-                      </a:endParaRPr>
+                      <a:pPr algn="ctr"/>
+                      <a:r>
+                        <a:rPr sz="1100" b="1">
+                          <a:latin typeface="Montserrat SemiBold"/>
+                        </a:rPr>
+                        <a:t>-0.38</a:t>
+                      </a:r>
+                    </a:p>
+                    <a:p>
+                      <a:pPr algn="ctr"/>
+                      <a:r>
+                        <a:rPr sz="900">
+                          <a:latin typeface="Montserrat Light"/>
+                        </a:rPr>
+                        <a:t>(8.93%)</a:t>
+                      </a:r>
                     </a:p>
                   </a:txBody>
                   <a:tcPr marL="0" marR="0" marT="54000" anchor="ctr">
@@ -27031,7 +26061,7 @@
                       <a:tailEnd type="none" w="med" len="med"/>
                     </a:lnB>
                     <a:solidFill>
-                      <a:schemeClr val="accent5"/>
+                      <a:srgbClr val="FFE6E7"/>
                     </a:solidFill>
                   </a:tcPr>
                 </a:tc>
